--- a/ai/10.1.pptx
+++ b/ai/10.1.pptx
@@ -23,7 +23,7 @@
     <p:sldId id="268" r:id="rId14"/>
     <p:sldId id="269" r:id="rId15"/>
     <p:sldId id="270" r:id="rId16"/>
-    <p:sldId id="271" r:id="rId17"/>
+    <p:sldId id="286" r:id="rId17"/>
   </p:sldIdLst>
   <p:sldSz cx="16256000" cy="9144000"/>
   <p:notesSz cx="6858000" cy="9144000"/>
@@ -231,7 +231,7 @@
   </p:defaultTextStyle>
   <p:extLst>
     <p:ext uri="{EFAFB233-063F-42B5-8137-9DF3F51BA10A}">
-      <p15:sldGuideLst xmlns="" xmlns:p15="http://schemas.microsoft.com/office/powerpoint/2012/main">
+      <p15:sldGuideLst xmlns:p15="http://schemas.microsoft.com/office/powerpoint/2012/main">
         <p15:guide id="1" orient="horz" pos="2880">
           <p15:clr>
             <a:srgbClr val="A4A3A4"/>
@@ -582,37 +582,24 @@
                   <a:schemeClr val="dk2"/>
                 </a:solidFill>
               </a:rPr>
-              <a:t>Note from Chuck.  If you are using these materials, you can remove the UM logo and replace it with your own, but please retain the CC-BY logo on the first page as well as retain the </a:t>
-            </a:r>
-            <a:r>
-              <a:rPr lang="en-US" sz="1100" b="0" i="0" u="none" strike="noStrike" cap="none" dirty="0" smtClean="0">
+              <a:t>Note from Chuck.  If you are using these materials, you can remove the UM logo and replace it with your own, but please retain the CC-BY logo on the first page as well as retain the acknowledgement</a:t>
+            </a:r>
+            <a:r>
+              <a:rPr lang="en-US" sz="1100" b="0" i="0" u="none" strike="noStrike" cap="none" baseline="0" dirty="0">
                 <a:solidFill>
                   <a:schemeClr val="dk2"/>
                 </a:solidFill>
               </a:rPr>
-              <a:t>acknowledgement</a:t>
-            </a:r>
-            <a:r>
-              <a:rPr lang="en-US" sz="1100" b="0" i="0" u="none" strike="noStrike" cap="none" baseline="0" dirty="0" smtClean="0">
+              <a:t> </a:t>
+            </a:r>
+            <a:r>
+              <a:rPr lang="en-US" sz="1100" b="0" i="0" u="none" strike="noStrike" cap="none" dirty="0">
                 <a:solidFill>
                   <a:schemeClr val="dk2"/>
                 </a:solidFill>
               </a:rPr>
-              <a:t> </a:t>
-            </a:r>
-            <a:r>
-              <a:rPr lang="en-US" sz="1100" b="0" i="0" u="none" strike="noStrike" cap="none" dirty="0" smtClean="0">
-                <a:solidFill>
-                  <a:schemeClr val="dk2"/>
-                </a:solidFill>
-              </a:rPr>
               <a:t>page(s) at the end.</a:t>
             </a:r>
-            <a:endParaRPr lang="en-US" sz="1100" b="0" i="0" u="none" strike="noStrike" cap="none" dirty="0">
-              <a:solidFill>
-                <a:schemeClr val="dk2"/>
-              </a:solidFill>
-            </a:endParaRPr>
           </a:p>
         </p:txBody>
       </p:sp>
@@ -1417,7 +1404,7 @@
   <p:cSld>
     <p:spTree>
       <p:nvGrpSpPr>
-        <p:cNvPr id="1" name="Shape 268"/>
+        <p:cNvPr id="1" name="Shape 538"/>
         <p:cNvGrpSpPr/>
         <p:nvPr/>
       </p:nvGrpSpPr>
@@ -1431,7 +1418,7 @@
       </p:grpSpPr>
       <p:sp>
         <p:nvSpPr>
-          <p:cNvPr id="269" name="Shape 269"/>
+          <p:cNvPr id="539" name="Shape 539"/>
           <p:cNvSpPr>
             <a:spLocks noGrp="1" noRot="1" noChangeAspect="1"/>
           </p:cNvSpPr>
@@ -1468,21 +1455,11 @@
               </a:path>
             </a:pathLst>
           </a:custGeom>
-          <a:noFill/>
-          <a:ln w="9525" cap="flat" cmpd="sng">
-            <a:solidFill>
-              <a:srgbClr val="000000"/>
-            </a:solidFill>
-            <a:prstDash val="solid"/>
-            <a:round/>
-            <a:headEnd type="none" w="med" len="med"/>
-            <a:tailEnd type="none" w="med" len="med"/>
-          </a:ln>
         </p:spPr>
       </p:sp>
       <p:sp>
         <p:nvSpPr>
-          <p:cNvPr id="270" name="Shape 270"/>
+          <p:cNvPr id="540" name="Shape 540"/>
           <p:cNvSpPr txBox="1">
             <a:spLocks noGrp="1"/>
           </p:cNvSpPr>
@@ -1509,22 +1486,20 @@
           </a:bodyPr>
           <a:lstStyle/>
           <a:p>
-            <a:pPr marL="0" marR="0" lvl="0" indent="0" algn="l" rtl="0">
-              <a:spcBef>
-                <a:spcPts val="0"/>
-              </a:spcBef>
-              <a:buSzPct val="25000"/>
-              <a:buFont typeface="Arial"/>
-              <a:buNone/>
-            </a:pPr>
-            <a:endParaRPr sz="1100" b="0" i="0" u="none" strike="noStrike" cap="none"/>
+            <a:pPr lvl="0">
+              <a:spcBef>
+                <a:spcPts val="0"/>
+              </a:spcBef>
+              <a:buNone/>
+            </a:pPr>
+            <a:endParaRPr/>
           </a:p>
         </p:txBody>
       </p:sp>
     </p:spTree>
     <p:extLst>
       <p:ext uri="{BB962C8B-B14F-4D97-AF65-F5344CB8AC3E}">
-        <p14:creationId xmlns:p14="http://schemas.microsoft.com/office/powerpoint/2010/main" val="61249727"/>
+        <p14:creationId xmlns:p14="http://schemas.microsoft.com/office/powerpoint/2010/main" val="1529538552"/>
       </p:ext>
     </p:extLst>
   </p:cSld>
@@ -2583,7 +2558,7 @@
           </a:lstStyle>
           <a:p>
             <a:r>
-              <a:rPr lang="en-US" smtClean="0"/>
+              <a:rPr lang="en-US"/>
               <a:t>Click to edit Master title style</a:t>
             </a:r>
             <a:endParaRPr lang="en-US" dirty="0"/>
@@ -2711,7 +2686,7 @@
           </a:lstStyle>
           <a:p>
             <a:r>
-              <a:rPr lang="en-US" smtClean="0"/>
+              <a:rPr lang="en-US"/>
               <a:t>Click to edit Master subtitle style</a:t>
             </a:r>
             <a:endParaRPr lang="en-US" dirty="0"/>
@@ -2929,6 +2904,149 @@
 </p:sldLayout>
 </file>
 
+<file path=ppt/slideLayouts/slideLayout12.xml><?xml version="1.0" encoding="utf-8"?>
+<p:sldLayout xmlns:a="http://schemas.openxmlformats.org/drawingml/2006/main" xmlns:r="http://schemas.openxmlformats.org/officeDocument/2006/relationships" xmlns:p="http://schemas.openxmlformats.org/presentationml/2006/main" userDrawn="1">
+  <p:cSld name="TItle">
+    <p:spTree>
+      <p:nvGrpSpPr>
+        <p:cNvPr id="1" name="Shape 194"/>
+        <p:cNvGrpSpPr/>
+        <p:nvPr/>
+      </p:nvGrpSpPr>
+      <p:grpSpPr>
+        <a:xfrm>
+          <a:off x="0" y="0"/>
+          <a:ext cx="0" cy="0"/>
+          <a:chOff x="0" y="0"/>
+          <a:chExt cx="0" cy="0"/>
+        </a:xfrm>
+      </p:grpSpPr>
+      <p:sp>
+        <p:nvSpPr>
+          <p:cNvPr id="195" name="Shape 195"/>
+          <p:cNvSpPr txBox="1">
+            <a:spLocks noGrp="1"/>
+          </p:cNvSpPr>
+          <p:nvPr>
+            <p:ph type="title"/>
+          </p:nvPr>
+        </p:nvSpPr>
+        <p:spPr>
+          <a:xfrm>
+            <a:off x="1155700" y="833718"/>
+            <a:ext cx="13932000" cy="1706182"/>
+          </a:xfrm>
+          <a:prstGeom prst="rect">
+            <a:avLst/>
+          </a:prstGeom>
+          <a:noFill/>
+          <a:ln>
+            <a:noFill/>
+          </a:ln>
+        </p:spPr>
+        <p:txBody>
+          <a:bodyPr lIns="91425" tIns="91425" rIns="91425" bIns="91425" anchor="ctr" anchorCtr="0"/>
+          <a:lstStyle>
+            <a:lvl1pPr lvl="0" algn="ctr" rtl="0">
+              <a:spcBef>
+                <a:spcPts val="0"/>
+              </a:spcBef>
+              <a:spcAft>
+                <a:spcPts val="0"/>
+              </a:spcAft>
+              <a:defRPr/>
+            </a:lvl1pPr>
+            <a:lvl2pPr lvl="1" algn="ctr" rtl="0">
+              <a:spcBef>
+                <a:spcPts val="0"/>
+              </a:spcBef>
+              <a:spcAft>
+                <a:spcPts val="0"/>
+              </a:spcAft>
+              <a:defRPr/>
+            </a:lvl2pPr>
+            <a:lvl3pPr lvl="2" algn="ctr" rtl="0">
+              <a:spcBef>
+                <a:spcPts val="0"/>
+              </a:spcBef>
+              <a:spcAft>
+                <a:spcPts val="0"/>
+              </a:spcAft>
+              <a:defRPr/>
+            </a:lvl3pPr>
+            <a:lvl4pPr lvl="3" algn="ctr" rtl="0">
+              <a:spcBef>
+                <a:spcPts val="0"/>
+              </a:spcBef>
+              <a:spcAft>
+                <a:spcPts val="0"/>
+              </a:spcAft>
+              <a:defRPr/>
+            </a:lvl4pPr>
+            <a:lvl5pPr lvl="4" algn="ctr" rtl="0">
+              <a:spcBef>
+                <a:spcPts val="0"/>
+              </a:spcBef>
+              <a:spcAft>
+                <a:spcPts val="0"/>
+              </a:spcAft>
+              <a:defRPr/>
+            </a:lvl5pPr>
+            <a:lvl6pPr marL="457200" lvl="5" algn="ctr" rtl="0">
+              <a:spcBef>
+                <a:spcPts val="0"/>
+              </a:spcBef>
+              <a:spcAft>
+                <a:spcPts val="0"/>
+              </a:spcAft>
+              <a:defRPr/>
+            </a:lvl6pPr>
+            <a:lvl7pPr marL="914400" lvl="6" algn="ctr" rtl="0">
+              <a:spcBef>
+                <a:spcPts val="0"/>
+              </a:spcBef>
+              <a:spcAft>
+                <a:spcPts val="0"/>
+              </a:spcAft>
+              <a:defRPr/>
+            </a:lvl7pPr>
+            <a:lvl8pPr marL="1371600" lvl="7" algn="ctr" rtl="0">
+              <a:spcBef>
+                <a:spcPts val="0"/>
+              </a:spcBef>
+              <a:spcAft>
+                <a:spcPts val="0"/>
+              </a:spcAft>
+              <a:defRPr/>
+            </a:lvl8pPr>
+            <a:lvl9pPr marL="1828800" lvl="8" algn="ctr" rtl="0">
+              <a:spcBef>
+                <a:spcPts val="0"/>
+              </a:spcBef>
+              <a:spcAft>
+                <a:spcPts val="0"/>
+              </a:spcAft>
+              <a:defRPr/>
+            </a:lvl9pPr>
+          </a:lstStyle>
+          <a:p>
+            <a:endParaRPr/>
+          </a:p>
+        </p:txBody>
+      </p:sp>
+    </p:spTree>
+    <p:extLst>
+      <p:ext uri="{BB962C8B-B14F-4D97-AF65-F5344CB8AC3E}">
+        <p14:creationId xmlns:p14="http://schemas.microsoft.com/office/powerpoint/2010/main" val="2795028380"/>
+      </p:ext>
+    </p:extLst>
+  </p:cSld>
+  <p:clrMapOvr>
+    <a:masterClrMapping/>
+  </p:clrMapOvr>
+</p:sldLayout>
+</file>
+
 <file path=ppt/slideLayouts/slideLayout2.xml><?xml version="1.0" encoding="utf-8"?>
 <p:sldLayout xmlns:a="http://schemas.openxmlformats.org/drawingml/2006/main" xmlns:r="http://schemas.openxmlformats.org/officeDocument/2006/relationships" xmlns:p="http://schemas.openxmlformats.org/presentationml/2006/main" type="obj" preserve="1">
   <p:cSld name="Title and Content">
@@ -2987,7 +3105,7 @@
           </a:lstStyle>
           <a:p>
             <a:r>
-              <a:rPr lang="en-US" smtClean="0"/>
+              <a:rPr lang="en-US"/>
               <a:t>Click to edit Master title style</a:t>
             </a:r>
             <a:endParaRPr lang="en-US" dirty="0"/>
@@ -3052,35 +3170,35 @@
           <a:p>
             <a:pPr lvl="0"/>
             <a:r>
-              <a:rPr lang="en-US" smtClean="0"/>
+              <a:rPr lang="en-US"/>
               <a:t>Click to edit Master text styles</a:t>
             </a:r>
           </a:p>
           <a:p>
             <a:pPr lvl="1"/>
             <a:r>
-              <a:rPr lang="en-US" smtClean="0"/>
+              <a:rPr lang="en-US"/>
               <a:t>Second level</a:t>
             </a:r>
           </a:p>
           <a:p>
             <a:pPr lvl="2"/>
             <a:r>
-              <a:rPr lang="en-US" smtClean="0"/>
+              <a:rPr lang="en-US"/>
               <a:t>Third level</a:t>
             </a:r>
           </a:p>
           <a:p>
             <a:pPr lvl="3"/>
             <a:r>
-              <a:rPr lang="en-US" smtClean="0"/>
+              <a:rPr lang="en-US"/>
               <a:t>Fourth level</a:t>
             </a:r>
           </a:p>
           <a:p>
             <a:pPr lvl="4"/>
             <a:r>
-              <a:rPr lang="en-US" smtClean="0"/>
+              <a:rPr lang="en-US"/>
               <a:t>Fifth level</a:t>
             </a:r>
             <a:endParaRPr lang="en-US" dirty="0"/>
@@ -3150,7 +3268,7 @@
           </a:lstStyle>
           <a:p>
             <a:r>
-              <a:rPr lang="en-US" smtClean="0"/>
+              <a:rPr lang="en-US"/>
               <a:t>Click to edit Master title style</a:t>
             </a:r>
             <a:endParaRPr lang="en-US" dirty="0"/>
@@ -3270,7 +3388,7 @@
           <a:p>
             <a:pPr lvl="0"/>
             <a:r>
-              <a:rPr lang="en-US" smtClean="0"/>
+              <a:rPr lang="en-US"/>
               <a:t>Click to edit Master text styles</a:t>
             </a:r>
           </a:p>
@@ -3341,7 +3459,7 @@
           </a:lstStyle>
           <a:p>
             <a:r>
-              <a:rPr lang="en-US" smtClean="0"/>
+              <a:rPr lang="en-US"/>
               <a:t>Click to edit Master title style</a:t>
             </a:r>
             <a:endParaRPr lang="en-US" dirty="0"/>
@@ -3416,35 +3534,35 @@
           <a:p>
             <a:pPr lvl="0"/>
             <a:r>
-              <a:rPr lang="en-US" smtClean="0"/>
+              <a:rPr lang="en-US"/>
               <a:t>Click to edit Master text styles</a:t>
             </a:r>
           </a:p>
           <a:p>
             <a:pPr lvl="1"/>
             <a:r>
-              <a:rPr lang="en-US" smtClean="0"/>
+              <a:rPr lang="en-US"/>
               <a:t>Second level</a:t>
             </a:r>
           </a:p>
           <a:p>
             <a:pPr lvl="2"/>
             <a:r>
-              <a:rPr lang="en-US" smtClean="0"/>
+              <a:rPr lang="en-US"/>
               <a:t>Third level</a:t>
             </a:r>
           </a:p>
           <a:p>
             <a:pPr lvl="3"/>
             <a:r>
-              <a:rPr lang="en-US" smtClean="0"/>
+              <a:rPr lang="en-US"/>
               <a:t>Fourth level</a:t>
             </a:r>
           </a:p>
           <a:p>
             <a:pPr lvl="4"/>
             <a:r>
-              <a:rPr lang="en-US" smtClean="0"/>
+              <a:rPr lang="en-US"/>
               <a:t>Fifth level</a:t>
             </a:r>
             <a:endParaRPr lang="en-US" dirty="0"/>
@@ -3519,35 +3637,35 @@
           <a:p>
             <a:pPr lvl="0"/>
             <a:r>
-              <a:rPr lang="en-US" smtClean="0"/>
+              <a:rPr lang="en-US"/>
               <a:t>Click to edit Master text styles</a:t>
             </a:r>
           </a:p>
           <a:p>
             <a:pPr lvl="1"/>
             <a:r>
-              <a:rPr lang="en-US" smtClean="0"/>
+              <a:rPr lang="en-US"/>
               <a:t>Second level</a:t>
             </a:r>
           </a:p>
           <a:p>
             <a:pPr lvl="2"/>
             <a:r>
-              <a:rPr lang="en-US" smtClean="0"/>
+              <a:rPr lang="en-US"/>
               <a:t>Third level</a:t>
             </a:r>
           </a:p>
           <a:p>
             <a:pPr lvl="3"/>
             <a:r>
-              <a:rPr lang="en-US" smtClean="0"/>
+              <a:rPr lang="en-US"/>
               <a:t>Fourth level</a:t>
             </a:r>
           </a:p>
           <a:p>
             <a:pPr lvl="4"/>
             <a:r>
-              <a:rPr lang="en-US" smtClean="0"/>
+              <a:rPr lang="en-US"/>
               <a:t>Fifth level</a:t>
             </a:r>
             <a:endParaRPr lang="en-US" dirty="0"/>
@@ -3619,7 +3737,7 @@
           </a:lstStyle>
           <a:p>
             <a:r>
-              <a:rPr lang="en-US" smtClean="0"/>
+              <a:rPr lang="en-US"/>
               <a:t>Click to edit Master title style</a:t>
             </a:r>
             <a:endParaRPr lang="en-US" dirty="0"/>
@@ -3694,7 +3812,7 @@
           <a:p>
             <a:pPr lvl="0"/>
             <a:r>
-              <a:rPr lang="en-US" smtClean="0"/>
+              <a:rPr lang="en-US"/>
               <a:t>Click to edit Master text styles</a:t>
             </a:r>
           </a:p>
@@ -3765,35 +3883,35 @@
           <a:p>
             <a:pPr lvl="0"/>
             <a:r>
-              <a:rPr lang="en-US" smtClean="0"/>
+              <a:rPr lang="en-US"/>
               <a:t>Click to edit Master text styles</a:t>
             </a:r>
           </a:p>
           <a:p>
             <a:pPr lvl="1"/>
             <a:r>
-              <a:rPr lang="en-US" smtClean="0"/>
+              <a:rPr lang="en-US"/>
               <a:t>Second level</a:t>
             </a:r>
           </a:p>
           <a:p>
             <a:pPr lvl="2"/>
             <a:r>
-              <a:rPr lang="en-US" smtClean="0"/>
+              <a:rPr lang="en-US"/>
               <a:t>Third level</a:t>
             </a:r>
           </a:p>
           <a:p>
             <a:pPr lvl="3"/>
             <a:r>
-              <a:rPr lang="en-US" smtClean="0"/>
+              <a:rPr lang="en-US"/>
               <a:t>Fourth level</a:t>
             </a:r>
           </a:p>
           <a:p>
             <a:pPr lvl="4"/>
             <a:r>
-              <a:rPr lang="en-US" smtClean="0"/>
+              <a:rPr lang="en-US"/>
               <a:t>Fifth level</a:t>
             </a:r>
             <a:endParaRPr lang="en-US" dirty="0"/>
@@ -3868,7 +3986,7 @@
           <a:p>
             <a:pPr lvl="0"/>
             <a:r>
-              <a:rPr lang="en-US" smtClean="0"/>
+              <a:rPr lang="en-US"/>
               <a:t>Click to edit Master text styles</a:t>
             </a:r>
           </a:p>
@@ -3939,35 +4057,35 @@
           <a:p>
             <a:pPr lvl="0"/>
             <a:r>
-              <a:rPr lang="en-US" smtClean="0"/>
+              <a:rPr lang="en-US"/>
               <a:t>Click to edit Master text styles</a:t>
             </a:r>
           </a:p>
           <a:p>
             <a:pPr lvl="1"/>
             <a:r>
-              <a:rPr lang="en-US" smtClean="0"/>
+              <a:rPr lang="en-US"/>
               <a:t>Second level</a:t>
             </a:r>
           </a:p>
           <a:p>
             <a:pPr lvl="2"/>
             <a:r>
-              <a:rPr lang="en-US" smtClean="0"/>
+              <a:rPr lang="en-US"/>
               <a:t>Third level</a:t>
             </a:r>
           </a:p>
           <a:p>
             <a:pPr lvl="3"/>
             <a:r>
-              <a:rPr lang="en-US" smtClean="0"/>
+              <a:rPr lang="en-US"/>
               <a:t>Fourth level</a:t>
             </a:r>
           </a:p>
           <a:p>
             <a:pPr lvl="4"/>
             <a:r>
-              <a:rPr lang="en-US" smtClean="0"/>
+              <a:rPr lang="en-US"/>
               <a:t>Fifth level</a:t>
             </a:r>
             <a:endParaRPr lang="en-US" dirty="0"/>
@@ -4039,7 +4157,7 @@
           </a:lstStyle>
           <a:p>
             <a:r>
-              <a:rPr lang="en-US" smtClean="0"/>
+              <a:rPr lang="en-US"/>
               <a:t>Click to edit Master title style</a:t>
             </a:r>
             <a:endParaRPr lang="en-US" dirty="0"/>
@@ -4140,7 +4258,7 @@
           </a:lstStyle>
           <a:p>
             <a:r>
-              <a:rPr lang="en-US" smtClean="0"/>
+              <a:rPr lang="en-US"/>
               <a:t>Click to edit Master title style</a:t>
             </a:r>
             <a:endParaRPr lang="en-US" dirty="0"/>
@@ -4215,35 +4333,35 @@
           <a:p>
             <a:pPr lvl="0"/>
             <a:r>
-              <a:rPr lang="en-US" smtClean="0"/>
+              <a:rPr lang="en-US"/>
               <a:t>Click to edit Master text styles</a:t>
             </a:r>
           </a:p>
           <a:p>
             <a:pPr lvl="1"/>
             <a:r>
-              <a:rPr lang="en-US" smtClean="0"/>
+              <a:rPr lang="en-US"/>
               <a:t>Second level</a:t>
             </a:r>
           </a:p>
           <a:p>
             <a:pPr lvl="2"/>
             <a:r>
-              <a:rPr lang="en-US" smtClean="0"/>
+              <a:rPr lang="en-US"/>
               <a:t>Third level</a:t>
             </a:r>
           </a:p>
           <a:p>
             <a:pPr lvl="3"/>
             <a:r>
-              <a:rPr lang="en-US" smtClean="0"/>
+              <a:rPr lang="en-US"/>
               <a:t>Fourth level</a:t>
             </a:r>
           </a:p>
           <a:p>
             <a:pPr lvl="4"/>
             <a:r>
-              <a:rPr lang="en-US" smtClean="0"/>
+              <a:rPr lang="en-US"/>
               <a:t>Fifth level</a:t>
             </a:r>
             <a:endParaRPr lang="en-US" dirty="0"/>
@@ -4313,7 +4431,7 @@
           <a:p>
             <a:pPr lvl="0"/>
             <a:r>
-              <a:rPr lang="en-US" smtClean="0"/>
+              <a:rPr lang="en-US"/>
               <a:t>Click to edit Master text styles</a:t>
             </a:r>
           </a:p>
@@ -4384,7 +4502,7 @@
           </a:lstStyle>
           <a:p>
             <a:r>
-              <a:rPr lang="en-US" smtClean="0"/>
+              <a:rPr lang="en-US"/>
               <a:t>Click to edit Master title style</a:t>
             </a:r>
             <a:endParaRPr lang="en-US" dirty="0"/>
@@ -4449,10 +4567,9 @@
           </a:lstStyle>
           <a:p>
             <a:r>
-              <a:rPr lang="en-US" smtClean="0"/>
+              <a:rPr lang="en-US"/>
               <a:t>Drag picture to placeholder or click icon to add</a:t>
             </a:r>
-            <a:endParaRPr lang="en-US"/>
           </a:p>
         </p:txBody>
       </p:sp>
@@ -4521,7 +4638,7 @@
           <a:p>
             <a:pPr lvl="0"/>
             <a:r>
-              <a:rPr lang="en-US" smtClean="0"/>
+              <a:rPr lang="en-US"/>
               <a:t>Click to edit Master text styles</a:t>
             </a:r>
           </a:p>
@@ -4593,35 +4710,35 @@
           <a:p>
             <a:pPr lvl="0"/>
             <a:r>
-              <a:rPr lang="en-US" smtClean="0"/>
+              <a:rPr lang="en-US"/>
               <a:t>Click to edit Master text styles</a:t>
             </a:r>
           </a:p>
           <a:p>
             <a:pPr lvl="1"/>
             <a:r>
-              <a:rPr lang="en-US" smtClean="0"/>
+              <a:rPr lang="en-US"/>
               <a:t>Second level</a:t>
             </a:r>
           </a:p>
           <a:p>
             <a:pPr lvl="2"/>
             <a:r>
-              <a:rPr lang="en-US" smtClean="0"/>
+              <a:rPr lang="en-US"/>
               <a:t>Third level</a:t>
             </a:r>
           </a:p>
           <a:p>
             <a:pPr lvl="3"/>
             <a:r>
-              <a:rPr lang="en-US" smtClean="0"/>
+              <a:rPr lang="en-US"/>
               <a:t>Fourth level</a:t>
             </a:r>
           </a:p>
           <a:p>
             <a:pPr lvl="4"/>
             <a:r>
-              <a:rPr lang="en-US" smtClean="0"/>
+              <a:rPr lang="en-US"/>
               <a:t>Fifth level</a:t>
             </a:r>
             <a:endParaRPr lang="en-US" dirty="0"/>
@@ -4685,7 +4802,7 @@
           <p:nvPr userDrawn="1"/>
         </p:nvPicPr>
         <p:blipFill>
-          <a:blip r:embed="rId13">
+          <a:blip r:embed="rId14">
             <a:extLst>
               <a:ext uri="{28A0092B-C50C-407E-A947-70E740481C1C}">
                 <a14:useLocalDpi xmlns:a14="http://schemas.microsoft.com/office/drawing/2010/main" val="0"/>
@@ -4729,7 +4846,7 @@
           <a:lstStyle/>
           <a:p>
             <a:r>
-              <a:rPr lang="en-US" sz="2300" dirty="0" smtClean="0">
+              <a:rPr lang="en-US" sz="2300" dirty="0">
                 <a:solidFill>
                   <a:srgbClr val="FFFFFF"/>
                 </a:solidFill>
@@ -4738,13 +4855,6 @@
               </a:rPr>
               <a:t>Tuples</a:t>
             </a:r>
-            <a:endParaRPr lang="en-US" sz="2300" dirty="0">
-              <a:solidFill>
-                <a:srgbClr val="FFFFFF"/>
-              </a:solidFill>
-              <a:latin typeface="Lucida Grande"/>
-              <a:cs typeface="Lucida Grande"/>
-            </a:endParaRPr>
           </a:p>
         </p:txBody>
       </p:sp>
@@ -4772,7 +4882,7 @@
           <a:p>
             <a:pPr algn="ctr"/>
             <a:r>
-              <a:rPr lang="en-US" sz="1700" b="0" dirty="0" smtClean="0">
+              <a:rPr lang="en-US" sz="1700" b="0" dirty="0">
                 <a:solidFill>
                   <a:schemeClr val="bg1"/>
                 </a:solidFill>
@@ -4782,7 +4892,7 @@
               <a:t>PYTHON</a:t>
             </a:r>
             <a:r>
-              <a:rPr lang="en-US" sz="1700" baseline="0" dirty="0" smtClean="0">
+              <a:rPr lang="en-US" sz="1700" baseline="0" dirty="0">
                 <a:solidFill>
                   <a:schemeClr val="bg1"/>
                 </a:solidFill>
@@ -4795,7 +4905,7 @@
           <a:p>
             <a:pPr algn="ctr"/>
             <a:r>
-              <a:rPr lang="en-US" sz="1700" baseline="0" dirty="0" smtClean="0">
+              <a:rPr lang="en-US" sz="1700" baseline="0" dirty="0">
                 <a:solidFill>
                   <a:schemeClr val="bg1"/>
                 </a:solidFill>
@@ -4834,14 +4944,8 @@
     <p:sldLayoutId id="2147483704" r:id="rId9"/>
     <p:sldLayoutId id="2147483693" r:id="rId10"/>
     <p:sldLayoutId id="2147483694" r:id="rId11"/>
+    <p:sldLayoutId id="2147483705" r:id="rId12"/>
   </p:sldLayoutIdLst>
-  <p:timing>
-    <p:tnLst>
-      <p:par>
-        <p:cTn xmlns:p14="http://schemas.microsoft.com/office/powerpoint/2010/main" id="1" dur="indefinite" restart="never" nodeType="tmRoot"/>
-      </p:par>
-    </p:tnLst>
-  </p:timing>
   <p:hf sldNum="0" hdr="0" ftr="0" dt="0"/>
   <p:txStyles>
     <p:titleStyle>
@@ -5156,7 +5260,7 @@
               <a:buNone/>
             </a:pPr>
             <a:r>
-              <a:rPr lang="en-US" sz="7600" u="none" strike="noStrike" cap="none">
+              <a:rPr lang="en-US" sz="7600" u="none" strike="noStrike" cap="none" dirty="0" err="1">
                 <a:solidFill>
                   <a:srgbClr val="FFFF00"/>
                 </a:solidFill>
@@ -5165,8 +5269,17 @@
                 <a:cs typeface="Arial" charset="0"/>
                 <a:sym typeface="Cabin"/>
               </a:rPr>
-              <a:t>Tuples</a:t>
-            </a:r>
+              <a:t>Tuplas</a:t>
+            </a:r>
+            <a:endParaRPr lang="en-US" sz="7600" u="none" strike="noStrike" cap="none" dirty="0">
+              <a:solidFill>
+                <a:srgbClr val="FFFF00"/>
+              </a:solidFill>
+              <a:latin typeface="Arial" charset="0"/>
+              <a:ea typeface="Arial" charset="0"/>
+              <a:cs typeface="Arial" charset="0"/>
+              <a:sym typeface="Cabin"/>
+            </a:endParaRPr>
           </a:p>
         </p:txBody>
       </p:sp>
@@ -5213,7 +5326,7 @@
               <a:buNone/>
             </a:pPr>
             <a:r>
-              <a:rPr lang="en-US" sz="4800" u="none" strike="noStrike" cap="none">
+              <a:rPr lang="en-US" sz="4800" u="none" strike="noStrike" cap="none" dirty="0">
                 <a:solidFill>
                   <a:schemeClr val="lt1"/>
                 </a:solidFill>
@@ -5222,7 +5335,31 @@
                 <a:cs typeface="Arial" charset="0"/>
                 <a:sym typeface="Cabin"/>
               </a:rPr>
-              <a:t>Chapter 10</a:t>
+              <a:t>Ca</a:t>
+            </a:r>
+            <a:r>
+              <a:rPr lang="es-MX" sz="4800" dirty="0" err="1">
+                <a:solidFill>
+                  <a:schemeClr val="lt1"/>
+                </a:solidFill>
+                <a:latin typeface="Arial" charset="0"/>
+                <a:ea typeface="Arial" charset="0"/>
+                <a:cs typeface="Arial" charset="0"/>
+                <a:sym typeface="Cabin"/>
+              </a:rPr>
+              <a:t>pítulo</a:t>
+            </a:r>
+            <a:r>
+              <a:rPr lang="en-US" sz="4800" u="none" strike="noStrike" cap="none" dirty="0">
+                <a:solidFill>
+                  <a:schemeClr val="lt1"/>
+                </a:solidFill>
+                <a:latin typeface="Arial" charset="0"/>
+                <a:ea typeface="Arial" charset="0"/>
+                <a:cs typeface="Arial" charset="0"/>
+                <a:sym typeface="Cabin"/>
+              </a:rPr>
+              <a:t> 10</a:t>
             </a:r>
           </a:p>
         </p:txBody>
@@ -5270,7 +5407,7 @@
               <a:buNone/>
             </a:pPr>
             <a:r>
-              <a:rPr lang="en-US" sz="3200" u="none" strike="noStrike" cap="none" dirty="0" smtClean="0">
+              <a:rPr lang="en-US" sz="3200" u="none" strike="noStrike" cap="none" dirty="0">
                 <a:solidFill>
                   <a:srgbClr val="FFFF00"/>
                 </a:solidFill>
@@ -5279,8 +5416,29 @@
                 <a:cs typeface="Arial" charset="0"/>
                 <a:sym typeface="Cabin"/>
               </a:rPr>
-              <a:t>Python for Everybody</a:t>
-            </a:r>
+              <a:t>Python para </a:t>
+            </a:r>
+            <a:r>
+              <a:rPr lang="en-US" sz="3200" u="none" strike="noStrike" cap="none" dirty="0" err="1">
+                <a:solidFill>
+                  <a:srgbClr val="FFFF00"/>
+                </a:solidFill>
+                <a:latin typeface="Arial" charset="0"/>
+                <a:ea typeface="Arial" charset="0"/>
+                <a:cs typeface="Arial" charset="0"/>
+                <a:sym typeface="Cabin"/>
+              </a:rPr>
+              <a:t>Todos</a:t>
+            </a:r>
+            <a:endParaRPr lang="en-US" sz="3200" u="none" strike="noStrike" cap="none" dirty="0">
+              <a:solidFill>
+                <a:srgbClr val="FFFF00"/>
+              </a:solidFill>
+              <a:latin typeface="Arial" charset="0"/>
+              <a:ea typeface="Arial" charset="0"/>
+              <a:cs typeface="Arial" charset="0"/>
+              <a:sym typeface="Cabin"/>
+            </a:endParaRPr>
           </a:p>
           <a:p>
             <a:pPr marL="0" marR="0" lvl="0" indent="0" algn="ctr" rtl="0">
@@ -5301,7 +5459,7 @@
               <a:buNone/>
             </a:pPr>
             <a:r>
-              <a:rPr lang="en-US" sz="3200" dirty="0" smtClean="0">
+              <a:rPr lang="en-US" sz="3200" dirty="0">
                 <a:solidFill>
                   <a:srgbClr val="FFFF00"/>
                 </a:solidFill>
@@ -5311,7 +5469,7 @@
                 <a:sym typeface="Cabin"/>
                 <a:hlinkClick r:id="rId3"/>
               </a:rPr>
-              <a:t>www.py4e.com</a:t>
+              <a:t>es.py4e.com</a:t>
             </a:r>
             <a:endParaRPr lang="en-US" sz="3200" u="sng" strike="noStrike" cap="none" dirty="0">
               <a:solidFill>
@@ -5448,7 +5606,7 @@
               <a:buNone/>
             </a:pPr>
             <a:r>
-              <a:rPr lang="en-US" sz="7800" u="none" strike="noStrike" cap="none" dirty="0">
+              <a:rPr lang="es-419" sz="7800" u="none" strike="noStrike" cap="none" dirty="0">
                 <a:solidFill>
                   <a:srgbClr val="FFFF00"/>
                 </a:solidFill>
@@ -5457,7 +5615,7 @@
                 <a:cs typeface="Arial" charset="0"/>
                 <a:sym typeface="Cabin"/>
               </a:rPr>
-              <a:t>Sorting Lists of Tuples</a:t>
+              <a:t>Ordenando Listas de Tuplas</a:t>
             </a:r>
           </a:p>
         </p:txBody>
@@ -5509,7 +5667,7 @@
               <a:buChar char="•"/>
             </a:pPr>
             <a:r>
-              <a:rPr lang="en-US" sz="3600" b="0" u="none" strike="noStrike" cap="none" dirty="0">
+              <a:rPr lang="es-419" sz="3600" b="0" u="none" strike="noStrike" cap="none" dirty="0">
                 <a:solidFill>
                   <a:schemeClr val="lt1"/>
                 </a:solidFill>
@@ -5518,10 +5676,10 @@
                 <a:cs typeface="Arial" charset="0"/>
                 <a:sym typeface="Cabin"/>
               </a:rPr>
-              <a:t>We can take advantage of the ability to sort a list of </a:t>
-            </a:r>
-            <a:r>
-              <a:rPr lang="en-US" sz="3600" b="0" u="none" strike="noStrike" cap="none" dirty="0">
+              <a:t>Podemos aprovechar la habilidad de ordenar una lista de </a:t>
+            </a:r>
+            <a:r>
+              <a:rPr lang="es-419" sz="3600" b="0" u="none" strike="noStrike" cap="none" dirty="0">
                 <a:solidFill>
                   <a:srgbClr val="FF7F00"/>
                 </a:solidFill>
@@ -5530,10 +5688,10 @@
                 <a:cs typeface="Arial" charset="0"/>
                 <a:sym typeface="Cabin"/>
               </a:rPr>
-              <a:t>tuples</a:t>
-            </a:r>
-            <a:r>
-              <a:rPr lang="en-US" sz="3600" b="0" u="none" strike="noStrike" cap="none" dirty="0">
+              <a:t>tuplas</a:t>
+            </a:r>
+            <a:r>
+              <a:rPr lang="es-419" sz="3600" b="0" u="none" strike="noStrike" cap="none" dirty="0">
                 <a:solidFill>
                   <a:schemeClr val="lt1"/>
                 </a:solidFill>
@@ -5542,7 +5700,7 @@
                 <a:cs typeface="Arial" charset="0"/>
                 <a:sym typeface="Cabin"/>
               </a:rPr>
-              <a:t> to get a sorted version of a dictionary</a:t>
+              <a:t> para obtener una versión ordenada de un diccionario</a:t>
             </a:r>
           </a:p>
           <a:p>
@@ -5564,7 +5722,7 @@
               <a:buChar char="•"/>
             </a:pPr>
             <a:r>
-              <a:rPr lang="en-US" sz="3600" b="0" u="none" strike="noStrike" cap="none" dirty="0">
+              <a:rPr lang="es-419" sz="3600" b="0" u="none" strike="noStrike" cap="none" dirty="0">
                 <a:solidFill>
                   <a:schemeClr val="lt1"/>
                 </a:solidFill>
@@ -5573,10 +5731,10 @@
                 <a:cs typeface="Arial" charset="0"/>
                 <a:sym typeface="Cabin"/>
               </a:rPr>
-              <a:t>First we sort the dictionary by the key using the </a:t>
-            </a:r>
-            <a:r>
-              <a:rPr lang="en-US" sz="3600" b="0" u="none" strike="noStrike" cap="none" dirty="0">
+              <a:t>Primero, ordenamos el diccionario basado en las claves utilizando el método </a:t>
+            </a:r>
+            <a:r>
+              <a:rPr lang="es-419" sz="3600" b="0" u="none" strike="noStrike" cap="none" dirty="0" err="1">
                 <a:solidFill>
                   <a:srgbClr val="FF00FF"/>
                 </a:solidFill>
@@ -5588,7 +5746,7 @@
               <a:t>items</a:t>
             </a:r>
             <a:r>
-              <a:rPr lang="en-US" sz="3600" b="0" u="none" strike="noStrike" cap="none" dirty="0">
+              <a:rPr lang="es-419" sz="3600" b="0" u="none" strike="noStrike" cap="none" dirty="0">
                 <a:solidFill>
                   <a:schemeClr val="lt1"/>
                 </a:solidFill>
@@ -5597,22 +5755,22 @@
                 <a:cs typeface="Arial" charset="0"/>
                 <a:sym typeface="Cabin"/>
               </a:rPr>
-              <a:t>() </a:t>
-            </a:r>
-            <a:r>
-              <a:rPr lang="en-US" sz="3600" b="0" u="none" strike="noStrike" cap="none" dirty="0" smtClean="0">
-                <a:solidFill>
-                  <a:schemeClr val="lt1"/>
+              <a:t>() y la función </a:t>
+            </a:r>
+            <a:r>
+              <a:rPr lang="es-419" sz="3600" b="0" u="none" strike="noStrike" cap="none" dirty="0" err="1">
+                <a:solidFill>
+                  <a:srgbClr val="FFFF00"/>
                 </a:solidFill>
                 <a:latin typeface="Arial" charset="0"/>
                 <a:ea typeface="Arial" charset="0"/>
                 <a:cs typeface="Arial" charset="0"/>
                 <a:sym typeface="Cabin"/>
               </a:rPr>
-              <a:t>method and </a:t>
-            </a:r>
-            <a:r>
-              <a:rPr lang="en-US" sz="3600" b="0" u="none" strike="noStrike" cap="none" dirty="0" smtClean="0">
+              <a:t>sorted</a:t>
+            </a:r>
+            <a:r>
+              <a:rPr lang="es-419" sz="3600" b="0" u="none" strike="noStrike" cap="none" dirty="0">
                 <a:solidFill>
                   <a:srgbClr val="FFFF00"/>
                 </a:solidFill>
@@ -5621,21 +5779,9 @@
                 <a:cs typeface="Arial" charset="0"/>
                 <a:sym typeface="Cabin"/>
               </a:rPr>
-              <a:t>sorted() </a:t>
-            </a:r>
-            <a:r>
-              <a:rPr lang="en-US" sz="3600" b="0" u="none" strike="noStrike" cap="none" dirty="0" smtClean="0">
-                <a:solidFill>
-                  <a:schemeClr val="lt1"/>
-                </a:solidFill>
-                <a:latin typeface="Arial" charset="0"/>
-                <a:ea typeface="Arial" charset="0"/>
-                <a:cs typeface="Arial" charset="0"/>
-                <a:sym typeface="Cabin"/>
-              </a:rPr>
-              <a:t>function</a:t>
-            </a:r>
-            <a:endParaRPr lang="en-US" sz="3600" b="0" u="none" strike="noStrike" cap="none" dirty="0">
+              <a:t>()</a:t>
+            </a:r>
+            <a:endParaRPr lang="es-419" sz="3600" b="0" u="none" strike="noStrike" cap="none" dirty="0">
               <a:solidFill>
                 <a:schemeClr val="lt1"/>
               </a:solidFill>
@@ -5690,7 +5836,7 @@
               <a:buNone/>
             </a:pPr>
             <a:r>
-              <a:rPr lang="en-US" sz="3000" b="1" i="0" u="none" strike="noStrike" cap="none" dirty="0">
+              <a:rPr lang="es-419" sz="3000" b="1" i="0" u="none" strike="noStrike" cap="none">
                 <a:solidFill>
                   <a:schemeClr val="lt1"/>
                 </a:solidFill>
@@ -5702,7 +5848,7 @@
               <a:t>&gt;&gt;&gt; </a:t>
             </a:r>
             <a:r>
-              <a:rPr lang="en-US" sz="3000" b="1" i="0" u="none" strike="noStrike" cap="none" dirty="0">
+              <a:rPr lang="es-419" sz="3000" b="1" i="0" u="none" strike="noStrike" cap="none">
                 <a:solidFill>
                   <a:srgbClr val="00FF00"/>
                 </a:solidFill>
@@ -5714,7 +5860,7 @@
               <a:t>d</a:t>
             </a:r>
             <a:r>
-              <a:rPr lang="en-US" sz="3000" b="1" i="0" u="none" strike="noStrike" cap="none" dirty="0">
+              <a:rPr lang="es-419" sz="3000" b="1" i="0" u="none" strike="noStrike" cap="none">
                 <a:solidFill>
                   <a:schemeClr val="lt1"/>
                 </a:solidFill>
@@ -5745,7 +5891,7 @@
               <a:buNone/>
             </a:pPr>
             <a:r>
-              <a:rPr lang="en-US" sz="3000" b="1" i="0" u="none" strike="noStrike" cap="none" dirty="0">
+              <a:rPr lang="es-419" sz="3000" b="1" i="0" u="none" strike="noStrike" cap="none">
                 <a:solidFill>
                   <a:schemeClr val="lt1"/>
                 </a:solidFill>
@@ -5757,7 +5903,7 @@
               <a:t>&gt;&gt;&gt; </a:t>
             </a:r>
             <a:r>
-              <a:rPr lang="en-US" sz="3000" b="1" i="0" u="none" strike="noStrike" cap="none" dirty="0" err="1" smtClean="0">
+              <a:rPr lang="es-419" sz="3000" b="1" i="0" u="none" strike="noStrike" cap="none">
                 <a:solidFill>
                   <a:srgbClr val="00FF00"/>
                 </a:solidFill>
@@ -5769,7 +5915,7 @@
               <a:t>d</a:t>
             </a:r>
             <a:r>
-              <a:rPr lang="en-US" sz="3000" b="1" i="0" u="none" strike="noStrike" cap="none" dirty="0" err="1" smtClean="0">
+              <a:rPr lang="es-419" sz="3000" b="1" i="0" u="none" strike="noStrike" cap="none">
                 <a:solidFill>
                   <a:srgbClr val="FF00FF"/>
                 </a:solidFill>
@@ -5781,7 +5927,7 @@
               <a:t>.items</a:t>
             </a:r>
             <a:r>
-              <a:rPr lang="en-US" sz="3000" b="1" i="0" u="none" strike="noStrike" cap="none" dirty="0">
+              <a:rPr lang="es-419" sz="3000" b="1" i="0" u="none" strike="noStrike" cap="none">
                 <a:solidFill>
                   <a:schemeClr val="lt1"/>
                 </a:solidFill>
@@ -5812,31 +5958,19 @@
               <a:buNone/>
             </a:pPr>
             <a:r>
-              <a:rPr lang="en-US" sz="3000" b="1" i="0" u="none" strike="noStrike" cap="none" dirty="0" err="1" smtClean="0">
-                <a:solidFill>
-                  <a:schemeClr val="lt1"/>
-                </a:solidFill>
-                <a:latin typeface="Courier New"/>
-                <a:ea typeface="Courier New"/>
-                <a:cs typeface="Courier New"/>
-                <a:sym typeface="Courier New"/>
-              </a:rPr>
-              <a:t>dict_items</a:t>
-            </a:r>
-            <a:r>
-              <a:rPr lang="en-US" sz="3000" b="1" i="0" u="none" strike="noStrike" cap="none" dirty="0" smtClean="0">
-                <a:solidFill>
-                  <a:schemeClr val="lt1"/>
-                </a:solidFill>
-                <a:latin typeface="Courier New"/>
-                <a:ea typeface="Courier New"/>
-                <a:cs typeface="Courier New"/>
-                <a:sym typeface="Courier New"/>
-              </a:rPr>
-              <a:t>([</a:t>
-            </a:r>
-            <a:r>
-              <a:rPr lang="en-US" sz="3000" b="1" i="0" u="none" strike="noStrike" cap="none" dirty="0" smtClean="0">
+              <a:rPr lang="es-419" sz="3000" b="1" i="0" u="none" strike="noStrike" cap="none">
+                <a:solidFill>
+                  <a:schemeClr val="lt1"/>
+                </a:solidFill>
+                <a:latin typeface="Courier New"/>
+                <a:ea typeface="Courier New"/>
+                <a:cs typeface="Courier New"/>
+                <a:sym typeface="Courier New"/>
+              </a:rPr>
+              <a:t>dict_items([</a:t>
+            </a:r>
+            <a:r>
+              <a:rPr lang="es-419" sz="3000" b="1" i="0" u="none" strike="noStrike" cap="none">
                 <a:solidFill>
                   <a:srgbClr val="FF7F00"/>
                 </a:solidFill>
@@ -5845,10 +5979,22 @@
                 <a:cs typeface="Courier New"/>
                 <a:sym typeface="Courier New"/>
               </a:rPr>
-              <a:t>(</a:t>
-            </a:r>
-            <a:r>
-              <a:rPr lang="en-US" sz="3000" b="1" i="0" u="none" strike="noStrike" cap="none" dirty="0">
+              <a:t>('a', 10)</a:t>
+            </a:r>
+            <a:r>
+              <a:rPr lang="es-419" sz="3000" b="1" i="0" u="none" strike="noStrike" cap="none">
+                <a:solidFill>
+                  <a:schemeClr val="lt1"/>
+                </a:solidFill>
+                <a:latin typeface="Courier New"/>
+                <a:ea typeface="Courier New"/>
+                <a:cs typeface="Courier New"/>
+                <a:sym typeface="Courier New"/>
+              </a:rPr>
+              <a:t>, </a:t>
+            </a:r>
+            <a:r>
+              <a:rPr lang="es-419" sz="3000" b="1" i="0" u="none" strike="noStrike" cap="none">
                 <a:solidFill>
                   <a:srgbClr val="FF7F00"/>
                 </a:solidFill>
@@ -5857,10 +6003,10 @@
                 <a:cs typeface="Courier New"/>
                 <a:sym typeface="Courier New"/>
               </a:rPr>
-              <a:t>'a', 10)</a:t>
-            </a:r>
-            <a:r>
-              <a:rPr lang="en-US" sz="3000" b="1" i="0" u="none" strike="noStrike" cap="none" dirty="0">
+              <a:t>('c', 22)</a:t>
+            </a:r>
+            <a:r>
+              <a:rPr lang="es-419" sz="3000" b="1" i="0" u="none" strike="noStrike" cap="none">
                 <a:solidFill>
                   <a:schemeClr val="lt1"/>
                 </a:solidFill>
@@ -5872,7 +6018,7 @@
               <a:t>, </a:t>
             </a:r>
             <a:r>
-              <a:rPr lang="en-US" sz="3000" b="1" i="0" u="none" strike="noStrike" cap="none" dirty="0">
+              <a:rPr lang="es-419" sz="3000" b="1" i="0" u="none" strike="noStrike" cap="none">
                 <a:solidFill>
                   <a:srgbClr val="FF7F00"/>
                 </a:solidFill>
@@ -5881,46 +6027,10 @@
                 <a:cs typeface="Courier New"/>
                 <a:sym typeface="Courier New"/>
               </a:rPr>
-              <a:t>('c', 22)</a:t>
-            </a:r>
-            <a:r>
-              <a:rPr lang="en-US" sz="3000" b="1" i="0" u="none" strike="noStrike" cap="none" dirty="0">
-                <a:solidFill>
-                  <a:schemeClr val="lt1"/>
-                </a:solidFill>
-                <a:latin typeface="Courier New"/>
-                <a:ea typeface="Courier New"/>
-                <a:cs typeface="Courier New"/>
-                <a:sym typeface="Courier New"/>
-              </a:rPr>
-              <a:t>, </a:t>
-            </a:r>
-            <a:r>
-              <a:rPr lang="en-US" sz="3000" b="1" i="0" u="none" strike="noStrike" cap="none" dirty="0">
-                <a:solidFill>
-                  <a:srgbClr val="FF7F00"/>
-                </a:solidFill>
-                <a:latin typeface="Courier New"/>
-                <a:ea typeface="Courier New"/>
-                <a:cs typeface="Courier New"/>
-                <a:sym typeface="Courier New"/>
-              </a:rPr>
-              <a:t>('b', 1</a:t>
-            </a:r>
-            <a:r>
-              <a:rPr lang="en-US" sz="3000" b="1" i="0" u="none" strike="noStrike" cap="none" dirty="0" smtClean="0">
-                <a:solidFill>
-                  <a:srgbClr val="FF7F00"/>
-                </a:solidFill>
-                <a:latin typeface="Courier New"/>
-                <a:ea typeface="Courier New"/>
-                <a:cs typeface="Courier New"/>
-                <a:sym typeface="Courier New"/>
-              </a:rPr>
-              <a:t>)</a:t>
-            </a:r>
-            <a:r>
-              <a:rPr lang="en-US" sz="3000" b="1" i="0" u="none" strike="noStrike" cap="none" dirty="0" smtClean="0">
+              <a:t>('b', 1)</a:t>
+            </a:r>
+            <a:r>
+              <a:rPr lang="es-419" sz="3000" b="1" i="0" u="none" strike="noStrike" cap="none">
                 <a:solidFill>
                   <a:schemeClr val="lt1"/>
                 </a:solidFill>
@@ -5931,15 +6041,6 @@
               </a:rPr>
               <a:t>])</a:t>
             </a:r>
-            <a:endParaRPr lang="en-US" sz="3000" b="1" i="0" u="none" strike="noStrike" cap="none" dirty="0">
-              <a:solidFill>
-                <a:schemeClr val="lt1"/>
-              </a:solidFill>
-              <a:latin typeface="Courier New"/>
-              <a:ea typeface="Courier New"/>
-              <a:cs typeface="Courier New"/>
-              <a:sym typeface="Courier New"/>
-            </a:endParaRPr>
           </a:p>
           <a:p>
             <a:pPr>
@@ -5949,7 +6050,7 @@
               <a:buSzPct val="25000"/>
             </a:pPr>
             <a:r>
-              <a:rPr lang="en-US" sz="3000" b="1" i="0" u="none" strike="noStrike" cap="none" dirty="0">
+              <a:rPr lang="es-419" sz="3000" b="1" i="0" u="none" strike="noStrike" cap="none">
                 <a:solidFill>
                   <a:schemeClr val="lt1"/>
                 </a:solidFill>
@@ -5961,7 +6062,7 @@
               <a:t>&gt;&gt;&gt; </a:t>
             </a:r>
             <a:r>
-              <a:rPr lang="en-US" sz="3000" b="1" dirty="0">
+              <a:rPr lang="es-419" sz="3000" b="1">
                 <a:solidFill>
                   <a:srgbClr val="FFFF00"/>
                 </a:solidFill>
@@ -5973,7 +6074,7 @@
               <a:t>sorted(</a:t>
             </a:r>
             <a:r>
-              <a:rPr lang="en-US" sz="3000" b="1" dirty="0" err="1">
+              <a:rPr lang="es-419" sz="3000" b="1">
                 <a:solidFill>
                   <a:srgbClr val="00FF00"/>
                 </a:solidFill>
@@ -5985,7 +6086,7 @@
               <a:t>d</a:t>
             </a:r>
             <a:r>
-              <a:rPr lang="en-US" sz="3000" b="1" dirty="0" err="1">
+              <a:rPr lang="es-419" sz="3000" b="1">
                 <a:solidFill>
                   <a:srgbClr val="FF00FF"/>
                 </a:solidFill>
@@ -5997,7 +6098,7 @@
               <a:t>.items</a:t>
             </a:r>
             <a:r>
-              <a:rPr lang="en-US" sz="3000" b="1" dirty="0" smtClean="0">
+              <a:rPr lang="es-419" sz="3000" b="1">
                 <a:solidFill>
                   <a:schemeClr val="lt1"/>
                 </a:solidFill>
@@ -6009,7 +6110,7 @@
               <a:t>()</a:t>
             </a:r>
             <a:r>
-              <a:rPr lang="en-US" sz="3000" b="1" dirty="0" smtClean="0">
+              <a:rPr lang="es-419" sz="3000" b="1">
                 <a:solidFill>
                   <a:srgbClr val="FFFC00"/>
                 </a:solidFill>
@@ -6020,7 +6121,7 @@
               </a:rPr>
               <a:t>)</a:t>
             </a:r>
-            <a:endParaRPr lang="en-US" sz="3000" b="1" i="0" u="none" strike="noStrike" cap="none" dirty="0">
+            <a:endParaRPr lang="es-419" sz="3000" b="1" i="0" u="none" strike="noStrike" cap="none">
               <a:solidFill>
                 <a:srgbClr val="FFFC00"/>
               </a:solidFill>
@@ -6049,7 +6150,7 @@
               <a:buNone/>
             </a:pPr>
             <a:r>
-              <a:rPr lang="en-US" sz="3000" b="1" i="0" u="none" strike="noStrike" cap="none" dirty="0" smtClean="0">
+              <a:rPr lang="es-419" sz="3000" b="1" i="0" u="none" strike="noStrike" cap="none">
                 <a:solidFill>
                   <a:schemeClr val="lt1"/>
                 </a:solidFill>
@@ -6061,7 +6162,7 @@
               <a:t>[</a:t>
             </a:r>
             <a:r>
-              <a:rPr lang="en-US" sz="3000" b="1" i="0" u="none" strike="noStrike" cap="none" dirty="0" smtClean="0">
+              <a:rPr lang="es-419" sz="3000" b="1" i="0" u="none" strike="noStrike" cap="none">
                 <a:solidFill>
                   <a:srgbClr val="FF7F00"/>
                 </a:solidFill>
@@ -6070,10 +6171,22 @@
                 <a:cs typeface="Courier New"/>
                 <a:sym typeface="Courier New"/>
               </a:rPr>
-              <a:t>(</a:t>
-            </a:r>
-            <a:r>
-              <a:rPr lang="en-US" sz="3000" b="1" i="0" u="none" strike="noStrike" cap="none" dirty="0">
+              <a:t>('a', 10)</a:t>
+            </a:r>
+            <a:r>
+              <a:rPr lang="es-419" sz="3000" b="1" i="0" u="none" strike="noStrike" cap="none">
+                <a:solidFill>
+                  <a:schemeClr val="lt1"/>
+                </a:solidFill>
+                <a:latin typeface="Courier New"/>
+                <a:ea typeface="Courier New"/>
+                <a:cs typeface="Courier New"/>
+                <a:sym typeface="Courier New"/>
+              </a:rPr>
+              <a:t>, </a:t>
+            </a:r>
+            <a:r>
+              <a:rPr lang="es-419" sz="3000" b="1" i="0" u="none" strike="noStrike" cap="none">
                 <a:solidFill>
                   <a:srgbClr val="FF7F00"/>
                 </a:solidFill>
@@ -6082,10 +6195,10 @@
                 <a:cs typeface="Courier New"/>
                 <a:sym typeface="Courier New"/>
               </a:rPr>
-              <a:t>'a', 10)</a:t>
-            </a:r>
-            <a:r>
-              <a:rPr lang="en-US" sz="3000" b="1" i="0" u="none" strike="noStrike" cap="none" dirty="0">
+              <a:t>('b', 1)</a:t>
+            </a:r>
+            <a:r>
+              <a:rPr lang="es-419" sz="3000" b="1" i="0" u="none" strike="noStrike" cap="none">
                 <a:solidFill>
                   <a:schemeClr val="lt1"/>
                 </a:solidFill>
@@ -6097,7 +6210,7 @@
               <a:t>, </a:t>
             </a:r>
             <a:r>
-              <a:rPr lang="en-US" sz="3000" b="1" i="0" u="none" strike="noStrike" cap="none" dirty="0">
+              <a:rPr lang="es-419" sz="3000" b="1" i="0" u="none" strike="noStrike" cap="none">
                 <a:solidFill>
                   <a:srgbClr val="FF7F00"/>
                 </a:solidFill>
@@ -6106,34 +6219,10 @@
                 <a:cs typeface="Courier New"/>
                 <a:sym typeface="Courier New"/>
               </a:rPr>
-              <a:t>('b', 1)</a:t>
-            </a:r>
-            <a:r>
-              <a:rPr lang="en-US" sz="3000" b="1" i="0" u="none" strike="noStrike" cap="none" dirty="0">
-                <a:solidFill>
-                  <a:schemeClr val="lt1"/>
-                </a:solidFill>
-                <a:latin typeface="Courier New"/>
-                <a:ea typeface="Courier New"/>
-                <a:cs typeface="Courier New"/>
-                <a:sym typeface="Courier New"/>
-              </a:rPr>
-              <a:t>, </a:t>
-            </a:r>
-            <a:r>
-              <a:rPr lang="en-US" sz="3000" b="1" i="0" u="none" strike="noStrike" cap="none" dirty="0">
-                <a:solidFill>
-                  <a:srgbClr val="FF7F00"/>
-                </a:solidFill>
-                <a:latin typeface="Courier New"/>
-                <a:ea typeface="Courier New"/>
-                <a:cs typeface="Courier New"/>
-                <a:sym typeface="Courier New"/>
-              </a:rPr>
               <a:t>('c', 22)</a:t>
             </a:r>
             <a:r>
-              <a:rPr lang="en-US" sz="3000" b="1" i="0" u="none" strike="noStrike" cap="none" dirty="0">
+              <a:rPr lang="es-419" sz="3000" b="1" i="0" u="none" strike="noStrike" cap="none">
                 <a:solidFill>
                   <a:schemeClr val="lt1"/>
                 </a:solidFill>
@@ -6219,7 +6308,7 @@
               <a:buNone/>
             </a:pPr>
             <a:r>
-              <a:rPr lang="en-US" sz="7800" u="none" strike="noStrike" cap="none" dirty="0">
+              <a:rPr lang="es-419" sz="7800" u="none" strike="noStrike" cap="none" dirty="0">
                 <a:solidFill>
                   <a:srgbClr val="FFFF00"/>
                 </a:solidFill>
@@ -6228,10 +6317,10 @@
                 <a:cs typeface="Arial" charset="0"/>
                 <a:sym typeface="Cabin"/>
               </a:rPr>
-              <a:t>Using </a:t>
-            </a:r>
-            <a:r>
-              <a:rPr lang="en-US" sz="7800" u="none" strike="noStrike" cap="none" dirty="0">
+              <a:t>Usando </a:t>
+            </a:r>
+            <a:r>
+              <a:rPr lang="es-419" sz="7800" u="none" strike="noStrike" cap="none" dirty="0" err="1">
                 <a:solidFill>
                   <a:srgbClr val="FF40FF"/>
                 </a:solidFill>
@@ -6240,7 +6329,19 @@
                 <a:cs typeface="Arial" charset="0"/>
                 <a:sym typeface="Cabin"/>
               </a:rPr>
-              <a:t>sorted()</a:t>
+              <a:t>sorted</a:t>
+            </a:r>
+            <a:r>
+              <a:rPr lang="es-419" sz="7800" u="none" strike="noStrike" cap="none" dirty="0">
+                <a:solidFill>
+                  <a:srgbClr val="FF40FF"/>
+                </a:solidFill>
+                <a:latin typeface="Arial" charset="0"/>
+                <a:ea typeface="Arial" charset="0"/>
+                <a:cs typeface="Arial" charset="0"/>
+                <a:sym typeface="Cabin"/>
+              </a:rPr>
+              <a:t>()</a:t>
             </a:r>
           </a:p>
         </p:txBody>
@@ -6263,7 +6364,7 @@
         </p:spPr>
         <p:txBody>
           <a:bodyPr>
-            <a:normAutofit fontScale="62500" lnSpcReduction="20000"/>
+            <a:normAutofit fontScale="55000" lnSpcReduction="20000"/>
           </a:bodyPr>
           <a:lstStyle/>
           <a:p>
@@ -6274,7 +6375,7 @@
               <a:buNone/>
             </a:pPr>
             <a:r>
-              <a:rPr lang="en-US" b="0" dirty="0" smtClean="0">
+              <a:rPr lang="es-419" b="0" dirty="0">
                 <a:solidFill>
                   <a:schemeClr val="lt1"/>
                 </a:solidFill>
@@ -6283,65 +6384,32 @@
                 <a:cs typeface="Arial" charset="0"/>
                 <a:sym typeface="Cabin"/>
               </a:rPr>
-              <a:t>We </a:t>
-            </a:r>
-            <a:r>
-              <a:rPr lang="en-US" b="0" dirty="0">
-                <a:solidFill>
-                  <a:schemeClr val="lt1"/>
+              <a:t>Incluso podemos hacer esto de forma más directa usando directamente la función nativa </a:t>
+            </a:r>
+            <a:r>
+              <a:rPr lang="es-419" b="0" dirty="0" err="1">
+                <a:solidFill>
+                  <a:srgbClr val="FF00FF"/>
                 </a:solidFill>
                 <a:latin typeface="Arial" charset="0"/>
                 <a:ea typeface="Arial" charset="0"/>
                 <a:cs typeface="Arial" charset="0"/>
                 <a:sym typeface="Cabin"/>
               </a:rPr>
-              <a:t>can do this even more directly using the built-in function </a:t>
-            </a:r>
-            <a:r>
-              <a:rPr lang="en-US" b="0" dirty="0">
-                <a:solidFill>
-                  <a:srgbClr val="FF00FF"/>
+              <a:t>sorted</a:t>
+            </a:r>
+            <a:r>
+              <a:rPr lang="es-419" b="0" dirty="0">
+                <a:solidFill>
+                  <a:schemeClr val="lt1"/>
                 </a:solidFill>
                 <a:latin typeface="Arial" charset="0"/>
                 <a:ea typeface="Arial" charset="0"/>
                 <a:cs typeface="Arial" charset="0"/>
                 <a:sym typeface="Cabin"/>
               </a:rPr>
-              <a:t>sorted</a:t>
-            </a:r>
-            <a:r>
-              <a:rPr lang="en-US" b="0" dirty="0">
-                <a:solidFill>
-                  <a:schemeClr val="lt1"/>
-                </a:solidFill>
-                <a:latin typeface="Arial" charset="0"/>
-                <a:ea typeface="Arial" charset="0"/>
-                <a:cs typeface="Arial" charset="0"/>
-                <a:sym typeface="Cabin"/>
-              </a:rPr>
-              <a:t> that takes a sequence as a parameter and returns a sorted </a:t>
-            </a:r>
-            <a:r>
-              <a:rPr lang="en-US" b="0" dirty="0" smtClean="0">
-                <a:solidFill>
-                  <a:schemeClr val="lt1"/>
-                </a:solidFill>
-                <a:latin typeface="Arial" charset="0"/>
-                <a:ea typeface="Arial" charset="0"/>
-                <a:cs typeface="Arial" charset="0"/>
-                <a:sym typeface="Cabin"/>
-              </a:rPr>
-              <a:t>sequence</a:t>
-            </a:r>
-            <a:endParaRPr lang="en-US" b="0" dirty="0">
-              <a:solidFill>
-                <a:schemeClr val="lt1"/>
-              </a:solidFill>
-              <a:latin typeface="Arial" charset="0"/>
-              <a:ea typeface="Arial" charset="0"/>
-              <a:cs typeface="Arial" charset="0"/>
-              <a:sym typeface="Cabin"/>
-            </a:endParaRPr>
+              <a:t>, la cual toma una secuencia como parámetro y retorna una secuencia ordenada</a:t>
+            </a:r>
           </a:p>
         </p:txBody>
       </p:sp>
@@ -6388,7 +6456,7 @@
               <a:buNone/>
             </a:pPr>
             <a:r>
-              <a:rPr lang="en-US" sz="3000" b="1" i="0" u="none" strike="noStrike" cap="none" dirty="0">
+              <a:rPr lang="es-419" sz="3000" b="1" i="0" u="none" strike="noStrike" cap="none" dirty="0">
                 <a:solidFill>
                   <a:schemeClr val="lt1"/>
                 </a:solidFill>
@@ -6400,7 +6468,7 @@
               <a:t>&gt;&gt;&gt; </a:t>
             </a:r>
             <a:r>
-              <a:rPr lang="en-US" sz="3000" b="1" i="0" u="none" strike="noStrike" cap="none" dirty="0">
+              <a:rPr lang="es-419" sz="3000" b="1" i="0" u="none" strike="noStrike" cap="none" dirty="0">
                 <a:solidFill>
                   <a:srgbClr val="00FF00"/>
                 </a:solidFill>
@@ -6412,7 +6480,7 @@
               <a:t>d</a:t>
             </a:r>
             <a:r>
-              <a:rPr lang="en-US" sz="3000" b="1" i="0" u="none" strike="noStrike" cap="none" dirty="0">
+              <a:rPr lang="es-419" sz="3000" b="1" i="0" u="none" strike="noStrike" cap="none" dirty="0">
                 <a:solidFill>
                   <a:schemeClr val="lt1"/>
                 </a:solidFill>
@@ -6443,7 +6511,7 @@
               <a:buNone/>
             </a:pPr>
             <a:r>
-              <a:rPr lang="en-US" sz="3000" b="1" i="0" u="none" strike="noStrike" cap="none" dirty="0" smtClean="0">
+              <a:rPr lang="es-419" sz="3000" b="1" i="0" u="none" strike="noStrike" cap="none" dirty="0">
                 <a:solidFill>
                   <a:schemeClr val="lt1"/>
                 </a:solidFill>
@@ -6455,7 +6523,7 @@
               <a:t>&gt;&gt;&gt; </a:t>
             </a:r>
             <a:r>
-              <a:rPr lang="en-US" sz="3000" b="1" i="0" u="none" strike="noStrike" cap="none" dirty="0">
+              <a:rPr lang="es-419" sz="3000" b="1" i="0" u="none" strike="noStrike" cap="none" dirty="0">
                 <a:solidFill>
                   <a:srgbClr val="00FF00"/>
                 </a:solidFill>
@@ -6467,7 +6535,7 @@
               <a:t>t</a:t>
             </a:r>
             <a:r>
-              <a:rPr lang="en-US" sz="3000" b="1" i="0" u="none" strike="noStrike" cap="none" dirty="0">
+              <a:rPr lang="es-419" sz="3000" b="1" i="0" u="none" strike="noStrike" cap="none" dirty="0">
                 <a:solidFill>
                   <a:schemeClr val="lt1"/>
                 </a:solidFill>
@@ -6479,7 +6547,7 @@
               <a:t> = </a:t>
             </a:r>
             <a:r>
-              <a:rPr lang="en-US" sz="3000" b="1" i="0" u="none" strike="noStrike" cap="none" dirty="0">
+              <a:rPr lang="es-419" sz="3000" b="1" i="0" u="none" strike="noStrike" cap="none" dirty="0" err="1">
                 <a:solidFill>
                   <a:srgbClr val="FF00FF"/>
                 </a:solidFill>
@@ -6491,7 +6559,7 @@
               <a:t>sorted</a:t>
             </a:r>
             <a:r>
-              <a:rPr lang="en-US" sz="3000" b="1" i="0" u="none" strike="noStrike" cap="none" dirty="0">
+              <a:rPr lang="es-419" sz="3000" b="1" i="0" u="none" strike="noStrike" cap="none" dirty="0">
                 <a:solidFill>
                   <a:schemeClr val="lt1"/>
                 </a:solidFill>
@@ -6503,7 +6571,7 @@
               <a:t>(</a:t>
             </a:r>
             <a:r>
-              <a:rPr lang="en-US" sz="3000" b="1" i="0" u="none" strike="noStrike" cap="none" dirty="0" err="1">
+              <a:rPr lang="es-419" sz="3000" b="1" i="0" u="none" strike="noStrike" cap="none" dirty="0" err="1">
                 <a:solidFill>
                   <a:srgbClr val="00FF00"/>
                 </a:solidFill>
@@ -6515,7 +6583,7 @@
               <a:t>d</a:t>
             </a:r>
             <a:r>
-              <a:rPr lang="en-US" sz="3000" b="1" i="0" u="none" strike="noStrike" cap="none" dirty="0" err="1">
+              <a:rPr lang="es-419" sz="3000" b="1" i="0" u="none" strike="noStrike" cap="none" dirty="0" err="1">
                 <a:solidFill>
                   <a:srgbClr val="FF00FF"/>
                 </a:solidFill>
@@ -6527,7 +6595,7 @@
               <a:t>.items</a:t>
             </a:r>
             <a:r>
-              <a:rPr lang="en-US" sz="3000" b="1" i="0" u="none" strike="noStrike" cap="none" dirty="0">
+              <a:rPr lang="es-419" sz="3000" b="1" i="0" u="none" strike="noStrike" cap="none" dirty="0">
                 <a:solidFill>
                   <a:schemeClr val="lt1"/>
                 </a:solidFill>
@@ -6558,7 +6626,7 @@
               <a:buNone/>
             </a:pPr>
             <a:r>
-              <a:rPr lang="en-US" sz="3000" b="1" i="0" u="none" strike="noStrike" cap="none" dirty="0">
+              <a:rPr lang="es-419" sz="3000" b="1" i="0" u="none" strike="noStrike" cap="none" dirty="0">
                 <a:solidFill>
                   <a:schemeClr val="lt1"/>
                 </a:solidFill>
@@ -6570,7 +6638,7 @@
               <a:t>&gt;&gt;&gt; </a:t>
             </a:r>
             <a:r>
-              <a:rPr lang="en-US" sz="3000" b="1" i="0" u="none" strike="noStrike" cap="none" dirty="0">
+              <a:rPr lang="es-419" sz="3000" b="1" i="0" u="none" strike="noStrike" cap="none" dirty="0">
                 <a:solidFill>
                   <a:srgbClr val="00FF00"/>
                 </a:solidFill>
@@ -6601,7 +6669,7 @@
               <a:buNone/>
             </a:pPr>
             <a:r>
-              <a:rPr lang="en-US" sz="3000" b="1" i="0" u="none" strike="noStrike" cap="none" dirty="0">
+              <a:rPr lang="es-419" sz="3000" b="1" i="0" u="none" strike="noStrike" cap="none" dirty="0">
                 <a:solidFill>
                   <a:schemeClr val="lt1"/>
                 </a:solidFill>
@@ -6613,7 +6681,7 @@
               <a:t>[</a:t>
             </a:r>
             <a:r>
-              <a:rPr lang="en-US" sz="3000" b="1" i="0" u="none" strike="noStrike" cap="none" dirty="0">
+              <a:rPr lang="es-419" sz="3000" b="1" i="0" u="none" strike="noStrike" cap="none" dirty="0">
                 <a:solidFill>
                   <a:srgbClr val="FF7F00"/>
                 </a:solidFill>
@@ -6625,7 +6693,7 @@
               <a:t>('a', 10)</a:t>
             </a:r>
             <a:r>
-              <a:rPr lang="en-US" sz="3000" b="1" i="0" u="none" strike="noStrike" cap="none" dirty="0">
+              <a:rPr lang="es-419" sz="3000" b="1" i="0" u="none" strike="noStrike" cap="none" dirty="0">
                 <a:solidFill>
                   <a:schemeClr val="lt1"/>
                 </a:solidFill>
@@ -6637,7 +6705,7 @@
               <a:t>, </a:t>
             </a:r>
             <a:r>
-              <a:rPr lang="en-US" sz="3000" b="1" i="0" u="none" strike="noStrike" cap="none" dirty="0">
+              <a:rPr lang="es-419" sz="3000" b="1" i="0" u="none" strike="noStrike" cap="none" dirty="0">
                 <a:solidFill>
                   <a:srgbClr val="FF7F00"/>
                 </a:solidFill>
@@ -6649,7 +6717,7 @@
               <a:t>('b', 1)</a:t>
             </a:r>
             <a:r>
-              <a:rPr lang="en-US" sz="3000" b="1" i="0" u="none" strike="noStrike" cap="none" dirty="0">
+              <a:rPr lang="es-419" sz="3000" b="1" i="0" u="none" strike="noStrike" cap="none" dirty="0">
                 <a:solidFill>
                   <a:schemeClr val="lt1"/>
                 </a:solidFill>
@@ -6661,7 +6729,7 @@
               <a:t>, </a:t>
             </a:r>
             <a:r>
-              <a:rPr lang="en-US" sz="3000" b="1" i="0" u="none" strike="noStrike" cap="none" dirty="0">
+              <a:rPr lang="es-419" sz="3000" b="1" i="0" u="none" strike="noStrike" cap="none" dirty="0">
                 <a:solidFill>
                   <a:srgbClr val="FF7F00"/>
                 </a:solidFill>
@@ -6673,7 +6741,7 @@
               <a:t>('c', 22)</a:t>
             </a:r>
             <a:r>
-              <a:rPr lang="en-US" sz="3000" b="1" i="0" u="none" strike="noStrike" cap="none" dirty="0">
+              <a:rPr lang="es-419" sz="3000" b="1" i="0" u="none" strike="noStrike" cap="none" dirty="0">
                 <a:solidFill>
                   <a:schemeClr val="lt1"/>
                 </a:solidFill>
@@ -6704,7 +6772,7 @@
               <a:buNone/>
             </a:pPr>
             <a:r>
-              <a:rPr lang="en-US" sz="3000" b="1" i="0" u="none" strike="noStrike" cap="none" dirty="0">
+              <a:rPr lang="es-419" sz="3000" b="1" i="0" u="none" strike="noStrike" cap="none" dirty="0">
                 <a:solidFill>
                   <a:schemeClr val="lt1"/>
                 </a:solidFill>
@@ -6716,7 +6784,7 @@
               <a:t>&gt;&gt;&gt; </a:t>
             </a:r>
             <a:r>
-              <a:rPr lang="en-US" sz="3000" b="1" i="0" u="none" strike="noStrike" cap="none" dirty="0">
+              <a:rPr lang="es-419" sz="3000" b="1" i="0" u="none" strike="noStrike" cap="none" dirty="0" err="1">
                 <a:solidFill>
                   <a:srgbClr val="FFFF00"/>
                 </a:solidFill>
@@ -6728,7 +6796,7 @@
               <a:t>for</a:t>
             </a:r>
             <a:r>
-              <a:rPr lang="en-US" sz="3000" b="1" i="0" u="none" strike="noStrike" cap="none" dirty="0">
+              <a:rPr lang="es-419" sz="3000" b="1" i="0" u="none" strike="noStrike" cap="none" dirty="0">
                 <a:solidFill>
                   <a:schemeClr val="lt1"/>
                 </a:solidFill>
@@ -6740,7 +6808,7 @@
               <a:t> </a:t>
             </a:r>
             <a:r>
-              <a:rPr lang="en-US" sz="3000" b="1" i="0" u="none" strike="noStrike" cap="none" dirty="0">
+              <a:rPr lang="es-419" sz="3000" b="1" dirty="0">
                 <a:solidFill>
                   <a:srgbClr val="FF7F00"/>
                 </a:solidFill>
@@ -6749,10 +6817,22 @@
                 <a:cs typeface="Courier New"/>
                 <a:sym typeface="Courier New"/>
               </a:rPr>
-              <a:t>k, v</a:t>
-            </a:r>
-            <a:r>
-              <a:rPr lang="en-US" sz="3000" b="1" i="0" u="none" strike="noStrike" cap="none" dirty="0">
+              <a:t>c</a:t>
+            </a:r>
+            <a:r>
+              <a:rPr lang="es-419" sz="3000" b="1" i="0" u="none" strike="noStrike" cap="none" dirty="0">
+                <a:solidFill>
+                  <a:srgbClr val="FF7F00"/>
+                </a:solidFill>
+                <a:latin typeface="Courier New"/>
+                <a:ea typeface="Courier New"/>
+                <a:cs typeface="Courier New"/>
+                <a:sym typeface="Courier New"/>
+              </a:rPr>
+              <a:t>, v</a:t>
+            </a:r>
+            <a:r>
+              <a:rPr lang="es-419" sz="3000" b="1" i="0" u="none" strike="noStrike" cap="none" dirty="0">
                 <a:solidFill>
                   <a:schemeClr val="lt1"/>
                 </a:solidFill>
@@ -6764,7 +6844,7 @@
               <a:t> </a:t>
             </a:r>
             <a:r>
-              <a:rPr lang="en-US" sz="3000" b="1" i="0" u="none" strike="noStrike" cap="none" dirty="0">
+              <a:rPr lang="es-419" sz="3000" b="1" i="0" u="none" strike="noStrike" cap="none" dirty="0">
                 <a:solidFill>
                   <a:srgbClr val="FFFF00"/>
                 </a:solidFill>
@@ -6776,7 +6856,7 @@
               <a:t>in</a:t>
             </a:r>
             <a:r>
-              <a:rPr lang="en-US" sz="3000" b="1" i="0" u="none" strike="noStrike" cap="none" dirty="0">
+              <a:rPr lang="es-419" sz="3000" b="1" i="0" u="none" strike="noStrike" cap="none" dirty="0">
                 <a:solidFill>
                   <a:schemeClr val="lt1"/>
                 </a:solidFill>
@@ -6788,7 +6868,7 @@
               <a:t> </a:t>
             </a:r>
             <a:r>
-              <a:rPr lang="en-US" sz="3000" b="1" i="0" u="none" strike="noStrike" cap="none" dirty="0">
+              <a:rPr lang="es-419" sz="3000" b="1" i="0" u="none" strike="noStrike" cap="none" dirty="0" err="1">
                 <a:solidFill>
                   <a:srgbClr val="FF00FF"/>
                 </a:solidFill>
@@ -6800,7 +6880,7 @@
               <a:t>sorted</a:t>
             </a:r>
             <a:r>
-              <a:rPr lang="en-US" sz="3000" b="1" i="0" u="none" strike="noStrike" cap="none" dirty="0">
+              <a:rPr lang="es-419" sz="3000" b="1" i="0" u="none" strike="noStrike" cap="none" dirty="0">
                 <a:solidFill>
                   <a:schemeClr val="lt1"/>
                 </a:solidFill>
@@ -6812,7 +6892,7 @@
               <a:t>(</a:t>
             </a:r>
             <a:r>
-              <a:rPr lang="en-US" sz="3000" b="1" i="0" u="none" strike="noStrike" cap="none" dirty="0" err="1">
+              <a:rPr lang="es-419" sz="3000" b="1" i="0" u="none" strike="noStrike" cap="none" dirty="0" err="1">
                 <a:solidFill>
                   <a:srgbClr val="00FF00"/>
                 </a:solidFill>
@@ -6824,7 +6904,7 @@
               <a:t>d</a:t>
             </a:r>
             <a:r>
-              <a:rPr lang="en-US" sz="3000" b="1" i="0" u="none" strike="noStrike" cap="none" dirty="0" err="1">
+              <a:rPr lang="es-419" sz="3000" b="1" i="0" u="none" strike="noStrike" cap="none" dirty="0" err="1">
                 <a:solidFill>
                   <a:srgbClr val="FF00FF"/>
                 </a:solidFill>
@@ -6836,7 +6916,7 @@
               <a:t>.items</a:t>
             </a:r>
             <a:r>
-              <a:rPr lang="en-US" sz="3000" b="1" i="0" u="none" strike="noStrike" cap="none" dirty="0">
+              <a:rPr lang="es-419" sz="3000" b="1" i="0" u="none" strike="noStrike" cap="none" dirty="0">
                 <a:solidFill>
                   <a:schemeClr val="lt1"/>
                 </a:solidFill>
@@ -6867,7 +6947,7 @@
               <a:buNone/>
             </a:pPr>
             <a:r>
-              <a:rPr lang="en-US" sz="3000" b="1" i="0" u="none" strike="noStrike" cap="none" dirty="0" smtClean="0">
+              <a:rPr lang="es-419" sz="3000" b="1" i="0" u="none" strike="noStrike" cap="none" dirty="0">
                 <a:solidFill>
                   <a:schemeClr val="lt1"/>
                 </a:solidFill>
@@ -6879,7 +6959,7 @@
               <a:t>...    </a:t>
             </a:r>
             <a:r>
-              <a:rPr lang="en-US" sz="3000" b="1" i="0" u="none" strike="noStrike" cap="none" dirty="0" smtClean="0">
+              <a:rPr lang="es-419" sz="3000" b="1" i="0" u="none" strike="noStrike" cap="none" dirty="0" err="1">
                 <a:solidFill>
                   <a:srgbClr val="FFFF00"/>
                 </a:solidFill>
@@ -6888,10 +6968,22 @@
                 <a:cs typeface="Courier New"/>
                 <a:sym typeface="Courier New"/>
               </a:rPr>
-              <a:t>print(</a:t>
-            </a:r>
-            <a:r>
-              <a:rPr lang="en-US" sz="3000" b="1" i="0" u="none" strike="noStrike" cap="none" dirty="0" smtClean="0">
+              <a:t>print</a:t>
+            </a:r>
+            <a:r>
+              <a:rPr lang="es-419" sz="3000" b="1" i="0" u="none" strike="noStrike" cap="none" dirty="0">
+                <a:solidFill>
+                  <a:srgbClr val="FFFF00"/>
+                </a:solidFill>
+                <a:latin typeface="Courier New"/>
+                <a:ea typeface="Courier New"/>
+                <a:cs typeface="Courier New"/>
+                <a:sym typeface="Courier New"/>
+              </a:rPr>
+              <a:t>(</a:t>
+            </a:r>
+            <a:r>
+              <a:rPr lang="es-419" sz="3000" b="1" dirty="0">
                 <a:solidFill>
                   <a:srgbClr val="00FF00"/>
                 </a:solidFill>
@@ -6900,10 +6992,10 @@
                 <a:cs typeface="Courier New"/>
                 <a:sym typeface="Courier New"/>
               </a:rPr>
-              <a:t>k</a:t>
-            </a:r>
-            <a:r>
-              <a:rPr lang="en-US" sz="3000" b="1" i="0" u="none" strike="noStrike" cap="none" dirty="0" smtClean="0">
+              <a:t>c</a:t>
+            </a:r>
+            <a:r>
+              <a:rPr lang="es-419" sz="3000" b="1" i="0" u="none" strike="noStrike" cap="none" dirty="0">
                 <a:solidFill>
                   <a:schemeClr val="lt1"/>
                 </a:solidFill>
@@ -6915,7 +7007,7 @@
               <a:t>, </a:t>
             </a:r>
             <a:r>
-              <a:rPr lang="en-US" sz="3000" b="1" i="0" u="none" strike="noStrike" cap="none" dirty="0" smtClean="0">
+              <a:rPr lang="es-419" sz="3000" b="1" i="0" u="none" strike="noStrike" cap="none" dirty="0">
                 <a:solidFill>
                   <a:srgbClr val="00FF00"/>
                 </a:solidFill>
@@ -6927,7 +7019,7 @@
               <a:t>v</a:t>
             </a:r>
             <a:r>
-              <a:rPr lang="en-US" sz="3000" b="1" i="0" u="none" strike="noStrike" cap="none" dirty="0" smtClean="0">
+              <a:rPr lang="es-419" sz="3000" b="1" i="0" u="none" strike="noStrike" cap="none" dirty="0">
                 <a:solidFill>
                   <a:srgbClr val="FFFF00"/>
                 </a:solidFill>
@@ -6958,7 +7050,7 @@
               <a:buNone/>
             </a:pPr>
             <a:r>
-              <a:rPr lang="en-US" sz="3000" b="1" i="0" u="none" strike="noStrike" cap="none" dirty="0" smtClean="0">
+              <a:rPr lang="es-419" sz="3000" b="1" i="0" u="none" strike="noStrike" cap="none" dirty="0">
                 <a:solidFill>
                   <a:schemeClr val="lt1"/>
                 </a:solidFill>
@@ -6969,15 +7061,6 @@
               </a:rPr>
               <a:t>...</a:t>
             </a:r>
-            <a:endParaRPr lang="en-US" sz="3000" b="1" i="0" u="none" strike="noStrike" cap="none" dirty="0">
-              <a:solidFill>
-                <a:schemeClr val="lt1"/>
-              </a:solidFill>
-              <a:latin typeface="Courier New"/>
-              <a:ea typeface="Courier New"/>
-              <a:cs typeface="Courier New"/>
-              <a:sym typeface="Courier New"/>
-            </a:endParaRPr>
           </a:p>
           <a:p>
             <a:pPr marL="0" marR="0" lvl="0" indent="0" algn="l" rtl="0">
@@ -6998,7 +7081,7 @@
               <a:buNone/>
             </a:pPr>
             <a:r>
-              <a:rPr lang="en-US" sz="3000" b="1" i="0" u="none" strike="noStrike" cap="none" dirty="0">
+              <a:rPr lang="es-419" sz="3000" b="1" i="0" u="none" strike="noStrike" cap="none" dirty="0">
                 <a:solidFill>
                   <a:schemeClr val="lt1"/>
                 </a:solidFill>
@@ -7029,7 +7112,7 @@
               <a:buNone/>
             </a:pPr>
             <a:r>
-              <a:rPr lang="en-US" sz="3000" b="1" i="0" u="none" strike="noStrike" cap="none" dirty="0">
+              <a:rPr lang="es-419" sz="3000" b="1" i="0" u="none" strike="noStrike" cap="none" dirty="0">
                 <a:solidFill>
                   <a:schemeClr val="lt1"/>
                 </a:solidFill>
@@ -7060,7 +7143,7 @@
               <a:buNone/>
             </a:pPr>
             <a:r>
-              <a:rPr lang="en-US" sz="3000" b="1" i="0" u="none" strike="noStrike" cap="none" dirty="0">
+              <a:rPr lang="es-419" sz="3000" b="1" i="0" u="none" strike="noStrike" cap="none" dirty="0">
                 <a:solidFill>
                   <a:schemeClr val="lt1"/>
                 </a:solidFill>
@@ -7110,6 +7193,10 @@
           </p:nvPr>
         </p:nvSpPr>
         <p:spPr>
+          <a:xfrm>
+            <a:off x="0" y="905084"/>
+            <a:ext cx="16256000" cy="1247721"/>
+          </a:xfrm>
           <a:prstGeom prst="rect">
             <a:avLst/>
           </a:prstGeom>
@@ -7142,7 +7229,7 @@
               <a:buNone/>
             </a:pPr>
             <a:r>
-              <a:rPr lang="en-US" sz="7800" u="none" strike="noStrike" cap="none" dirty="0">
+              <a:rPr lang="es-419" sz="7800" u="none" strike="noStrike" cap="none" dirty="0">
                 <a:solidFill>
                   <a:srgbClr val="FFFF00"/>
                 </a:solidFill>
@@ -7151,53 +7238,8 @@
                 <a:cs typeface="Arial" charset="0"/>
                 <a:sym typeface="Cabin"/>
               </a:rPr>
-              <a:t>Sort by </a:t>
-            </a:r>
-            <a:r>
-              <a:rPr lang="en-US" sz="7800" u="none" strike="noStrike" cap="none" dirty="0" smtClean="0">
-                <a:solidFill>
-                  <a:srgbClr val="FFFF00"/>
-                </a:solidFill>
-                <a:latin typeface="Arial" charset="0"/>
-                <a:ea typeface="Arial" charset="0"/>
-                <a:cs typeface="Arial" charset="0"/>
-                <a:sym typeface="Cabin"/>
-              </a:rPr>
-              <a:t>Values Instead </a:t>
-            </a:r>
-            <a:r>
-              <a:rPr lang="en-US" sz="7800" u="none" strike="noStrike" cap="none" dirty="0">
-                <a:solidFill>
-                  <a:srgbClr val="FFFF00"/>
-                </a:solidFill>
-                <a:latin typeface="Arial" charset="0"/>
-                <a:ea typeface="Arial" charset="0"/>
-                <a:cs typeface="Arial" charset="0"/>
-                <a:sym typeface="Cabin"/>
-              </a:rPr>
-              <a:t>of </a:t>
-            </a:r>
-            <a:r>
-              <a:rPr lang="en-US" sz="7800" u="none" strike="noStrike" cap="none" dirty="0" smtClean="0">
-                <a:solidFill>
-                  <a:srgbClr val="FFFF00"/>
-                </a:solidFill>
-                <a:latin typeface="Arial" charset="0"/>
-                <a:ea typeface="Arial" charset="0"/>
-                <a:cs typeface="Arial" charset="0"/>
-                <a:sym typeface="Cabin"/>
-              </a:rPr>
-              <a:t>Key</a:t>
-            </a:r>
-            <a:endParaRPr lang="en-US" sz="7800" u="none" strike="noStrike" cap="none" dirty="0">
-              <a:solidFill>
-                <a:srgbClr val="FFFF00"/>
-              </a:solidFill>
-              <a:latin typeface="Arial" charset="0"/>
-              <a:ea typeface="Arial" charset="0"/>
-              <a:cs typeface="Arial" charset="0"/>
-              <a:sym typeface="Cabin"/>
-            </a:endParaRPr>
+              <a:t>Ordenamiento por Valores en Lugar de Claves</a:t>
+            </a:r>
           </a:p>
         </p:txBody>
       </p:sp>
@@ -7213,7 +7255,7 @@
         </p:nvSpPr>
         <p:spPr>
           <a:xfrm>
-            <a:off x="93584" y="1841982"/>
+            <a:off x="93584" y="3019429"/>
             <a:ext cx="6716462" cy="5016044"/>
           </a:xfrm>
           <a:prstGeom prst="rect">
@@ -7248,7 +7290,7 @@
               <a:buChar char="•"/>
             </a:pPr>
             <a:r>
-              <a:rPr lang="en-US" sz="3600" b="0" u="none" strike="noStrike" cap="none" dirty="0">
+              <a:rPr lang="es-419" sz="3600" b="0" u="none" strike="noStrike" cap="none" dirty="0">
                 <a:solidFill>
                   <a:schemeClr val="lt1"/>
                 </a:solidFill>
@@ -7257,10 +7299,10 @@
                 <a:cs typeface="Arial" charset="0"/>
                 <a:sym typeface="Cabin"/>
               </a:rPr>
-              <a:t>If we could construct a list of </a:t>
-            </a:r>
-            <a:r>
-              <a:rPr lang="en-US" sz="3600" b="0" u="none" strike="noStrike" cap="none" dirty="0">
+              <a:t>Si pudiéramos construir una lista de </a:t>
+            </a:r>
+            <a:r>
+              <a:rPr lang="es-419" sz="3600" b="0" u="none" strike="noStrike" cap="none" dirty="0">
                 <a:solidFill>
                   <a:srgbClr val="FF7F00"/>
                 </a:solidFill>
@@ -7269,10 +7311,10 @@
                 <a:cs typeface="Arial" charset="0"/>
                 <a:sym typeface="Cabin"/>
               </a:rPr>
-              <a:t>tuples</a:t>
-            </a:r>
-            <a:r>
-              <a:rPr lang="en-US" sz="3600" b="0" u="none" strike="noStrike" cap="none" dirty="0">
+              <a:t>tuplas</a:t>
+            </a:r>
+            <a:r>
+              <a:rPr lang="es-419" sz="3600" b="0" u="none" strike="noStrike" cap="none" dirty="0">
                 <a:solidFill>
                   <a:schemeClr val="lt1"/>
                 </a:solidFill>
@@ -7281,10 +7323,10 @@
                 <a:cs typeface="Arial" charset="0"/>
                 <a:sym typeface="Cabin"/>
               </a:rPr>
-              <a:t> of the form </a:t>
-            </a:r>
-            <a:r>
-              <a:rPr lang="en-US" sz="3600" b="0" u="none" strike="noStrike" cap="none" dirty="0">
+              <a:t> en la forma </a:t>
+            </a:r>
+            <a:r>
+              <a:rPr lang="es-419" sz="3600" b="0" u="none" strike="noStrike" cap="none" dirty="0">
                 <a:solidFill>
                   <a:srgbClr val="FF7F00"/>
                 </a:solidFill>
@@ -7293,10 +7335,10 @@
                 <a:cs typeface="Arial" charset="0"/>
                 <a:sym typeface="Cabin"/>
               </a:rPr>
-              <a:t>(value, key)</a:t>
-            </a:r>
-            <a:r>
-              <a:rPr lang="en-US" sz="3600" b="0" u="none" strike="noStrike" cap="none" dirty="0">
+              <a:t>(valor, clave)</a:t>
+            </a:r>
+            <a:r>
+              <a:rPr lang="es-419" sz="3600" b="0" dirty="0">
                 <a:solidFill>
                   <a:schemeClr val="lt1"/>
                 </a:solidFill>
@@ -7305,31 +7347,79 @@
                 <a:cs typeface="Arial" charset="0"/>
                 <a:sym typeface="Cabin"/>
               </a:rPr>
-              <a:t> we could </a:t>
-            </a:r>
-            <a:r>
-              <a:rPr lang="en-US" sz="3600" b="0" u="none" strike="noStrike" cap="none" dirty="0">
-                <a:solidFill>
-                  <a:srgbClr val="FF00FF"/>
+              <a:t>, podríamos</a:t>
+            </a:r>
+            <a:r>
+              <a:rPr lang="es-419" sz="3600" b="0" u="none" strike="noStrike" cap="none" dirty="0">
+                <a:solidFill>
+                  <a:schemeClr val="lt1"/>
                 </a:solidFill>
                 <a:latin typeface="Arial" charset="0"/>
                 <a:ea typeface="Arial" charset="0"/>
                 <a:cs typeface="Arial" charset="0"/>
                 <a:sym typeface="Cabin"/>
               </a:rPr>
-              <a:t>sort</a:t>
-            </a:r>
-            <a:r>
-              <a:rPr lang="en-US" sz="3600" b="0" u="none" strike="noStrike" cap="none" dirty="0">
-                <a:solidFill>
-                  <a:schemeClr val="lt1"/>
+              <a:t> </a:t>
+            </a:r>
+            <a:r>
+              <a:rPr lang="es-419" sz="3600" b="0" dirty="0">
+                <a:solidFill>
+                  <a:srgbClr val="FF00FF"/>
                 </a:solidFill>
                 <a:latin typeface="Arial" charset="0"/>
                 <a:ea typeface="Arial" charset="0"/>
                 <a:cs typeface="Arial" charset="0"/>
                 <a:sym typeface="Cabin"/>
               </a:rPr>
-              <a:t> by value</a:t>
+              <a:t>ordenar (</a:t>
+            </a:r>
+            <a:r>
+              <a:rPr lang="es-419" sz="3600" b="0" dirty="0" err="1">
+                <a:solidFill>
+                  <a:srgbClr val="FF00FF"/>
+                </a:solidFill>
+                <a:latin typeface="Arial" charset="0"/>
+                <a:ea typeface="Arial" charset="0"/>
+                <a:cs typeface="Arial" charset="0"/>
+                <a:sym typeface="Cabin"/>
+              </a:rPr>
+              <a:t>s</a:t>
+            </a:r>
+            <a:r>
+              <a:rPr lang="es-419" sz="3600" b="0" u="none" strike="noStrike" cap="none" dirty="0" err="1">
+                <a:solidFill>
+                  <a:srgbClr val="FF00FF"/>
+                </a:solidFill>
+                <a:latin typeface="Arial" charset="0"/>
+                <a:ea typeface="Arial" charset="0"/>
+                <a:cs typeface="Arial" charset="0"/>
+                <a:sym typeface="Cabin"/>
+              </a:rPr>
+              <a:t>ort</a:t>
+            </a:r>
+            <a:r>
+              <a:rPr lang="es-419" sz="3600" b="0" u="none" strike="noStrike" cap="none" dirty="0">
+                <a:solidFill>
+                  <a:srgbClr val="FF00FF"/>
+                </a:solidFill>
+                <a:latin typeface="Arial" charset="0"/>
+                <a:ea typeface="Arial" charset="0"/>
+                <a:cs typeface="Arial" charset="0"/>
+                <a:sym typeface="Cabin"/>
+              </a:rPr>
+              <a:t>)</a:t>
+            </a:r>
+            <a:r>
+              <a:rPr lang="es-419" sz="3600" b="0" u="none" strike="noStrike" cap="none" dirty="0">
+                <a:solidFill>
+                  <a:schemeClr val="lt1"/>
+                </a:solidFill>
+                <a:latin typeface="Arial" charset="0"/>
+                <a:ea typeface="Arial" charset="0"/>
+                <a:cs typeface="Arial" charset="0"/>
+                <a:sym typeface="Cabin"/>
+              </a:rPr>
+              <a:t> por valor</a:t>
             </a:r>
           </a:p>
           <a:p>
@@ -7351,7 +7441,7 @@
               <a:buChar char="•"/>
             </a:pPr>
             <a:r>
-              <a:rPr lang="en-US" sz="3600" b="0" u="none" strike="noStrike" cap="none" dirty="0">
+              <a:rPr lang="es-419" sz="3600" b="0" u="none" strike="noStrike" cap="none" dirty="0">
                 <a:solidFill>
                   <a:schemeClr val="lt1"/>
                 </a:solidFill>
@@ -7360,10 +7450,10 @@
                 <a:cs typeface="Arial" charset="0"/>
                 <a:sym typeface="Cabin"/>
               </a:rPr>
-              <a:t>We do this with a </a:t>
-            </a:r>
-            <a:r>
-              <a:rPr lang="en-US" sz="3600" b="0" u="none" strike="noStrike" cap="none" dirty="0">
+              <a:t>Hacemos esto con un bucle </a:t>
+            </a:r>
+            <a:r>
+              <a:rPr lang="es-419" sz="3600" b="0" u="none" strike="noStrike" cap="none" dirty="0" err="1">
                 <a:solidFill>
                   <a:srgbClr val="FFFF00"/>
                 </a:solidFill>
@@ -7375,7 +7465,7 @@
               <a:t>for</a:t>
             </a:r>
             <a:r>
-              <a:rPr lang="en-US" sz="3600" b="0" u="none" strike="noStrike" cap="none" dirty="0">
+              <a:rPr lang="es-419" sz="3600" b="0" u="none" strike="noStrike" cap="none" dirty="0">
                 <a:solidFill>
                   <a:schemeClr val="lt1"/>
                 </a:solidFill>
@@ -7384,7 +7474,7 @@
                 <a:cs typeface="Arial" charset="0"/>
                 <a:sym typeface="Cabin"/>
               </a:rPr>
-              <a:t> loop that creates a list of tuples  </a:t>
+              <a:t> que crea una lista de tuplas</a:t>
             </a:r>
           </a:p>
         </p:txBody>
@@ -7397,7 +7487,7 @@
         </p:nvSpPr>
         <p:spPr>
           <a:xfrm>
-            <a:off x="7620432" y="2390088"/>
+            <a:off x="7620432" y="3127151"/>
             <a:ext cx="8920987" cy="4800600"/>
           </a:xfrm>
           <a:prstGeom prst="rect">
@@ -7432,7 +7522,7 @@
               <a:buNone/>
             </a:pPr>
             <a:r>
-              <a:rPr lang="en-US" sz="3000" b="1" i="0" u="none" strike="noStrike" cap="none" dirty="0">
+              <a:rPr lang="es-419" sz="3000" b="1" i="0" u="none" strike="noStrike" cap="none" dirty="0">
                 <a:solidFill>
                   <a:schemeClr val="lt1"/>
                 </a:solidFill>
@@ -7444,7 +7534,7 @@
               <a:t>&gt;&gt;&gt; </a:t>
             </a:r>
             <a:r>
-              <a:rPr lang="en-US" sz="3000" b="1" i="0" u="none" strike="noStrike" cap="none" dirty="0">
+              <a:rPr lang="es-419" sz="3000" b="1" i="0" u="none" strike="noStrike" cap="none" dirty="0">
                 <a:solidFill>
                   <a:srgbClr val="00FF00"/>
                 </a:solidFill>
@@ -7456,7 +7546,7 @@
               <a:t>c</a:t>
             </a:r>
             <a:r>
-              <a:rPr lang="en-US" sz="3000" b="1" i="0" u="none" strike="noStrike" cap="none" dirty="0">
+              <a:rPr lang="es-419" sz="3000" b="1" i="0" u="none" strike="noStrike" cap="none" dirty="0">
                 <a:solidFill>
                   <a:schemeClr val="lt1"/>
                 </a:solidFill>
@@ -7487,7 +7577,7 @@
               <a:buNone/>
             </a:pPr>
             <a:r>
-              <a:rPr lang="en-US" sz="3000" b="1" i="0" u="none" strike="noStrike" cap="none" dirty="0">
+              <a:rPr lang="es-419" sz="3000" b="1" i="0" u="none" strike="noStrike" cap="none" dirty="0">
                 <a:solidFill>
                   <a:schemeClr val="lt1"/>
                 </a:solidFill>
@@ -7499,7 +7589,7 @@
               <a:t>&gt;&gt;&gt; </a:t>
             </a:r>
             <a:r>
-              <a:rPr lang="en-US" sz="3000" b="1" i="0" u="none" strike="noStrike" cap="none" dirty="0" err="1">
+              <a:rPr lang="es-419" sz="3000" b="1" i="0" u="none" strike="noStrike" cap="none" dirty="0" err="1">
                 <a:solidFill>
                   <a:srgbClr val="00FF00"/>
                 </a:solidFill>
@@ -7511,7 +7601,7 @@
               <a:t>tmp</a:t>
             </a:r>
             <a:r>
-              <a:rPr lang="en-US" sz="3000" b="1" i="0" u="none" strike="noStrike" cap="none" dirty="0">
+              <a:rPr lang="es-419" sz="3000" b="1" i="0" u="none" strike="noStrike" cap="none" dirty="0">
                 <a:solidFill>
                   <a:schemeClr val="lt1"/>
                 </a:solidFill>
@@ -7523,7 +7613,7 @@
               <a:t> = </a:t>
             </a:r>
             <a:r>
-              <a:rPr lang="en-US" sz="3000" b="1" i="0" u="none" strike="noStrike" cap="none" dirty="0">
+              <a:rPr lang="es-419" sz="3000" b="1" i="0" u="none" strike="noStrike" cap="none" dirty="0" err="1">
                 <a:solidFill>
                   <a:srgbClr val="FF00FF"/>
                 </a:solidFill>
@@ -7535,7 +7625,7 @@
               <a:t>list</a:t>
             </a:r>
             <a:r>
-              <a:rPr lang="en-US" sz="3000" b="1" i="0" u="none" strike="noStrike" cap="none" dirty="0">
+              <a:rPr lang="es-419" sz="3000" b="1" i="0" u="none" strike="noStrike" cap="none" dirty="0">
                 <a:solidFill>
                   <a:schemeClr val="lt1"/>
                 </a:solidFill>
@@ -7566,7 +7656,7 @@
               <a:buNone/>
             </a:pPr>
             <a:r>
-              <a:rPr lang="en-US" sz="3000" b="1" i="0" u="none" strike="noStrike" cap="none" dirty="0">
+              <a:rPr lang="es-419" sz="3000" b="1" i="0" u="none" strike="noStrike" cap="none" dirty="0">
                 <a:solidFill>
                   <a:schemeClr val="lt1"/>
                 </a:solidFill>
@@ -7578,7 +7668,7 @@
               <a:t>&gt;&gt;&gt; </a:t>
             </a:r>
             <a:r>
-              <a:rPr lang="en-US" sz="3000" b="1" i="0" u="none" strike="noStrike" cap="none" dirty="0">
+              <a:rPr lang="es-419" sz="3000" b="1" i="0" u="none" strike="noStrike" cap="none" dirty="0" err="1">
                 <a:solidFill>
                   <a:srgbClr val="FFFF00"/>
                 </a:solidFill>
@@ -7590,7 +7680,7 @@
               <a:t>for</a:t>
             </a:r>
             <a:r>
-              <a:rPr lang="en-US" sz="3000" b="1" i="0" u="none" strike="noStrike" cap="none" dirty="0">
+              <a:rPr lang="es-419" sz="3000" b="1" i="0" u="none" strike="noStrike" cap="none" dirty="0">
                 <a:solidFill>
                   <a:schemeClr val="lt1"/>
                 </a:solidFill>
@@ -7602,7 +7692,7 @@
               <a:t> </a:t>
             </a:r>
             <a:r>
-              <a:rPr lang="en-US" sz="3000" b="1" i="0" u="none" strike="noStrike" cap="none" dirty="0">
+              <a:rPr lang="es-419" sz="3000" b="1" dirty="0" err="1">
                 <a:solidFill>
                   <a:srgbClr val="FF7F00"/>
                 </a:solidFill>
@@ -7611,10 +7701,22 @@
                 <a:cs typeface="Courier New"/>
                 <a:sym typeface="Courier New"/>
               </a:rPr>
-              <a:t>k, v</a:t>
-            </a:r>
-            <a:r>
-              <a:rPr lang="en-US" sz="3000" b="1" i="0" u="none" strike="noStrike" cap="none" dirty="0">
+              <a:t>cl</a:t>
+            </a:r>
+            <a:r>
+              <a:rPr lang="es-419" sz="3000" b="1" i="0" u="none" strike="noStrike" cap="none" dirty="0">
+                <a:solidFill>
+                  <a:srgbClr val="FF7F00"/>
+                </a:solidFill>
+                <a:latin typeface="Courier New"/>
+                <a:ea typeface="Courier New"/>
+                <a:cs typeface="Courier New"/>
+                <a:sym typeface="Courier New"/>
+              </a:rPr>
+              <a:t>, v</a:t>
+            </a:r>
+            <a:r>
+              <a:rPr lang="es-419" sz="3000" b="1" i="0" u="none" strike="noStrike" cap="none" dirty="0">
                 <a:solidFill>
                   <a:schemeClr val="lt1"/>
                 </a:solidFill>
@@ -7626,7 +7728,7 @@
               <a:t> </a:t>
             </a:r>
             <a:r>
-              <a:rPr lang="en-US" sz="3000" b="1" i="0" u="none" strike="noStrike" cap="none" dirty="0">
+              <a:rPr lang="es-419" sz="3000" b="1" i="0" u="none" strike="noStrike" cap="none" dirty="0">
                 <a:solidFill>
                   <a:srgbClr val="FFFF00"/>
                 </a:solidFill>
@@ -7638,7 +7740,7 @@
               <a:t>in</a:t>
             </a:r>
             <a:r>
-              <a:rPr lang="en-US" sz="3000" b="1" i="0" u="none" strike="noStrike" cap="none" dirty="0">
+              <a:rPr lang="es-419" sz="3000" b="1" i="0" u="none" strike="noStrike" cap="none" dirty="0">
                 <a:solidFill>
                   <a:schemeClr val="lt1"/>
                 </a:solidFill>
@@ -7650,7 +7752,7 @@
               <a:t> </a:t>
             </a:r>
             <a:r>
-              <a:rPr lang="en-US" sz="3000" b="1" i="0" u="none" strike="noStrike" cap="none" dirty="0" err="1">
+              <a:rPr lang="es-419" sz="3000" b="1" i="0" u="none" strike="noStrike" cap="none" dirty="0" err="1">
                 <a:solidFill>
                   <a:srgbClr val="00FF00"/>
                 </a:solidFill>
@@ -7662,7 +7764,7 @@
               <a:t>c</a:t>
             </a:r>
             <a:r>
-              <a:rPr lang="en-US" sz="3000" b="1" i="0" u="none" strike="noStrike" cap="none" dirty="0" err="1">
+              <a:rPr lang="es-419" sz="3000" b="1" i="0" u="none" strike="noStrike" cap="none" dirty="0" err="1">
                 <a:solidFill>
                   <a:srgbClr val="FF00FF"/>
                 </a:solidFill>
@@ -7674,7 +7776,7 @@
               <a:t>.items</a:t>
             </a:r>
             <a:r>
-              <a:rPr lang="en-US" sz="3000" b="1" i="0" u="none" strike="noStrike" cap="none" dirty="0">
+              <a:rPr lang="es-419" sz="3000" b="1" i="0" u="none" strike="noStrike" cap="none" dirty="0">
                 <a:solidFill>
                   <a:schemeClr val="lt1"/>
                 </a:solidFill>
@@ -7705,7 +7807,7 @@
               <a:buNone/>
             </a:pPr>
             <a:r>
-              <a:rPr lang="en-US" sz="3000" b="1" i="0" u="none" strike="noStrike" cap="none" dirty="0">
+              <a:rPr lang="es-419" sz="3000" b="1" i="0" u="none" strike="noStrike" cap="none" dirty="0">
                 <a:solidFill>
                   <a:schemeClr val="lt1"/>
                 </a:solidFill>
@@ -7717,7 +7819,7 @@
               <a:t>...     </a:t>
             </a:r>
             <a:r>
-              <a:rPr lang="en-US" sz="3000" b="1" i="0" u="none" strike="noStrike" cap="none" dirty="0" err="1">
+              <a:rPr lang="es-419" sz="3000" b="1" i="0" u="none" strike="noStrike" cap="none" dirty="0" err="1">
                 <a:solidFill>
                   <a:srgbClr val="00FF00"/>
                 </a:solidFill>
@@ -7729,7 +7831,7 @@
               <a:t>tmp</a:t>
             </a:r>
             <a:r>
-              <a:rPr lang="en-US" sz="3000" b="1" i="0" u="none" strike="noStrike" cap="none" dirty="0" err="1">
+              <a:rPr lang="es-419" sz="3000" b="1" i="0" u="none" strike="noStrike" cap="none" dirty="0" err="1">
                 <a:solidFill>
                   <a:srgbClr val="FF00FF"/>
                 </a:solidFill>
@@ -7741,7 +7843,7 @@
               <a:t>.append</a:t>
             </a:r>
             <a:r>
-              <a:rPr lang="en-US" sz="3000" b="1" i="0" u="none" strike="noStrike" cap="none" dirty="0">
+              <a:rPr lang="es-419" sz="3000" b="1" i="0" u="none" strike="noStrike" cap="none" dirty="0">
                 <a:solidFill>
                   <a:schemeClr val="lt1"/>
                 </a:solidFill>
@@ -7753,7 +7855,7 @@
               <a:t>( </a:t>
             </a:r>
             <a:r>
-              <a:rPr lang="en-US" sz="3000" b="1" i="0" u="none" strike="noStrike" cap="none" dirty="0">
+              <a:rPr lang="es-419" sz="3000" b="1" i="0" u="none" strike="noStrike" cap="none" dirty="0">
                 <a:solidFill>
                   <a:srgbClr val="FF7F00"/>
                 </a:solidFill>
@@ -7762,10 +7864,34 @@
                 <a:cs typeface="Courier New"/>
                 <a:sym typeface="Courier New"/>
               </a:rPr>
-              <a:t>(v, k)</a:t>
-            </a:r>
-            <a:r>
-              <a:rPr lang="en-US" sz="3000" b="1" i="0" u="none" strike="noStrike" cap="none" dirty="0">
+              <a:t>(v, </a:t>
+            </a:r>
+            <a:r>
+              <a:rPr lang="es-419" sz="3000" b="1" i="0" u="none" strike="noStrike" cap="none" dirty="0" err="1">
+                <a:solidFill>
+                  <a:srgbClr val="FF7F00"/>
+                </a:solidFill>
+                <a:latin typeface="Courier New"/>
+                <a:ea typeface="Courier New"/>
+                <a:cs typeface="Courier New"/>
+                <a:sym typeface="Courier New"/>
+              </a:rPr>
+              <a:t>cl</a:t>
+            </a:r>
+            <a:r>
+              <a:rPr lang="es-419" sz="3000" b="1" i="0" u="none" strike="noStrike" cap="none" dirty="0">
+                <a:solidFill>
+                  <a:srgbClr val="FF7F00"/>
+                </a:solidFill>
+                <a:latin typeface="Courier New"/>
+                <a:ea typeface="Courier New"/>
+                <a:cs typeface="Courier New"/>
+                <a:sym typeface="Courier New"/>
+              </a:rPr>
+              <a:t>)</a:t>
+            </a:r>
+            <a:r>
+              <a:rPr lang="es-419" sz="3000" b="1" i="0" u="none" strike="noStrike" cap="none" dirty="0">
                 <a:solidFill>
                   <a:schemeClr val="lt1"/>
                 </a:solidFill>
@@ -7796,7 +7922,7 @@
               <a:buNone/>
             </a:pPr>
             <a:r>
-              <a:rPr lang="en-US" sz="3000" b="1" i="0" u="none" strike="noStrike" cap="none" dirty="0">
+              <a:rPr lang="es-419" sz="3000" b="1" i="0" u="none" strike="noStrike" cap="none" dirty="0">
                 <a:solidFill>
                   <a:schemeClr val="lt1"/>
                 </a:solidFill>
@@ -7816,7 +7942,7 @@
               <a:buSzPct val="25000"/>
             </a:pPr>
             <a:r>
-              <a:rPr lang="en-US" sz="3000" b="1" i="0" u="none" strike="noStrike" cap="none" dirty="0">
+              <a:rPr lang="es-419" sz="3000" b="1" i="0" u="none" strike="noStrike" cap="none" dirty="0">
                 <a:solidFill>
                   <a:schemeClr val="lt1"/>
                 </a:solidFill>
@@ -7828,7 +7954,7 @@
               <a:t>&gt;&gt;&gt; </a:t>
             </a:r>
             <a:r>
-              <a:rPr lang="en-US" sz="3000" b="1" i="0" u="none" strike="noStrike" cap="none" dirty="0" smtClean="0">
+              <a:rPr lang="es-419" sz="3000" b="1" i="0" u="none" strike="noStrike" cap="none" dirty="0" err="1">
                 <a:solidFill>
                   <a:srgbClr val="FFFF00"/>
                 </a:solidFill>
@@ -7840,7 +7966,7 @@
               <a:t>print</a:t>
             </a:r>
             <a:r>
-              <a:rPr lang="en-US" sz="3000" b="1" dirty="0">
+              <a:rPr lang="es-419" sz="3000" b="1" dirty="0">
                 <a:solidFill>
                   <a:schemeClr val="lt1"/>
                 </a:solidFill>
@@ -7852,7 +7978,7 @@
               <a:t>(</a:t>
             </a:r>
             <a:r>
-              <a:rPr lang="en-US" sz="3000" b="1" i="0" u="none" strike="noStrike" cap="none" dirty="0" err="1" smtClean="0">
+              <a:rPr lang="es-419" sz="3000" b="1" i="0" u="none" strike="noStrike" cap="none" dirty="0" err="1">
                 <a:solidFill>
                   <a:srgbClr val="00FF00"/>
                 </a:solidFill>
@@ -7864,7 +7990,7 @@
               <a:t>tmp</a:t>
             </a:r>
             <a:r>
-              <a:rPr lang="en-US" sz="3000" b="1" dirty="0" smtClean="0">
+              <a:rPr lang="es-419" sz="3000" b="1" dirty="0">
                 <a:solidFill>
                   <a:srgbClr val="FFFF00"/>
                 </a:solidFill>
@@ -7875,7 +8001,7 @@
               </a:rPr>
               <a:t>)</a:t>
             </a:r>
-            <a:endParaRPr lang="en-US" sz="3000" b="1" i="0" u="none" strike="noStrike" cap="none" dirty="0">
+            <a:endParaRPr lang="es-419" sz="3000" b="1" i="0" u="none" strike="noStrike" cap="none" dirty="0">
               <a:solidFill>
                 <a:srgbClr val="00FF00"/>
               </a:solidFill>
@@ -7904,7 +8030,7 @@
               <a:buNone/>
             </a:pPr>
             <a:r>
-              <a:rPr lang="en-US" sz="3000" b="1" i="0" u="none" strike="noStrike" cap="none" dirty="0">
+              <a:rPr lang="es-419" sz="3000" b="1" i="0" u="none" strike="noStrike" cap="none" dirty="0">
                 <a:solidFill>
                   <a:schemeClr val="lt1"/>
                 </a:solidFill>
@@ -7935,7 +8061,7 @@
               <a:buNone/>
             </a:pPr>
             <a:r>
-              <a:rPr lang="en-US" sz="3000" b="1" i="0" u="none" strike="noStrike" cap="none" dirty="0">
+              <a:rPr lang="es-419" sz="3000" b="1" i="0" u="none" strike="noStrike" cap="none" dirty="0">
                 <a:solidFill>
                   <a:schemeClr val="lt1"/>
                 </a:solidFill>
@@ -7947,7 +8073,7 @@
               <a:t>&gt;&gt;&gt; </a:t>
             </a:r>
             <a:r>
-              <a:rPr lang="en-US" sz="3000" b="1" i="0" u="none" strike="noStrike" cap="none" dirty="0" err="1" smtClean="0">
+              <a:rPr lang="es-419" sz="3000" b="1" i="0" u="none" strike="noStrike" cap="none" dirty="0" err="1">
                 <a:solidFill>
                   <a:srgbClr val="00FA00"/>
                 </a:solidFill>
@@ -7959,7 +8085,7 @@
               <a:t>tmp</a:t>
             </a:r>
             <a:r>
-              <a:rPr lang="en-US" sz="3000" b="1" i="0" u="none" strike="noStrike" cap="none" dirty="0" smtClean="0">
+              <a:rPr lang="es-419" sz="3000" b="1" i="0" u="none" strike="noStrike" cap="none" dirty="0">
                 <a:solidFill>
                   <a:srgbClr val="00FA00"/>
                 </a:solidFill>
@@ -7971,7 +8097,7 @@
               <a:t> </a:t>
             </a:r>
             <a:r>
-              <a:rPr lang="en-US" sz="3000" b="1" i="0" u="none" strike="noStrike" cap="none" dirty="0" smtClean="0">
+              <a:rPr lang="es-419" sz="3000" b="1" i="0" u="none" strike="noStrike" cap="none" dirty="0">
                 <a:solidFill>
                   <a:schemeClr val="lt1"/>
                 </a:solidFill>
@@ -7983,7 +8109,7 @@
               <a:t>= </a:t>
             </a:r>
             <a:r>
-              <a:rPr lang="en-US" sz="3000" b="1" i="0" u="none" strike="noStrike" cap="none" dirty="0" smtClean="0">
+              <a:rPr lang="es-419" sz="3000" b="1" i="0" u="none" strike="noStrike" cap="none" dirty="0" err="1">
                 <a:solidFill>
                   <a:srgbClr val="FFFF00"/>
                 </a:solidFill>
@@ -7992,10 +8118,22 @@
                 <a:cs typeface="Courier New"/>
                 <a:sym typeface="Courier New"/>
               </a:rPr>
-              <a:t>sorted(</a:t>
-            </a:r>
-            <a:r>
-              <a:rPr lang="en-US" sz="3000" b="1" i="0" u="none" strike="noStrike" cap="none" dirty="0" err="1" smtClean="0">
+              <a:t>sorted</a:t>
+            </a:r>
+            <a:r>
+              <a:rPr lang="es-419" sz="3000" b="1" i="0" u="none" strike="noStrike" cap="none" dirty="0">
+                <a:solidFill>
+                  <a:srgbClr val="FFFF00"/>
+                </a:solidFill>
+                <a:latin typeface="Courier New"/>
+                <a:ea typeface="Courier New"/>
+                <a:cs typeface="Courier New"/>
+                <a:sym typeface="Courier New"/>
+              </a:rPr>
+              <a:t>(</a:t>
+            </a:r>
+            <a:r>
+              <a:rPr lang="es-419" sz="3000" b="1" i="0" u="none" strike="noStrike" cap="none" dirty="0" err="1">
                 <a:solidFill>
                   <a:srgbClr val="00FF00"/>
                 </a:solidFill>
@@ -8007,7 +8145,7 @@
               <a:t>tmp</a:t>
             </a:r>
             <a:r>
-              <a:rPr lang="en-US" sz="3000" b="1" i="0" u="none" strike="noStrike" cap="none" dirty="0" smtClean="0">
+              <a:rPr lang="es-419" sz="3000" b="1" i="0" u="none" strike="noStrike" cap="none" dirty="0">
                 <a:solidFill>
                   <a:srgbClr val="FF00FF"/>
                 </a:solidFill>
@@ -8019,7 +8157,7 @@
               <a:t>, reverse=True</a:t>
             </a:r>
             <a:r>
-              <a:rPr lang="en-US" sz="3000" b="1" i="0" u="none" strike="noStrike" cap="none" dirty="0">
+              <a:rPr lang="es-419" sz="3000" b="1" i="0" u="none" strike="noStrike" cap="none" dirty="0">
                 <a:solidFill>
                   <a:srgbClr val="FFFF00"/>
                 </a:solidFill>
@@ -8039,7 +8177,7 @@
               <a:buSzPct val="25000"/>
             </a:pPr>
             <a:r>
-              <a:rPr lang="en-US" sz="3000" b="1" i="0" u="none" strike="noStrike" cap="none" dirty="0">
+              <a:rPr lang="es-419" sz="3000" b="1" i="0" u="none" strike="noStrike" cap="none" dirty="0">
                 <a:solidFill>
                   <a:schemeClr val="lt1"/>
                 </a:solidFill>
@@ -8051,7 +8189,7 @@
               <a:t>&gt;&gt;&gt; </a:t>
             </a:r>
             <a:r>
-              <a:rPr lang="en-US" sz="3000" b="1" i="0" u="none" strike="noStrike" cap="none" dirty="0" smtClean="0">
+              <a:rPr lang="es-419" sz="3000" b="1" i="0" u="none" strike="noStrike" cap="none" dirty="0" err="1">
                 <a:solidFill>
                   <a:srgbClr val="FFFF00"/>
                 </a:solidFill>
@@ -8060,10 +8198,22 @@
                 <a:cs typeface="Courier New"/>
                 <a:sym typeface="Courier New"/>
               </a:rPr>
-              <a:t>print(</a:t>
-            </a:r>
-            <a:r>
-              <a:rPr lang="en-US" sz="3000" b="1" i="0" u="none" strike="noStrike" cap="none" dirty="0" err="1" smtClean="0">
+              <a:t>print</a:t>
+            </a:r>
+            <a:r>
+              <a:rPr lang="es-419" sz="3000" b="1" i="0" u="none" strike="noStrike" cap="none" dirty="0">
+                <a:solidFill>
+                  <a:srgbClr val="FFFF00"/>
+                </a:solidFill>
+                <a:latin typeface="Courier New"/>
+                <a:ea typeface="Courier New"/>
+                <a:cs typeface="Courier New"/>
+                <a:sym typeface="Courier New"/>
+              </a:rPr>
+              <a:t>(</a:t>
+            </a:r>
+            <a:r>
+              <a:rPr lang="es-419" sz="3000" b="1" i="0" u="none" strike="noStrike" cap="none" dirty="0" err="1">
                 <a:solidFill>
                   <a:srgbClr val="00FF00"/>
                 </a:solidFill>
@@ -8075,7 +8225,7 @@
               <a:t>tmp</a:t>
             </a:r>
             <a:r>
-              <a:rPr lang="en-US" sz="3000" b="1" dirty="0" smtClean="0">
+              <a:rPr lang="es-419" sz="3000" b="1" dirty="0">
                 <a:solidFill>
                   <a:srgbClr val="FFFF00"/>
                 </a:solidFill>
@@ -8086,7 +8236,7 @@
               </a:rPr>
               <a:t>)</a:t>
             </a:r>
-            <a:endParaRPr lang="en-US" sz="3000" b="1" i="0" u="none" strike="noStrike" cap="none" dirty="0">
+            <a:endParaRPr lang="es-419" sz="3000" b="1" i="0" u="none" strike="noStrike" cap="none" dirty="0">
               <a:solidFill>
                 <a:srgbClr val="00FF00"/>
               </a:solidFill>
@@ -8115,7 +8265,7 @@
               <a:buNone/>
             </a:pPr>
             <a:r>
-              <a:rPr lang="en-US" sz="3000" b="1" i="0" u="none" strike="noStrike" cap="none" dirty="0">
+              <a:rPr lang="es-419" sz="3000" b="1" i="0" u="none" strike="noStrike" cap="none" dirty="0">
                 <a:solidFill>
                   <a:schemeClr val="lt1"/>
                 </a:solidFill>
@@ -8163,7 +8313,7 @@
         <p:spPr>
           <a:xfrm>
             <a:off x="1016950" y="871534"/>
-            <a:ext cx="13487400" cy="7421299"/>
+            <a:ext cx="14740792" cy="7421299"/>
           </a:xfrm>
           <a:prstGeom prst="rect">
             <a:avLst/>
@@ -8197,7 +8347,7 @@
               <a:buNone/>
             </a:pPr>
             <a:r>
-              <a:rPr lang="en-US" sz="3000" b="1" i="0" u="none" strike="noStrike" cap="none" dirty="0" err="1">
+              <a:rPr lang="es-419" sz="3000" b="1" dirty="0" err="1">
                 <a:solidFill>
                   <a:srgbClr val="00FF00"/>
                 </a:solidFill>
@@ -8206,10 +8356,22 @@
                 <a:cs typeface="Courier New"/>
                 <a:sym typeface="Courier New"/>
               </a:rPr>
-              <a:t>fhand</a:t>
-            </a:r>
-            <a:r>
-              <a:rPr lang="en-US" sz="3000" b="1" i="0" u="none" strike="noStrike" cap="none" dirty="0">
+              <a:t>m</a:t>
+            </a:r>
+            <a:r>
+              <a:rPr lang="es-419" sz="3000" b="1" i="0" u="none" strike="noStrike" cap="none" dirty="0" err="1">
+                <a:solidFill>
+                  <a:srgbClr val="00FF00"/>
+                </a:solidFill>
+                <a:latin typeface="Courier New"/>
+                <a:ea typeface="Courier New"/>
+                <a:cs typeface="Courier New"/>
+                <a:sym typeface="Courier New"/>
+              </a:rPr>
+              <a:t>an_a</a:t>
+            </a:r>
+            <a:r>
+              <a:rPr lang="es-419" sz="3000" b="1" i="0" u="none" strike="noStrike" cap="none" dirty="0">
                 <a:solidFill>
                   <a:schemeClr val="lt1"/>
                 </a:solidFill>
@@ -8221,7 +8383,7 @@
               <a:t> = </a:t>
             </a:r>
             <a:r>
-              <a:rPr lang="en-US" sz="3000" b="1" i="0" u="none" strike="noStrike" cap="none" dirty="0">
+              <a:rPr lang="es-419" sz="3000" b="1" i="0" u="none" strike="noStrike" cap="none" dirty="0">
                 <a:solidFill>
                   <a:srgbClr val="FF00FF"/>
                 </a:solidFill>
@@ -8233,40 +8395,16 @@
               <a:t>open</a:t>
             </a:r>
             <a:r>
-              <a:rPr lang="en-US" sz="3000" b="1" i="0" u="none" strike="noStrike" cap="none" dirty="0">
-                <a:solidFill>
-                  <a:schemeClr val="lt1"/>
-                </a:solidFill>
-                <a:latin typeface="Courier New"/>
-                <a:ea typeface="Courier New"/>
-                <a:cs typeface="Courier New"/>
-                <a:sym typeface="Courier New"/>
-              </a:rPr>
-              <a:t>('</a:t>
-            </a:r>
-            <a:r>
-              <a:rPr lang="en-US" sz="3000" b="1" i="0" u="none" strike="noStrike" cap="none" dirty="0" err="1">
-                <a:solidFill>
-                  <a:schemeClr val="lt1"/>
-                </a:solidFill>
-                <a:latin typeface="Courier New"/>
-                <a:ea typeface="Courier New"/>
-                <a:cs typeface="Courier New"/>
-                <a:sym typeface="Courier New"/>
-              </a:rPr>
-              <a:t>romeo.txt</a:t>
-            </a:r>
-            <a:r>
-              <a:rPr lang="en-US" sz="3000" b="1" i="0" u="none" strike="noStrike" cap="none" dirty="0">
-                <a:solidFill>
-                  <a:schemeClr val="lt1"/>
-                </a:solidFill>
-                <a:latin typeface="Courier New"/>
-                <a:ea typeface="Courier New"/>
-                <a:cs typeface="Courier New"/>
-                <a:sym typeface="Courier New"/>
-              </a:rPr>
-              <a:t>')</a:t>
+              <a:rPr lang="es-419" sz="3000" b="1" i="0" u="none" strike="noStrike" cap="none" dirty="0">
+                <a:solidFill>
+                  <a:schemeClr val="lt1"/>
+                </a:solidFill>
+                <a:latin typeface="Courier New"/>
+                <a:ea typeface="Courier New"/>
+                <a:cs typeface="Courier New"/>
+                <a:sym typeface="Courier New"/>
+              </a:rPr>
+              <a:t>('romeo.txt’)</a:t>
             </a:r>
           </a:p>
           <a:p>
@@ -8288,7 +8426,7 @@
               <a:buNone/>
             </a:pPr>
             <a:r>
-              <a:rPr lang="en-US" sz="3000" b="1" i="0" u="none" strike="noStrike" cap="none" dirty="0">
+              <a:rPr lang="es-419" sz="3000" b="1" i="0" u="none" strike="noStrike" cap="none" dirty="0">
                 <a:solidFill>
                   <a:srgbClr val="00FF00"/>
                 </a:solidFill>
@@ -8297,10 +8435,10 @@
                 <a:cs typeface="Courier New"/>
                 <a:sym typeface="Courier New"/>
               </a:rPr>
-              <a:t>counts</a:t>
-            </a:r>
-            <a:r>
-              <a:rPr lang="en-US" sz="3000" b="1" i="0" u="none" strike="noStrike" cap="none" dirty="0">
+              <a:t>contadores</a:t>
+            </a:r>
+            <a:r>
+              <a:rPr lang="es-419" sz="3000" b="1" i="0" u="none" strike="noStrike" cap="none" dirty="0">
                 <a:solidFill>
                   <a:schemeClr val="lt1"/>
                 </a:solidFill>
@@ -8312,7 +8450,7 @@
               <a:t> = </a:t>
             </a:r>
             <a:r>
-              <a:rPr lang="en-US" sz="3000" b="1" i="0" u="none" strike="noStrike" cap="none" dirty="0" err="1">
+              <a:rPr lang="es-419" sz="3000" b="1" i="0" u="none" strike="noStrike" cap="none" dirty="0" err="1">
                 <a:solidFill>
                   <a:srgbClr val="FF00FF"/>
                 </a:solidFill>
@@ -8324,7 +8462,7 @@
               <a:t>dict</a:t>
             </a:r>
             <a:r>
-              <a:rPr lang="en-US" sz="3000" b="1" i="0" u="none" strike="noStrike" cap="none" dirty="0">
+              <a:rPr lang="es-419" sz="3000" b="1" i="0" u="none" strike="noStrike" cap="none" dirty="0">
                 <a:solidFill>
                   <a:schemeClr val="lt1"/>
                 </a:solidFill>
@@ -8355,7 +8493,7 @@
               <a:buNone/>
             </a:pPr>
             <a:r>
-              <a:rPr lang="en-US" sz="3000" b="1" i="0" u="none" strike="noStrike" cap="none" dirty="0">
+              <a:rPr lang="es-419" sz="3000" b="1" i="0" u="none" strike="noStrike" cap="none" dirty="0" err="1">
                 <a:solidFill>
                   <a:srgbClr val="FFFF00"/>
                 </a:solidFill>
@@ -8367,7 +8505,7 @@
               <a:t>for</a:t>
             </a:r>
             <a:r>
-              <a:rPr lang="en-US" sz="3000" b="1" i="0" u="none" strike="noStrike" cap="none" dirty="0">
+              <a:rPr lang="es-419" sz="3000" b="1" i="0" u="none" strike="noStrike" cap="none" dirty="0">
                 <a:solidFill>
                   <a:schemeClr val="lt1"/>
                 </a:solidFill>
@@ -8379,7 +8517,7 @@
               <a:t> </a:t>
             </a:r>
             <a:r>
-              <a:rPr lang="en-US" sz="3000" b="1" i="0" u="none" strike="noStrike" cap="none" dirty="0">
+              <a:rPr lang="es-419" sz="3000" b="1" i="0" u="none" strike="noStrike" cap="none" dirty="0" err="1">
                 <a:solidFill>
                   <a:srgbClr val="00FF00"/>
                 </a:solidFill>
@@ -8388,10 +8526,10 @@
                 <a:cs typeface="Courier New"/>
                 <a:sym typeface="Courier New"/>
               </a:rPr>
-              <a:t>line</a:t>
-            </a:r>
-            <a:r>
-              <a:rPr lang="en-US" sz="3000" b="1" i="0" u="none" strike="noStrike" cap="none" dirty="0">
+              <a:t>linea</a:t>
+            </a:r>
+            <a:r>
+              <a:rPr lang="es-419" sz="3000" b="1" i="0" u="none" strike="noStrike" cap="none" dirty="0">
                 <a:solidFill>
                   <a:schemeClr val="lt1"/>
                 </a:solidFill>
@@ -8403,7 +8541,7 @@
               <a:t> </a:t>
             </a:r>
             <a:r>
-              <a:rPr lang="en-US" sz="3000" b="1" i="0" u="none" strike="noStrike" cap="none" dirty="0">
+              <a:rPr lang="es-419" sz="3000" b="1" i="0" u="none" strike="noStrike" cap="none" dirty="0">
                 <a:solidFill>
                   <a:srgbClr val="FFFF00"/>
                 </a:solidFill>
@@ -8415,7 +8553,7 @@
               <a:t>in</a:t>
             </a:r>
             <a:r>
-              <a:rPr lang="en-US" sz="3000" b="1" i="0" u="none" strike="noStrike" cap="none" dirty="0">
+              <a:rPr lang="es-419" sz="3000" b="1" i="0" u="none" strike="noStrike" cap="none" dirty="0">
                 <a:solidFill>
                   <a:schemeClr val="lt1"/>
                 </a:solidFill>
@@ -8427,7 +8565,7 @@
               <a:t> </a:t>
             </a:r>
             <a:r>
-              <a:rPr lang="en-US" sz="3000" b="1" i="0" u="none" strike="noStrike" cap="none" dirty="0" err="1">
+              <a:rPr lang="es-419" sz="3000" b="1" i="0" u="none" strike="noStrike" cap="none" dirty="0" err="1">
                 <a:solidFill>
                   <a:srgbClr val="00FF00"/>
                 </a:solidFill>
@@ -8436,10 +8574,10 @@
                 <a:cs typeface="Courier New"/>
                 <a:sym typeface="Courier New"/>
               </a:rPr>
-              <a:t>fhand</a:t>
-            </a:r>
-            <a:r>
-              <a:rPr lang="en-US" sz="3000" b="1" i="0" u="none" strike="noStrike" cap="none" dirty="0">
+              <a:t>man_a</a:t>
+            </a:r>
+            <a:r>
+              <a:rPr lang="es-419" sz="3000" b="1" i="0" u="none" strike="noStrike" cap="none" dirty="0">
                 <a:solidFill>
                   <a:schemeClr val="lt1"/>
                 </a:solidFill>
@@ -8470,7 +8608,7 @@
               <a:buNone/>
             </a:pPr>
             <a:r>
-              <a:rPr lang="en-US" sz="3000" b="1" i="0" u="none" strike="noStrike" cap="none" dirty="0">
+              <a:rPr lang="es-419" sz="3000" b="1" i="0" u="none" strike="noStrike" cap="none" dirty="0">
                 <a:solidFill>
                   <a:schemeClr val="lt1"/>
                 </a:solidFill>
@@ -8482,7 +8620,7 @@
               <a:t>    </a:t>
             </a:r>
             <a:r>
-              <a:rPr lang="en-US" sz="3000" b="1" i="0" u="none" strike="noStrike" cap="none" dirty="0">
+              <a:rPr lang="es-419" sz="3000" b="1" i="0" u="none" strike="noStrike" cap="none" dirty="0">
                 <a:solidFill>
                   <a:srgbClr val="00FF00"/>
                 </a:solidFill>
@@ -8491,10 +8629,10 @@
                 <a:cs typeface="Courier New"/>
                 <a:sym typeface="Courier New"/>
               </a:rPr>
-              <a:t>words</a:t>
-            </a:r>
-            <a:r>
-              <a:rPr lang="en-US" sz="3000" b="1" i="0" u="none" strike="noStrike" cap="none" dirty="0">
+              <a:t>palabras</a:t>
+            </a:r>
+            <a:r>
+              <a:rPr lang="es-419" sz="3000" b="1" i="0" u="none" strike="noStrike" cap="none" dirty="0">
                 <a:solidFill>
                   <a:schemeClr val="lt1"/>
                 </a:solidFill>
@@ -8506,7 +8644,7 @@
               <a:t> = </a:t>
             </a:r>
             <a:r>
-              <a:rPr lang="en-US" sz="3000" b="1" i="0" u="none" strike="noStrike" cap="none" dirty="0" err="1">
+              <a:rPr lang="es-419" sz="3000" b="1" i="0" u="none" strike="noStrike" cap="none" dirty="0" err="1">
                 <a:solidFill>
                   <a:srgbClr val="00FF00"/>
                 </a:solidFill>
@@ -8515,10 +8653,10 @@
                 <a:cs typeface="Courier New"/>
                 <a:sym typeface="Courier New"/>
               </a:rPr>
-              <a:t>line</a:t>
-            </a:r>
-            <a:r>
-              <a:rPr lang="en-US" sz="3000" b="1" i="0" u="none" strike="noStrike" cap="none" dirty="0" err="1">
+              <a:t>linea</a:t>
+            </a:r>
+            <a:r>
+              <a:rPr lang="es-419" sz="3000" b="1" i="0" u="none" strike="noStrike" cap="none" dirty="0" err="1">
                 <a:solidFill>
                   <a:srgbClr val="FF00FF"/>
                 </a:solidFill>
@@ -8530,7 +8668,7 @@
               <a:t>.split</a:t>
             </a:r>
             <a:r>
-              <a:rPr lang="en-US" sz="3000" b="1" i="0" u="none" strike="noStrike" cap="none" dirty="0">
+              <a:rPr lang="es-419" sz="3000" b="1" i="0" u="none" strike="noStrike" cap="none" dirty="0">
                 <a:solidFill>
                   <a:schemeClr val="lt1"/>
                 </a:solidFill>
@@ -8561,7 +8699,7 @@
               <a:buNone/>
             </a:pPr>
             <a:r>
-              <a:rPr lang="en-US" sz="3000" b="1" i="0" u="none" strike="noStrike" cap="none" dirty="0">
+              <a:rPr lang="es-419" sz="3000" b="1" i="0" u="none" strike="noStrike" cap="none" dirty="0">
                 <a:solidFill>
                   <a:schemeClr val="lt1"/>
                 </a:solidFill>
@@ -8573,7 +8711,7 @@
               <a:t>    </a:t>
             </a:r>
             <a:r>
-              <a:rPr lang="en-US" sz="3000" b="1" i="0" u="none" strike="noStrike" cap="none" dirty="0">
+              <a:rPr lang="es-419" sz="3000" b="1" i="0" u="none" strike="noStrike" cap="none" dirty="0" err="1">
                 <a:solidFill>
                   <a:srgbClr val="FFFF00"/>
                 </a:solidFill>
@@ -8585,7 +8723,7 @@
               <a:t>for</a:t>
             </a:r>
             <a:r>
-              <a:rPr lang="en-US" sz="3000" b="1" i="0" u="none" strike="noStrike" cap="none" dirty="0">
+              <a:rPr lang="es-419" sz="3000" b="1" i="0" u="none" strike="noStrike" cap="none" dirty="0">
                 <a:solidFill>
                   <a:schemeClr val="lt1"/>
                 </a:solidFill>
@@ -8597,7 +8735,7 @@
               <a:t> </a:t>
             </a:r>
             <a:r>
-              <a:rPr lang="en-US" sz="3000" b="1" i="0" u="none" strike="noStrike" cap="none" dirty="0">
+              <a:rPr lang="es-419" sz="3000" b="1" i="0" u="none" strike="noStrike" cap="none" dirty="0">
                 <a:solidFill>
                   <a:srgbClr val="00FF00"/>
                 </a:solidFill>
@@ -8606,10 +8744,10 @@
                 <a:cs typeface="Courier New"/>
                 <a:sym typeface="Courier New"/>
               </a:rPr>
-              <a:t>word</a:t>
-            </a:r>
-            <a:r>
-              <a:rPr lang="en-US" sz="3000" b="1" i="0" u="none" strike="noStrike" cap="none" dirty="0">
+              <a:t>palabra</a:t>
+            </a:r>
+            <a:r>
+              <a:rPr lang="es-419" sz="3000" b="1" i="0" u="none" strike="noStrike" cap="none" dirty="0">
                 <a:solidFill>
                   <a:schemeClr val="lt1"/>
                 </a:solidFill>
@@ -8621,7 +8759,7 @@
               <a:t> </a:t>
             </a:r>
             <a:r>
-              <a:rPr lang="en-US" sz="3000" b="1" i="0" u="none" strike="noStrike" cap="none" dirty="0">
+              <a:rPr lang="es-419" sz="3000" b="1" i="0" u="none" strike="noStrike" cap="none" dirty="0">
                 <a:solidFill>
                   <a:srgbClr val="FFFF00"/>
                 </a:solidFill>
@@ -8633,7 +8771,7 @@
               <a:t>in</a:t>
             </a:r>
             <a:r>
-              <a:rPr lang="en-US" sz="3000" b="1" i="0" u="none" strike="noStrike" cap="none" dirty="0">
+              <a:rPr lang="es-419" sz="3000" b="1" i="0" u="none" strike="noStrike" cap="none" dirty="0">
                 <a:solidFill>
                   <a:schemeClr val="lt1"/>
                 </a:solidFill>
@@ -8645,7 +8783,7 @@
               <a:t> </a:t>
             </a:r>
             <a:r>
-              <a:rPr lang="en-US" sz="3000" b="1" i="0" u="none" strike="noStrike" cap="none" dirty="0">
+              <a:rPr lang="es-419" sz="3000" b="1" i="0" u="none" strike="noStrike" cap="none" dirty="0">
                 <a:solidFill>
                   <a:srgbClr val="00FF00"/>
                 </a:solidFill>
@@ -8654,10 +8792,10 @@
                 <a:cs typeface="Courier New"/>
                 <a:sym typeface="Courier New"/>
               </a:rPr>
-              <a:t>words</a:t>
-            </a:r>
-            <a:r>
-              <a:rPr lang="en-US" sz="3000" b="1" i="0" u="none" strike="noStrike" cap="none" dirty="0">
+              <a:t>palabras</a:t>
+            </a:r>
+            <a:r>
+              <a:rPr lang="es-419" sz="3000" b="1" i="0" u="none" strike="noStrike" cap="none" dirty="0">
                 <a:solidFill>
                   <a:schemeClr val="lt1"/>
                 </a:solidFill>
@@ -8688,7 +8826,7 @@
               <a:buNone/>
             </a:pPr>
             <a:r>
-              <a:rPr lang="en-US" sz="3000" b="1" i="0" u="none" strike="noStrike" cap="none" dirty="0">
+              <a:rPr lang="es-419" sz="3000" b="1" i="0" u="none" strike="noStrike" cap="none" dirty="0">
                 <a:solidFill>
                   <a:schemeClr val="lt1"/>
                 </a:solidFill>
@@ -8700,7 +8838,7 @@
               <a:t>        </a:t>
             </a:r>
             <a:r>
-              <a:rPr lang="en-US" sz="3000" b="1" i="0" u="none" strike="noStrike" cap="none" dirty="0">
+              <a:rPr lang="es-419" sz="3000" b="1" i="0" u="none" strike="noStrike" cap="none" dirty="0">
                 <a:solidFill>
                   <a:srgbClr val="00FF00"/>
                 </a:solidFill>
@@ -8709,10 +8847,10 @@
                 <a:cs typeface="Courier New"/>
                 <a:sym typeface="Courier New"/>
               </a:rPr>
-              <a:t>counts</a:t>
-            </a:r>
-            <a:r>
-              <a:rPr lang="en-US" sz="3000" b="1" i="0" u="none" strike="noStrike" cap="none" dirty="0">
+              <a:t>contadores</a:t>
+            </a:r>
+            <a:r>
+              <a:rPr lang="es-419" sz="3000" b="1" i="0" u="none" strike="noStrike" cap="none" dirty="0">
                 <a:solidFill>
                   <a:srgbClr val="00FFFF"/>
                 </a:solidFill>
@@ -8721,10 +8859,10 @@
                 <a:cs typeface="Courier New"/>
                 <a:sym typeface="Courier New"/>
               </a:rPr>
-              <a:t>[word]</a:t>
-            </a:r>
-            <a:r>
-              <a:rPr lang="en-US" sz="3000" b="1" i="0" u="none" strike="noStrike" cap="none" dirty="0">
+              <a:t>[palabra]</a:t>
+            </a:r>
+            <a:r>
+              <a:rPr lang="es-419" sz="3000" b="1" i="0" u="none" strike="noStrike" cap="none" dirty="0">
                 <a:solidFill>
                   <a:schemeClr val="lt1"/>
                 </a:solidFill>
@@ -8736,7 +8874,7 @@
               <a:t> = </a:t>
             </a:r>
             <a:r>
-              <a:rPr lang="en-US" sz="3000" b="1" i="0" u="none" strike="noStrike" cap="none" dirty="0" err="1">
+              <a:rPr lang="es-419" sz="3000" b="1" i="0" u="none" strike="noStrike" cap="none" dirty="0" err="1">
                 <a:solidFill>
                   <a:srgbClr val="00FF00"/>
                 </a:solidFill>
@@ -8745,10 +8883,10 @@
                 <a:cs typeface="Courier New"/>
                 <a:sym typeface="Courier New"/>
               </a:rPr>
-              <a:t>counts</a:t>
-            </a:r>
-            <a:r>
-              <a:rPr lang="en-US" sz="3000" b="1" i="0" u="none" strike="noStrike" cap="none" dirty="0" err="1">
+              <a:t>contadores</a:t>
+            </a:r>
+            <a:r>
+              <a:rPr lang="es-419" sz="3000" b="1" i="0" u="none" strike="noStrike" cap="none" dirty="0" err="1">
                 <a:solidFill>
                   <a:srgbClr val="FF00FF"/>
                 </a:solidFill>
@@ -8760,7 +8898,7 @@
               <a:t>.get</a:t>
             </a:r>
             <a:r>
-              <a:rPr lang="en-US" sz="3000" b="1" i="0" u="none" strike="noStrike" cap="none" dirty="0">
+              <a:rPr lang="es-419" sz="3000" b="1" i="0" u="none" strike="noStrike" cap="none" dirty="0">
                 <a:solidFill>
                   <a:schemeClr val="lt1"/>
                 </a:solidFill>
@@ -8772,7 +8910,7 @@
               <a:t>(</a:t>
             </a:r>
             <a:r>
-              <a:rPr lang="en-US" sz="3000" b="1" i="0" u="none" strike="noStrike" cap="none" dirty="0">
+              <a:rPr lang="es-419" sz="3000" b="1" i="0" u="none" strike="noStrike" cap="none" dirty="0">
                 <a:solidFill>
                   <a:srgbClr val="00FFFF"/>
                 </a:solidFill>
@@ -8781,10 +8919,10 @@
                 <a:cs typeface="Courier New"/>
                 <a:sym typeface="Courier New"/>
               </a:rPr>
-              <a:t>word</a:t>
-            </a:r>
-            <a:r>
-              <a:rPr lang="en-US" sz="3000" b="1" i="0" u="none" strike="noStrike" cap="none" dirty="0">
+              <a:t>palabra</a:t>
+            </a:r>
+            <a:r>
+              <a:rPr lang="es-419" sz="3000" b="1" i="0" u="none" strike="noStrike" cap="none" dirty="0">
                 <a:solidFill>
                   <a:schemeClr val="lt1"/>
                 </a:solidFill>
@@ -8813,7 +8951,7 @@
               <a:buFont typeface="Arial"/>
               <a:buNone/>
             </a:pPr>
-            <a:endParaRPr sz="3000" b="1" i="0" u="none" strike="noStrike" cap="none" dirty="0">
+            <a:endParaRPr lang="es-419" sz="3000" b="1" i="0" u="none" strike="noStrike" cap="none" dirty="0">
               <a:solidFill>
                 <a:schemeClr val="lt1"/>
               </a:solidFill>
@@ -8842,7 +8980,7 @@
               <a:buNone/>
             </a:pPr>
             <a:r>
-              <a:rPr lang="en-US" sz="3000" b="1" i="0" u="none" strike="noStrike" cap="none" dirty="0" err="1">
+              <a:rPr lang="es-419" sz="3000" b="1" i="0" u="none" strike="noStrike" cap="none" dirty="0" err="1">
                 <a:solidFill>
                   <a:srgbClr val="00FF00"/>
                 </a:solidFill>
@@ -8854,7 +8992,7 @@
               <a:t>lst</a:t>
             </a:r>
             <a:r>
-              <a:rPr lang="en-US" sz="3000" b="1" i="0" u="none" strike="noStrike" cap="none" dirty="0">
+              <a:rPr lang="es-419" sz="3000" b="1" i="0" u="none" strike="noStrike" cap="none" dirty="0">
                 <a:solidFill>
                   <a:schemeClr val="lt1"/>
                 </a:solidFill>
@@ -8866,7 +9004,7 @@
               <a:t> = </a:t>
             </a:r>
             <a:r>
-              <a:rPr lang="en-US" sz="3000" b="1" i="0" u="none" strike="noStrike" cap="none" dirty="0">
+              <a:rPr lang="es-419" sz="3000" b="1" i="0" u="none" strike="noStrike" cap="none" dirty="0" err="1">
                 <a:solidFill>
                   <a:srgbClr val="FF00FF"/>
                 </a:solidFill>
@@ -8878,7 +9016,7 @@
               <a:t>list</a:t>
             </a:r>
             <a:r>
-              <a:rPr lang="en-US" sz="3000" b="1" i="0" u="none" strike="noStrike" cap="none" dirty="0">
+              <a:rPr lang="es-419" sz="3000" b="1" i="0" u="none" strike="noStrike" cap="none" dirty="0">
                 <a:solidFill>
                   <a:schemeClr val="lt1"/>
                 </a:solidFill>
@@ -8909,7 +9047,7 @@
               <a:buNone/>
             </a:pPr>
             <a:r>
-              <a:rPr lang="en-US" sz="3000" b="1" i="0" u="none" strike="noStrike" cap="none" dirty="0">
+              <a:rPr lang="es-419" sz="3000" b="1" i="0" u="none" strike="noStrike" cap="none" dirty="0" err="1">
                 <a:solidFill>
                   <a:srgbClr val="FFFF00"/>
                 </a:solidFill>
@@ -8921,7 +9059,7 @@
               <a:t>for</a:t>
             </a:r>
             <a:r>
-              <a:rPr lang="en-US" sz="3000" b="1" i="0" u="none" strike="noStrike" cap="none" dirty="0">
+              <a:rPr lang="es-419" sz="3000" b="1" i="0" u="none" strike="noStrike" cap="none" dirty="0">
                 <a:solidFill>
                   <a:schemeClr val="lt1"/>
                 </a:solidFill>
@@ -8933,7 +9071,7 @@
               <a:t> </a:t>
             </a:r>
             <a:r>
-              <a:rPr lang="en-US" sz="3000" b="1" i="0" u="none" strike="noStrike" cap="none" dirty="0">
+              <a:rPr lang="es-419" sz="3000" b="1" i="0" u="none" strike="noStrike" cap="none" dirty="0">
                 <a:solidFill>
                   <a:srgbClr val="FF7F00"/>
                 </a:solidFill>
@@ -8942,22 +9080,10 @@
                 <a:cs typeface="Courier New"/>
                 <a:sym typeface="Courier New"/>
               </a:rPr>
-              <a:t>key, </a:t>
-            </a:r>
-            <a:r>
-              <a:rPr lang="en-US" sz="3000" b="1" i="0" u="none" strike="noStrike" cap="none" dirty="0" err="1">
-                <a:solidFill>
-                  <a:srgbClr val="FF7F00"/>
-                </a:solidFill>
-                <a:latin typeface="Courier New"/>
-                <a:ea typeface="Courier New"/>
-                <a:cs typeface="Courier New"/>
-                <a:sym typeface="Courier New"/>
-              </a:rPr>
-              <a:t>val</a:t>
-            </a:r>
-            <a:r>
-              <a:rPr lang="en-US" sz="3000" b="1" i="0" u="none" strike="noStrike" cap="none" dirty="0">
+              <a:t>clave, val</a:t>
+            </a:r>
+            <a:r>
+              <a:rPr lang="es-419" sz="3000" b="1" i="0" u="none" strike="noStrike" cap="none" dirty="0">
                 <a:solidFill>
                   <a:schemeClr val="lt1"/>
                 </a:solidFill>
@@ -8969,7 +9095,7 @@
               <a:t> </a:t>
             </a:r>
             <a:r>
-              <a:rPr lang="en-US" sz="3000" b="1" i="0" u="none" strike="noStrike" cap="none" dirty="0">
+              <a:rPr lang="es-419" sz="3000" b="1" i="0" u="none" strike="noStrike" cap="none" dirty="0">
                 <a:solidFill>
                   <a:srgbClr val="FFFF00"/>
                 </a:solidFill>
@@ -8981,7 +9107,7 @@
               <a:t>in</a:t>
             </a:r>
             <a:r>
-              <a:rPr lang="en-US" sz="3000" b="1" i="0" u="none" strike="noStrike" cap="none" dirty="0">
+              <a:rPr lang="es-419" sz="3000" b="1" i="0" u="none" strike="noStrike" cap="none" dirty="0">
                 <a:solidFill>
                   <a:schemeClr val="lt1"/>
                 </a:solidFill>
@@ -8993,7 +9119,7 @@
               <a:t> </a:t>
             </a:r>
             <a:r>
-              <a:rPr lang="en-US" sz="3000" b="1" i="0" u="none" strike="noStrike" cap="none" dirty="0" err="1">
+              <a:rPr lang="es-419" sz="3000" b="1" i="0" u="none" strike="noStrike" cap="none" dirty="0" err="1">
                 <a:solidFill>
                   <a:srgbClr val="00FF00"/>
                 </a:solidFill>
@@ -9002,10 +9128,10 @@
                 <a:cs typeface="Courier New"/>
                 <a:sym typeface="Courier New"/>
               </a:rPr>
-              <a:t>counts</a:t>
-            </a:r>
-            <a:r>
-              <a:rPr lang="en-US" sz="3000" b="1" i="0" u="none" strike="noStrike" cap="none" dirty="0" err="1">
+              <a:t>contadores</a:t>
+            </a:r>
+            <a:r>
+              <a:rPr lang="es-419" sz="3000" b="1" i="0" u="none" strike="noStrike" cap="none" dirty="0" err="1">
                 <a:solidFill>
                   <a:srgbClr val="FF00FF"/>
                 </a:solidFill>
@@ -9017,7 +9143,7 @@
               <a:t>.items</a:t>
             </a:r>
             <a:r>
-              <a:rPr lang="en-US" sz="3000" b="1" i="0" u="none" strike="noStrike" cap="none" dirty="0" smtClean="0">
+              <a:rPr lang="es-419" sz="3000" b="1" i="0" u="none" strike="noStrike" cap="none" dirty="0">
                 <a:solidFill>
                   <a:schemeClr val="lt1"/>
                 </a:solidFill>
@@ -9037,7 +9163,7 @@
               <a:buSzPct val="25000"/>
             </a:pPr>
             <a:r>
-              <a:rPr lang="en-US" sz="3000" b="1" dirty="0">
+              <a:rPr lang="es-419" sz="3000" b="1" dirty="0">
                 <a:solidFill>
                   <a:schemeClr val="lt1"/>
                 </a:solidFill>
@@ -9049,7 +9175,7 @@
               <a:t>	</a:t>
             </a:r>
             <a:r>
-              <a:rPr lang="en-US" sz="3000" b="1" dirty="0" err="1" smtClean="0">
+              <a:rPr lang="es-419" sz="3000" b="1" dirty="0" err="1">
                 <a:solidFill>
                   <a:srgbClr val="00FA00"/>
                 </a:solidFill>
@@ -9058,10 +9184,10 @@
                 <a:cs typeface="Courier New"/>
                 <a:sym typeface="Courier New"/>
               </a:rPr>
-              <a:t>newtup</a:t>
-            </a:r>
-            <a:r>
-              <a:rPr lang="en-US" sz="3000" b="1" dirty="0" smtClean="0">
+              <a:t>nuevatup</a:t>
+            </a:r>
+            <a:r>
+              <a:rPr lang="es-419" sz="3000" b="1" dirty="0">
                 <a:solidFill>
                   <a:srgbClr val="00FA00"/>
                 </a:solidFill>
@@ -9073,7 +9199,7 @@
               <a:t> </a:t>
             </a:r>
             <a:r>
-              <a:rPr lang="en-US" sz="3000" b="1" dirty="0" smtClean="0">
+              <a:rPr lang="es-419" sz="3000" b="1" dirty="0">
                 <a:solidFill>
                   <a:schemeClr val="lt1"/>
                 </a:solidFill>
@@ -9085,7 +9211,7 @@
               <a:t>= </a:t>
             </a:r>
             <a:r>
-              <a:rPr lang="en-US" sz="3000" b="1" dirty="0">
+              <a:rPr lang="es-419" sz="3000" b="1" dirty="0">
                 <a:solidFill>
                   <a:srgbClr val="FF7F00"/>
                 </a:solidFill>
@@ -9094,34 +9220,10 @@
                 <a:cs typeface="Courier New"/>
                 <a:sym typeface="Courier New"/>
               </a:rPr>
-              <a:t>(</a:t>
-            </a:r>
-            <a:r>
-              <a:rPr lang="en-US" sz="3000" b="1" dirty="0" err="1">
-                <a:solidFill>
-                  <a:srgbClr val="FF7F00"/>
-                </a:solidFill>
-                <a:latin typeface="Courier New"/>
-                <a:ea typeface="Courier New"/>
-                <a:cs typeface="Courier New"/>
-                <a:sym typeface="Courier New"/>
-              </a:rPr>
-              <a:t>val</a:t>
-            </a:r>
-            <a:r>
-              <a:rPr lang="en-US" sz="3000" b="1" dirty="0">
-                <a:solidFill>
-                  <a:srgbClr val="FF7F00"/>
-                </a:solidFill>
-                <a:latin typeface="Courier New"/>
-                <a:ea typeface="Courier New"/>
-                <a:cs typeface="Courier New"/>
-                <a:sym typeface="Courier New"/>
-              </a:rPr>
-              <a:t>, key)</a:t>
-            </a:r>
-            <a:r>
-              <a:rPr lang="en-US" sz="3000" b="1" dirty="0">
+              <a:t>(val, clave)</a:t>
+            </a:r>
+            <a:r>
+              <a:rPr lang="es-419" sz="3000" b="1" dirty="0">
                 <a:solidFill>
                   <a:schemeClr val="lt1"/>
                 </a:solidFill>
@@ -9132,7 +9234,7 @@
               </a:rPr>
               <a:t> </a:t>
             </a:r>
-            <a:endParaRPr lang="en-US" sz="3000" b="1" i="0" u="none" strike="noStrike" cap="none" dirty="0">
+            <a:endParaRPr lang="es-419" sz="3000" b="1" i="0" u="none" strike="noStrike" cap="none" dirty="0">
               <a:solidFill>
                 <a:schemeClr val="lt1"/>
               </a:solidFill>
@@ -9143,6 +9245,86 @@
             </a:endParaRPr>
           </a:p>
           <a:p>
+            <a:pPr lvl="0">
+              <a:buClr>
+                <a:schemeClr val="lt1"/>
+              </a:buClr>
+              <a:buSzPct val="25000"/>
+            </a:pPr>
+            <a:r>
+              <a:rPr lang="es-419" sz="3000" b="1" i="0" u="none" strike="noStrike" cap="none" dirty="0">
+                <a:solidFill>
+                  <a:schemeClr val="lt1"/>
+                </a:solidFill>
+                <a:latin typeface="Courier New"/>
+                <a:ea typeface="Courier New"/>
+                <a:cs typeface="Courier New"/>
+                <a:sym typeface="Courier New"/>
+              </a:rPr>
+              <a:t>    </a:t>
+            </a:r>
+            <a:r>
+              <a:rPr lang="es-419" sz="3000" b="1" i="0" u="none" strike="noStrike" cap="none" dirty="0" err="1">
+                <a:solidFill>
+                  <a:srgbClr val="00FF00"/>
+                </a:solidFill>
+                <a:latin typeface="Courier New"/>
+                <a:ea typeface="Courier New"/>
+                <a:cs typeface="Courier New"/>
+                <a:sym typeface="Courier New"/>
+              </a:rPr>
+              <a:t>lst</a:t>
+            </a:r>
+            <a:r>
+              <a:rPr lang="es-419" sz="3000" b="1" i="0" u="none" strike="noStrike" cap="none" dirty="0" err="1">
+                <a:solidFill>
+                  <a:srgbClr val="FF00FF"/>
+                </a:solidFill>
+                <a:latin typeface="Courier New"/>
+                <a:ea typeface="Courier New"/>
+                <a:cs typeface="Courier New"/>
+                <a:sym typeface="Courier New"/>
+              </a:rPr>
+              <a:t>.append</a:t>
+            </a:r>
+            <a:r>
+              <a:rPr lang="es-419" sz="3000" b="1" i="0" u="none" strike="noStrike" cap="none" dirty="0">
+                <a:solidFill>
+                  <a:schemeClr val="lt1"/>
+                </a:solidFill>
+                <a:latin typeface="Courier New"/>
+                <a:ea typeface="Courier New"/>
+                <a:cs typeface="Courier New"/>
+                <a:sym typeface="Courier New"/>
+              </a:rPr>
+              <a:t>(</a:t>
+            </a:r>
+            <a:r>
+              <a:rPr lang="es-419" sz="3000" b="1" dirty="0" err="1">
+                <a:solidFill>
+                  <a:srgbClr val="00FA00"/>
+                </a:solidFill>
+                <a:latin typeface="Courier New"/>
+                <a:ea typeface="Courier New"/>
+                <a:cs typeface="Courier New"/>
+                <a:sym typeface="Courier New"/>
+              </a:rPr>
+              <a:t>nuevatup</a:t>
+            </a:r>
+            <a:r>
+              <a:rPr lang="es-419" sz="3000" b="1" i="0" u="none" strike="noStrike" cap="none" dirty="0">
+                <a:solidFill>
+                  <a:schemeClr val="lt1"/>
+                </a:solidFill>
+                <a:latin typeface="Courier New"/>
+                <a:ea typeface="Courier New"/>
+                <a:cs typeface="Courier New"/>
+                <a:sym typeface="Courier New"/>
+              </a:rPr>
+              <a:t>)</a:t>
+            </a:r>
+          </a:p>
+          <a:p>
             <a:pPr marL="0" marR="0" lvl="0" indent="0" algn="l" rtl="0">
               <a:lnSpc>
                 <a:spcPct val="100000"/>
@@ -9156,83 +9338,10 @@
               <a:buClr>
                 <a:schemeClr val="lt1"/>
               </a:buClr>
-              <a:buSzPct val="25000"/>
               <a:buFont typeface="Courier New"/>
               <a:buNone/>
             </a:pPr>
-            <a:r>
-              <a:rPr lang="en-US" sz="3000" b="1" i="0" u="none" strike="noStrike" cap="none" dirty="0">
-                <a:solidFill>
-                  <a:schemeClr val="lt1"/>
-                </a:solidFill>
-                <a:latin typeface="Courier New"/>
-                <a:ea typeface="Courier New"/>
-                <a:cs typeface="Courier New"/>
-                <a:sym typeface="Courier New"/>
-              </a:rPr>
-              <a:t>    </a:t>
-            </a:r>
-            <a:r>
-              <a:rPr lang="en-US" sz="3000" b="1" i="0" u="none" strike="noStrike" cap="none" dirty="0" err="1" smtClean="0">
-                <a:solidFill>
-                  <a:srgbClr val="00FF00"/>
-                </a:solidFill>
-                <a:latin typeface="Courier New"/>
-                <a:ea typeface="Courier New"/>
-                <a:cs typeface="Courier New"/>
-                <a:sym typeface="Courier New"/>
-              </a:rPr>
-              <a:t>lst</a:t>
-            </a:r>
-            <a:r>
-              <a:rPr lang="en-US" sz="3000" b="1" i="0" u="none" strike="noStrike" cap="none" dirty="0" err="1" smtClean="0">
-                <a:solidFill>
-                  <a:srgbClr val="FF00FF"/>
-                </a:solidFill>
-                <a:latin typeface="Courier New"/>
-                <a:ea typeface="Courier New"/>
-                <a:cs typeface="Courier New"/>
-                <a:sym typeface="Courier New"/>
-              </a:rPr>
-              <a:t>.append</a:t>
-            </a:r>
-            <a:r>
-              <a:rPr lang="en-US" sz="3000" b="1" i="0" u="none" strike="noStrike" cap="none" dirty="0" smtClean="0">
-                <a:solidFill>
-                  <a:schemeClr val="lt1"/>
-                </a:solidFill>
-                <a:latin typeface="Courier New"/>
-                <a:ea typeface="Courier New"/>
-                <a:cs typeface="Courier New"/>
-                <a:sym typeface="Courier New"/>
-              </a:rPr>
-              <a:t>(</a:t>
-            </a:r>
-            <a:r>
-              <a:rPr lang="en-US" sz="3000" b="1" i="0" u="none" strike="noStrike" cap="none" dirty="0" err="1" smtClean="0">
-                <a:solidFill>
-                  <a:srgbClr val="00FA00"/>
-                </a:solidFill>
-                <a:latin typeface="Courier New"/>
-                <a:ea typeface="Courier New"/>
-                <a:cs typeface="Courier New"/>
-                <a:sym typeface="Courier New"/>
-              </a:rPr>
-              <a:t>newtup</a:t>
-            </a:r>
-            <a:r>
-              <a:rPr lang="en-US" sz="3000" b="1" i="0" u="none" strike="noStrike" cap="none" dirty="0" smtClean="0">
-                <a:solidFill>
-                  <a:schemeClr val="lt1"/>
-                </a:solidFill>
-                <a:latin typeface="Courier New"/>
-                <a:ea typeface="Courier New"/>
-                <a:cs typeface="Courier New"/>
-                <a:sym typeface="Courier New"/>
-              </a:rPr>
-              <a:t>)</a:t>
-            </a:r>
-            <a:endParaRPr lang="en-US" sz="3000" b="1" i="0" u="none" strike="noStrike" cap="none" dirty="0">
+            <a:endParaRPr lang="es-419" sz="3000" b="1" i="0" u="none" strike="noStrike" cap="none" dirty="0">
               <a:solidFill>
                 <a:schemeClr val="lt1"/>
               </a:solidFill>
@@ -9243,33 +9352,6 @@
             </a:endParaRPr>
           </a:p>
           <a:p>
-            <a:pPr marL="0" marR="0" lvl="0" indent="0" algn="l" rtl="0">
-              <a:lnSpc>
-                <a:spcPct val="100000"/>
-              </a:lnSpc>
-              <a:spcBef>
-                <a:spcPts val="0"/>
-              </a:spcBef>
-              <a:spcAft>
-                <a:spcPts val="0"/>
-              </a:spcAft>
-              <a:buClr>
-                <a:schemeClr val="lt1"/>
-              </a:buClr>
-              <a:buFont typeface="Courier New"/>
-              <a:buNone/>
-            </a:pPr>
-            <a:endParaRPr sz="3000" b="1" i="0" u="none" strike="noStrike" cap="none" dirty="0">
-              <a:solidFill>
-                <a:schemeClr val="lt1"/>
-              </a:solidFill>
-              <a:latin typeface="Courier New"/>
-              <a:ea typeface="Courier New"/>
-              <a:cs typeface="Courier New"/>
-              <a:sym typeface="Courier New"/>
-            </a:endParaRPr>
-          </a:p>
-          <a:p>
             <a:pPr lvl="0">
               <a:buClr>
                 <a:srgbClr val="00FF00"/>
@@ -9277,7 +9359,7 @@
               <a:buSzPct val="25000"/>
             </a:pPr>
             <a:r>
-              <a:rPr lang="en-US" sz="3000" b="1" dirty="0" err="1" smtClean="0">
+              <a:rPr lang="es-419" sz="3000" b="1" dirty="0" err="1">
                 <a:solidFill>
                   <a:srgbClr val="00FF00"/>
                 </a:solidFill>
@@ -9289,7 +9371,7 @@
               <a:t>lst</a:t>
             </a:r>
             <a:r>
-              <a:rPr lang="en-US" sz="3000" b="1" dirty="0" smtClean="0">
+              <a:rPr lang="es-419" sz="3000" b="1" dirty="0">
                 <a:solidFill>
                   <a:srgbClr val="00FF00"/>
                 </a:solidFill>
@@ -9301,7 +9383,7 @@
               <a:t> = </a:t>
             </a:r>
             <a:r>
-              <a:rPr lang="en-US" sz="3000" b="1" dirty="0" smtClean="0">
+              <a:rPr lang="es-419" sz="3000" b="1" dirty="0" err="1">
                 <a:solidFill>
                   <a:srgbClr val="FF40FF"/>
                 </a:solidFill>
@@ -9310,10 +9392,22 @@
                 <a:cs typeface="Courier New"/>
                 <a:sym typeface="Courier New"/>
               </a:rPr>
-              <a:t>sorted(</a:t>
-            </a:r>
-            <a:r>
-              <a:rPr lang="en-US" sz="3000" b="1" dirty="0" err="1" smtClean="0">
+              <a:t>sorted</a:t>
+            </a:r>
+            <a:r>
+              <a:rPr lang="es-419" sz="3000" b="1" dirty="0">
+                <a:solidFill>
+                  <a:srgbClr val="FF40FF"/>
+                </a:solidFill>
+                <a:latin typeface="Courier New"/>
+                <a:ea typeface="Courier New"/>
+                <a:cs typeface="Courier New"/>
+                <a:sym typeface="Courier New"/>
+              </a:rPr>
+              <a:t>(</a:t>
+            </a:r>
+            <a:r>
+              <a:rPr lang="es-419" sz="3000" b="1" dirty="0" err="1">
                 <a:solidFill>
                   <a:srgbClr val="00FF00"/>
                 </a:solidFill>
@@ -9325,7 +9419,7 @@
               <a:t>lst</a:t>
             </a:r>
             <a:r>
-              <a:rPr lang="en-US" sz="3000" b="1" i="0" u="none" strike="noStrike" cap="none" dirty="0" smtClean="0">
+              <a:rPr lang="es-419" sz="3000" b="1" i="0" u="none" strike="noStrike" cap="none" dirty="0">
                 <a:solidFill>
                   <a:srgbClr val="FF00FF"/>
                 </a:solidFill>
@@ -9337,7 +9431,7 @@
               <a:t>, reverse=True</a:t>
             </a:r>
             <a:r>
-              <a:rPr lang="en-US" sz="3000" b="1" i="0" u="none" strike="noStrike" cap="none" dirty="0">
+              <a:rPr lang="es-419" sz="3000" b="1" i="0" u="none" strike="noStrike" cap="none" dirty="0">
                 <a:solidFill>
                   <a:srgbClr val="FF40FF"/>
                 </a:solidFill>
@@ -9366,7 +9460,7 @@
               <a:buFont typeface="Courier New"/>
               <a:buNone/>
             </a:pPr>
-            <a:endParaRPr sz="3000" b="1" i="0" u="none" strike="noStrike" cap="none" dirty="0">
+            <a:endParaRPr lang="es-419" sz="3000" b="1" i="0" u="none" strike="noStrike" cap="none" dirty="0">
               <a:solidFill>
                 <a:srgbClr val="FFFF00"/>
               </a:solidFill>
@@ -9395,7 +9489,7 @@
               <a:buNone/>
             </a:pPr>
             <a:r>
-              <a:rPr lang="en-US" sz="3000" b="1" i="0" u="none" strike="noStrike" cap="none" dirty="0">
+              <a:rPr lang="es-419" sz="3000" b="1" i="0" u="none" strike="noStrike" cap="none" dirty="0" err="1">
                 <a:solidFill>
                   <a:srgbClr val="FFFF00"/>
                 </a:solidFill>
@@ -9407,7 +9501,7 @@
               <a:t>for</a:t>
             </a:r>
             <a:r>
-              <a:rPr lang="en-US" sz="3000" b="1" i="0" u="none" strike="noStrike" cap="none" dirty="0">
+              <a:rPr lang="es-419" sz="3000" b="1" i="0" u="none" strike="noStrike" cap="none" dirty="0">
                 <a:solidFill>
                   <a:schemeClr val="lt1"/>
                 </a:solidFill>
@@ -9419,7 +9513,7 @@
               <a:t> </a:t>
             </a:r>
             <a:r>
-              <a:rPr lang="en-US" sz="3000" b="1" i="0" u="none" strike="noStrike" cap="none" dirty="0" err="1">
+              <a:rPr lang="es-419" sz="3000" b="1" i="0" u="none" strike="noStrike" cap="none" dirty="0">
                 <a:solidFill>
                   <a:srgbClr val="FF7F00"/>
                 </a:solidFill>
@@ -9428,22 +9522,10 @@
                 <a:cs typeface="Courier New"/>
                 <a:sym typeface="Courier New"/>
               </a:rPr>
-              <a:t>val</a:t>
-            </a:r>
-            <a:r>
-              <a:rPr lang="en-US" sz="3000" b="1" i="0" u="none" strike="noStrike" cap="none" dirty="0">
-                <a:solidFill>
-                  <a:srgbClr val="FF7F00"/>
-                </a:solidFill>
-                <a:latin typeface="Courier New"/>
-                <a:ea typeface="Courier New"/>
-                <a:cs typeface="Courier New"/>
-                <a:sym typeface="Courier New"/>
-              </a:rPr>
-              <a:t>, key</a:t>
-            </a:r>
-            <a:r>
-              <a:rPr lang="en-US" sz="3000" b="1" i="0" u="none" strike="noStrike" cap="none" dirty="0">
+              <a:t>val, clave</a:t>
+            </a:r>
+            <a:r>
+              <a:rPr lang="es-419" sz="3000" b="1" i="0" u="none" strike="noStrike" cap="none" dirty="0">
                 <a:solidFill>
                   <a:schemeClr val="lt1"/>
                 </a:solidFill>
@@ -9455,7 +9537,7 @@
               <a:t> </a:t>
             </a:r>
             <a:r>
-              <a:rPr lang="en-US" sz="3000" b="1" i="0" u="none" strike="noStrike" cap="none" dirty="0">
+              <a:rPr lang="es-419" sz="3000" b="1" i="0" u="none" strike="noStrike" cap="none" dirty="0">
                 <a:solidFill>
                   <a:srgbClr val="FFFF00"/>
                 </a:solidFill>
@@ -9467,7 +9549,7 @@
               <a:t>in</a:t>
             </a:r>
             <a:r>
-              <a:rPr lang="en-US" sz="3000" b="1" i="0" u="none" strike="noStrike" cap="none" dirty="0">
+              <a:rPr lang="es-419" sz="3000" b="1" i="0" u="none" strike="noStrike" cap="none" dirty="0">
                 <a:solidFill>
                   <a:schemeClr val="lt1"/>
                 </a:solidFill>
@@ -9479,7 +9561,7 @@
               <a:t> </a:t>
             </a:r>
             <a:r>
-              <a:rPr lang="en-US" sz="3000" b="1" i="0" u="none" strike="noStrike" cap="none" dirty="0" err="1">
+              <a:rPr lang="es-419" sz="3000" b="1" i="0" u="none" strike="noStrike" cap="none" dirty="0" err="1">
                 <a:solidFill>
                   <a:srgbClr val="FF00FF"/>
                 </a:solidFill>
@@ -9491,7 +9573,7 @@
               <a:t>lst</a:t>
             </a:r>
             <a:r>
-              <a:rPr lang="en-US" sz="3000" b="1" i="0" u="none" strike="noStrike" cap="none" dirty="0">
+              <a:rPr lang="es-419" sz="3000" b="1" i="0" u="none" strike="noStrike" cap="none" dirty="0">
                 <a:solidFill>
                   <a:srgbClr val="00FFFF"/>
                 </a:solidFill>
@@ -9503,7 +9585,7 @@
               <a:t>[:10]</a:t>
             </a:r>
             <a:r>
-              <a:rPr lang="en-US" sz="3000" b="1" i="0" u="none" strike="noStrike" cap="none" dirty="0">
+              <a:rPr lang="es-419" sz="3000" b="1" i="0" u="none" strike="noStrike" cap="none" dirty="0">
                 <a:solidFill>
                   <a:schemeClr val="lt1"/>
                 </a:solidFill>
@@ -9523,7 +9605,7 @@
               <a:buSzPct val="25000"/>
             </a:pPr>
             <a:r>
-              <a:rPr lang="en-US" sz="3000" b="1" i="0" u="none" strike="noStrike" cap="none" dirty="0">
+              <a:rPr lang="es-419" sz="3000" b="1" i="0" u="none" strike="noStrike" cap="none" dirty="0">
                 <a:solidFill>
                   <a:schemeClr val="lt1"/>
                 </a:solidFill>
@@ -9535,7 +9617,7 @@
               <a:t>    </a:t>
             </a:r>
             <a:r>
-              <a:rPr lang="en-US" sz="3000" b="1" i="0" u="none" strike="noStrike" cap="none" dirty="0" smtClean="0">
+              <a:rPr lang="es-419" sz="3000" b="1" i="0" u="none" strike="noStrike" cap="none" dirty="0" err="1">
                 <a:solidFill>
                   <a:srgbClr val="FFFF00"/>
                 </a:solidFill>
@@ -9544,10 +9626,22 @@
                 <a:cs typeface="Courier New"/>
                 <a:sym typeface="Courier New"/>
               </a:rPr>
-              <a:t>print(</a:t>
-            </a:r>
-            <a:r>
-              <a:rPr lang="en-US" sz="3000" b="1" i="0" u="none" strike="noStrike" cap="none" dirty="0" smtClean="0">
+              <a:t>print</a:t>
+            </a:r>
+            <a:r>
+              <a:rPr lang="es-419" sz="3000" b="1" i="0" u="none" strike="noStrike" cap="none" dirty="0">
+                <a:solidFill>
+                  <a:srgbClr val="FFFF00"/>
+                </a:solidFill>
+                <a:latin typeface="Courier New"/>
+                <a:ea typeface="Courier New"/>
+                <a:cs typeface="Courier New"/>
+                <a:sym typeface="Courier New"/>
+              </a:rPr>
+              <a:t>(</a:t>
+            </a:r>
+            <a:r>
+              <a:rPr lang="es-419" sz="3000" b="1" i="0" u="none" strike="noStrike" cap="none" dirty="0">
                 <a:solidFill>
                   <a:srgbClr val="00FF00"/>
                 </a:solidFill>
@@ -9556,10 +9650,10 @@
                 <a:cs typeface="Courier New"/>
                 <a:sym typeface="Courier New"/>
               </a:rPr>
-              <a:t>key</a:t>
-            </a:r>
-            <a:r>
-              <a:rPr lang="en-US" sz="3000" b="1" i="0" u="none" strike="noStrike" cap="none" dirty="0">
+              <a:t>clave</a:t>
+            </a:r>
+            <a:r>
+              <a:rPr lang="es-419" sz="3000" b="1" i="0" u="none" strike="noStrike" cap="none" dirty="0">
                 <a:solidFill>
                   <a:schemeClr val="lt1"/>
                 </a:solidFill>
@@ -9571,7 +9665,7 @@
               <a:t>, </a:t>
             </a:r>
             <a:r>
-              <a:rPr lang="en-US" sz="3000" b="1" i="0" u="none" strike="noStrike" cap="none" dirty="0" err="1" smtClean="0">
+              <a:rPr lang="es-419" sz="3000" b="1" i="0" u="none" strike="noStrike" cap="none" dirty="0">
                 <a:solidFill>
                   <a:srgbClr val="00FF00"/>
                 </a:solidFill>
@@ -9583,7 +9677,7 @@
               <a:t>val</a:t>
             </a:r>
             <a:r>
-              <a:rPr lang="en-US" sz="3000" b="1" dirty="0" smtClean="0">
+              <a:rPr lang="es-419" sz="3000" b="1" dirty="0">
                 <a:solidFill>
                   <a:srgbClr val="FFFF00"/>
                 </a:solidFill>
@@ -9594,7 +9688,7 @@
               </a:rPr>
               <a:t>)</a:t>
             </a:r>
-            <a:endParaRPr lang="en-US" sz="3000" b="1" i="0" u="none" strike="noStrike" cap="none" dirty="0">
+            <a:endParaRPr lang="es-419" sz="3000" b="1" i="0" u="none" strike="noStrike" cap="none" dirty="0">
               <a:solidFill>
                 <a:srgbClr val="00FF00"/>
               </a:solidFill>
@@ -9649,7 +9743,7 @@
               <a:buNone/>
             </a:pPr>
             <a:r>
-              <a:rPr lang="en-US" sz="4400" u="none" strike="noStrike" cap="none" dirty="0">
+              <a:rPr lang="es-419" sz="4400" dirty="0">
                 <a:solidFill>
                   <a:srgbClr val="FFFF00"/>
                 </a:solidFill>
@@ -9658,8 +9752,17 @@
                 <a:cs typeface="Arial" charset="0"/>
                 <a:sym typeface="Cabin"/>
               </a:rPr>
-              <a:t>The top 10 most common words</a:t>
-            </a:r>
+              <a:t>El top 10 de las palabras más comunes</a:t>
+            </a:r>
+            <a:endParaRPr lang="es-419" sz="4400" u="none" strike="noStrike" cap="none" dirty="0">
+              <a:solidFill>
+                <a:srgbClr val="FFFF00"/>
+              </a:solidFill>
+              <a:latin typeface="Arial" charset="0"/>
+              <a:ea typeface="Arial" charset="0"/>
+              <a:cs typeface="Arial" charset="0"/>
+              <a:sym typeface="Cabin"/>
+            </a:endParaRPr>
           </a:p>
         </p:txBody>
       </p:sp>
@@ -9700,8 +9803,8 @@
         </p:nvSpPr>
         <p:spPr>
           <a:xfrm>
-            <a:off x="914400" y="902788"/>
-            <a:ext cx="14630400" cy="1226172"/>
+            <a:off x="225469" y="902788"/>
+            <a:ext cx="15845424" cy="1226172"/>
           </a:xfrm>
           <a:prstGeom prst="rect">
             <a:avLst/>
@@ -9735,7 +9838,7 @@
               <a:buNone/>
             </a:pPr>
             <a:r>
-              <a:rPr lang="en-US" sz="7800" u="none" strike="noStrike" cap="none" dirty="0">
+              <a:rPr lang="es-419" sz="7800" u="none" strike="noStrike" cap="none" dirty="0">
                 <a:solidFill>
                   <a:srgbClr val="FFFF00"/>
                 </a:solidFill>
@@ -9744,7 +9847,7 @@
                 <a:cs typeface="Arial" charset="0"/>
                 <a:sym typeface="Cabin"/>
               </a:rPr>
-              <a:t>Even Shorter Version</a:t>
+              <a:t>Una Versión Todavía Más Corta</a:t>
             </a:r>
           </a:p>
         </p:txBody>
@@ -9792,7 +9895,7 @@
               <a:buNone/>
             </a:pPr>
             <a:r>
-              <a:rPr lang="en-US" sz="3000" u="sng" strike="noStrike" cap="none" dirty="0">
+              <a:rPr lang="es-419" sz="3000" u="sng" strike="noStrike" cap="none">
                 <a:solidFill>
                   <a:schemeClr val="hlink"/>
                 </a:solidFill>
@@ -9850,7 +9953,7 @@
               <a:buNone/>
             </a:pPr>
             <a:r>
-              <a:rPr lang="en-US" sz="3600" b="1" i="0" u="none" strike="noStrike" cap="none" dirty="0">
+              <a:rPr lang="es-419" sz="3600" b="1" i="0" u="none" strike="noStrike" cap="none" dirty="0">
                 <a:solidFill>
                   <a:schemeClr val="lt1"/>
                 </a:solidFill>
@@ -9862,7 +9965,7 @@
               <a:t>&gt;&gt;&gt; </a:t>
             </a:r>
             <a:r>
-              <a:rPr lang="en-US" sz="3600" b="1" i="0" u="none" strike="noStrike" cap="none" dirty="0">
+              <a:rPr lang="es-419" sz="3600" b="1" i="0" u="none" strike="noStrike" cap="none" dirty="0">
                 <a:solidFill>
                   <a:srgbClr val="00FF00"/>
                 </a:solidFill>
@@ -9874,7 +9977,7 @@
               <a:t>c</a:t>
             </a:r>
             <a:r>
-              <a:rPr lang="en-US" sz="3600" b="1" i="0" u="none" strike="noStrike" cap="none" dirty="0">
+              <a:rPr lang="es-419" sz="3600" b="1" i="0" u="none" strike="noStrike" cap="none" dirty="0">
                 <a:solidFill>
                   <a:schemeClr val="lt1"/>
                 </a:solidFill>
@@ -9903,7 +10006,7 @@
               <a:buFont typeface="Arial"/>
               <a:buNone/>
             </a:pPr>
-            <a:endParaRPr sz="3600" b="1" i="0" u="none" strike="noStrike" cap="none" dirty="0">
+            <a:endParaRPr lang="es-419" sz="3600" b="1" i="0" u="none" strike="noStrike" cap="none" dirty="0">
               <a:solidFill>
                 <a:schemeClr val="lt1"/>
               </a:solidFill>
@@ -9932,7 +10035,7 @@
               <a:buNone/>
             </a:pPr>
             <a:r>
-              <a:rPr lang="en-US" sz="3600" b="1" i="0" u="none" strike="noStrike" cap="none" dirty="0">
+              <a:rPr lang="es-419" sz="3600" b="1" i="0" u="none" strike="noStrike" cap="none" dirty="0">
                 <a:solidFill>
                   <a:schemeClr val="lt1"/>
                 </a:solidFill>
@@ -9944,7 +10047,7 @@
               <a:t>&gt;&gt;&gt; </a:t>
             </a:r>
             <a:r>
-              <a:rPr lang="en-US" sz="3600" b="1" i="0" u="none" strike="noStrike" cap="none" dirty="0" smtClean="0">
+              <a:rPr lang="es-419" sz="3600" b="1" i="0" u="none" strike="noStrike" cap="none" dirty="0" err="1">
                 <a:solidFill>
                   <a:srgbClr val="FFFF00"/>
                 </a:solidFill>
@@ -9953,10 +10056,22 @@
                 <a:cs typeface="Courier New"/>
                 <a:sym typeface="Courier New"/>
               </a:rPr>
-              <a:t>print(</a:t>
-            </a:r>
-            <a:r>
-              <a:rPr lang="en-US" sz="3600" b="1" dirty="0">
+              <a:t>print</a:t>
+            </a:r>
+            <a:r>
+              <a:rPr lang="es-419" sz="3600" b="1" i="0" u="none" strike="noStrike" cap="none" dirty="0">
+                <a:solidFill>
+                  <a:srgbClr val="FFFF00"/>
+                </a:solidFill>
+                <a:latin typeface="Courier New"/>
+                <a:ea typeface="Courier New"/>
+                <a:cs typeface="Courier New"/>
+                <a:sym typeface="Courier New"/>
+              </a:rPr>
+              <a:t>(</a:t>
+            </a:r>
+            <a:r>
+              <a:rPr lang="es-419" sz="3600" b="1" dirty="0">
                 <a:solidFill>
                   <a:srgbClr val="00FF00"/>
                 </a:solidFill>
@@ -9968,7 +10083,7 @@
               <a:t> </a:t>
             </a:r>
             <a:r>
-              <a:rPr lang="en-US" sz="3600" b="1" i="0" u="none" strike="noStrike" cap="none" dirty="0" smtClean="0">
+              <a:rPr lang="es-419" sz="3600" b="1" i="0" u="none" strike="noStrike" cap="none" dirty="0" err="1">
                 <a:solidFill>
                   <a:srgbClr val="FF00FF"/>
                 </a:solidFill>
@@ -9980,7 +10095,7 @@
               <a:t>sorted</a:t>
             </a:r>
             <a:r>
-              <a:rPr lang="en-US" sz="3600" b="1" i="0" u="none" strike="noStrike" cap="none" dirty="0">
+              <a:rPr lang="es-419" sz="3600" b="1" i="0" u="none" strike="noStrike" cap="none" dirty="0">
                 <a:solidFill>
                   <a:schemeClr val="lt1"/>
                 </a:solidFill>
@@ -9992,7 +10107,7 @@
               <a:t>(</a:t>
             </a:r>
             <a:r>
-              <a:rPr lang="en-US" sz="3600" b="1" i="0" u="none" strike="noStrike" cap="none" dirty="0">
+              <a:rPr lang="es-419" sz="3600" b="1" i="0" u="none" strike="noStrike" cap="none" dirty="0">
                 <a:solidFill>
                   <a:srgbClr val="00FF00"/>
                 </a:solidFill>
@@ -10004,7 +10119,7 @@
               <a:t> </a:t>
             </a:r>
             <a:r>
-              <a:rPr lang="en-US" sz="3600" b="1" i="0" u="none" strike="noStrike" cap="none" dirty="0">
+              <a:rPr lang="es-419" sz="3600" b="1" i="0" u="none" strike="noStrike" cap="none" dirty="0">
                 <a:solidFill>
                   <a:srgbClr val="00FFFF"/>
                 </a:solidFill>
@@ -10016,7 +10131,7 @@
               <a:t>[</a:t>
             </a:r>
             <a:r>
-              <a:rPr lang="en-US" sz="3600" b="1" i="0" u="none" strike="noStrike" cap="none" dirty="0">
+              <a:rPr lang="es-419" sz="3600" b="1" i="0" u="none" strike="noStrike" cap="none" dirty="0">
                 <a:solidFill>
                   <a:schemeClr val="lt1"/>
                 </a:solidFill>
@@ -10028,7 +10143,7 @@
               <a:t> </a:t>
             </a:r>
             <a:r>
-              <a:rPr lang="en-US" sz="3600" b="1" i="0" u="none" strike="noStrike" cap="none" dirty="0">
+              <a:rPr lang="es-419" sz="3600" b="1" i="0" u="none" strike="noStrike" cap="none" dirty="0">
                 <a:solidFill>
                   <a:srgbClr val="FF7F00"/>
                 </a:solidFill>
@@ -10040,7 +10155,7 @@
               <a:t>(</a:t>
             </a:r>
             <a:r>
-              <a:rPr lang="en-US" sz="3600" b="1" i="0" u="none" strike="noStrike" cap="none" dirty="0" err="1">
+              <a:rPr lang="es-419" sz="3600" b="1" i="0" u="none" strike="noStrike" cap="none" dirty="0" err="1">
                 <a:solidFill>
                   <a:srgbClr val="FF7F00"/>
                 </a:solidFill>
@@ -10049,10 +10164,10 @@
                 <a:cs typeface="Courier New"/>
                 <a:sym typeface="Courier New"/>
               </a:rPr>
-              <a:t>v,k</a:t>
-            </a:r>
-            <a:r>
-              <a:rPr lang="en-US" sz="3600" b="1" i="0" u="none" strike="noStrike" cap="none" dirty="0">
+              <a:t>v,c</a:t>
+            </a:r>
+            <a:r>
+              <a:rPr lang="es-419" sz="3600" b="1" i="0" u="none" strike="noStrike" cap="none" dirty="0">
                 <a:solidFill>
                   <a:srgbClr val="FF7F00"/>
                 </a:solidFill>
@@ -10064,7 +10179,7 @@
               <a:t>)</a:t>
             </a:r>
             <a:r>
-              <a:rPr lang="en-US" sz="3600" b="1" i="0" u="none" strike="noStrike" cap="none" dirty="0">
+              <a:rPr lang="es-419" sz="3600" b="1" i="0" u="none" strike="noStrike" cap="none" dirty="0">
                 <a:solidFill>
                   <a:schemeClr val="lt1"/>
                 </a:solidFill>
@@ -10076,7 +10191,7 @@
               <a:t> </a:t>
             </a:r>
             <a:r>
-              <a:rPr lang="en-US" sz="3600" b="1" i="0" u="none" strike="noStrike" cap="none" dirty="0">
+              <a:rPr lang="es-419" sz="3600" b="1" i="0" u="none" strike="noStrike" cap="none" dirty="0" err="1">
                 <a:solidFill>
                   <a:srgbClr val="FFFF00"/>
                 </a:solidFill>
@@ -10088,7 +10203,7 @@
               <a:t>for</a:t>
             </a:r>
             <a:r>
-              <a:rPr lang="en-US" sz="3600" b="1" i="0" u="none" strike="noStrike" cap="none" dirty="0">
+              <a:rPr lang="es-419" sz="3600" b="1" i="0" u="none" strike="noStrike" cap="none" dirty="0">
                 <a:solidFill>
                   <a:schemeClr val="lt1"/>
                 </a:solidFill>
@@ -10100,7 +10215,7 @@
               <a:t> </a:t>
             </a:r>
             <a:r>
-              <a:rPr lang="en-US" sz="3600" b="1" i="0" u="none" strike="noStrike" cap="none" dirty="0" err="1">
+              <a:rPr lang="es-419" sz="3600" b="1" dirty="0" err="1">
                 <a:solidFill>
                   <a:srgbClr val="FF7F00"/>
                 </a:solidFill>
@@ -10109,10 +10224,22 @@
                 <a:cs typeface="Courier New"/>
                 <a:sym typeface="Courier New"/>
               </a:rPr>
-              <a:t>k,v</a:t>
-            </a:r>
-            <a:r>
-              <a:rPr lang="en-US" sz="3600" b="1" i="0" u="none" strike="noStrike" cap="none" dirty="0">
+              <a:t>k,</a:t>
+            </a:r>
+            <a:r>
+              <a:rPr lang="es-419" sz="3600" b="1" i="0" u="none" strike="noStrike" cap="none" dirty="0" err="1">
+                <a:solidFill>
+                  <a:srgbClr val="FF7F00"/>
+                </a:solidFill>
+                <a:latin typeface="Courier New"/>
+                <a:ea typeface="Courier New"/>
+                <a:cs typeface="Courier New"/>
+                <a:sym typeface="Courier New"/>
+              </a:rPr>
+              <a:t>v</a:t>
+            </a:r>
+            <a:r>
+              <a:rPr lang="es-419" sz="3600" b="1" i="0" u="none" strike="noStrike" cap="none" dirty="0">
                 <a:solidFill>
                   <a:schemeClr val="lt1"/>
                 </a:solidFill>
@@ -10124,7 +10251,7 @@
               <a:t> </a:t>
             </a:r>
             <a:r>
-              <a:rPr lang="en-US" sz="3600" b="1" i="0" u="none" strike="noStrike" cap="none" dirty="0">
+              <a:rPr lang="es-419" sz="3600" b="1" i="0" u="none" strike="noStrike" cap="none" dirty="0">
                 <a:solidFill>
                   <a:srgbClr val="FFFF00"/>
                 </a:solidFill>
@@ -10136,7 +10263,7 @@
               <a:t>in</a:t>
             </a:r>
             <a:r>
-              <a:rPr lang="en-US" sz="3600" b="1" i="0" u="none" strike="noStrike" cap="none" dirty="0">
+              <a:rPr lang="es-419" sz="3600" b="1" i="0" u="none" strike="noStrike" cap="none" dirty="0">
                 <a:solidFill>
                   <a:schemeClr val="lt1"/>
                 </a:solidFill>
@@ -10148,7 +10275,7 @@
               <a:t> </a:t>
             </a:r>
             <a:r>
-              <a:rPr lang="en-US" sz="3600" b="1" i="0" u="none" strike="noStrike" cap="none" dirty="0" err="1">
+              <a:rPr lang="es-419" sz="3600" b="1" i="0" u="none" strike="noStrike" cap="none" dirty="0" err="1">
                 <a:solidFill>
                   <a:srgbClr val="00FF00"/>
                 </a:solidFill>
@@ -10160,7 +10287,7 @@
               <a:t>c</a:t>
             </a:r>
             <a:r>
-              <a:rPr lang="en-US" sz="3600" b="1" i="0" u="none" strike="noStrike" cap="none" dirty="0" err="1">
+              <a:rPr lang="es-419" sz="3600" b="1" i="0" u="none" strike="noStrike" cap="none" dirty="0" err="1">
                 <a:solidFill>
                   <a:srgbClr val="FF00FF"/>
                 </a:solidFill>
@@ -10172,7 +10299,7 @@
               <a:t>.items</a:t>
             </a:r>
             <a:r>
-              <a:rPr lang="en-US" sz="3600" b="1" i="0" u="none" strike="noStrike" cap="none" dirty="0">
+              <a:rPr lang="es-419" sz="3600" b="1" i="0" u="none" strike="noStrike" cap="none" dirty="0">
                 <a:solidFill>
                   <a:schemeClr val="lt1"/>
                 </a:solidFill>
@@ -10184,7 +10311,7 @@
               <a:t>() </a:t>
             </a:r>
             <a:r>
-              <a:rPr lang="en-US" sz="3600" b="1" i="0" u="none" strike="noStrike" cap="none" dirty="0">
+              <a:rPr lang="es-419" sz="3600" b="1" i="0" u="none" strike="noStrike" cap="none" dirty="0">
                 <a:solidFill>
                   <a:srgbClr val="00FFFF"/>
                 </a:solidFill>
@@ -10196,31 +10323,19 @@
               <a:t>]</a:t>
             </a:r>
             <a:r>
-              <a:rPr lang="en-US" sz="3600" b="1" i="0" u="none" strike="noStrike" cap="none" dirty="0">
-                <a:solidFill>
-                  <a:schemeClr val="lt1"/>
-                </a:solidFill>
-                <a:latin typeface="Courier New"/>
-                <a:ea typeface="Courier New"/>
-                <a:cs typeface="Courier New"/>
-                <a:sym typeface="Courier New"/>
-              </a:rPr>
-              <a:t> </a:t>
-            </a:r>
-            <a:r>
-              <a:rPr lang="en-US" sz="3600" b="1" i="0" u="none" strike="noStrike" cap="none" dirty="0" smtClean="0">
-                <a:solidFill>
-                  <a:schemeClr val="lt1"/>
-                </a:solidFill>
-                <a:latin typeface="Courier New"/>
-                <a:ea typeface="Courier New"/>
-                <a:cs typeface="Courier New"/>
-                <a:sym typeface="Courier New"/>
-              </a:rPr>
-              <a:t>) </a:t>
-            </a:r>
-            <a:r>
-              <a:rPr lang="en-US" sz="3600" b="1" i="0" u="none" strike="noStrike" cap="none" dirty="0" smtClean="0">
+              <a:rPr lang="es-419" sz="3600" b="1" i="0" u="none" strike="noStrike" cap="none" dirty="0">
+                <a:solidFill>
+                  <a:schemeClr val="lt1"/>
+                </a:solidFill>
+                <a:latin typeface="Courier New"/>
+                <a:ea typeface="Courier New"/>
+                <a:cs typeface="Courier New"/>
+                <a:sym typeface="Courier New"/>
+              </a:rPr>
+              <a:t> ) </a:t>
+            </a:r>
+            <a:r>
+              <a:rPr lang="es-419" sz="3600" b="1" i="0" u="none" strike="noStrike" cap="none" dirty="0">
                 <a:solidFill>
                   <a:srgbClr val="FFFF00"/>
                 </a:solidFill>
@@ -10231,15 +10346,6 @@
               </a:rPr>
               <a:t>)</a:t>
             </a:r>
-            <a:endParaRPr lang="en-US" sz="3600" b="1" i="0" u="none" strike="noStrike" cap="none" dirty="0">
-              <a:solidFill>
-                <a:srgbClr val="FFFF00"/>
-              </a:solidFill>
-              <a:latin typeface="Courier New"/>
-              <a:ea typeface="Courier New"/>
-              <a:cs typeface="Courier New"/>
-              <a:sym typeface="Courier New"/>
-            </a:endParaRPr>
           </a:p>
           <a:p>
             <a:pPr marL="0" marR="0" lvl="0" indent="0" algn="ctr" rtl="0">
@@ -10258,7 +10364,7 @@
               <a:buFont typeface="Arial"/>
               <a:buNone/>
             </a:pPr>
-            <a:endParaRPr sz="3600" b="1" i="0" u="none" strike="noStrike" cap="none" dirty="0">
+            <a:endParaRPr lang="es-419" sz="3600" b="1" i="0" u="none" strike="noStrike" cap="none" dirty="0">
               <a:solidFill>
                 <a:schemeClr val="lt1"/>
               </a:solidFill>
@@ -10287,7 +10393,7 @@
               <a:buNone/>
             </a:pPr>
             <a:r>
-              <a:rPr lang="en-US" sz="3600" b="1" i="0" u="none" strike="noStrike" cap="none" dirty="0">
+              <a:rPr lang="es-419" sz="3600" b="1" i="0" u="none" strike="noStrike" cap="none" dirty="0">
                 <a:solidFill>
                   <a:schemeClr val="lt1"/>
                 </a:solidFill>
@@ -10344,7 +10450,7 @@
               <a:buNone/>
             </a:pPr>
             <a:r>
-              <a:rPr lang="en-US" sz="3800" u="none" strike="noStrike" cap="none" dirty="0">
+              <a:rPr lang="es-419" sz="3800" dirty="0">
                 <a:solidFill>
                   <a:srgbClr val="00FF00"/>
                 </a:solidFill>
@@ -10353,10 +10459,10 @@
                 <a:cs typeface="Arial" charset="0"/>
                 <a:sym typeface="Cabin"/>
               </a:rPr>
-              <a:t>List comprehension</a:t>
-            </a:r>
-            <a:r>
-              <a:rPr lang="en-US" sz="3800" u="none" strike="noStrike" cap="none" dirty="0">
+              <a:t>La comprensión de listas</a:t>
+            </a:r>
+            <a:r>
+              <a:rPr lang="es-419" sz="3800" u="none" strike="noStrike" cap="none" dirty="0">
                 <a:solidFill>
                   <a:schemeClr val="lt1"/>
                 </a:solidFill>
@@ -10365,31 +10471,7 @@
                 <a:cs typeface="Arial" charset="0"/>
                 <a:sym typeface="Cabin"/>
               </a:rPr>
-              <a:t> creates a dynamic list</a:t>
-            </a:r>
-            <a:r>
-              <a:rPr lang="en-US" sz="3800" u="none" strike="noStrike" cap="none" dirty="0" smtClean="0">
-                <a:solidFill>
-                  <a:schemeClr val="lt1"/>
-                </a:solidFill>
-                <a:latin typeface="Arial" charset="0"/>
-                <a:ea typeface="Arial" charset="0"/>
-                <a:cs typeface="Arial" charset="0"/>
-                <a:sym typeface="Cabin"/>
-              </a:rPr>
-              <a:t>. </a:t>
-            </a:r>
-            <a:r>
-              <a:rPr lang="en-US" sz="3800" u="none" strike="noStrike" cap="none" dirty="0">
-                <a:solidFill>
-                  <a:schemeClr val="lt1"/>
-                </a:solidFill>
-                <a:latin typeface="Arial" charset="0"/>
-                <a:ea typeface="Arial" charset="0"/>
-                <a:cs typeface="Arial" charset="0"/>
-                <a:sym typeface="Cabin"/>
-              </a:rPr>
-              <a:t>In this case, we make a list of reversed tuples and then sort it.</a:t>
+              <a:t> crea una lista dinámica. En este caso, creamos una lista de tuplas invertidas y después las ordenamos.</a:t>
             </a:r>
           </a:p>
         </p:txBody>
@@ -10466,7 +10548,7 @@
               <a:buNone/>
             </a:pPr>
             <a:r>
-              <a:rPr lang="en-US" sz="7600" u="none" strike="noStrike" cap="none" dirty="0">
+              <a:rPr lang="es-419" sz="7600" u="none" strike="noStrike" cap="none" dirty="0">
                 <a:solidFill>
                   <a:srgbClr val="FFFF00"/>
                 </a:solidFill>
@@ -10475,7 +10557,7 @@
                 <a:cs typeface="Arial" charset="0"/>
                 <a:sym typeface="Cabin"/>
               </a:rPr>
-              <a:t>Summary</a:t>
+              <a:t>Resumen</a:t>
             </a:r>
           </a:p>
         </p:txBody>
@@ -10527,7 +10609,7 @@
               <a:buChar char="•"/>
             </a:pPr>
             <a:r>
-              <a:rPr lang="en-US" sz="3600" b="0" u="none" strike="noStrike" cap="none" dirty="0">
+              <a:rPr lang="es-419" sz="3600" b="0" dirty="0">
                 <a:solidFill>
                   <a:schemeClr val="lt1"/>
                 </a:solidFill>
@@ -10536,8 +10618,17 @@
                 <a:cs typeface="Arial" charset="0"/>
                 <a:sym typeface="Cabin"/>
               </a:rPr>
-              <a:t>Tuple syntax</a:t>
-            </a:r>
+              <a:t>Sintaxis de Tuplas</a:t>
+            </a:r>
+            <a:endParaRPr lang="es-419" sz="3600" b="0" u="none" strike="noStrike" cap="none" dirty="0">
+              <a:solidFill>
+                <a:schemeClr val="lt1"/>
+              </a:solidFill>
+              <a:latin typeface="Arial" charset="0"/>
+              <a:ea typeface="Arial" charset="0"/>
+              <a:cs typeface="Arial" charset="0"/>
+              <a:sym typeface="Cabin"/>
+            </a:endParaRPr>
           </a:p>
           <a:p>
             <a:pPr marL="1104900" marR="0" lvl="0" indent="-609600" algn="l" rtl="0">
@@ -10558,7 +10649,7 @@
               <a:buChar char="•"/>
             </a:pPr>
             <a:r>
-              <a:rPr lang="en-US" sz="3600" b="0" u="none" strike="noStrike" cap="none" dirty="0">
+              <a:rPr lang="es-419" sz="3600" b="0" u="none" strike="noStrike" cap="none" dirty="0">
                 <a:solidFill>
                   <a:schemeClr val="lt1"/>
                 </a:solidFill>
@@ -10567,7 +10658,7 @@
                 <a:cs typeface="Arial" charset="0"/>
                 <a:sym typeface="Cabin"/>
               </a:rPr>
-              <a:t>Immutability</a:t>
+              <a:t>Inmutabilidad</a:t>
             </a:r>
           </a:p>
           <a:p>
@@ -10589,7 +10680,7 @@
               <a:buChar char="•"/>
             </a:pPr>
             <a:r>
-              <a:rPr lang="en-US" sz="3600" b="0" u="none" strike="noStrike" cap="none" dirty="0">
+              <a:rPr lang="es-419" sz="3600" b="0" u="none" strike="noStrike" cap="none" dirty="0">
                 <a:solidFill>
                   <a:schemeClr val="lt1"/>
                 </a:solidFill>
@@ -10598,7 +10689,7 @@
                 <a:cs typeface="Arial" charset="0"/>
                 <a:sym typeface="Cabin"/>
               </a:rPr>
-              <a:t>Comparability</a:t>
+              <a:t>Comparabilidad</a:t>
             </a:r>
           </a:p>
           <a:p>
@@ -10620,7 +10711,7 @@
               <a:buChar char="•"/>
             </a:pPr>
             <a:r>
-              <a:rPr lang="en-US" sz="3600" b="0" u="none" strike="noStrike" cap="none" dirty="0">
+              <a:rPr lang="es-419" sz="3600" b="0" dirty="0">
                 <a:solidFill>
                   <a:schemeClr val="lt1"/>
                 </a:solidFill>
@@ -10629,8 +10720,17 @@
                 <a:cs typeface="Arial" charset="0"/>
                 <a:sym typeface="Cabin"/>
               </a:rPr>
-              <a:t>Sorting</a:t>
-            </a:r>
+              <a:t>Ordenamiento</a:t>
+            </a:r>
+            <a:endParaRPr lang="es-419" sz="3600" b="0" u="none" strike="noStrike" cap="none" dirty="0">
+              <a:solidFill>
+                <a:schemeClr val="lt1"/>
+              </a:solidFill>
+              <a:latin typeface="Arial" charset="0"/>
+              <a:ea typeface="Arial" charset="0"/>
+              <a:cs typeface="Arial" charset="0"/>
+              <a:sym typeface="Cabin"/>
+            </a:endParaRPr>
           </a:p>
         </p:txBody>
       </p:sp>
@@ -10681,7 +10781,7 @@
               <a:buChar char="•"/>
             </a:pPr>
             <a:r>
-              <a:rPr lang="en-US" sz="3600" b="0" u="none" strike="noStrike" cap="none" dirty="0">
+              <a:rPr lang="es-419" sz="3600" b="0" u="none" strike="noStrike" cap="none" dirty="0">
                 <a:solidFill>
                   <a:schemeClr val="lt1"/>
                 </a:solidFill>
@@ -10690,7 +10790,7 @@
                 <a:cs typeface="Arial" charset="0"/>
                 <a:sym typeface="Cabin"/>
               </a:rPr>
-              <a:t>Tuples in assignment statements</a:t>
+              <a:t>Tuplas en sentencias de asignación</a:t>
             </a:r>
           </a:p>
           <a:p>
@@ -10712,7 +10812,7 @@
               <a:buChar char="•"/>
             </a:pPr>
             <a:r>
-              <a:rPr lang="en-US" sz="3600" b="0" u="none" strike="noStrike" cap="none" dirty="0">
+              <a:rPr lang="es-419" sz="3600" b="0" u="none" strike="noStrike" cap="none" dirty="0">
                 <a:solidFill>
                   <a:schemeClr val="lt1"/>
                 </a:solidFill>
@@ -10721,7 +10821,7 @@
                 <a:cs typeface="Arial" charset="0"/>
                 <a:sym typeface="Cabin"/>
               </a:rPr>
-              <a:t>Sorting dictionaries by either key or value </a:t>
+              <a:t>Ordenamiento de diccionarios por clave o valor </a:t>
             </a:r>
           </a:p>
         </p:txBody>
@@ -10739,7 +10839,7 @@
   <p:cSld>
     <p:spTree>
       <p:nvGrpSpPr>
-        <p:cNvPr id="1" name="Shape 271"/>
+        <p:cNvPr id="1" name="Shape 541"/>
         <p:cNvGrpSpPr/>
         <p:nvPr/>
       </p:nvGrpSpPr>
@@ -10753,26 +10853,22 @@
       </p:grpSpPr>
       <p:sp>
         <p:nvSpPr>
-          <p:cNvPr id="272" name="Shape 272"/>
+          <p:cNvPr id="542" name="Shape 542"/>
           <p:cNvSpPr txBox="1">
             <a:spLocks noGrp="1"/>
           </p:cNvSpPr>
           <p:nvPr>
-            <p:ph type="title" idx="4294967295"/>
+            <p:ph type="title"/>
           </p:nvPr>
         </p:nvSpPr>
         <p:spPr>
           <a:xfrm>
-            <a:off x="1462700" y="906463"/>
-            <a:ext cx="12434987" cy="1023937"/>
+            <a:off x="1155700" y="638977"/>
+            <a:ext cx="13932000" cy="1706182"/>
           </a:xfrm>
           <a:prstGeom prst="rect">
             <a:avLst/>
           </a:prstGeom>
-          <a:noFill/>
-          <a:ln>
-            <a:noFill/>
-          </a:ln>
         </p:spPr>
         <p:txBody>
           <a:bodyPr lIns="91425" tIns="91425" rIns="91425" bIns="91425" anchor="ctr" anchorCtr="0">
@@ -10780,48 +10876,33 @@
           </a:bodyPr>
           <a:lstStyle/>
           <a:p>
-            <a:pPr marL="0" marR="0" lvl="0" indent="0" algn="ctr" rtl="0">
-              <a:lnSpc>
-                <a:spcPct val="100000"/>
-              </a:lnSpc>
-              <a:spcBef>
-                <a:spcPts val="0"/>
-              </a:spcBef>
-              <a:spcAft>
-                <a:spcPts val="0"/>
-              </a:spcAft>
-              <a:buClr>
-                <a:srgbClr val="FFFF00"/>
-              </a:buClr>
-              <a:buSzPct val="25000"/>
-              <a:buFont typeface="Arial"/>
-              <a:buNone/>
-            </a:pPr>
-            <a:r>
-              <a:rPr lang="en-US" sz="3600" b="1" i="0" u="none" strike="noStrike" cap="none" dirty="0">
+            <a:pPr lvl="0" rtl="0">
+              <a:spcBef>
+                <a:spcPts val="0"/>
+              </a:spcBef>
+              <a:buNone/>
+            </a:pPr>
+            <a:r>
+              <a:rPr lang="es-MX" sz="3600" b="1">
                 <a:solidFill>
                   <a:srgbClr val="FFFF00"/>
                 </a:solidFill>
-                <a:latin typeface="Arial"/>
-                <a:ea typeface="Arial"/>
-                <a:cs typeface="Arial"/>
-                <a:sym typeface="Arial"/>
-              </a:rPr>
-              <a:t>Acknowledgements / Contributions</a:t>
+              </a:rPr>
+              <a:t>Agradecimientos / Contribuciones</a:t>
             </a:r>
           </a:p>
         </p:txBody>
       </p:sp>
       <p:sp>
         <p:nvSpPr>
-          <p:cNvPr id="274" name="Shape 274"/>
+          <p:cNvPr id="543" name="Shape 543"/>
           <p:cNvSpPr txBox="1"/>
           <p:nvPr/>
         </p:nvSpPr>
         <p:spPr>
           <a:xfrm>
-            <a:off x="1206100" y="2153260"/>
-            <a:ext cx="6797698" cy="6019200"/>
+            <a:off x="1155700" y="2208255"/>
+            <a:ext cx="7444961" cy="5690588"/>
           </a:xfrm>
           <a:prstGeom prst="rect">
             <a:avLst/>
@@ -10837,207 +10918,210 @@
           </a:bodyPr>
           <a:lstStyle/>
           <a:p>
-            <a:pPr marL="0" marR="0" lvl="0" indent="0" algn="l" rtl="0">
-              <a:lnSpc>
-                <a:spcPct val="100000"/>
-              </a:lnSpc>
-              <a:spcBef>
-                <a:spcPts val="0"/>
-              </a:spcBef>
-              <a:spcAft>
-                <a:spcPts val="0"/>
-              </a:spcAft>
-              <a:buClr>
-                <a:srgbClr val="FFFFFF"/>
-              </a:buClr>
-              <a:buSzPct val="25000"/>
-              <a:buFont typeface="Arial"/>
-              <a:buNone/>
-            </a:pPr>
-            <a:r>
-              <a:rPr lang="en-US" sz="1800" b="0" i="0" u="none" strike="noStrike" cap="none" dirty="0">
+            <a:pPr lvl="0"/>
+            <a:r>
+              <a:rPr lang="es-MX" sz="1800" dirty="0">
                 <a:solidFill>
                   <a:srgbClr val="FFFFFF"/>
                 </a:solidFill>
-                <a:latin typeface="Arial"/>
-                <a:ea typeface="Arial"/>
-                <a:cs typeface="Arial"/>
-                <a:sym typeface="Arial"/>
-              </a:rPr>
-              <a:t>These slides are Copyright 2010-  Charles R. Severance (</a:t>
-            </a:r>
-            <a:r>
-              <a:rPr lang="en-US" sz="1800" b="0" i="0" u="sng" strike="noStrike" cap="none" dirty="0">
-                <a:solidFill>
-                  <a:schemeClr val="hlink"/>
-                </a:solidFill>
-                <a:latin typeface="Arial"/>
-                <a:ea typeface="Arial"/>
-                <a:cs typeface="Arial"/>
-                <a:sym typeface="Arial"/>
+              </a:rPr>
+              <a:t>Las diapositivas están bajo el Copyright 2010-  Charles R. </a:t>
+            </a:r>
+            <a:r>
+              <a:rPr lang="es-MX" sz="1800" dirty="0" err="1">
+                <a:solidFill>
+                  <a:srgbClr val="FFFFFF"/>
+                </a:solidFill>
+              </a:rPr>
+              <a:t>Severance</a:t>
+            </a:r>
+            <a:r>
+              <a:rPr lang="es-MX" sz="1800" dirty="0">
+                <a:solidFill>
+                  <a:srgbClr val="FFFFFF"/>
+                </a:solidFill>
+              </a:rPr>
+              <a:t> (</a:t>
+            </a:r>
+            <a:r>
+              <a:rPr lang="es-MX" sz="1800" u="sng" dirty="0">
+                <a:solidFill>
+                  <a:srgbClr val="FFFF00"/>
+                </a:solidFill>
                 <a:hlinkClick r:id="rId3"/>
               </a:rPr>
               <a:t>www.dr-chuck.com</a:t>
             </a:r>
             <a:r>
-              <a:rPr lang="en-US" sz="1800" b="0" i="0" u="none" strike="noStrike" cap="none" dirty="0">
+              <a:rPr lang="es-MX" sz="1800" dirty="0">
                 <a:solidFill>
                   <a:srgbClr val="FFFFFF"/>
                 </a:solidFill>
-                <a:latin typeface="Arial"/>
-                <a:ea typeface="Arial"/>
-                <a:cs typeface="Arial"/>
-                <a:sym typeface="Arial"/>
-              </a:rPr>
-              <a:t>) of the University of Michigan School of Information and </a:t>
-            </a:r>
-            <a:r>
-              <a:rPr lang="en-US" sz="1800" b="0" i="0" u="sng" strike="noStrike" cap="none" dirty="0">
-                <a:solidFill>
-                  <a:schemeClr val="hlink"/>
-                </a:solidFill>
-                <a:latin typeface="Arial"/>
-                <a:ea typeface="Arial"/>
-                <a:cs typeface="Arial"/>
-                <a:sym typeface="Arial"/>
+              </a:rPr>
+              <a:t>) de la Escuela de Informática  de la Universidad de Michigan y </a:t>
+            </a:r>
+            <a:r>
+              <a:rPr lang="es-MX" sz="1800" u="sng" dirty="0">
+                <a:solidFill>
+                  <a:srgbClr val="FFFF00"/>
+                </a:solidFill>
                 <a:hlinkClick r:id="rId4"/>
               </a:rPr>
               <a:t>open.umich.edu</a:t>
             </a:r>
             <a:r>
-              <a:rPr lang="en-US" sz="1800" b="0" i="0" u="none" strike="noStrike" cap="none" dirty="0">
+              <a:rPr lang="es-MX" sz="1800" dirty="0">
                 <a:solidFill>
                   <a:srgbClr val="FFFFFF"/>
                 </a:solidFill>
-                <a:latin typeface="Arial"/>
-                <a:ea typeface="Arial"/>
-                <a:cs typeface="Arial"/>
-                <a:sym typeface="Arial"/>
-              </a:rPr>
-              <a:t> and made available under a Creative Commons Attribution 4.0 License.  Please maintain this last slide in all copies of the document to comply with the attribution requirements of the license.  If you make a change, feel free to add your name and organization to the list of contributors on this page as you republish the materials.</a:t>
-            </a:r>
-          </a:p>
-          <a:p>
-            <a:pPr marL="0" marR="0" lvl="0" indent="0" algn="l" rtl="0">
-              <a:lnSpc>
-                <a:spcPct val="100000"/>
-              </a:lnSpc>
-              <a:spcBef>
-                <a:spcPts val="0"/>
-              </a:spcBef>
-              <a:spcAft>
-                <a:spcPts val="0"/>
-              </a:spcAft>
-              <a:buClr>
-                <a:srgbClr val="000000"/>
-              </a:buClr>
-              <a:buFont typeface="Arial"/>
-              <a:buNone/>
-            </a:pPr>
-            <a:endParaRPr sz="1800" b="0" i="0" u="none" strike="noStrike" cap="none" dirty="0">
+              </a:rPr>
+              <a:t>, y están disponibles públicamente bajo una Licencia Creative Commons </a:t>
+            </a:r>
+            <a:r>
+              <a:rPr lang="es-MX" sz="1800" dirty="0" err="1">
+                <a:solidFill>
+                  <a:srgbClr val="FFFFFF"/>
+                </a:solidFill>
+              </a:rPr>
+              <a:t>Attribution</a:t>
+            </a:r>
+            <a:r>
+              <a:rPr lang="es-MX" sz="1800" dirty="0">
+                <a:solidFill>
+                  <a:srgbClr val="FFFFFF"/>
+                </a:solidFill>
+              </a:rPr>
+              <a:t> 4.0. Favor de mantener esta última diapositiva en todas las copias del documento para cumplir con los requerimientos de atribución de la licencia. Si haces un cambio, siéntete libre de agregar tu nombre y organización a la lista de contribuidores en esta página conforme sean republicados los materiales.</a:t>
+            </a:r>
+          </a:p>
+          <a:p>
+            <a:pPr lvl="0" rtl="0">
+              <a:spcBef>
+                <a:spcPts val="0"/>
+              </a:spcBef>
+              <a:buNone/>
+            </a:pPr>
+            <a:endParaRPr lang="es-MX" sz="1800" dirty="0">
               <a:solidFill>
                 <a:srgbClr val="FFFFFF"/>
               </a:solidFill>
-              <a:latin typeface="Arial"/>
-              <a:ea typeface="Arial"/>
-              <a:cs typeface="Arial"/>
-              <a:sym typeface="Arial"/>
             </a:endParaRPr>
           </a:p>
           <a:p>
-            <a:pPr marL="0" marR="0" lvl="0" indent="0" algn="l" rtl="0">
-              <a:lnSpc>
-                <a:spcPct val="100000"/>
-              </a:lnSpc>
-              <a:spcBef>
-                <a:spcPts val="0"/>
-              </a:spcBef>
-              <a:spcAft>
-                <a:spcPts val="0"/>
-              </a:spcAft>
-              <a:buClr>
-                <a:srgbClr val="FFFFFF"/>
-              </a:buClr>
-              <a:buSzPct val="25000"/>
-              <a:buFont typeface="Arial"/>
-              <a:buNone/>
-            </a:pPr>
-            <a:r>
-              <a:rPr lang="en-US" sz="1800" b="0" i="0" u="none" strike="noStrike" cap="none" dirty="0">
+            <a:pPr lvl="0" rtl="0">
+              <a:spcBef>
+                <a:spcPts val="0"/>
+              </a:spcBef>
+              <a:buNone/>
+            </a:pPr>
+            <a:r>
+              <a:rPr lang="es-MX" sz="1800" dirty="0">
                 <a:solidFill>
                   <a:srgbClr val="FFFFFF"/>
                 </a:solidFill>
-                <a:latin typeface="Arial"/>
-                <a:ea typeface="Arial"/>
-                <a:cs typeface="Arial"/>
-                <a:sym typeface="Arial"/>
-              </a:rPr>
-              <a:t>Initial Development: Charles Severance, University of Michigan School of Information</a:t>
-            </a:r>
-          </a:p>
-          <a:p>
-            <a:pPr marL="0" marR="0" lvl="0" indent="0" algn="l" rtl="0">
-              <a:lnSpc>
-                <a:spcPct val="100000"/>
-              </a:lnSpc>
-              <a:spcBef>
-                <a:spcPts val="0"/>
-              </a:spcBef>
-              <a:spcAft>
-                <a:spcPts val="0"/>
-              </a:spcAft>
-              <a:buClr>
-                <a:srgbClr val="000000"/>
-              </a:buClr>
-              <a:buFont typeface="Arial"/>
-              <a:buNone/>
-            </a:pPr>
-            <a:endParaRPr sz="1800" b="0" i="0" u="none" strike="noStrike" cap="none" dirty="0">
+              </a:rPr>
+              <a:t>Desarrollo inicial: Charles </a:t>
+            </a:r>
+            <a:r>
+              <a:rPr lang="es-MX" sz="1800" dirty="0" err="1">
+                <a:solidFill>
+                  <a:srgbClr val="FFFFFF"/>
+                </a:solidFill>
+              </a:rPr>
+              <a:t>Severance</a:t>
+            </a:r>
+            <a:r>
+              <a:rPr lang="es-MX" sz="1800" dirty="0">
+                <a:solidFill>
+                  <a:srgbClr val="FFFFFF"/>
+                </a:solidFill>
+              </a:rPr>
+              <a:t>, Escuela de Informática de la Universidad de Michigan.</a:t>
+            </a:r>
+          </a:p>
+          <a:p>
+            <a:pPr lvl="0" rtl="0">
+              <a:spcBef>
+                <a:spcPts val="0"/>
+              </a:spcBef>
+              <a:buNone/>
+            </a:pPr>
+            <a:endParaRPr lang="es-MX" sz="1800" dirty="0">
               <a:solidFill>
                 <a:srgbClr val="FFFFFF"/>
               </a:solidFill>
-              <a:latin typeface="Arial"/>
-              <a:ea typeface="Arial"/>
-              <a:cs typeface="Arial"/>
-              <a:sym typeface="Arial"/>
             </a:endParaRPr>
           </a:p>
           <a:p>
-            <a:pPr marL="0" marR="0" lvl="0" indent="0" algn="l" rtl="0">
-              <a:lnSpc>
-                <a:spcPct val="100000"/>
-              </a:lnSpc>
-              <a:spcBef>
-                <a:spcPts val="0"/>
-              </a:spcBef>
-              <a:spcAft>
-                <a:spcPts val="0"/>
-              </a:spcAft>
-              <a:buClr>
+            <a:r>
+              <a:rPr lang="en-US" sz="1800" dirty="0" err="1">
+                <a:solidFill>
+                  <a:srgbClr val="FFFFFF"/>
+                </a:solidFill>
+              </a:rPr>
+              <a:t>Traducción</a:t>
+            </a:r>
+            <a:r>
+              <a:rPr lang="en-US" sz="1800" dirty="0">
+                <a:solidFill>
+                  <a:srgbClr val="FFFFFF"/>
+                </a:solidFill>
+              </a:rPr>
+              <a:t> al </a:t>
+            </a:r>
+            <a:r>
+              <a:rPr lang="en-US" sz="1800" dirty="0" err="1">
+                <a:solidFill>
+                  <a:srgbClr val="FFFFFF"/>
+                </a:solidFill>
+              </a:rPr>
+              <a:t>Español</a:t>
+            </a:r>
+            <a:r>
+              <a:rPr lang="en-US" sz="1800" dirty="0">
+                <a:solidFill>
+                  <a:srgbClr val="FFFFFF"/>
+                </a:solidFill>
+              </a:rPr>
+              <a:t> por Juan Carlos Pérez Castellanos - 2020-04-26</a:t>
+            </a:r>
+            <a:endParaRPr lang="es-MX" sz="1800" dirty="0">
+              <a:solidFill>
                 <a:srgbClr val="FFFFFF"/>
-              </a:buClr>
-              <a:buSzPct val="25000"/>
-              <a:buFont typeface="Arial"/>
-              <a:buNone/>
-            </a:pPr>
-            <a:r>
-              <a:rPr lang="en-US" sz="1800" b="0" i="0" u="none" strike="noStrike" cap="none" dirty="0">
-                <a:solidFill>
-                  <a:srgbClr val="FFFFFF"/>
-                </a:solidFill>
-                <a:latin typeface="Arial"/>
-                <a:ea typeface="Arial"/>
-                <a:cs typeface="Arial"/>
-                <a:sym typeface="Arial"/>
-              </a:rPr>
-              <a:t>… Insert new Contributors and Translators here</a:t>
-            </a:r>
+              </a:solidFill>
+            </a:endParaRPr>
+          </a:p>
+          <a:p>
+            <a:pPr lvl="0" rtl="0">
+              <a:spcBef>
+                <a:spcPts val="0"/>
+              </a:spcBef>
+              <a:buNone/>
+            </a:pPr>
+            <a:endParaRPr lang="es-MX" sz="1800" dirty="0">
+              <a:solidFill>
+                <a:srgbClr val="FFFFFF"/>
+              </a:solidFill>
+            </a:endParaRPr>
+          </a:p>
+          <a:p>
+            <a:pPr lvl="0" rtl="0">
+              <a:spcBef>
+                <a:spcPts val="0"/>
+              </a:spcBef>
+              <a:buNone/>
+            </a:pPr>
+            <a:endParaRPr lang="es-MX" sz="1800" dirty="0">
+              <a:solidFill>
+                <a:srgbClr val="FFFFFF"/>
+              </a:solidFill>
+            </a:endParaRPr>
           </a:p>
         </p:txBody>
       </p:sp>
       <p:pic>
         <p:nvPicPr>
-          <p:cNvPr id="275" name="Shape 275"/>
+          <p:cNvPr id="544" name="Shape 544"/>
           <p:cNvPicPr preferRelativeResize="0"/>
           <p:nvPr/>
         </p:nvPicPr>
@@ -11050,7 +11134,7 @@
         </p:blipFill>
         <p:spPr>
           <a:xfrm>
-            <a:off x="437900" y="906184"/>
+            <a:off x="437900" y="977618"/>
             <a:ext cx="1024800" cy="1024800"/>
           </a:xfrm>
           <a:prstGeom prst="rect">
@@ -11064,7 +11148,7 @@
       </p:pic>
       <p:pic>
         <p:nvPicPr>
-          <p:cNvPr id="276" name="Shape 276"/>
+          <p:cNvPr id="545" name="Shape 545"/>
           <p:cNvPicPr preferRelativeResize="0"/>
           <p:nvPr/>
         </p:nvPicPr>
@@ -11077,7 +11161,7 @@
         </p:blipFill>
         <p:spPr>
           <a:xfrm>
-            <a:off x="13897687" y="1084384"/>
+            <a:off x="13897687" y="1155818"/>
             <a:ext cx="1968599" cy="668400"/>
           </a:xfrm>
           <a:prstGeom prst="rect">
@@ -11091,14 +11175,14 @@
       </p:pic>
       <p:sp>
         <p:nvSpPr>
-          <p:cNvPr id="277" name="Shape 277"/>
+          <p:cNvPr id="546" name="Shape 546"/>
           <p:cNvSpPr txBox="1"/>
           <p:nvPr/>
         </p:nvSpPr>
         <p:spPr>
           <a:xfrm>
-            <a:off x="8704400" y="2283734"/>
-            <a:ext cx="6797698" cy="5788704"/>
+            <a:off x="8452608" y="2208255"/>
+            <a:ext cx="7551600" cy="5690588"/>
           </a:xfrm>
           <a:prstGeom prst="rect">
             <a:avLst/>
@@ -11114,35 +11198,17 @@
           </a:bodyPr>
           <a:lstStyle/>
           <a:p>
-            <a:pPr marL="0" marR="0" lvl="0" indent="0" algn="l" rtl="0">
-              <a:lnSpc>
-                <a:spcPct val="100000"/>
-              </a:lnSpc>
-              <a:spcBef>
-                <a:spcPts val="0"/>
-              </a:spcBef>
-              <a:spcAft>
-                <a:spcPts val="0"/>
-              </a:spcAft>
-              <a:buClr>
+            <a:pPr lvl="0" rtl="0">
+              <a:spcBef>
+                <a:spcPts val="0"/>
+              </a:spcBef>
+              <a:buNone/>
+            </a:pPr>
+            <a:endParaRPr lang="es-MX" sz="1800" dirty="0">
+              <a:solidFill>
                 <a:srgbClr val="FFFFFF"/>
-              </a:buClr>
-              <a:buSzPct val="25000"/>
-              <a:buFont typeface="Arial"/>
-              <a:buNone/>
-            </a:pPr>
-            <a:r>
-              <a:rPr lang="en-US" sz="1800" b="0" i="0" u="none" strike="noStrike" cap="none">
-                <a:solidFill>
-                  <a:srgbClr val="FFFFFF"/>
-                </a:solidFill>
-                <a:latin typeface="Arial"/>
-                <a:ea typeface="Arial"/>
-                <a:cs typeface="Arial"/>
-                <a:sym typeface="Arial"/>
-              </a:rPr>
-              <a:t>...</a:t>
-            </a:r>
+              </a:solidFill>
+            </a:endParaRPr>
           </a:p>
         </p:txBody>
       </p:sp>
@@ -11218,7 +11284,7 @@
               <a:buNone/>
             </a:pPr>
             <a:r>
-              <a:rPr lang="en-US" sz="7800" u="none" strike="noStrike" cap="none" dirty="0">
+              <a:rPr lang="es-419" sz="7800" u="none" strike="noStrike" cap="none" dirty="0">
                 <a:solidFill>
                   <a:srgbClr val="FFFF00"/>
                 </a:solidFill>
@@ -11227,77 +11293,8 @@
                 <a:cs typeface="Arial" charset="0"/>
                 <a:sym typeface="Cabin"/>
               </a:rPr>
-              <a:t>Tuples </a:t>
-            </a:r>
-            <a:r>
-              <a:rPr lang="en-US" sz="7800" u="none" strike="noStrike" cap="none" dirty="0" smtClean="0">
-                <a:solidFill>
-                  <a:srgbClr val="FFFF00"/>
-                </a:solidFill>
-                <a:latin typeface="Arial" charset="0"/>
-                <a:ea typeface="Arial" charset="0"/>
-                <a:cs typeface="Arial" charset="0"/>
-                <a:sym typeface="Cabin"/>
-              </a:rPr>
-              <a:t>Are </a:t>
-            </a:r>
-            <a:r>
-              <a:rPr lang="en-US" sz="7800" dirty="0">
-                <a:solidFill>
-                  <a:srgbClr val="FFFF00"/>
-                </a:solidFill>
-                <a:latin typeface="Arial" charset="0"/>
-                <a:ea typeface="Arial" charset="0"/>
-                <a:cs typeface="Arial" charset="0"/>
-                <a:sym typeface="Cabin"/>
-              </a:rPr>
-              <a:t>L</a:t>
-            </a:r>
-            <a:r>
-              <a:rPr lang="en-US" sz="7800" u="none" strike="noStrike" cap="none" dirty="0" smtClean="0">
-                <a:solidFill>
-                  <a:srgbClr val="FFFF00"/>
-                </a:solidFill>
-                <a:latin typeface="Arial" charset="0"/>
-                <a:ea typeface="Arial" charset="0"/>
-                <a:cs typeface="Arial" charset="0"/>
-                <a:sym typeface="Cabin"/>
-              </a:rPr>
-              <a:t>ike </a:t>
-            </a:r>
-            <a:r>
-              <a:rPr lang="en-US" sz="7800" dirty="0" smtClean="0">
-                <a:solidFill>
-                  <a:srgbClr val="FFFF00"/>
-                </a:solidFill>
-                <a:latin typeface="Arial" charset="0"/>
-                <a:ea typeface="Arial" charset="0"/>
-                <a:cs typeface="Arial" charset="0"/>
-                <a:sym typeface="Cabin"/>
-              </a:rPr>
-              <a:t>L</a:t>
-            </a:r>
-            <a:r>
-              <a:rPr lang="en-US" sz="7800" u="none" strike="noStrike" cap="none" dirty="0" smtClean="0">
-                <a:solidFill>
-                  <a:srgbClr val="FFFF00"/>
-                </a:solidFill>
-                <a:latin typeface="Arial" charset="0"/>
-                <a:ea typeface="Arial" charset="0"/>
-                <a:cs typeface="Arial" charset="0"/>
-                <a:sym typeface="Cabin"/>
-              </a:rPr>
-              <a:t>ists</a:t>
-            </a:r>
-            <a:endParaRPr lang="en-US" sz="7800" u="none" strike="noStrike" cap="none" dirty="0">
-              <a:solidFill>
-                <a:srgbClr val="FFFF00"/>
-              </a:solidFill>
-              <a:latin typeface="Arial" charset="0"/>
-              <a:ea typeface="Arial" charset="0"/>
-              <a:cs typeface="Arial" charset="0"/>
-              <a:sym typeface="Cabin"/>
-            </a:endParaRPr>
+              <a:t>Las Tuplas Son Como Listas</a:t>
+            </a:r>
           </a:p>
         </p:txBody>
       </p:sp>
@@ -11314,7 +11311,7 @@
         <p:spPr>
           <a:xfrm>
             <a:off x="750168" y="2059226"/>
-            <a:ext cx="14051783" cy="1725613"/>
+            <a:ext cx="14991644" cy="1725613"/>
           </a:xfrm>
           <a:prstGeom prst="rect">
             <a:avLst/>
@@ -11347,7 +11344,7 @@
               <a:buNone/>
             </a:pPr>
             <a:r>
-              <a:rPr lang="en-US" sz="3600" b="0" u="none" strike="noStrike" cap="none" dirty="0">
+              <a:rPr lang="es-419" sz="3600" b="0" u="none" strike="noStrike" cap="none" dirty="0">
                 <a:solidFill>
                   <a:schemeClr val="lt1"/>
                 </a:solidFill>
@@ -11356,7 +11353,7 @@
                 <a:cs typeface="Arial" charset="0"/>
                 <a:sym typeface="Cabin"/>
               </a:rPr>
-              <a:t>Tuples are another kind of sequence that functions much like a list - they have elements which are indexed starting at 0</a:t>
+              <a:t>Las tuplas son otro tipo de secuencia que funciona de forma parecida a una lista – tienen elementos indexados empezando desde 0</a:t>
             </a:r>
           </a:p>
         </p:txBody>
@@ -11404,7 +11401,7 @@
               <a:buNone/>
             </a:pPr>
             <a:r>
-              <a:rPr lang="en-US" sz="3000" b="1" i="0" u="none" strike="noStrike" cap="none" dirty="0">
+              <a:rPr lang="es-419" sz="3000" b="1" i="0" u="none" strike="noStrike" cap="none">
                 <a:solidFill>
                   <a:schemeClr val="lt1"/>
                 </a:solidFill>
@@ -11416,7 +11413,7 @@
               <a:t>&gt;&gt;&gt; </a:t>
             </a:r>
             <a:r>
-              <a:rPr lang="en-US" sz="3000" b="1" i="0" u="none" strike="noStrike" cap="none" dirty="0">
+              <a:rPr lang="es-419" sz="3000" b="1" i="0" u="none" strike="noStrike" cap="none">
                 <a:solidFill>
                   <a:srgbClr val="00FF00"/>
                 </a:solidFill>
@@ -11428,7 +11425,7 @@
               <a:t>x</a:t>
             </a:r>
             <a:r>
-              <a:rPr lang="en-US" sz="3000" b="1" i="0" u="none" strike="noStrike" cap="none" dirty="0">
+              <a:rPr lang="es-419" sz="3000" b="1" i="0" u="none" strike="noStrike" cap="none">
                 <a:solidFill>
                   <a:schemeClr val="lt1"/>
                 </a:solidFill>
@@ -11448,7 +11445,7 @@
               <a:buSzPct val="25000"/>
             </a:pPr>
             <a:r>
-              <a:rPr lang="en-US" sz="3000" b="1" i="0" u="none" strike="noStrike" cap="none" dirty="0">
+              <a:rPr lang="es-419" sz="3000" b="1" i="0" u="none" strike="noStrike" cap="none">
                 <a:solidFill>
                   <a:schemeClr val="lt1"/>
                 </a:solidFill>
@@ -11460,7 +11457,7 @@
               <a:t>&gt;&gt;&gt; </a:t>
             </a:r>
             <a:r>
-              <a:rPr lang="en-US" sz="3000" b="1" i="0" u="none" strike="noStrike" cap="none" dirty="0" smtClean="0">
+              <a:rPr lang="es-419" sz="3000" b="1" i="0" u="none" strike="noStrike" cap="none">
                 <a:solidFill>
                   <a:srgbClr val="FFFF00"/>
                 </a:solidFill>
@@ -11472,7 +11469,7 @@
               <a:t>print(</a:t>
             </a:r>
             <a:r>
-              <a:rPr lang="en-US" sz="3000" b="1" i="0" u="none" strike="noStrike" cap="none" dirty="0" smtClean="0">
+              <a:rPr lang="es-419" sz="3000" b="1" i="0" u="none" strike="noStrike" cap="none">
                 <a:solidFill>
                   <a:srgbClr val="00FF00"/>
                 </a:solidFill>
@@ -11484,7 +11481,7 @@
               <a:t>x</a:t>
             </a:r>
             <a:r>
-              <a:rPr lang="en-US" sz="3000" b="1" i="0" u="none" strike="noStrike" cap="none" dirty="0" smtClean="0">
+              <a:rPr lang="es-419" sz="3000" b="1" i="0" u="none" strike="noStrike" cap="none">
                 <a:solidFill>
                   <a:srgbClr val="00FFFF"/>
                 </a:solidFill>
@@ -11496,7 +11493,7 @@
               <a:t>[2]</a:t>
             </a:r>
             <a:r>
-              <a:rPr lang="en-US" sz="3000" b="1" dirty="0" smtClean="0">
+              <a:rPr lang="es-419" sz="3000" b="1">
                 <a:solidFill>
                   <a:srgbClr val="FFFF00"/>
                 </a:solidFill>
@@ -11507,7 +11504,7 @@
               </a:rPr>
               <a:t>)</a:t>
             </a:r>
-            <a:endParaRPr lang="en-US" sz="3000" b="1" i="0" u="none" strike="noStrike" cap="none" dirty="0">
+            <a:endParaRPr lang="es-419" sz="3000" b="1" i="0" u="none" strike="noStrike" cap="none">
               <a:solidFill>
                 <a:srgbClr val="00FFFF"/>
               </a:solidFill>
@@ -11536,7 +11533,7 @@
               <a:buNone/>
             </a:pPr>
             <a:r>
-              <a:rPr lang="en-US" sz="3000" b="1" i="0" u="none" strike="noStrike" cap="none" dirty="0">
+              <a:rPr lang="es-419" sz="3000" b="1" i="0" u="none" strike="noStrike" cap="none">
                 <a:solidFill>
                   <a:schemeClr val="lt1"/>
                 </a:solidFill>
@@ -11567,7 +11564,7 @@
               <a:buNone/>
             </a:pPr>
             <a:r>
-              <a:rPr lang="en-US" sz="3000" b="1" i="0" u="none" strike="noStrike" cap="none" dirty="0">
+              <a:rPr lang="es-419" sz="3000" b="1" i="0" u="none" strike="noStrike" cap="none">
                 <a:solidFill>
                   <a:schemeClr val="lt1"/>
                 </a:solidFill>
@@ -11579,7 +11576,7 @@
               <a:t>&gt;&gt;&gt; </a:t>
             </a:r>
             <a:r>
-              <a:rPr lang="en-US" sz="3000" b="1" i="0" u="none" strike="noStrike" cap="none" dirty="0">
+              <a:rPr lang="es-419" sz="3000" b="1" i="0" u="none" strike="noStrike" cap="none">
                 <a:solidFill>
                   <a:srgbClr val="00FF00"/>
                 </a:solidFill>
@@ -11591,7 +11588,7 @@
               <a:t>y</a:t>
             </a:r>
             <a:r>
-              <a:rPr lang="en-US" sz="3000" b="1" i="0" u="none" strike="noStrike" cap="none" dirty="0">
+              <a:rPr lang="es-419" sz="3000" b="1" i="0" u="none" strike="noStrike" cap="none">
                 <a:solidFill>
                   <a:schemeClr val="lt1"/>
                 </a:solidFill>
@@ -11611,7 +11608,7 @@
               <a:buSzPct val="25000"/>
             </a:pPr>
             <a:r>
-              <a:rPr lang="en-US" sz="3000" b="1" i="0" u="none" strike="noStrike" cap="none" dirty="0">
+              <a:rPr lang="es-419" sz="3000" b="1" i="0" u="none" strike="noStrike" cap="none">
                 <a:solidFill>
                   <a:schemeClr val="lt1"/>
                 </a:solidFill>
@@ -11623,7 +11620,7 @@
               <a:t>&gt;&gt;&gt; </a:t>
             </a:r>
             <a:r>
-              <a:rPr lang="en-US" sz="3000" b="1" i="0" u="none" strike="noStrike" cap="none" dirty="0" smtClean="0">
+              <a:rPr lang="es-419" sz="3000" b="1" i="0" u="none" strike="noStrike" cap="none">
                 <a:solidFill>
                   <a:srgbClr val="FFFF00"/>
                 </a:solidFill>
@@ -11635,7 +11632,7 @@
               <a:t>print(</a:t>
             </a:r>
             <a:r>
-              <a:rPr lang="en-US" sz="3000" b="1" i="0" u="none" strike="noStrike" cap="none" dirty="0" smtClean="0">
+              <a:rPr lang="es-419" sz="3000" b="1" i="0" u="none" strike="noStrike" cap="none">
                 <a:solidFill>
                   <a:srgbClr val="00FF00"/>
                 </a:solidFill>
@@ -11647,7 +11644,7 @@
               <a:t>y</a:t>
             </a:r>
             <a:r>
-              <a:rPr lang="en-US" sz="3000" b="1" dirty="0" smtClean="0">
+              <a:rPr lang="es-419" sz="3000" b="1">
                 <a:solidFill>
                   <a:srgbClr val="FFFF00"/>
                 </a:solidFill>
@@ -11658,7 +11655,7 @@
               </a:rPr>
               <a:t>)</a:t>
             </a:r>
-            <a:endParaRPr lang="en-US" sz="3000" b="1" i="0" u="none" strike="noStrike" cap="none" dirty="0">
+            <a:endParaRPr lang="es-419" sz="3000" b="1" i="0" u="none" strike="noStrike" cap="none">
               <a:solidFill>
                 <a:srgbClr val="00FF00"/>
               </a:solidFill>
@@ -11687,7 +11684,7 @@
               <a:buNone/>
             </a:pPr>
             <a:r>
-              <a:rPr lang="en-US" sz="3000" b="1" i="0" u="none" strike="noStrike" cap="none" dirty="0">
+              <a:rPr lang="es-419" sz="3000" b="1" i="0" u="none" strike="noStrike" cap="none">
                 <a:solidFill>
                   <a:schemeClr val="lt1"/>
                 </a:solidFill>
@@ -11707,7 +11704,7 @@
               <a:buSzPct val="25000"/>
             </a:pPr>
             <a:r>
-              <a:rPr lang="en-US" sz="3000" b="1" i="0" u="none" strike="noStrike" cap="none" dirty="0">
+              <a:rPr lang="es-419" sz="3000" b="1" i="0" u="none" strike="noStrike" cap="none">
                 <a:solidFill>
                   <a:schemeClr val="lt1"/>
                 </a:solidFill>
@@ -11719,7 +11716,7 @@
               <a:t>&gt;&gt;&gt; </a:t>
             </a:r>
             <a:r>
-              <a:rPr lang="en-US" sz="3000" b="1" i="0" u="none" strike="noStrike" cap="none" dirty="0" smtClean="0">
+              <a:rPr lang="es-419" sz="3000" b="1" i="0" u="none" strike="noStrike" cap="none">
                 <a:solidFill>
                   <a:srgbClr val="FFFF00"/>
                 </a:solidFill>
@@ -11731,7 +11728,7 @@
               <a:t>print(</a:t>
             </a:r>
             <a:r>
-              <a:rPr lang="en-US" sz="3000" b="1" i="0" u="none" strike="noStrike" cap="none" dirty="0" smtClean="0">
+              <a:rPr lang="es-419" sz="3000" b="1" i="0" u="none" strike="noStrike" cap="none">
                 <a:solidFill>
                   <a:srgbClr val="FF00FF"/>
                 </a:solidFill>
@@ -11743,7 +11740,7 @@
               <a:t>max</a:t>
             </a:r>
             <a:r>
-              <a:rPr lang="en-US" sz="3000" b="1" i="0" u="none" strike="noStrike" cap="none" dirty="0" smtClean="0">
+              <a:rPr lang="es-419" sz="3000" b="1" i="0" u="none" strike="noStrike" cap="none">
                 <a:solidFill>
                   <a:schemeClr val="lt1"/>
                 </a:solidFill>
@@ -11755,7 +11752,7 @@
               <a:t>(</a:t>
             </a:r>
             <a:r>
-              <a:rPr lang="en-US" sz="3000" b="1" i="0" u="none" strike="noStrike" cap="none" dirty="0" smtClean="0">
+              <a:rPr lang="es-419" sz="3000" b="1" i="0" u="none" strike="noStrike" cap="none">
                 <a:solidFill>
                   <a:srgbClr val="00FF00"/>
                 </a:solidFill>
@@ -11767,7 +11764,7 @@
               <a:t>y</a:t>
             </a:r>
             <a:r>
-              <a:rPr lang="en-US" sz="3000" b="1" i="0" u="none" strike="noStrike" cap="none" dirty="0" smtClean="0">
+              <a:rPr lang="es-419" sz="3000" b="1" i="0" u="none" strike="noStrike" cap="none">
                 <a:solidFill>
                   <a:schemeClr val="lt1"/>
                 </a:solidFill>
@@ -11779,7 +11776,7 @@
               <a:t>)</a:t>
             </a:r>
             <a:r>
-              <a:rPr lang="en-US" sz="3000" b="1" dirty="0" smtClean="0">
+              <a:rPr lang="es-419" sz="3000" b="1">
                 <a:solidFill>
                   <a:srgbClr val="FFFF00"/>
                 </a:solidFill>
@@ -11790,7 +11787,7 @@
               </a:rPr>
               <a:t>)</a:t>
             </a:r>
-            <a:endParaRPr lang="en-US" sz="3000" b="1" i="0" u="none" strike="noStrike" cap="none" dirty="0">
+            <a:endParaRPr lang="es-419" sz="3000" b="1" i="0" u="none" strike="noStrike" cap="none">
               <a:solidFill>
                 <a:schemeClr val="lt1"/>
               </a:solidFill>
@@ -11819,7 +11816,7 @@
               <a:buNone/>
             </a:pPr>
             <a:r>
-              <a:rPr lang="en-US" sz="3000" b="1" i="0" u="none" strike="noStrike" cap="none" dirty="0">
+              <a:rPr lang="es-419" sz="3000" b="1" i="0" u="none" strike="noStrike" cap="none">
                 <a:solidFill>
                   <a:schemeClr val="lt1"/>
                 </a:solidFill>
@@ -11876,7 +11873,7 @@
               <a:buNone/>
             </a:pPr>
             <a:r>
-              <a:rPr lang="en-US" sz="3000" b="1" i="0" u="none" strike="noStrike" cap="none" dirty="0">
+              <a:rPr lang="es-419" sz="3000" b="1" i="0" u="none" strike="noStrike" cap="none">
                 <a:solidFill>
                   <a:schemeClr val="lt1"/>
                 </a:solidFill>
@@ -11888,7 +11885,7 @@
               <a:t>&gt;&gt;&gt; </a:t>
             </a:r>
             <a:r>
-              <a:rPr lang="en-US" sz="3000" b="1" i="0" u="none" strike="noStrike" cap="none" dirty="0">
+              <a:rPr lang="es-419" sz="3000" b="1" i="0" u="none" strike="noStrike" cap="none">
                 <a:solidFill>
                   <a:srgbClr val="FFFF00"/>
                 </a:solidFill>
@@ -11900,7 +11897,7 @@
               <a:t>for</a:t>
             </a:r>
             <a:r>
-              <a:rPr lang="en-US" sz="3000" b="1" i="0" u="none" strike="noStrike" cap="none" dirty="0">
+              <a:rPr lang="es-419" sz="3000" b="1" i="0" u="none" strike="noStrike" cap="none">
                 <a:solidFill>
                   <a:schemeClr val="lt1"/>
                 </a:solidFill>
@@ -11912,7 +11909,7 @@
               <a:t> </a:t>
             </a:r>
             <a:r>
-              <a:rPr lang="en-US" sz="3000" b="1" i="0" u="none" strike="noStrike" cap="none" dirty="0" err="1">
+              <a:rPr lang="es-419" sz="3000" b="1" i="0" u="none" strike="noStrike" cap="none">
                 <a:solidFill>
                   <a:srgbClr val="00FFFF"/>
                 </a:solidFill>
@@ -11924,7 +11921,7 @@
               <a:t>iter</a:t>
             </a:r>
             <a:r>
-              <a:rPr lang="en-US" sz="3000" b="1" i="0" u="none" strike="noStrike" cap="none" dirty="0">
+              <a:rPr lang="es-419" sz="3000" b="1" i="0" u="none" strike="noStrike" cap="none">
                 <a:solidFill>
                   <a:schemeClr val="lt1"/>
                 </a:solidFill>
@@ -11936,7 +11933,7 @@
               <a:t> </a:t>
             </a:r>
             <a:r>
-              <a:rPr lang="en-US" sz="3000" b="1" i="0" u="none" strike="noStrike" cap="none" dirty="0">
+              <a:rPr lang="es-419" sz="3000" b="1" i="0" u="none" strike="noStrike" cap="none">
                 <a:solidFill>
                   <a:srgbClr val="FFFF00"/>
                 </a:solidFill>
@@ -11948,7 +11945,7 @@
               <a:t>in</a:t>
             </a:r>
             <a:r>
-              <a:rPr lang="en-US" sz="3000" b="1" i="0" u="none" strike="noStrike" cap="none" dirty="0">
+              <a:rPr lang="es-419" sz="3000" b="1" i="0" u="none" strike="noStrike" cap="none">
                 <a:solidFill>
                   <a:schemeClr val="lt1"/>
                 </a:solidFill>
@@ -11960,7 +11957,7 @@
               <a:t> </a:t>
             </a:r>
             <a:r>
-              <a:rPr lang="en-US" sz="3000" b="1" i="0" u="none" strike="noStrike" cap="none" dirty="0">
+              <a:rPr lang="es-419" sz="3000" b="1" i="0" u="none" strike="noStrike" cap="none">
                 <a:solidFill>
                   <a:srgbClr val="FF00FF"/>
                 </a:solidFill>
@@ -11972,7 +11969,7 @@
               <a:t>y</a:t>
             </a:r>
             <a:r>
-              <a:rPr lang="en-US" sz="3000" b="1" i="0" u="none" strike="noStrike" cap="none" dirty="0">
+              <a:rPr lang="es-419" sz="3000" b="1" i="0" u="none" strike="noStrike" cap="none">
                 <a:solidFill>
                   <a:schemeClr val="lt1"/>
                 </a:solidFill>
@@ -12003,31 +12000,19 @@
               <a:buNone/>
             </a:pPr>
             <a:r>
-              <a:rPr lang="en-US" sz="3000" b="1" i="0" u="none" strike="noStrike" cap="none" dirty="0">
-                <a:solidFill>
-                  <a:schemeClr val="lt1"/>
-                </a:solidFill>
-                <a:latin typeface="Courier New"/>
-                <a:ea typeface="Courier New"/>
-                <a:cs typeface="Courier New"/>
-                <a:sym typeface="Courier New"/>
-              </a:rPr>
-              <a:t>... </a:t>
-            </a:r>
-            <a:r>
-              <a:rPr lang="en-US" sz="3000" b="1" i="0" u="none" strike="noStrike" cap="none" dirty="0" smtClean="0">
-                <a:solidFill>
-                  <a:schemeClr val="lt1"/>
-                </a:solidFill>
-                <a:latin typeface="Courier New"/>
-                <a:ea typeface="Courier New"/>
-                <a:cs typeface="Courier New"/>
-                <a:sym typeface="Courier New"/>
-              </a:rPr>
-              <a:t>    </a:t>
-            </a:r>
-            <a:r>
-              <a:rPr lang="en-US" sz="3000" b="1" i="0" u="none" strike="noStrike" cap="none" dirty="0" smtClean="0">
+              <a:rPr lang="es-419" sz="3000" b="1" i="0" u="none" strike="noStrike" cap="none">
+                <a:solidFill>
+                  <a:schemeClr val="lt1"/>
+                </a:solidFill>
+                <a:latin typeface="Courier New"/>
+                <a:ea typeface="Courier New"/>
+                <a:cs typeface="Courier New"/>
+                <a:sym typeface="Courier New"/>
+              </a:rPr>
+              <a:t>...     </a:t>
+            </a:r>
+            <a:r>
+              <a:rPr lang="es-419" sz="3000" b="1" i="0" u="none" strike="noStrike" cap="none">
                 <a:solidFill>
                   <a:srgbClr val="FFFF00"/>
                 </a:solidFill>
@@ -12039,7 +12024,7 @@
               <a:t>print(</a:t>
             </a:r>
             <a:r>
-              <a:rPr lang="en-US" sz="3000" b="1" i="0" u="none" strike="noStrike" cap="none" dirty="0" err="1" smtClean="0">
+              <a:rPr lang="es-419" sz="3000" b="1" i="0" u="none" strike="noStrike" cap="none">
                 <a:solidFill>
                   <a:srgbClr val="00FFFF"/>
                 </a:solidFill>
@@ -12051,7 +12036,7 @@
               <a:t>iter</a:t>
             </a:r>
             <a:r>
-              <a:rPr lang="en-US" sz="3000" b="1" i="0" u="none" strike="noStrike" cap="none" dirty="0" smtClean="0">
+              <a:rPr lang="es-419" sz="3000" b="1" i="0" u="none" strike="noStrike" cap="none">
                 <a:solidFill>
                   <a:srgbClr val="FFFF00"/>
                 </a:solidFill>
@@ -12062,15 +12047,6 @@
               </a:rPr>
               <a:t>)</a:t>
             </a:r>
-            <a:endParaRPr lang="en-US" sz="3000" b="1" i="0" u="none" strike="noStrike" cap="none" dirty="0">
-              <a:solidFill>
-                <a:srgbClr val="FFFF00"/>
-              </a:solidFill>
-              <a:latin typeface="Courier New"/>
-              <a:ea typeface="Courier New"/>
-              <a:cs typeface="Courier New"/>
-              <a:sym typeface="Courier New"/>
-            </a:endParaRPr>
           </a:p>
           <a:p>
             <a:pPr marL="0" marR="0" lvl="0" indent="0" algn="l" rtl="0">
@@ -12091,7 +12067,7 @@
               <a:buNone/>
             </a:pPr>
             <a:r>
-              <a:rPr lang="en-US" sz="3000" b="1" i="0" u="none" strike="noStrike" cap="none" dirty="0">
+              <a:rPr lang="es-419" sz="3000" b="1" i="0" u="none" strike="noStrike" cap="none">
                 <a:solidFill>
                   <a:schemeClr val="lt1"/>
                 </a:solidFill>
@@ -12122,7 +12098,7 @@
               <a:buNone/>
             </a:pPr>
             <a:r>
-              <a:rPr lang="en-US" sz="3000" b="1" i="0" u="none" strike="noStrike" cap="none" dirty="0">
+              <a:rPr lang="es-419" sz="3000" b="1" i="0" u="none" strike="noStrike" cap="none">
                 <a:solidFill>
                   <a:schemeClr val="lt1"/>
                 </a:solidFill>
@@ -12153,7 +12129,7 @@
               <a:buNone/>
             </a:pPr>
             <a:r>
-              <a:rPr lang="en-US" sz="3000" b="1" i="0" u="none" strike="noStrike" cap="none" dirty="0">
+              <a:rPr lang="es-419" sz="3000" b="1" i="0" u="none" strike="noStrike" cap="none">
                 <a:solidFill>
                   <a:schemeClr val="lt1"/>
                 </a:solidFill>
@@ -12184,7 +12160,7 @@
               <a:buNone/>
             </a:pPr>
             <a:r>
-              <a:rPr lang="en-US" sz="3000" b="1" i="0" u="none" strike="noStrike" cap="none" dirty="0">
+              <a:rPr lang="es-419" sz="3000" b="1" i="0" u="none" strike="noStrike" cap="none">
                 <a:solidFill>
                   <a:schemeClr val="lt1"/>
                 </a:solidFill>
@@ -12215,7 +12191,7 @@
               <a:buNone/>
             </a:pPr>
             <a:r>
-              <a:rPr lang="en-US" sz="3000" b="1" i="0" u="none" strike="noStrike" cap="none" dirty="0">
+              <a:rPr lang="es-419" sz="3000" b="1" i="0" u="none" strike="noStrike" cap="none">
                 <a:solidFill>
                   <a:schemeClr val="lt1"/>
                 </a:solidFill>
@@ -12251,7 +12227,7 @@
           </a:bodyPr>
           <a:lstStyle/>
           <a:p>
-            <a:endParaRPr lang="en-US" dirty="0"/>
+            <a:endParaRPr lang="es-419"/>
           </a:p>
         </p:txBody>
       </p:sp>
@@ -12291,6 +12267,10 @@
           </p:nvPr>
         </p:nvSpPr>
         <p:spPr>
+          <a:xfrm>
+            <a:off x="0" y="905084"/>
+            <a:ext cx="16256000" cy="1247721"/>
+          </a:xfrm>
           <a:prstGeom prst="rect">
             <a:avLst/>
           </a:prstGeom>
@@ -12323,7 +12303,7 @@
               <a:buNone/>
             </a:pPr>
             <a:r>
-              <a:rPr lang="en-US" sz="7800" u="none" strike="noStrike" cap="none" dirty="0">
+              <a:rPr lang="es-419" sz="7200" dirty="0">
                 <a:solidFill>
                   <a:srgbClr val="FFFF00"/>
                 </a:solidFill>
@@ -12332,7 +12312,19 @@
                 <a:cs typeface="Arial" charset="0"/>
                 <a:sym typeface="Cabin"/>
               </a:rPr>
-              <a:t>but... Tuples are “immutable”</a:t>
+              <a:t>pero</a:t>
+            </a:r>
+            <a:r>
+              <a:rPr lang="es-419" sz="7200" u="none" strike="noStrike" cap="none" dirty="0">
+                <a:solidFill>
+                  <a:srgbClr val="FFFF00"/>
+                </a:solidFill>
+                <a:latin typeface="Arial" charset="0"/>
+                <a:ea typeface="Arial" charset="0"/>
+                <a:cs typeface="Arial" charset="0"/>
+                <a:sym typeface="Cabin"/>
+              </a:rPr>
+              <a:t>... Las Tuplas son “inmutables”</a:t>
             </a:r>
           </a:p>
         </p:txBody>
@@ -12349,8 +12341,8 @@
         </p:nvSpPr>
         <p:spPr>
           <a:xfrm>
-            <a:off x="1155700" y="2282658"/>
-            <a:ext cx="13932000" cy="1325563"/>
+            <a:off x="1155699" y="2282658"/>
+            <a:ext cx="14689725" cy="1325563"/>
           </a:xfrm>
           <a:prstGeom prst="rect">
             <a:avLst/>
@@ -12383,7 +12375,7 @@
               <a:buNone/>
             </a:pPr>
             <a:r>
-              <a:rPr lang="en-US" sz="3800" b="0" u="none" strike="noStrike" cap="none" dirty="0">
+              <a:rPr lang="es-419" sz="3800" b="0" dirty="0">
                 <a:solidFill>
                   <a:schemeClr val="lt1"/>
                 </a:solidFill>
@@ -12392,55 +12384,85 @@
                 <a:cs typeface="Arial" charset="0"/>
                 <a:sym typeface="Cabin"/>
               </a:rPr>
-              <a:t>Unlike a list, once you create a </a:t>
-            </a:r>
-            <a:r>
-              <a:rPr lang="en-US" sz="3800" b="0" u="none" strike="noStrike" cap="none" dirty="0">
-                <a:solidFill>
-                  <a:srgbClr val="FF00FF"/>
+              <a:t>A diferencia de una lista,</a:t>
+            </a:r>
+            <a:r>
+              <a:rPr lang="es-419" sz="3800" b="0" u="none" strike="noStrike" cap="none" dirty="0">
+                <a:solidFill>
+                  <a:schemeClr val="lt1"/>
                 </a:solidFill>
                 <a:latin typeface="Arial" charset="0"/>
                 <a:ea typeface="Arial" charset="0"/>
                 <a:cs typeface="Arial" charset="0"/>
                 <a:sym typeface="Cabin"/>
               </a:rPr>
-              <a:t>tuple</a:t>
-            </a:r>
-            <a:r>
-              <a:rPr lang="en-US" sz="3800" b="0" u="none" strike="noStrike" cap="none" dirty="0">
-                <a:solidFill>
-                  <a:schemeClr val="lt1"/>
+              <a:t> una vez que creas una </a:t>
+            </a:r>
+            <a:r>
+              <a:rPr lang="es-419" sz="3800" b="0" u="none" strike="noStrike" cap="none" dirty="0">
+                <a:solidFill>
+                  <a:srgbClr val="FF00FF"/>
                 </a:solidFill>
                 <a:latin typeface="Arial" charset="0"/>
                 <a:ea typeface="Arial" charset="0"/>
                 <a:cs typeface="Arial" charset="0"/>
                 <a:sym typeface="Cabin"/>
               </a:rPr>
-              <a:t>, you </a:t>
-            </a:r>
-            <a:r>
-              <a:rPr lang="en-US" sz="3800" b="0" u="none" strike="noStrike" cap="none" dirty="0">
-                <a:solidFill>
-                  <a:srgbClr val="FF7F00"/>
+              <a:t>tupla</a:t>
+            </a:r>
+            <a:r>
+              <a:rPr lang="es-419" sz="3800" b="0" u="none" strike="noStrike" cap="none" dirty="0">
+                <a:solidFill>
+                  <a:schemeClr val="lt1"/>
                 </a:solidFill>
                 <a:latin typeface="Arial" charset="0"/>
                 <a:ea typeface="Arial" charset="0"/>
                 <a:cs typeface="Arial" charset="0"/>
                 <a:sym typeface="Cabin"/>
               </a:rPr>
-              <a:t>cannot alter</a:t>
-            </a:r>
-            <a:r>
-              <a:rPr lang="en-US" sz="3800" b="0" u="none" strike="noStrike" cap="none" dirty="0">
-                <a:solidFill>
-                  <a:schemeClr val="lt1"/>
+              <a:t>, </a:t>
+            </a:r>
+          </a:p>
+          <a:p>
+            <a:pPr marL="317500" marR="0" lvl="0" indent="0" algn="l" rtl="0">
+              <a:lnSpc>
+                <a:spcPct val="100000"/>
+              </a:lnSpc>
+              <a:spcBef>
+                <a:spcPts val="0"/>
+              </a:spcBef>
+              <a:spcAft>
+                <a:spcPts val="0"/>
+              </a:spcAft>
+              <a:buClr>
+                <a:schemeClr val="lt1"/>
+              </a:buClr>
+              <a:buSzPct val="171000"/>
+              <a:buNone/>
+            </a:pPr>
+            <a:r>
+              <a:rPr lang="es-419" sz="3800" b="0" dirty="0">
+                <a:solidFill>
+                  <a:srgbClr val="FF7F00"/>
                 </a:solidFill>
                 <a:latin typeface="Arial" charset="0"/>
                 <a:ea typeface="Arial" charset="0"/>
                 <a:cs typeface="Arial" charset="0"/>
                 <a:sym typeface="Cabin"/>
               </a:rPr>
-              <a:t> its contents - similar to a string</a:t>
+              <a:t>no puedes alterar</a:t>
+            </a:r>
+            <a:r>
+              <a:rPr lang="es-419" sz="3800" b="0" u="none" strike="noStrike" cap="none" dirty="0">
+                <a:solidFill>
+                  <a:schemeClr val="lt1"/>
+                </a:solidFill>
+                <a:latin typeface="Arial" charset="0"/>
+                <a:ea typeface="Arial" charset="0"/>
+                <a:cs typeface="Arial" charset="0"/>
+                <a:sym typeface="Cabin"/>
+              </a:rPr>
+              <a:t> su contenido – de forma similar a una cadena</a:t>
             </a:r>
           </a:p>
         </p:txBody>
@@ -12488,7 +12510,7 @@
               <a:buNone/>
             </a:pPr>
             <a:r>
-              <a:rPr lang="en-US" sz="3000" b="1" i="0" u="none" strike="noStrike" cap="none" dirty="0">
+              <a:rPr lang="es-419" sz="3000" b="1" i="0" u="none" strike="noStrike" cap="none">
                 <a:solidFill>
                   <a:schemeClr val="lt1"/>
                 </a:solidFill>
@@ -12500,7 +12522,7 @@
               <a:t>&gt;&gt;&gt; </a:t>
             </a:r>
             <a:r>
-              <a:rPr lang="en-US" sz="3000" b="1" i="0" u="none" strike="noStrike" cap="none" dirty="0">
+              <a:rPr lang="es-419" sz="3000" b="1" i="0" u="none" strike="noStrike" cap="none">
                 <a:solidFill>
                   <a:srgbClr val="00FF00"/>
                 </a:solidFill>
@@ -12512,7 +12534,7 @@
               <a:t>x</a:t>
             </a:r>
             <a:r>
-              <a:rPr lang="en-US" sz="3000" b="1" i="0" u="none" strike="noStrike" cap="none" dirty="0">
+              <a:rPr lang="es-419" sz="3000" b="1" i="0" u="none" strike="noStrike" cap="none">
                 <a:solidFill>
                   <a:schemeClr val="lt1"/>
                 </a:solidFill>
@@ -12543,7 +12565,7 @@
               <a:buNone/>
             </a:pPr>
             <a:r>
-              <a:rPr lang="en-US" sz="3000" b="1" i="0" u="none" strike="noStrike" cap="none" dirty="0">
+              <a:rPr lang="es-419" sz="3000" b="1" i="0" u="none" strike="noStrike" cap="none">
                 <a:solidFill>
                   <a:schemeClr val="lt1"/>
                 </a:solidFill>
@@ -12555,7 +12577,7 @@
               <a:t>&gt;&gt;&gt; </a:t>
             </a:r>
             <a:r>
-              <a:rPr lang="en-US" sz="3000" b="1" i="0" u="none" strike="noStrike" cap="none" dirty="0">
+              <a:rPr lang="es-419" sz="3000" b="1" i="0" u="none" strike="noStrike" cap="none">
                 <a:solidFill>
                   <a:srgbClr val="00FF00"/>
                 </a:solidFill>
@@ -12567,7 +12589,7 @@
               <a:t>x</a:t>
             </a:r>
             <a:r>
-              <a:rPr lang="en-US" sz="3000" b="1" i="0" u="none" strike="noStrike" cap="none" dirty="0">
+              <a:rPr lang="es-419" sz="3000" b="1" i="0" u="none" strike="noStrike" cap="none">
                 <a:solidFill>
                   <a:srgbClr val="00FFFF"/>
                 </a:solidFill>
@@ -12579,7 +12601,7 @@
               <a:t>[2]</a:t>
             </a:r>
             <a:r>
-              <a:rPr lang="en-US" sz="3000" b="1" i="0" u="none" strike="noStrike" cap="none" dirty="0">
+              <a:rPr lang="es-419" sz="3000" b="1" i="0" u="none" strike="noStrike" cap="none">
                 <a:solidFill>
                   <a:schemeClr val="lt1"/>
                 </a:solidFill>
@@ -12599,7 +12621,7 @@
               <a:buSzPct val="25000"/>
             </a:pPr>
             <a:r>
-              <a:rPr lang="en-US" sz="3000" b="1" i="0" u="none" strike="noStrike" cap="none" dirty="0">
+              <a:rPr lang="es-419" sz="3000" b="1" i="0" u="none" strike="noStrike" cap="none">
                 <a:solidFill>
                   <a:schemeClr val="lt1"/>
                 </a:solidFill>
@@ -12611,7 +12633,7 @@
               <a:t>&gt;&gt;&gt; </a:t>
             </a:r>
             <a:r>
-              <a:rPr lang="en-US" sz="3000" b="1" i="0" u="none" strike="noStrike" cap="none" dirty="0" smtClean="0">
+              <a:rPr lang="es-419" sz="3000" b="1" i="0" u="none" strike="noStrike" cap="none">
                 <a:solidFill>
                   <a:srgbClr val="FFFF00"/>
                 </a:solidFill>
@@ -12623,7 +12645,7 @@
               <a:t>print(</a:t>
             </a:r>
             <a:r>
-              <a:rPr lang="en-US" sz="3000" b="1" i="0" u="none" strike="noStrike" cap="none" dirty="0" smtClean="0">
+              <a:rPr lang="es-419" sz="3000" b="1" i="0" u="none" strike="noStrike" cap="none">
                 <a:solidFill>
                   <a:srgbClr val="00FF00"/>
                 </a:solidFill>
@@ -12635,7 +12657,7 @@
               <a:t>x</a:t>
             </a:r>
             <a:r>
-              <a:rPr lang="en-US" sz="3000" b="1" dirty="0" smtClean="0">
+              <a:rPr lang="es-419" sz="3000" b="1">
                 <a:solidFill>
                   <a:srgbClr val="FFFF00"/>
                 </a:solidFill>
@@ -12646,7 +12668,7 @@
               </a:rPr>
               <a:t>)</a:t>
             </a:r>
-            <a:endParaRPr lang="en-US" sz="3000" b="1" i="0" u="none" strike="noStrike" cap="none" dirty="0">
+            <a:endParaRPr lang="es-419" sz="3000" b="1" i="0" u="none" strike="noStrike" cap="none">
               <a:solidFill>
                 <a:srgbClr val="00FF00"/>
               </a:solidFill>
@@ -12675,7 +12697,7 @@
               <a:buNone/>
             </a:pPr>
             <a:r>
-              <a:rPr lang="en-US" sz="3000" b="1" i="0" u="none" strike="noStrike" cap="none" dirty="0">
+              <a:rPr lang="es-419" sz="3000" b="1" i="0" u="none" strike="noStrike" cap="none">
                 <a:solidFill>
                   <a:schemeClr val="lt1"/>
                 </a:solidFill>
@@ -12706,7 +12728,7 @@
               <a:buNone/>
             </a:pPr>
             <a:r>
-              <a:rPr lang="en-US" sz="3000" b="1" i="0" u="none" strike="noStrike" cap="none" dirty="0">
+              <a:rPr lang="es-419" sz="3000" b="1" i="0" u="none" strike="noStrike" cap="none">
                 <a:solidFill>
                   <a:schemeClr val="lt1"/>
                 </a:solidFill>
@@ -12763,7 +12785,7 @@
               <a:buNone/>
             </a:pPr>
             <a:r>
-              <a:rPr lang="en-US" sz="3000" b="1" i="0" u="none" strike="noStrike" cap="none" dirty="0">
+              <a:rPr lang="es-419" sz="3000" b="1" i="0" u="none" strike="noStrike" cap="none">
                 <a:solidFill>
                   <a:schemeClr val="lt1"/>
                 </a:solidFill>
@@ -12775,7 +12797,7 @@
               <a:t>&gt;&gt;&gt; </a:t>
             </a:r>
             <a:r>
-              <a:rPr lang="en-US" sz="3000" b="1" i="0" u="none" strike="noStrike" cap="none" dirty="0">
+              <a:rPr lang="es-419" sz="3000" b="1" i="0" u="none" strike="noStrike" cap="none">
                 <a:solidFill>
                   <a:srgbClr val="00FF00"/>
                 </a:solidFill>
@@ -12787,7 +12809,7 @@
               <a:t>y</a:t>
             </a:r>
             <a:r>
-              <a:rPr lang="en-US" sz="3000" b="1" i="0" u="none" strike="noStrike" cap="none" dirty="0">
+              <a:rPr lang="es-419" sz="3000" b="1" i="0" u="none" strike="noStrike" cap="none">
                 <a:solidFill>
                   <a:schemeClr val="lt1"/>
                 </a:solidFill>
@@ -12818,7 +12840,7 @@
               <a:buNone/>
             </a:pPr>
             <a:r>
-              <a:rPr lang="en-US" sz="3000" b="1" i="0" u="none" strike="noStrike" cap="none" dirty="0">
+              <a:rPr lang="es-419" sz="3000" b="1" i="0" u="none" strike="noStrike" cap="none">
                 <a:solidFill>
                   <a:schemeClr val="lt1"/>
                 </a:solidFill>
@@ -12830,7 +12852,7 @@
               <a:t>&gt;&gt;&gt; </a:t>
             </a:r>
             <a:r>
-              <a:rPr lang="en-US" sz="3000" b="1" i="0" u="none" strike="noStrike" cap="none" dirty="0">
+              <a:rPr lang="es-419" sz="3000" b="1" i="0" u="none" strike="noStrike" cap="none">
                 <a:solidFill>
                   <a:srgbClr val="00FF00"/>
                 </a:solidFill>
@@ -12842,7 +12864,7 @@
               <a:t>y</a:t>
             </a:r>
             <a:r>
-              <a:rPr lang="en-US" sz="3000" b="1" i="0" u="none" strike="noStrike" cap="none" dirty="0">
+              <a:rPr lang="es-419" sz="3000" b="1" i="0" u="none" strike="noStrike" cap="none">
                 <a:solidFill>
                   <a:srgbClr val="00FFFF"/>
                 </a:solidFill>
@@ -12854,7 +12876,7 @@
               <a:t>[2]</a:t>
             </a:r>
             <a:r>
-              <a:rPr lang="en-US" sz="3000" b="1" i="0" u="none" strike="noStrike" cap="none" dirty="0">
+              <a:rPr lang="es-419" sz="3000" b="1" i="0" u="none" strike="noStrike" cap="none">
                 <a:solidFill>
                   <a:schemeClr val="lt1"/>
                 </a:solidFill>
@@ -12885,7 +12907,7 @@
               <a:buNone/>
             </a:pPr>
             <a:r>
-              <a:rPr lang="en-US" sz="3000" b="1" i="0" u="none" strike="noStrike" cap="none" dirty="0" err="1">
+              <a:rPr lang="es-419" sz="3000" b="1" i="0" u="none" strike="noStrike" cap="none">
                 <a:solidFill>
                   <a:srgbClr val="FF66FF"/>
                 </a:solidFill>
@@ -12894,43 +12916,7 @@
                 <a:cs typeface="Courier New"/>
                 <a:sym typeface="Courier New"/>
               </a:rPr>
-              <a:t>Traceback</a:t>
-            </a:r>
-            <a:r>
-              <a:rPr lang="en-US" sz="3000" b="1" i="0" u="none" strike="noStrike" cap="none" dirty="0">
-                <a:solidFill>
-                  <a:srgbClr val="FF66FF"/>
-                </a:solidFill>
-                <a:latin typeface="Courier New"/>
-                <a:ea typeface="Courier New"/>
-                <a:cs typeface="Courier New"/>
-                <a:sym typeface="Courier New"/>
-              </a:rPr>
-              <a:t>:'</a:t>
-            </a:r>
-            <a:r>
-              <a:rPr lang="en-US" sz="3000" b="1" i="0" u="none" strike="noStrike" cap="none" dirty="0" err="1">
-                <a:solidFill>
-                  <a:srgbClr val="FF66FF"/>
-                </a:solidFill>
-                <a:latin typeface="Courier New"/>
-                <a:ea typeface="Courier New"/>
-                <a:cs typeface="Courier New"/>
-                <a:sym typeface="Courier New"/>
-              </a:rPr>
-              <a:t>str</a:t>
-            </a:r>
-            <a:r>
-              <a:rPr lang="en-US" sz="3000" b="1" i="0" u="none" strike="noStrike" cap="none" dirty="0">
-                <a:solidFill>
-                  <a:srgbClr val="FF66FF"/>
-                </a:solidFill>
-                <a:latin typeface="Courier New"/>
-                <a:ea typeface="Courier New"/>
-                <a:cs typeface="Courier New"/>
-                <a:sym typeface="Courier New"/>
-              </a:rPr>
-              <a:t>' object does </a:t>
+              <a:t>Traceback:'str' object does </a:t>
             </a:r>
           </a:p>
           <a:p>
@@ -12952,7 +12938,7 @@
               <a:buNone/>
             </a:pPr>
             <a:r>
-              <a:rPr lang="en-US" sz="3000" b="1" i="0" u="none" strike="noStrike" cap="none" dirty="0">
+              <a:rPr lang="es-419" sz="3000" b="1" i="0" u="none" strike="noStrike" cap="none">
                 <a:solidFill>
                   <a:srgbClr val="FF66FF"/>
                 </a:solidFill>
@@ -12964,7 +12950,7 @@
               <a:t>not support </a:t>
             </a:r>
             <a:r>
-              <a:rPr lang="en-US" sz="3000" b="1" i="0" u="none" strike="noStrike" cap="none" dirty="0">
+              <a:rPr lang="es-419" sz="3000" b="1" i="0" u="none" strike="noStrike" cap="none">
                 <a:solidFill>
                   <a:srgbClr val="00FFFF"/>
                 </a:solidFill>
@@ -12976,7 +12962,7 @@
               <a:t>item</a:t>
             </a:r>
             <a:r>
-              <a:rPr lang="en-US" sz="3000" b="1" i="0" u="none" strike="noStrike" cap="none" dirty="0">
+              <a:rPr lang="es-419" sz="3000" b="1" i="0" u="none" strike="noStrike" cap="none">
                 <a:solidFill>
                   <a:srgbClr val="FF66FF"/>
                 </a:solidFill>
@@ -13007,7 +12993,7 @@
               <a:buNone/>
             </a:pPr>
             <a:r>
-              <a:rPr lang="en-US" sz="3000" b="1" i="0" u="none" strike="noStrike" cap="none" dirty="0">
+              <a:rPr lang="es-419" sz="3000" b="1" i="0" u="none" strike="noStrike" cap="none">
                 <a:solidFill>
                   <a:srgbClr val="FF66FF"/>
                 </a:solidFill>
@@ -13038,7 +13024,7 @@
               <a:buNone/>
             </a:pPr>
             <a:r>
-              <a:rPr lang="en-US" sz="3000" b="1" i="0" u="none" strike="noStrike" cap="none" dirty="0">
+              <a:rPr lang="es-419" sz="3000" b="1" i="0" u="none" strike="noStrike" cap="none">
                 <a:solidFill>
                   <a:schemeClr val="lt1"/>
                 </a:solidFill>
@@ -13095,7 +13081,7 @@
               <a:buNone/>
             </a:pPr>
             <a:r>
-              <a:rPr lang="en-US" sz="3000" i="0" u="none" strike="noStrike" cap="none" dirty="0">
+              <a:rPr lang="es-419" sz="3000" i="0" u="none" strike="noStrike" cap="none">
                 <a:solidFill>
                   <a:schemeClr val="lt1"/>
                 </a:solidFill>
@@ -13107,7 +13093,7 @@
               <a:t>&gt;&gt;&gt; </a:t>
             </a:r>
             <a:r>
-              <a:rPr lang="en-US" sz="3000" i="0" u="none" strike="noStrike" cap="none" dirty="0">
+              <a:rPr lang="es-419" sz="3000" i="0" u="none" strike="noStrike" cap="none">
                 <a:solidFill>
                   <a:srgbClr val="00FF00"/>
                 </a:solidFill>
@@ -13119,7 +13105,7 @@
               <a:t>z</a:t>
             </a:r>
             <a:r>
-              <a:rPr lang="en-US" sz="3000" i="0" u="none" strike="noStrike" cap="none" dirty="0">
+              <a:rPr lang="es-419" sz="3000" i="0" u="none" strike="noStrike" cap="none">
                 <a:solidFill>
                   <a:schemeClr val="lt1"/>
                 </a:solidFill>
@@ -13150,7 +13136,7 @@
               <a:buNone/>
             </a:pPr>
             <a:r>
-              <a:rPr lang="en-US" sz="3000" i="0" u="none" strike="noStrike" cap="none" dirty="0">
+              <a:rPr lang="es-419" sz="3000" i="0" u="none" strike="noStrike" cap="none">
                 <a:solidFill>
                   <a:schemeClr val="lt1"/>
                 </a:solidFill>
@@ -13162,7 +13148,7 @@
               <a:t>&gt;&gt;&gt; </a:t>
             </a:r>
             <a:r>
-              <a:rPr lang="en-US" sz="3000" i="0" u="none" strike="noStrike" cap="none" dirty="0">
+              <a:rPr lang="es-419" sz="3000" i="0" u="none" strike="noStrike" cap="none">
                 <a:solidFill>
                   <a:srgbClr val="00FF00"/>
                 </a:solidFill>
@@ -13174,7 +13160,7 @@
               <a:t>z</a:t>
             </a:r>
             <a:r>
-              <a:rPr lang="en-US" sz="3000" i="0" u="none" strike="noStrike" cap="none" dirty="0">
+              <a:rPr lang="es-419" sz="3000" i="0" u="none" strike="noStrike" cap="none">
                 <a:solidFill>
                   <a:srgbClr val="00FFFF"/>
                 </a:solidFill>
@@ -13186,7 +13172,7 @@
               <a:t>[2]</a:t>
             </a:r>
             <a:r>
-              <a:rPr lang="en-US" sz="3000" i="0" u="none" strike="noStrike" cap="none" dirty="0">
+              <a:rPr lang="es-419" sz="3000" i="0" u="none" strike="noStrike" cap="none">
                 <a:solidFill>
                   <a:schemeClr val="lt1"/>
                 </a:solidFill>
@@ -13217,7 +13203,7 @@
               <a:buNone/>
             </a:pPr>
             <a:r>
-              <a:rPr lang="en-US" sz="3000" i="0" u="none" strike="noStrike" cap="none" dirty="0" err="1">
+              <a:rPr lang="es-419" sz="3000" i="0" u="none" strike="noStrike" cap="none">
                 <a:solidFill>
                   <a:srgbClr val="FF66FF"/>
                 </a:solidFill>
@@ -13226,19 +13212,7 @@
                 <a:cs typeface="Courier New"/>
                 <a:sym typeface="Courier New"/>
               </a:rPr>
-              <a:t>Traceback</a:t>
-            </a:r>
-            <a:r>
-              <a:rPr lang="en-US" sz="3000" i="0" u="none" strike="noStrike" cap="none" dirty="0">
-                <a:solidFill>
-                  <a:srgbClr val="FF66FF"/>
-                </a:solidFill>
-                <a:latin typeface="Courier New"/>
-                <a:ea typeface="Courier New"/>
-                <a:cs typeface="Courier New"/>
-                <a:sym typeface="Courier New"/>
-              </a:rPr>
-              <a:t>:'tuple' object does </a:t>
+              <a:t>Traceback:'tuple' object does </a:t>
             </a:r>
           </a:p>
           <a:p>
@@ -13260,7 +13234,7 @@
               <a:buNone/>
             </a:pPr>
             <a:r>
-              <a:rPr lang="en-US" sz="3000" i="0" u="none" strike="noStrike" cap="none" dirty="0">
+              <a:rPr lang="es-419" sz="3000" i="0" u="none" strike="noStrike" cap="none">
                 <a:solidFill>
                   <a:srgbClr val="FF66FF"/>
                 </a:solidFill>
@@ -13272,7 +13246,7 @@
               <a:t>not support </a:t>
             </a:r>
             <a:r>
-              <a:rPr lang="en-US" sz="3000" i="0" u="none" strike="noStrike" cap="none" dirty="0">
+              <a:rPr lang="es-419" sz="3000" i="0" u="none" strike="noStrike" cap="none">
                 <a:solidFill>
                   <a:srgbClr val="00FFFF"/>
                 </a:solidFill>
@@ -13284,7 +13258,7 @@
               <a:t>item</a:t>
             </a:r>
             <a:r>
-              <a:rPr lang="en-US" sz="3000" i="0" u="none" strike="noStrike" cap="none" dirty="0">
+              <a:rPr lang="es-419" sz="3000" i="0" u="none" strike="noStrike" cap="none">
                 <a:solidFill>
                   <a:srgbClr val="FF66FF"/>
                 </a:solidFill>
@@ -13315,7 +13289,7 @@
               <a:buNone/>
             </a:pPr>
             <a:r>
-              <a:rPr lang="en-US" sz="3000" i="0" u="none" strike="noStrike" cap="none" dirty="0">
+              <a:rPr lang="es-419" sz="3000" i="0" u="none" strike="noStrike" cap="none">
                 <a:solidFill>
                   <a:srgbClr val="FF66FF"/>
                 </a:solidFill>
@@ -13346,7 +13320,7 @@
               <a:buNone/>
             </a:pPr>
             <a:r>
-              <a:rPr lang="en-US" sz="3000" i="0" u="none" strike="noStrike" cap="none" dirty="0">
+              <a:rPr lang="es-419" sz="3000" i="0" u="none" strike="noStrike" cap="none">
                 <a:solidFill>
                   <a:schemeClr val="lt1"/>
                 </a:solidFill>
@@ -13397,8 +13371,8 @@
         </p:nvSpPr>
         <p:spPr>
           <a:xfrm>
-            <a:off x="812800" y="942893"/>
-            <a:ext cx="14630400" cy="1226172"/>
+            <a:off x="0" y="942893"/>
+            <a:ext cx="16256000" cy="1226172"/>
           </a:xfrm>
           <a:prstGeom prst="rect">
             <a:avLst/>
@@ -13432,7 +13406,7 @@
               <a:buNone/>
             </a:pPr>
             <a:r>
-              <a:rPr lang="en-US" sz="7800" u="none" strike="noStrike" cap="none" dirty="0">
+              <a:rPr lang="es-419" sz="8000" u="none" strike="noStrike" cap="none" dirty="0">
                 <a:solidFill>
                   <a:srgbClr val="FFFF00"/>
                 </a:solidFill>
@@ -13441,10 +13415,10 @@
                 <a:cs typeface="Arial" charset="0"/>
                 <a:sym typeface="Cabin"/>
               </a:rPr>
-              <a:t>Things </a:t>
-            </a:r>
-            <a:r>
-              <a:rPr lang="en-US" sz="7800" u="none" strike="noStrike" cap="none" dirty="0">
+              <a:t>Cosas que </a:t>
+            </a:r>
+            <a:r>
+              <a:rPr lang="es-419" sz="8000" u="none" strike="noStrike" cap="none" dirty="0">
                 <a:solidFill>
                   <a:srgbClr val="FF66FF"/>
                 </a:solidFill>
@@ -13453,10 +13427,10 @@
                 <a:cs typeface="Arial" charset="0"/>
                 <a:sym typeface="Cabin"/>
               </a:rPr>
-              <a:t>not</a:t>
-            </a:r>
-            <a:r>
-              <a:rPr lang="en-US" sz="7800" u="none" strike="noStrike" cap="none" dirty="0">
+              <a:t>no</a:t>
+            </a:r>
+            <a:r>
+              <a:rPr lang="es-419" sz="8000" u="none" strike="noStrike" cap="none" dirty="0">
                 <a:solidFill>
                   <a:srgbClr val="FFFF00"/>
                 </a:solidFill>
@@ -13465,41 +13439,8 @@
                 <a:cs typeface="Arial" charset="0"/>
                 <a:sym typeface="Cabin"/>
               </a:rPr>
-              <a:t> to do </a:t>
-            </a:r>
-            <a:r>
-              <a:rPr lang="en-US" sz="7800" dirty="0">
-                <a:solidFill>
-                  <a:srgbClr val="FFFF00"/>
-                </a:solidFill>
-                <a:latin typeface="Arial" charset="0"/>
-                <a:ea typeface="Arial" charset="0"/>
-                <a:cs typeface="Arial" charset="0"/>
-                <a:sym typeface="Cabin"/>
-              </a:rPr>
-              <a:t>W</a:t>
-            </a:r>
-            <a:r>
-              <a:rPr lang="en-US" sz="7800" u="none" strike="noStrike" cap="none" dirty="0" smtClean="0">
-                <a:solidFill>
-                  <a:srgbClr val="FFFF00"/>
-                </a:solidFill>
-                <a:latin typeface="Arial" charset="0"/>
-                <a:ea typeface="Arial" charset="0"/>
-                <a:cs typeface="Arial" charset="0"/>
-                <a:sym typeface="Cabin"/>
-              </a:rPr>
-              <a:t>ith Tuples</a:t>
-            </a:r>
-            <a:endParaRPr lang="en-US" sz="7800" u="none" strike="noStrike" cap="none" dirty="0">
-              <a:solidFill>
-                <a:srgbClr val="FFFF00"/>
-              </a:solidFill>
-              <a:latin typeface="Arial" charset="0"/>
-              <a:ea typeface="Arial" charset="0"/>
-              <a:cs typeface="Arial" charset="0"/>
-              <a:sym typeface="Cabin"/>
-            </a:endParaRPr>
+              <a:t> se deben Hacer con Tuplas</a:t>
+            </a:r>
           </a:p>
         </p:txBody>
       </p:sp>
@@ -13511,7 +13452,7 @@
         </p:nvSpPr>
         <p:spPr>
           <a:xfrm>
-            <a:off x="1422400" y="2236576"/>
+            <a:off x="1422400" y="2938033"/>
             <a:ext cx="13416000" cy="5416500"/>
           </a:xfrm>
           <a:prstGeom prst="rect">
@@ -13546,7 +13487,7 @@
               <a:buNone/>
             </a:pPr>
             <a:r>
-              <a:rPr lang="en-US" sz="3000" b="1" i="0" u="none" strike="noStrike" cap="none" dirty="0">
+              <a:rPr lang="es-419" sz="3000" b="1" i="0" u="none" strike="noStrike" cap="none" dirty="0">
                 <a:solidFill>
                   <a:schemeClr val="lt1"/>
                 </a:solidFill>
@@ -13558,7 +13499,7 @@
               <a:t>&gt;&gt;&gt; </a:t>
             </a:r>
             <a:r>
-              <a:rPr lang="en-US" sz="3000" b="1" i="0" u="none" strike="noStrike" cap="none" dirty="0">
+              <a:rPr lang="es-419" sz="3000" b="1" i="0" u="none" strike="noStrike" cap="none" dirty="0">
                 <a:solidFill>
                   <a:srgbClr val="00FF00"/>
                 </a:solidFill>
@@ -13570,7 +13511,7 @@
               <a:t>x</a:t>
             </a:r>
             <a:r>
-              <a:rPr lang="en-US" sz="3000" b="1" i="0" u="none" strike="noStrike" cap="none" dirty="0">
+              <a:rPr lang="es-419" sz="3000" b="1" i="0" u="none" strike="noStrike" cap="none" dirty="0">
                 <a:solidFill>
                   <a:schemeClr val="lt1"/>
                 </a:solidFill>
@@ -13582,7 +13523,7 @@
               <a:t> = </a:t>
             </a:r>
             <a:r>
-              <a:rPr lang="en-US" sz="3000" b="1" i="0" u="none" strike="noStrike" cap="none" dirty="0">
+              <a:rPr lang="es-419" sz="3000" b="1" i="0" u="none" strike="noStrike" cap="none" dirty="0">
                 <a:solidFill>
                   <a:srgbClr val="FF7F00"/>
                 </a:solidFill>
@@ -13613,7 +13554,7 @@
               <a:buNone/>
             </a:pPr>
             <a:r>
-              <a:rPr lang="en-US" sz="3000" b="1" i="0" u="none" strike="noStrike" cap="none" dirty="0">
+              <a:rPr lang="es-419" sz="3000" b="1" i="0" u="none" strike="noStrike" cap="none" dirty="0">
                 <a:solidFill>
                   <a:schemeClr val="lt1"/>
                 </a:solidFill>
@@ -13625,7 +13566,7 @@
               <a:t>&gt;&gt;&gt; </a:t>
             </a:r>
             <a:r>
-              <a:rPr lang="en-US" sz="3000" b="1" i="0" u="none" strike="noStrike" cap="none" dirty="0" err="1">
+              <a:rPr lang="es-419" sz="3000" b="1" i="0" u="none" strike="noStrike" cap="none" dirty="0" err="1">
                 <a:solidFill>
                   <a:srgbClr val="00FF00"/>
                 </a:solidFill>
@@ -13637,7 +13578,7 @@
               <a:t>x</a:t>
             </a:r>
             <a:r>
-              <a:rPr lang="en-US" sz="3000" b="1" i="0" u="none" strike="noStrike" cap="none" dirty="0" err="1">
+              <a:rPr lang="es-419" sz="3000" b="1" i="0" u="none" strike="noStrike" cap="none" dirty="0" err="1">
                 <a:solidFill>
                   <a:srgbClr val="FF00FF"/>
                 </a:solidFill>
@@ -13649,7 +13590,7 @@
               <a:t>.sort</a:t>
             </a:r>
             <a:r>
-              <a:rPr lang="en-US" sz="3000" b="1" i="0" u="none" strike="noStrike" cap="none" dirty="0">
+              <a:rPr lang="es-419" sz="3000" b="1" i="0" u="none" strike="noStrike" cap="none" dirty="0">
                 <a:solidFill>
                   <a:schemeClr val="lt1"/>
                 </a:solidFill>
@@ -13680,7 +13621,7 @@
               <a:buNone/>
             </a:pPr>
             <a:r>
-              <a:rPr lang="en-US" sz="3000" b="1" i="0" u="none" strike="noStrike" cap="none" dirty="0" err="1">
+              <a:rPr lang="es-419" sz="3000" b="1" i="0" u="none" strike="noStrike" cap="none" dirty="0" err="1">
                 <a:solidFill>
                   <a:srgbClr val="FF66FF"/>
                 </a:solidFill>
@@ -13692,7 +13633,7 @@
               <a:t>Traceback</a:t>
             </a:r>
             <a:r>
-              <a:rPr lang="en-US" sz="3000" b="1" i="0" u="none" strike="noStrike" cap="none" dirty="0">
+              <a:rPr lang="es-419" sz="3000" b="1" i="0" u="none" strike="noStrike" cap="none" dirty="0">
                 <a:solidFill>
                   <a:srgbClr val="FF66FF"/>
                 </a:solidFill>
@@ -13723,7 +13664,7 @@
               <a:buNone/>
             </a:pPr>
             <a:r>
-              <a:rPr lang="en-US" sz="3000" b="1" i="0" u="none" strike="noStrike" cap="none" dirty="0" err="1">
+              <a:rPr lang="es-419" sz="3000" b="1" i="0" u="none" strike="noStrike" cap="none" dirty="0" err="1">
                 <a:solidFill>
                   <a:srgbClr val="FF66FF"/>
                 </a:solidFill>
@@ -13735,7 +13676,7 @@
               <a:t>AttributeError</a:t>
             </a:r>
             <a:r>
-              <a:rPr lang="en-US" sz="3000" b="1" i="0" u="none" strike="noStrike" cap="none" dirty="0">
+              <a:rPr lang="es-419" sz="3000" b="1" i="0" u="none" strike="noStrike" cap="none" dirty="0">
                 <a:solidFill>
                   <a:srgbClr val="FF66FF"/>
                 </a:solidFill>
@@ -13744,7 +13685,103 @@
                 <a:cs typeface="Courier New"/>
                 <a:sym typeface="Courier New"/>
               </a:rPr>
-              <a:t>: 'tuple' object has no attribute 'sort'</a:t>
+              <a:t>: '</a:t>
+            </a:r>
+            <a:r>
+              <a:rPr lang="es-419" sz="3000" b="1" i="0" u="none" strike="noStrike" cap="none" dirty="0" err="1">
+                <a:solidFill>
+                  <a:srgbClr val="FF66FF"/>
+                </a:solidFill>
+                <a:latin typeface="Courier New"/>
+                <a:ea typeface="Courier New"/>
+                <a:cs typeface="Courier New"/>
+                <a:sym typeface="Courier New"/>
+              </a:rPr>
+              <a:t>tuple</a:t>
+            </a:r>
+            <a:r>
+              <a:rPr lang="es-419" sz="3000" b="1" i="0" u="none" strike="noStrike" cap="none" dirty="0">
+                <a:solidFill>
+                  <a:srgbClr val="FF66FF"/>
+                </a:solidFill>
+                <a:latin typeface="Courier New"/>
+                <a:ea typeface="Courier New"/>
+                <a:cs typeface="Courier New"/>
+                <a:sym typeface="Courier New"/>
+              </a:rPr>
+              <a:t>' </a:t>
+            </a:r>
+            <a:r>
+              <a:rPr lang="es-419" sz="3000" b="1" i="0" u="none" strike="noStrike" cap="none" dirty="0" err="1">
+                <a:solidFill>
+                  <a:srgbClr val="FF66FF"/>
+                </a:solidFill>
+                <a:latin typeface="Courier New"/>
+                <a:ea typeface="Courier New"/>
+                <a:cs typeface="Courier New"/>
+                <a:sym typeface="Courier New"/>
+              </a:rPr>
+              <a:t>object</a:t>
+            </a:r>
+            <a:r>
+              <a:rPr lang="es-419" sz="3000" b="1" i="0" u="none" strike="noStrike" cap="none" dirty="0">
+                <a:solidFill>
+                  <a:srgbClr val="FF66FF"/>
+                </a:solidFill>
+                <a:latin typeface="Courier New"/>
+                <a:ea typeface="Courier New"/>
+                <a:cs typeface="Courier New"/>
+                <a:sym typeface="Courier New"/>
+              </a:rPr>
+              <a:t> has no </a:t>
+            </a:r>
+            <a:r>
+              <a:rPr lang="es-419" sz="3000" b="1" i="0" u="none" strike="noStrike" cap="none" dirty="0" err="1">
+                <a:solidFill>
+                  <a:srgbClr val="FF66FF"/>
+                </a:solidFill>
+                <a:latin typeface="Courier New"/>
+                <a:ea typeface="Courier New"/>
+                <a:cs typeface="Courier New"/>
+                <a:sym typeface="Courier New"/>
+              </a:rPr>
+              <a:t>attribute</a:t>
+            </a:r>
+            <a:r>
+              <a:rPr lang="es-419" sz="3000" b="1" i="0" u="none" strike="noStrike" cap="none" dirty="0">
+                <a:solidFill>
+                  <a:srgbClr val="FF66FF"/>
+                </a:solidFill>
+                <a:latin typeface="Courier New"/>
+                <a:ea typeface="Courier New"/>
+                <a:cs typeface="Courier New"/>
+                <a:sym typeface="Courier New"/>
+              </a:rPr>
+              <a:t> '</a:t>
+            </a:r>
+            <a:r>
+              <a:rPr lang="es-419" sz="3000" b="1" i="0" u="none" strike="noStrike" cap="none" dirty="0" err="1">
+                <a:solidFill>
+                  <a:srgbClr val="FF66FF"/>
+                </a:solidFill>
+                <a:latin typeface="Courier New"/>
+                <a:ea typeface="Courier New"/>
+                <a:cs typeface="Courier New"/>
+                <a:sym typeface="Courier New"/>
+              </a:rPr>
+              <a:t>sort</a:t>
+            </a:r>
+            <a:r>
+              <a:rPr lang="es-419" sz="3000" b="1" i="0" u="none" strike="noStrike" cap="none" dirty="0">
+                <a:solidFill>
+                  <a:srgbClr val="FF66FF"/>
+                </a:solidFill>
+                <a:latin typeface="Courier New"/>
+                <a:ea typeface="Courier New"/>
+                <a:cs typeface="Courier New"/>
+                <a:sym typeface="Courier New"/>
+              </a:rPr>
+              <a:t>'</a:t>
             </a:r>
           </a:p>
           <a:p>
@@ -13766,7 +13803,7 @@
               <a:buNone/>
             </a:pPr>
             <a:r>
-              <a:rPr lang="en-US" sz="3000" b="1" i="0" u="none" strike="noStrike" cap="none" dirty="0">
+              <a:rPr lang="es-419" sz="3000" b="1" i="0" u="none" strike="noStrike" cap="none" dirty="0">
                 <a:solidFill>
                   <a:schemeClr val="lt1"/>
                 </a:solidFill>
@@ -13778,7 +13815,7 @@
               <a:t>&gt;&gt;&gt; </a:t>
             </a:r>
             <a:r>
-              <a:rPr lang="en-US" sz="3000" b="1" i="0" u="none" strike="noStrike" cap="none" dirty="0" err="1">
+              <a:rPr lang="es-419" sz="3000" b="1" i="0" u="none" strike="noStrike" cap="none" dirty="0" err="1">
                 <a:solidFill>
                   <a:srgbClr val="00FF00"/>
                 </a:solidFill>
@@ -13790,7 +13827,7 @@
               <a:t>x</a:t>
             </a:r>
             <a:r>
-              <a:rPr lang="en-US" sz="3000" b="1" i="0" u="none" strike="noStrike" cap="none" dirty="0" err="1">
+              <a:rPr lang="es-419" sz="3000" b="1" i="0" u="none" strike="noStrike" cap="none" dirty="0" err="1">
                 <a:solidFill>
                   <a:srgbClr val="FF00FF"/>
                 </a:solidFill>
@@ -13802,7 +13839,7 @@
               <a:t>.append</a:t>
             </a:r>
             <a:r>
-              <a:rPr lang="en-US" sz="3000" b="1" i="0" u="none" strike="noStrike" cap="none" dirty="0">
+              <a:rPr lang="es-419" sz="3000" b="1" i="0" u="none" strike="noStrike" cap="none" dirty="0">
                 <a:solidFill>
                   <a:schemeClr val="lt1"/>
                 </a:solidFill>
@@ -13833,7 +13870,7 @@
               <a:buNone/>
             </a:pPr>
             <a:r>
-              <a:rPr lang="en-US" sz="3000" b="1" i="0" u="none" strike="noStrike" cap="none" dirty="0" err="1">
+              <a:rPr lang="es-419" sz="3000" b="1" i="0" u="none" strike="noStrike" cap="none" dirty="0" err="1">
                 <a:solidFill>
                   <a:srgbClr val="FF66FF"/>
                 </a:solidFill>
@@ -13845,7 +13882,7 @@
               <a:t>Traceback</a:t>
             </a:r>
             <a:r>
-              <a:rPr lang="en-US" sz="3000" b="1" i="0" u="none" strike="noStrike" cap="none" dirty="0">
+              <a:rPr lang="es-419" sz="3000" b="1" i="0" u="none" strike="noStrike" cap="none" dirty="0">
                 <a:solidFill>
                   <a:srgbClr val="FF66FF"/>
                 </a:solidFill>
@@ -13876,7 +13913,7 @@
               <a:buNone/>
             </a:pPr>
             <a:r>
-              <a:rPr lang="en-US" sz="3000" b="1" i="0" u="none" strike="noStrike" cap="none" dirty="0" err="1">
+              <a:rPr lang="es-419" sz="3000" b="1" i="0" u="none" strike="noStrike" cap="none" dirty="0" err="1">
                 <a:solidFill>
                   <a:srgbClr val="FF66FF"/>
                 </a:solidFill>
@@ -13888,7 +13925,7 @@
               <a:t>AttributeError</a:t>
             </a:r>
             <a:r>
-              <a:rPr lang="en-US" sz="3000" b="1" i="0" u="none" strike="noStrike" cap="none" dirty="0">
+              <a:rPr lang="es-419" sz="3000" b="1" i="0" u="none" strike="noStrike" cap="none" dirty="0">
                 <a:solidFill>
                   <a:srgbClr val="FF66FF"/>
                 </a:solidFill>
@@ -13897,7 +13934,103 @@
                 <a:cs typeface="Courier New"/>
                 <a:sym typeface="Courier New"/>
               </a:rPr>
-              <a:t>: 'tuple' object has no attribute 'append'</a:t>
+              <a:t>: '</a:t>
+            </a:r>
+            <a:r>
+              <a:rPr lang="es-419" sz="3000" b="1" i="0" u="none" strike="noStrike" cap="none" dirty="0" err="1">
+                <a:solidFill>
+                  <a:srgbClr val="FF66FF"/>
+                </a:solidFill>
+                <a:latin typeface="Courier New"/>
+                <a:ea typeface="Courier New"/>
+                <a:cs typeface="Courier New"/>
+                <a:sym typeface="Courier New"/>
+              </a:rPr>
+              <a:t>tuple</a:t>
+            </a:r>
+            <a:r>
+              <a:rPr lang="es-419" sz="3000" b="1" i="0" u="none" strike="noStrike" cap="none" dirty="0">
+                <a:solidFill>
+                  <a:srgbClr val="FF66FF"/>
+                </a:solidFill>
+                <a:latin typeface="Courier New"/>
+                <a:ea typeface="Courier New"/>
+                <a:cs typeface="Courier New"/>
+                <a:sym typeface="Courier New"/>
+              </a:rPr>
+              <a:t>' </a:t>
+            </a:r>
+            <a:r>
+              <a:rPr lang="es-419" sz="3000" b="1" i="0" u="none" strike="noStrike" cap="none" dirty="0" err="1">
+                <a:solidFill>
+                  <a:srgbClr val="FF66FF"/>
+                </a:solidFill>
+                <a:latin typeface="Courier New"/>
+                <a:ea typeface="Courier New"/>
+                <a:cs typeface="Courier New"/>
+                <a:sym typeface="Courier New"/>
+              </a:rPr>
+              <a:t>object</a:t>
+            </a:r>
+            <a:r>
+              <a:rPr lang="es-419" sz="3000" b="1" i="0" u="none" strike="noStrike" cap="none" dirty="0">
+                <a:solidFill>
+                  <a:srgbClr val="FF66FF"/>
+                </a:solidFill>
+                <a:latin typeface="Courier New"/>
+                <a:ea typeface="Courier New"/>
+                <a:cs typeface="Courier New"/>
+                <a:sym typeface="Courier New"/>
+              </a:rPr>
+              <a:t> has no </a:t>
+            </a:r>
+            <a:r>
+              <a:rPr lang="es-419" sz="3000" b="1" i="0" u="none" strike="noStrike" cap="none" dirty="0" err="1">
+                <a:solidFill>
+                  <a:srgbClr val="FF66FF"/>
+                </a:solidFill>
+                <a:latin typeface="Courier New"/>
+                <a:ea typeface="Courier New"/>
+                <a:cs typeface="Courier New"/>
+                <a:sym typeface="Courier New"/>
+              </a:rPr>
+              <a:t>attribute</a:t>
+            </a:r>
+            <a:r>
+              <a:rPr lang="es-419" sz="3000" b="1" i="0" u="none" strike="noStrike" cap="none" dirty="0">
+                <a:solidFill>
+                  <a:srgbClr val="FF66FF"/>
+                </a:solidFill>
+                <a:latin typeface="Courier New"/>
+                <a:ea typeface="Courier New"/>
+                <a:cs typeface="Courier New"/>
+                <a:sym typeface="Courier New"/>
+              </a:rPr>
+              <a:t> '</a:t>
+            </a:r>
+            <a:r>
+              <a:rPr lang="es-419" sz="3000" b="1" i="0" u="none" strike="noStrike" cap="none" dirty="0" err="1">
+                <a:solidFill>
+                  <a:srgbClr val="FF66FF"/>
+                </a:solidFill>
+                <a:latin typeface="Courier New"/>
+                <a:ea typeface="Courier New"/>
+                <a:cs typeface="Courier New"/>
+                <a:sym typeface="Courier New"/>
+              </a:rPr>
+              <a:t>append</a:t>
+            </a:r>
+            <a:r>
+              <a:rPr lang="es-419" sz="3000" b="1" i="0" u="none" strike="noStrike" cap="none" dirty="0">
+                <a:solidFill>
+                  <a:srgbClr val="FF66FF"/>
+                </a:solidFill>
+                <a:latin typeface="Courier New"/>
+                <a:ea typeface="Courier New"/>
+                <a:cs typeface="Courier New"/>
+                <a:sym typeface="Courier New"/>
+              </a:rPr>
+              <a:t>'</a:t>
             </a:r>
           </a:p>
           <a:p>
@@ -13919,7 +14052,7 @@
               <a:buNone/>
             </a:pPr>
             <a:r>
-              <a:rPr lang="en-US" sz="3000" b="1" i="0" u="none" strike="noStrike" cap="none" dirty="0">
+              <a:rPr lang="es-419" sz="3000" b="1" i="0" u="none" strike="noStrike" cap="none" dirty="0">
                 <a:solidFill>
                   <a:schemeClr val="lt1"/>
                 </a:solidFill>
@@ -13931,7 +14064,7 @@
               <a:t>&gt;&gt;&gt; </a:t>
             </a:r>
             <a:r>
-              <a:rPr lang="en-US" sz="3000" b="1" i="0" u="none" strike="noStrike" cap="none" dirty="0" err="1">
+              <a:rPr lang="es-419" sz="3000" b="1" i="0" u="none" strike="noStrike" cap="none" dirty="0" err="1">
                 <a:solidFill>
                   <a:srgbClr val="00FF00"/>
                 </a:solidFill>
@@ -13943,7 +14076,7 @@
               <a:t>x</a:t>
             </a:r>
             <a:r>
-              <a:rPr lang="en-US" sz="3000" b="1" i="0" u="none" strike="noStrike" cap="none" dirty="0" err="1">
+              <a:rPr lang="es-419" sz="3000" b="1" i="0" u="none" strike="noStrike" cap="none" dirty="0" err="1">
                 <a:solidFill>
                   <a:srgbClr val="FF00FF"/>
                 </a:solidFill>
@@ -13955,7 +14088,7 @@
               <a:t>.reverse</a:t>
             </a:r>
             <a:r>
-              <a:rPr lang="en-US" sz="3000" b="1" i="0" u="none" strike="noStrike" cap="none" dirty="0">
+              <a:rPr lang="es-419" sz="3000" b="1" i="0" u="none" strike="noStrike" cap="none" dirty="0">
                 <a:solidFill>
                   <a:schemeClr val="lt1"/>
                 </a:solidFill>
@@ -13986,7 +14119,7 @@
               <a:buNone/>
             </a:pPr>
             <a:r>
-              <a:rPr lang="en-US" sz="3000" b="1" i="0" u="none" strike="noStrike" cap="none" dirty="0" err="1">
+              <a:rPr lang="es-419" sz="3000" b="1" i="0" u="none" strike="noStrike" cap="none" dirty="0" err="1">
                 <a:solidFill>
                   <a:srgbClr val="FF66FF"/>
                 </a:solidFill>
@@ -13998,7 +14131,7 @@
               <a:t>Traceback</a:t>
             </a:r>
             <a:r>
-              <a:rPr lang="en-US" sz="3000" b="1" i="0" u="none" strike="noStrike" cap="none" dirty="0">
+              <a:rPr lang="es-419" sz="3000" b="1" i="0" u="none" strike="noStrike" cap="none" dirty="0">
                 <a:solidFill>
                   <a:srgbClr val="FF66FF"/>
                 </a:solidFill>
@@ -14029,7 +14162,7 @@
               <a:buNone/>
             </a:pPr>
             <a:r>
-              <a:rPr lang="en-US" sz="3000" b="1" i="0" u="none" strike="noStrike" cap="none" dirty="0" err="1">
+              <a:rPr lang="es-419" sz="3000" b="1" i="0" u="none" strike="noStrike" cap="none" dirty="0" err="1">
                 <a:solidFill>
                   <a:srgbClr val="FF66FF"/>
                 </a:solidFill>
@@ -14041,7 +14174,7 @@
               <a:t>AttributeError</a:t>
             </a:r>
             <a:r>
-              <a:rPr lang="en-US" sz="3000" b="1" i="0" u="none" strike="noStrike" cap="none" dirty="0">
+              <a:rPr lang="es-419" sz="3000" b="1" i="0" u="none" strike="noStrike" cap="none" dirty="0">
                 <a:solidFill>
                   <a:srgbClr val="FF66FF"/>
                 </a:solidFill>
@@ -14050,7 +14183,79 @@
                 <a:cs typeface="Courier New"/>
                 <a:sym typeface="Courier New"/>
               </a:rPr>
-              <a:t>: 'tuple' object has no attribute 'reverse'</a:t>
+              <a:t>: '</a:t>
+            </a:r>
+            <a:r>
+              <a:rPr lang="es-419" sz="3000" b="1" i="0" u="none" strike="noStrike" cap="none" dirty="0" err="1">
+                <a:solidFill>
+                  <a:srgbClr val="FF66FF"/>
+                </a:solidFill>
+                <a:latin typeface="Courier New"/>
+                <a:ea typeface="Courier New"/>
+                <a:cs typeface="Courier New"/>
+                <a:sym typeface="Courier New"/>
+              </a:rPr>
+              <a:t>tuple</a:t>
+            </a:r>
+            <a:r>
+              <a:rPr lang="es-419" sz="3000" b="1" i="0" u="none" strike="noStrike" cap="none" dirty="0">
+                <a:solidFill>
+                  <a:srgbClr val="FF66FF"/>
+                </a:solidFill>
+                <a:latin typeface="Courier New"/>
+                <a:ea typeface="Courier New"/>
+                <a:cs typeface="Courier New"/>
+                <a:sym typeface="Courier New"/>
+              </a:rPr>
+              <a:t>' </a:t>
+            </a:r>
+            <a:r>
+              <a:rPr lang="es-419" sz="3000" b="1" i="0" u="none" strike="noStrike" cap="none" dirty="0" err="1">
+                <a:solidFill>
+                  <a:srgbClr val="FF66FF"/>
+                </a:solidFill>
+                <a:latin typeface="Courier New"/>
+                <a:ea typeface="Courier New"/>
+                <a:cs typeface="Courier New"/>
+                <a:sym typeface="Courier New"/>
+              </a:rPr>
+              <a:t>object</a:t>
+            </a:r>
+            <a:r>
+              <a:rPr lang="es-419" sz="3000" b="1" i="0" u="none" strike="noStrike" cap="none" dirty="0">
+                <a:solidFill>
+                  <a:srgbClr val="FF66FF"/>
+                </a:solidFill>
+                <a:latin typeface="Courier New"/>
+                <a:ea typeface="Courier New"/>
+                <a:cs typeface="Courier New"/>
+                <a:sym typeface="Courier New"/>
+              </a:rPr>
+              <a:t> has no </a:t>
+            </a:r>
+            <a:r>
+              <a:rPr lang="es-419" sz="3000" b="1" i="0" u="none" strike="noStrike" cap="none" dirty="0" err="1">
+                <a:solidFill>
+                  <a:srgbClr val="FF66FF"/>
+                </a:solidFill>
+                <a:latin typeface="Courier New"/>
+                <a:ea typeface="Courier New"/>
+                <a:cs typeface="Courier New"/>
+                <a:sym typeface="Courier New"/>
+              </a:rPr>
+              <a:t>attribute</a:t>
+            </a:r>
+            <a:r>
+              <a:rPr lang="es-419" sz="3000" b="1" i="0" u="none" strike="noStrike" cap="none" dirty="0">
+                <a:solidFill>
+                  <a:srgbClr val="FF66FF"/>
+                </a:solidFill>
+                <a:latin typeface="Courier New"/>
+                <a:ea typeface="Courier New"/>
+                <a:cs typeface="Courier New"/>
+                <a:sym typeface="Courier New"/>
+              </a:rPr>
+              <a:t> 'reverse'</a:t>
             </a:r>
           </a:p>
           <a:p>
@@ -14072,7 +14277,7 @@
               <a:buNone/>
             </a:pPr>
             <a:r>
-              <a:rPr lang="en-US" sz="3000" b="1" i="0" u="none" strike="noStrike" cap="none" dirty="0">
+              <a:rPr lang="es-419" sz="3000" b="1" i="0" u="none" strike="noStrike" cap="none" dirty="0">
                 <a:solidFill>
                   <a:schemeClr val="lt1"/>
                 </a:solidFill>
@@ -14123,8 +14328,8 @@
         </p:nvSpPr>
         <p:spPr>
           <a:xfrm>
-            <a:off x="812800" y="942899"/>
-            <a:ext cx="14630400" cy="1226172"/>
+            <a:off x="0" y="942899"/>
+            <a:ext cx="16256000" cy="1226172"/>
           </a:xfrm>
           <a:prstGeom prst="rect">
             <a:avLst/>
@@ -14158,7 +14363,7 @@
               <a:buNone/>
             </a:pPr>
             <a:r>
-              <a:rPr lang="en-US" sz="7800" u="none" strike="noStrike" cap="none">
+              <a:rPr lang="es-419" sz="7800" dirty="0">
                 <a:solidFill>
                   <a:srgbClr val="FFFF00"/>
                 </a:solidFill>
@@ -14167,8 +14372,17 @@
                 <a:cs typeface="Arial" charset="0"/>
                 <a:sym typeface="Cabin"/>
               </a:rPr>
-              <a:t>A Tale of  Two Sequences</a:t>
-            </a:r>
+              <a:t>Un Cuento sobre Dos Secuencias</a:t>
+            </a:r>
+            <a:endParaRPr lang="es-419" sz="7800" u="none" strike="noStrike" cap="none" dirty="0">
+              <a:solidFill>
+                <a:srgbClr val="FFFF00"/>
+              </a:solidFill>
+              <a:latin typeface="Arial" charset="0"/>
+              <a:ea typeface="Arial" charset="0"/>
+              <a:cs typeface="Arial" charset="0"/>
+              <a:sym typeface="Cabin"/>
+            </a:endParaRPr>
           </a:p>
         </p:txBody>
       </p:sp>
@@ -14215,7 +14429,7 @@
               <a:buNone/>
             </a:pPr>
             <a:r>
-              <a:rPr lang="en-US" sz="3000" b="1" i="0" u="none" strike="noStrike" cap="none" dirty="0">
+              <a:rPr lang="es-419" sz="3000" b="1" i="0" u="none" strike="noStrike" cap="none">
                 <a:solidFill>
                   <a:schemeClr val="lt1"/>
                 </a:solidFill>
@@ -14227,7 +14441,7 @@
               <a:t>&gt;&gt;&gt; </a:t>
             </a:r>
             <a:r>
-              <a:rPr lang="en-US" sz="3000" b="1" i="0" u="none" strike="noStrike" cap="none" dirty="0">
+              <a:rPr lang="es-419" sz="3000" b="1" i="0" u="none" strike="noStrike" cap="none">
                 <a:solidFill>
                   <a:srgbClr val="00FF00"/>
                 </a:solidFill>
@@ -14239,7 +14453,7 @@
               <a:t>l</a:t>
             </a:r>
             <a:r>
-              <a:rPr lang="en-US" sz="3000" b="1" i="0" u="none" strike="noStrike" cap="none" dirty="0">
+              <a:rPr lang="es-419" sz="3000" b="1" i="0" u="none" strike="noStrike" cap="none">
                 <a:solidFill>
                   <a:schemeClr val="lt1"/>
                 </a:solidFill>
@@ -14251,7 +14465,7 @@
               <a:t> = </a:t>
             </a:r>
             <a:r>
-              <a:rPr lang="en-US" sz="3000" b="1" i="0" u="none" strike="noStrike" cap="none" dirty="0">
+              <a:rPr lang="es-419" sz="3000" b="1" i="0" u="none" strike="noStrike" cap="none">
                 <a:solidFill>
                   <a:srgbClr val="FF00FF"/>
                 </a:solidFill>
@@ -14263,7 +14477,7 @@
               <a:t>list</a:t>
             </a:r>
             <a:r>
-              <a:rPr lang="en-US" sz="3000" b="1" i="0" u="none" strike="noStrike" cap="none" dirty="0">
+              <a:rPr lang="es-419" sz="3000" b="1" i="0" u="none" strike="noStrike" cap="none">
                 <a:solidFill>
                   <a:schemeClr val="lt1"/>
                 </a:solidFill>
@@ -14294,7 +14508,7 @@
               <a:buNone/>
             </a:pPr>
             <a:r>
-              <a:rPr lang="en-US" sz="3000" b="1" i="0" u="none" strike="noStrike" cap="none" dirty="0">
+              <a:rPr lang="es-419" sz="3000" b="1" i="0" u="none" strike="noStrike" cap="none">
                 <a:solidFill>
                   <a:schemeClr val="lt1"/>
                 </a:solidFill>
@@ -14306,7 +14520,7 @@
               <a:t>&gt;&gt;&gt; </a:t>
             </a:r>
             <a:r>
-              <a:rPr lang="en-US" sz="3000" b="1" i="0" u="none" strike="noStrike" cap="none" dirty="0" err="1">
+              <a:rPr lang="es-419" sz="3000" b="1" i="0" u="none" strike="noStrike" cap="none">
                 <a:solidFill>
                   <a:srgbClr val="FF00FF"/>
                 </a:solidFill>
@@ -14318,7 +14532,7 @@
               <a:t>dir</a:t>
             </a:r>
             <a:r>
-              <a:rPr lang="en-US" sz="3000" b="1" i="0" u="none" strike="noStrike" cap="none" dirty="0">
+              <a:rPr lang="es-419" sz="3000" b="1" i="0" u="none" strike="noStrike" cap="none">
                 <a:solidFill>
                   <a:schemeClr val="lt1"/>
                 </a:solidFill>
@@ -14330,7 +14544,7 @@
               <a:t>(</a:t>
             </a:r>
             <a:r>
-              <a:rPr lang="en-US" sz="3000" b="1" i="0" u="none" strike="noStrike" cap="none" dirty="0">
+              <a:rPr lang="es-419" sz="3000" b="1" i="0" u="none" strike="noStrike" cap="none">
                 <a:solidFill>
                   <a:srgbClr val="00FF00"/>
                 </a:solidFill>
@@ -14342,7 +14556,7 @@
               <a:t>l</a:t>
             </a:r>
             <a:r>
-              <a:rPr lang="en-US" sz="3000" b="1" i="0" u="none" strike="noStrike" cap="none" dirty="0">
+              <a:rPr lang="es-419" sz="3000" b="1" i="0" u="none" strike="noStrike" cap="none">
                 <a:solidFill>
                   <a:schemeClr val="lt1"/>
                 </a:solidFill>
@@ -14373,7 +14587,7 @@
               <a:buNone/>
             </a:pPr>
             <a:r>
-              <a:rPr lang="en-US" sz="3000" b="1" i="0" u="none" strike="noStrike" cap="none" dirty="0">
+              <a:rPr lang="es-419" sz="3000" b="1" i="0" u="none" strike="noStrike" cap="none">
                 <a:solidFill>
                   <a:schemeClr val="lt1"/>
                 </a:solidFill>
@@ -14402,7 +14616,7 @@
               <a:buFont typeface="Arial"/>
               <a:buNone/>
             </a:pPr>
-            <a:endParaRPr sz="3000" b="1" i="0" u="none" strike="noStrike" cap="none" dirty="0">
+            <a:endParaRPr lang="es-419" sz="3000" b="1" i="0" u="none" strike="noStrike" cap="none">
               <a:solidFill>
                 <a:schemeClr val="lt1"/>
               </a:solidFill>
@@ -14431,7 +14645,7 @@
               <a:buNone/>
             </a:pPr>
             <a:r>
-              <a:rPr lang="en-US" sz="3000" b="1" i="0" u="none" strike="noStrike" cap="none" dirty="0">
+              <a:rPr lang="es-419" sz="3000" b="1" i="0" u="none" strike="noStrike" cap="none">
                 <a:solidFill>
                   <a:schemeClr val="lt1"/>
                 </a:solidFill>
@@ -14443,7 +14657,7 @@
               <a:t>&gt;&gt;&gt; </a:t>
             </a:r>
             <a:r>
-              <a:rPr lang="en-US" sz="3000" b="1" i="0" u="none" strike="noStrike" cap="none" dirty="0">
+              <a:rPr lang="es-419" sz="3000" b="1" i="0" u="none" strike="noStrike" cap="none">
                 <a:solidFill>
                   <a:srgbClr val="00FF00"/>
                 </a:solidFill>
@@ -14455,7 +14669,7 @@
               <a:t>t</a:t>
             </a:r>
             <a:r>
-              <a:rPr lang="en-US" sz="3000" b="1" i="0" u="none" strike="noStrike" cap="none" dirty="0">
+              <a:rPr lang="es-419" sz="3000" b="1" i="0" u="none" strike="noStrike" cap="none">
                 <a:solidFill>
                   <a:schemeClr val="lt1"/>
                 </a:solidFill>
@@ -14467,7 +14681,7 @@
               <a:t> = </a:t>
             </a:r>
             <a:r>
-              <a:rPr lang="en-US" sz="3000" b="1" i="0" u="none" strike="noStrike" cap="none" dirty="0">
+              <a:rPr lang="es-419" sz="3000" b="1" i="0" u="none" strike="noStrike" cap="none">
                 <a:solidFill>
                   <a:srgbClr val="FF00FF"/>
                 </a:solidFill>
@@ -14479,7 +14693,7 @@
               <a:t>tuple</a:t>
             </a:r>
             <a:r>
-              <a:rPr lang="en-US" sz="3000" b="1" i="0" u="none" strike="noStrike" cap="none" dirty="0">
+              <a:rPr lang="es-419" sz="3000" b="1" i="0" u="none" strike="noStrike" cap="none">
                 <a:solidFill>
                   <a:schemeClr val="lt1"/>
                 </a:solidFill>
@@ -14510,7 +14724,7 @@
               <a:buNone/>
             </a:pPr>
             <a:r>
-              <a:rPr lang="en-US" sz="3000" b="1" i="0" u="none" strike="noStrike" cap="none" dirty="0">
+              <a:rPr lang="es-419" sz="3000" b="1" i="0" u="none" strike="noStrike" cap="none">
                 <a:solidFill>
                   <a:schemeClr val="lt1"/>
                 </a:solidFill>
@@ -14522,7 +14736,7 @@
               <a:t>&gt;&gt;&gt; </a:t>
             </a:r>
             <a:r>
-              <a:rPr lang="en-US" sz="3000" b="1" i="0" u="none" strike="noStrike" cap="none" dirty="0" err="1">
+              <a:rPr lang="es-419" sz="3000" b="1" i="0" u="none" strike="noStrike" cap="none">
                 <a:solidFill>
                   <a:srgbClr val="FF00FF"/>
                 </a:solidFill>
@@ -14534,7 +14748,7 @@
               <a:t>dir</a:t>
             </a:r>
             <a:r>
-              <a:rPr lang="en-US" sz="3000" b="1" i="0" u="none" strike="noStrike" cap="none" dirty="0">
+              <a:rPr lang="es-419" sz="3000" b="1" i="0" u="none" strike="noStrike" cap="none">
                 <a:solidFill>
                   <a:schemeClr val="lt1"/>
                 </a:solidFill>
@@ -14546,7 +14760,7 @@
               <a:t>(</a:t>
             </a:r>
             <a:r>
-              <a:rPr lang="en-US" sz="3000" b="1" i="0" u="none" strike="noStrike" cap="none" dirty="0">
+              <a:rPr lang="es-419" sz="3000" b="1" i="0" u="none" strike="noStrike" cap="none">
                 <a:solidFill>
                   <a:srgbClr val="00FF00"/>
                 </a:solidFill>
@@ -14558,7 +14772,7 @@
               <a:t>t</a:t>
             </a:r>
             <a:r>
-              <a:rPr lang="en-US" sz="3000" b="1" i="0" u="none" strike="noStrike" cap="none" dirty="0">
+              <a:rPr lang="es-419" sz="3000" b="1" i="0" u="none" strike="noStrike" cap="none">
                 <a:solidFill>
                   <a:schemeClr val="lt1"/>
                 </a:solidFill>
@@ -14589,7 +14803,7 @@
               <a:buNone/>
             </a:pPr>
             <a:r>
-              <a:rPr lang="en-US" sz="3000" b="1" i="0" u="none" strike="noStrike" cap="none" dirty="0">
+              <a:rPr lang="es-419" sz="3000" b="1" i="0" u="none" strike="noStrike" cap="none">
                 <a:solidFill>
                   <a:schemeClr val="lt1"/>
                 </a:solidFill>
@@ -14663,7 +14877,7 @@
               <a:buSzPct val="25000"/>
             </a:pPr>
             <a:r>
-              <a:rPr lang="en-US" sz="7800" dirty="0">
+              <a:rPr lang="es-419" sz="7800" dirty="0">
                 <a:solidFill>
                   <a:srgbClr val="FFFF00"/>
                 </a:solidFill>
@@ -14672,9 +14886,33 @@
                 <a:cs typeface="Arial" charset="0"/>
                 <a:sym typeface="Cabin"/>
               </a:rPr>
-              <a:t>Tuples Are More Efficient</a:t>
-            </a:r>
-            <a:endParaRPr lang="en-US" sz="7800" u="none" strike="noStrike" cap="none" dirty="0">
+              <a:t>Las Tuplas Son M</a:t>
+            </a:r>
+            <a:r>
+              <a:rPr lang="es-MX" sz="7800" dirty="0" err="1">
+                <a:solidFill>
+                  <a:srgbClr val="FFFF00"/>
+                </a:solidFill>
+                <a:latin typeface="Arial" charset="0"/>
+                <a:ea typeface="Arial" charset="0"/>
+                <a:cs typeface="Arial" charset="0"/>
+                <a:sym typeface="Cabin"/>
+              </a:rPr>
+              <a:t>ás</a:t>
+            </a:r>
+            <a:r>
+              <a:rPr lang="es-MX" sz="7800" dirty="0">
+                <a:solidFill>
+                  <a:srgbClr val="FFFF00"/>
+                </a:solidFill>
+                <a:latin typeface="Arial" charset="0"/>
+                <a:ea typeface="Arial" charset="0"/>
+                <a:cs typeface="Arial" charset="0"/>
+                <a:sym typeface="Cabin"/>
+              </a:rPr>
+              <a:t> Eficientes</a:t>
+            </a:r>
+            <a:endParaRPr lang="es-419" sz="7800" u="none" strike="noStrike" cap="none" dirty="0">
               <a:solidFill>
                 <a:srgbClr val="FFFF00"/>
               </a:solidFill>
@@ -14698,7 +14936,7 @@
         </p:nvSpPr>
         <p:spPr>
           <a:xfrm>
-            <a:off x="1155700" y="1560763"/>
+            <a:off x="1162000" y="2324851"/>
             <a:ext cx="13932000" cy="4931562"/>
           </a:xfrm>
           <a:prstGeom prst="rect">
@@ -14733,7 +14971,7 @@
               <a:buChar char="•"/>
             </a:pPr>
             <a:r>
-              <a:rPr lang="en-US" sz="3600" b="0" u="none" strike="noStrike" cap="none" dirty="0">
+              <a:rPr lang="es-419" sz="3600" b="0" u="none" strike="noStrike" cap="none" dirty="0">
                 <a:solidFill>
                   <a:schemeClr val="lt1"/>
                 </a:solidFill>
@@ -14742,7 +14980,7 @@
                 <a:cs typeface="Arial" charset="0"/>
                 <a:sym typeface="Cabin"/>
               </a:rPr>
-              <a:t>Since Python does not have to build tuple structures to be modifiable, they are simpler and more efficient in terms of memory use and performance than lists</a:t>
+              <a:t>Puesto que Python no tiene que construir la estructura de una tupla de modo que sea modificable, las tuplas son más simples y eficientes, en términos de uso de memoria y desempeño, que una lista</a:t>
             </a:r>
           </a:p>
           <a:p>
@@ -14751,7 +14989,7 @@
                 <a:spcPct val="100000"/>
               </a:lnSpc>
               <a:spcBef>
-                <a:spcPts val="2300"/>
+                <a:spcPts val="0"/>
               </a:spcBef>
               <a:spcAft>
                 <a:spcPts val="0"/>
@@ -14763,8 +15001,36 @@
               <a:buFont typeface="Cabin"/>
               <a:buChar char="•"/>
             </a:pPr>
-            <a:r>
-              <a:rPr lang="en-US" sz="3600" b="0" u="none" strike="noStrike" cap="none" dirty="0">
+            <a:endParaRPr lang="es-419" sz="3600" b="0" dirty="0">
+              <a:solidFill>
+                <a:schemeClr val="lt1"/>
+              </a:solidFill>
+              <a:latin typeface="Arial" charset="0"/>
+              <a:ea typeface="Arial" charset="0"/>
+              <a:cs typeface="Arial" charset="0"/>
+              <a:sym typeface="Cabin"/>
+            </a:endParaRPr>
+          </a:p>
+          <a:p>
+            <a:pPr marL="1104900" marR="0" lvl="0" indent="-609600" algn="l" rtl="0">
+              <a:lnSpc>
+                <a:spcPct val="100000"/>
+              </a:lnSpc>
+              <a:spcBef>
+                <a:spcPts val="0"/>
+              </a:spcBef>
+              <a:spcAft>
+                <a:spcPts val="0"/>
+              </a:spcAft>
+              <a:buClr>
+                <a:schemeClr val="lt1"/>
+              </a:buClr>
+              <a:buSzPct val="100000"/>
+              <a:buFont typeface="Cabin"/>
+              <a:buChar char="•"/>
+            </a:pPr>
+            <a:r>
+              <a:rPr lang="es-419" sz="3600" b="0" u="none" strike="noStrike" cap="none" dirty="0">
                 <a:solidFill>
                   <a:schemeClr val="lt1"/>
                 </a:solidFill>
@@ -14773,7 +15039,7 @@
                 <a:cs typeface="Arial" charset="0"/>
                 <a:sym typeface="Cabin"/>
               </a:rPr>
-              <a:t>So in our program when we are making “temporary variables” we prefer tuples over lists</a:t>
+              <a:t>Así que en nuestros programas, cuando creamos “variables temporales”, preferimos tuplas en vez de listas</a:t>
             </a:r>
           </a:p>
         </p:txBody>
@@ -14846,7 +15112,7 @@
               <a:buNone/>
             </a:pPr>
             <a:r>
-              <a:rPr lang="en-US" sz="7800" u="none" strike="noStrike" cap="none">
+              <a:rPr lang="es-419" sz="7800" u="none" strike="noStrike" cap="none" dirty="0">
                 <a:solidFill>
                   <a:srgbClr val="FFFF00"/>
                 </a:solidFill>
@@ -14855,8 +15121,29 @@
                 <a:cs typeface="Arial" charset="0"/>
                 <a:sym typeface="Cabin"/>
               </a:rPr>
-              <a:t>Tuples and Assignment</a:t>
-            </a:r>
+              <a:t>Tuplas </a:t>
+            </a:r>
+            <a:r>
+              <a:rPr lang="es-419" sz="7800" dirty="0">
+                <a:solidFill>
+                  <a:srgbClr val="FFFF00"/>
+                </a:solidFill>
+                <a:latin typeface="Arial" charset="0"/>
+                <a:ea typeface="Arial" charset="0"/>
+                <a:cs typeface="Arial" charset="0"/>
+                <a:sym typeface="Cabin"/>
+              </a:rPr>
+              <a:t>y Asignaciones</a:t>
+            </a:r>
+            <a:endParaRPr lang="es-419" sz="7800" u="none" strike="noStrike" cap="none" dirty="0">
+              <a:solidFill>
+                <a:srgbClr val="FFFF00"/>
+              </a:solidFill>
+              <a:latin typeface="Arial" charset="0"/>
+              <a:ea typeface="Arial" charset="0"/>
+              <a:cs typeface="Arial" charset="0"/>
+              <a:sym typeface="Cabin"/>
+            </a:endParaRPr>
           </a:p>
         </p:txBody>
       </p:sp>
@@ -14907,7 +15194,7 @@
               <a:buChar char="•"/>
             </a:pPr>
             <a:r>
-              <a:rPr lang="en-US" sz="3400" b="0" u="none" strike="noStrike" cap="none" dirty="0">
+              <a:rPr lang="es-419" sz="3400" b="0" u="none" strike="noStrike" cap="none" dirty="0">
                 <a:solidFill>
                   <a:schemeClr val="lt1"/>
                 </a:solidFill>
@@ -14916,10 +15203,10 @@
                 <a:cs typeface="Arial" charset="0"/>
                 <a:sym typeface="Cabin"/>
               </a:rPr>
-              <a:t>We can also put a </a:t>
-            </a:r>
-            <a:r>
-              <a:rPr lang="en-US" sz="3400" b="0" u="none" strike="noStrike" cap="none" dirty="0">
+              <a:t>También podemos poner una </a:t>
+            </a:r>
+            <a:r>
+              <a:rPr lang="es-419" sz="3400" b="0" u="none" strike="noStrike" cap="none" dirty="0">
                 <a:solidFill>
                   <a:srgbClr val="FF7F00"/>
                 </a:solidFill>
@@ -14928,10 +15215,10 @@
                 <a:cs typeface="Arial" charset="0"/>
                 <a:sym typeface="Cabin"/>
               </a:rPr>
-              <a:t>tuple</a:t>
-            </a:r>
-            <a:r>
-              <a:rPr lang="en-US" sz="3400" b="0" u="none" strike="noStrike" cap="none" dirty="0">
+              <a:t>tupla</a:t>
+            </a:r>
+            <a:r>
+              <a:rPr lang="es-419" sz="3400" b="0" u="none" strike="noStrike" cap="none" dirty="0">
                 <a:solidFill>
                   <a:schemeClr val="lt1"/>
                 </a:solidFill>
@@ -14940,10 +15227,10 @@
                 <a:cs typeface="Arial" charset="0"/>
                 <a:sym typeface="Cabin"/>
               </a:rPr>
-              <a:t> on the </a:t>
-            </a:r>
-            <a:r>
-              <a:rPr lang="en-US" sz="3400" b="0" u="none" strike="noStrike" cap="none" dirty="0">
+              <a:t> en el </a:t>
+            </a:r>
+            <a:r>
+              <a:rPr lang="es-419" sz="3400" b="0" u="none" strike="noStrike" cap="none" dirty="0">
                 <a:solidFill>
                   <a:srgbClr val="00FFFF"/>
                 </a:solidFill>
@@ -14952,20 +15239,41 @@
                 <a:cs typeface="Arial" charset="0"/>
                 <a:sym typeface="Cabin"/>
               </a:rPr>
-              <a:t>left-hand side</a:t>
-            </a:r>
-            <a:r>
-              <a:rPr lang="en-US" sz="3400" b="0" u="none" strike="noStrike" cap="none" dirty="0">
-                <a:solidFill>
-                  <a:schemeClr val="lt1"/>
+              <a:t>lado i</a:t>
+            </a:r>
+            <a:r>
+              <a:rPr lang="es-419" sz="3400" b="0" dirty="0">
+                <a:solidFill>
+                  <a:srgbClr val="00FFFF"/>
                 </a:solidFill>
                 <a:latin typeface="Arial" charset="0"/>
                 <a:ea typeface="Arial" charset="0"/>
                 <a:cs typeface="Arial" charset="0"/>
                 <a:sym typeface="Cabin"/>
               </a:rPr>
-              <a:t> of an assignment statement</a:t>
-            </a:r>
+              <a:t>zquierdo </a:t>
+            </a:r>
+            <a:r>
+              <a:rPr lang="es-419" sz="3400" b="0" dirty="0">
+                <a:solidFill>
+                  <a:schemeClr val="lt1"/>
+                </a:solidFill>
+                <a:latin typeface="Arial" charset="0"/>
+                <a:ea typeface="Arial" charset="0"/>
+                <a:cs typeface="Arial" charset="0"/>
+                <a:sym typeface="Cabin"/>
+              </a:rPr>
+              <a:t>de una sentencia de asignación</a:t>
+            </a:r>
+            <a:endParaRPr lang="es-419" sz="3400" b="0" u="none" strike="noStrike" cap="none" dirty="0">
+              <a:solidFill>
+                <a:schemeClr val="lt1"/>
+              </a:solidFill>
+              <a:latin typeface="Arial" charset="0"/>
+              <a:ea typeface="Arial" charset="0"/>
+              <a:cs typeface="Arial" charset="0"/>
+              <a:sym typeface="Cabin"/>
+            </a:endParaRPr>
           </a:p>
           <a:p>
             <a:pPr marL="1104900" marR="0" lvl="0" indent="-609600" algn="l" rtl="0">
@@ -14986,7 +15294,7 @@
               <a:buChar char="•"/>
             </a:pPr>
             <a:r>
-              <a:rPr lang="en-US" sz="3400" b="0" u="none" strike="noStrike" cap="none" dirty="0">
+              <a:rPr lang="es-419" sz="3400" b="0" u="none" strike="noStrike" cap="none" dirty="0">
                 <a:solidFill>
                   <a:schemeClr val="lt1"/>
                 </a:solidFill>
@@ -14995,7 +15303,7 @@
                 <a:cs typeface="Arial" charset="0"/>
                 <a:sym typeface="Cabin"/>
               </a:rPr>
-              <a:t>We can even omit the parentheses</a:t>
+              <a:t>Incluso podemos omitir los paréntesis</a:t>
             </a:r>
           </a:p>
         </p:txBody>
@@ -15043,7 +15351,7 @@
               <a:buNone/>
             </a:pPr>
             <a:r>
-              <a:rPr lang="en-US" sz="3300" b="1" i="0" u="none" strike="noStrike" cap="none" dirty="0">
+              <a:rPr lang="es-419" sz="3300" b="1" i="0" u="none" strike="noStrike" cap="none">
                 <a:solidFill>
                   <a:schemeClr val="lt1"/>
                 </a:solidFill>
@@ -15055,7 +15363,7 @@
               <a:t>&gt;&gt;&gt; </a:t>
             </a:r>
             <a:r>
-              <a:rPr lang="en-US" sz="3300" b="1" i="0" u="none" strike="noStrike" cap="none" dirty="0">
+              <a:rPr lang="es-419" sz="3300" b="1" i="0" u="none" strike="noStrike" cap="none">
                 <a:solidFill>
                   <a:srgbClr val="FF7F00"/>
                 </a:solidFill>
@@ -15067,7 +15375,7 @@
               <a:t>(x, y)</a:t>
             </a:r>
             <a:r>
-              <a:rPr lang="en-US" sz="3300" b="1" i="0" u="none" strike="noStrike" cap="none" dirty="0">
+              <a:rPr lang="es-419" sz="3300" b="1" i="0" u="none" strike="noStrike" cap="none">
                 <a:solidFill>
                   <a:schemeClr val="lt1"/>
                 </a:solidFill>
@@ -15079,7 +15387,7 @@
               <a:t> = </a:t>
             </a:r>
             <a:r>
-              <a:rPr lang="en-US" sz="3300" b="1" i="0" u="none" strike="noStrike" cap="none" dirty="0">
+              <a:rPr lang="es-419" sz="3300" b="1" i="0" u="none" strike="noStrike" cap="none">
                 <a:solidFill>
                   <a:srgbClr val="FF7F00"/>
                 </a:solidFill>
@@ -15088,31 +15396,7 @@
                 <a:cs typeface="Courier New"/>
                 <a:sym typeface="Courier New"/>
               </a:rPr>
-              <a:t>(4, '</a:t>
-            </a:r>
-            <a:r>
-              <a:rPr lang="en-US" sz="3300" b="1" i="0" u="none" strike="noStrike" cap="none" dirty="0" err="1">
-                <a:solidFill>
-                  <a:srgbClr val="FF7F00"/>
-                </a:solidFill>
-                <a:latin typeface="Courier New"/>
-                <a:ea typeface="Courier New"/>
-                <a:cs typeface="Courier New"/>
-                <a:sym typeface="Courier New"/>
-              </a:rPr>
-              <a:t>fred</a:t>
-            </a:r>
-            <a:r>
-              <a:rPr lang="en-US" sz="3300" b="1" i="0" u="none" strike="noStrike" cap="none" dirty="0">
-                <a:solidFill>
-                  <a:srgbClr val="FF7F00"/>
-                </a:solidFill>
-                <a:latin typeface="Courier New"/>
-                <a:ea typeface="Courier New"/>
-                <a:cs typeface="Courier New"/>
-                <a:sym typeface="Courier New"/>
-              </a:rPr>
-              <a:t>')</a:t>
+              <a:t>(4, 'fred')</a:t>
             </a:r>
           </a:p>
           <a:p>
@@ -15123,7 +15407,7 @@
               <a:buSzPct val="25000"/>
             </a:pPr>
             <a:r>
-              <a:rPr lang="en-US" sz="3300" b="1" i="0" u="none" strike="noStrike" cap="none" dirty="0">
+              <a:rPr lang="es-419" sz="3300" b="1" i="0" u="none" strike="noStrike" cap="none">
                 <a:solidFill>
                   <a:schemeClr val="lt1"/>
                 </a:solidFill>
@@ -15135,7 +15419,7 @@
               <a:t>&gt;&gt;&gt; </a:t>
             </a:r>
             <a:r>
-              <a:rPr lang="en-US" sz="3300" b="1" i="0" u="none" strike="noStrike" cap="none" dirty="0" smtClean="0">
+              <a:rPr lang="es-419" sz="3300" b="1" i="0" u="none" strike="noStrike" cap="none">
                 <a:solidFill>
                   <a:srgbClr val="FFFF00"/>
                 </a:solidFill>
@@ -15147,7 +15431,7 @@
               <a:t>print(</a:t>
             </a:r>
             <a:r>
-              <a:rPr lang="en-US" sz="3300" b="1" i="0" u="none" strike="noStrike" cap="none" dirty="0" smtClean="0">
+              <a:rPr lang="es-419" sz="3300" b="1" i="0" u="none" strike="noStrike" cap="none">
                 <a:solidFill>
                   <a:srgbClr val="00FF00"/>
                 </a:solidFill>
@@ -15159,7 +15443,7 @@
               <a:t>y</a:t>
             </a:r>
             <a:r>
-              <a:rPr lang="en-US" sz="3600" b="1" dirty="0" smtClean="0">
+              <a:rPr lang="es-419" sz="3600" b="1">
                 <a:solidFill>
                   <a:srgbClr val="FFFF00"/>
                 </a:solidFill>
@@ -15170,7 +15454,7 @@
               </a:rPr>
               <a:t>)</a:t>
             </a:r>
-            <a:endParaRPr lang="en-US" sz="3300" b="1" i="0" u="none" strike="noStrike" cap="none" dirty="0">
+            <a:endParaRPr lang="es-419" sz="3300" b="1" i="0" u="none" strike="noStrike" cap="none">
               <a:solidFill>
                 <a:srgbClr val="00FF00"/>
               </a:solidFill>
@@ -15199,7 +15483,7 @@
               <a:buNone/>
             </a:pPr>
             <a:r>
-              <a:rPr lang="en-US" sz="3300" b="1" i="0" u="none" strike="noStrike" cap="none" dirty="0" err="1">
+              <a:rPr lang="es-419" sz="3300" b="1" i="0" u="none" strike="noStrike" cap="none">
                 <a:solidFill>
                   <a:schemeClr val="lt1"/>
                 </a:solidFill>
@@ -15210,15 +15494,6 @@
               </a:rPr>
               <a:t>fred</a:t>
             </a:r>
-            <a:endParaRPr lang="en-US" sz="3300" b="1" i="0" u="none" strike="noStrike" cap="none" dirty="0">
-              <a:solidFill>
-                <a:schemeClr val="lt1"/>
-              </a:solidFill>
-              <a:latin typeface="Courier New"/>
-              <a:ea typeface="Courier New"/>
-              <a:cs typeface="Courier New"/>
-              <a:sym typeface="Courier New"/>
-            </a:endParaRPr>
           </a:p>
           <a:p>
             <a:pPr marL="0" marR="0" lvl="0" indent="0" algn="l" rtl="0">
@@ -15239,7 +15514,7 @@
               <a:buNone/>
             </a:pPr>
             <a:r>
-              <a:rPr lang="en-US" sz="3300" b="1" i="0" u="none" strike="noStrike" cap="none" dirty="0">
+              <a:rPr lang="es-419" sz="3300" b="1" i="0" u="none" strike="noStrike" cap="none">
                 <a:solidFill>
                   <a:schemeClr val="lt1"/>
                 </a:solidFill>
@@ -15251,7 +15526,7 @@
               <a:t>&gt;&gt;&gt; </a:t>
             </a:r>
             <a:r>
-              <a:rPr lang="en-US" sz="3300" b="1" i="0" u="none" strike="noStrike" cap="none" dirty="0">
+              <a:rPr lang="es-419" sz="3300" b="1" i="0" u="none" strike="noStrike" cap="none">
                 <a:solidFill>
                   <a:srgbClr val="FF7F00"/>
                 </a:solidFill>
@@ -15263,7 +15538,7 @@
               <a:t>(a, b)</a:t>
             </a:r>
             <a:r>
-              <a:rPr lang="en-US" sz="3300" b="1" i="0" u="none" strike="noStrike" cap="none" dirty="0">
+              <a:rPr lang="es-419" sz="3300" b="1" i="0" u="none" strike="noStrike" cap="none">
                 <a:solidFill>
                   <a:schemeClr val="lt1"/>
                 </a:solidFill>
@@ -15275,7 +15550,7 @@
               <a:t> = </a:t>
             </a:r>
             <a:r>
-              <a:rPr lang="en-US" sz="3300" b="1" i="0" u="none" strike="noStrike" cap="none" dirty="0">
+              <a:rPr lang="es-419" sz="3300" b="1" i="0" u="none" strike="noStrike" cap="none">
                 <a:solidFill>
                   <a:srgbClr val="FF7F00"/>
                 </a:solidFill>
@@ -15295,7 +15570,7 @@
               <a:buSzPct val="25000"/>
             </a:pPr>
             <a:r>
-              <a:rPr lang="en-US" sz="3300" b="1" i="0" u="none" strike="noStrike" cap="none" dirty="0">
+              <a:rPr lang="es-419" sz="3300" b="1" i="0" u="none" strike="noStrike" cap="none">
                 <a:solidFill>
                   <a:schemeClr val="lt1"/>
                 </a:solidFill>
@@ -15307,7 +15582,7 @@
               <a:t>&gt;&gt;&gt; </a:t>
             </a:r>
             <a:r>
-              <a:rPr lang="en-US" sz="3300" b="1" i="0" u="none" strike="noStrike" cap="none" dirty="0" smtClean="0">
+              <a:rPr lang="es-419" sz="3300" b="1" i="0" u="none" strike="noStrike" cap="none">
                 <a:solidFill>
                   <a:srgbClr val="FFFF00"/>
                 </a:solidFill>
@@ -15319,7 +15594,7 @@
               <a:t>print(</a:t>
             </a:r>
             <a:r>
-              <a:rPr lang="en-US" sz="3300" b="1" i="0" u="none" strike="noStrike" cap="none" dirty="0" smtClean="0">
+              <a:rPr lang="es-419" sz="3300" b="1" i="0" u="none" strike="noStrike" cap="none">
                 <a:solidFill>
                   <a:srgbClr val="00FF00"/>
                 </a:solidFill>
@@ -15331,7 +15606,7 @@
               <a:t>a</a:t>
             </a:r>
             <a:r>
-              <a:rPr lang="en-US" sz="3600" b="1" dirty="0" smtClean="0">
+              <a:rPr lang="es-419" sz="3600" b="1">
                 <a:solidFill>
                   <a:srgbClr val="FFFF00"/>
                 </a:solidFill>
@@ -15342,7 +15617,7 @@
               </a:rPr>
               <a:t>)</a:t>
             </a:r>
-            <a:endParaRPr lang="en-US" sz="3300" b="1" i="0" u="none" strike="noStrike" cap="none" dirty="0">
+            <a:endParaRPr lang="es-419" sz="3300" b="1" i="0" u="none" strike="noStrike" cap="none">
               <a:solidFill>
                 <a:srgbClr val="00FF00"/>
               </a:solidFill>
@@ -15371,7 +15646,7 @@
               <a:buNone/>
             </a:pPr>
             <a:r>
-              <a:rPr lang="en-US" sz="3300" b="1" i="0" u="none" strike="noStrike" cap="none" dirty="0">
+              <a:rPr lang="es-419" sz="3300" b="1" i="0" u="none" strike="noStrike" cap="none">
                 <a:solidFill>
                   <a:schemeClr val="lt1"/>
                 </a:solidFill>
@@ -15453,7 +15728,7 @@
               <a:buNone/>
             </a:pPr>
             <a:r>
-              <a:rPr lang="en-US" sz="7800" u="none" strike="noStrike" cap="none" dirty="0">
+              <a:rPr lang="es-419" sz="7800" u="none" strike="noStrike" cap="none" dirty="0">
                 <a:solidFill>
                   <a:srgbClr val="FFFF00"/>
                 </a:solidFill>
@@ -15462,7 +15737,7 @@
                 <a:cs typeface="Arial" charset="0"/>
                 <a:sym typeface="Cabin"/>
               </a:rPr>
-              <a:t>Tuples and Dictionaries</a:t>
+              <a:t>Tuplas y Diccionarios</a:t>
             </a:r>
           </a:p>
         </p:txBody>
@@ -15496,24 +15771,17 @@
           </a:bodyPr>
           <a:lstStyle/>
           <a:p>
-            <a:pPr marL="495300" marR="0" lvl="0" indent="0" algn="l" rtl="0">
-              <a:lnSpc>
-                <a:spcPct val="100000"/>
-              </a:lnSpc>
-              <a:spcBef>
-                <a:spcPts val="0"/>
-              </a:spcBef>
-              <a:spcAft>
-                <a:spcPts val="0"/>
-              </a:spcAft>
+            <a:pPr marL="495300" lvl="0">
+              <a:spcBef>
+                <a:spcPts val="0"/>
+              </a:spcBef>
               <a:buClr>
                 <a:schemeClr val="lt1"/>
               </a:buClr>
               <a:buSzPct val="100000"/>
-              <a:buNone/>
-            </a:pPr>
-            <a:r>
-              <a:rPr lang="en-US" sz="3600" b="0" u="none" strike="noStrike" cap="none" dirty="0">
+            </a:pPr>
+            <a:r>
+              <a:rPr lang="es-419" sz="3600" b="0" u="none" strike="noStrike" cap="none" dirty="0">
                 <a:solidFill>
                   <a:schemeClr val="lt1"/>
                 </a:solidFill>
@@ -15522,10 +15790,10 @@
                 <a:cs typeface="Arial" charset="0"/>
                 <a:sym typeface="Cabin"/>
               </a:rPr>
-              <a:t>The </a:t>
-            </a:r>
-            <a:r>
-              <a:rPr lang="en-US" sz="3600" b="0" u="none" strike="noStrike" cap="none" dirty="0">
+              <a:t>El método </a:t>
+            </a:r>
+            <a:r>
+              <a:rPr lang="es-419" sz="3600" b="0" u="none" strike="noStrike" cap="none" dirty="0" err="1">
                 <a:solidFill>
                   <a:srgbClr val="FF00FF"/>
                 </a:solidFill>
@@ -15537,7 +15805,7 @@
               <a:t>items</a:t>
             </a:r>
             <a:r>
-              <a:rPr lang="en-US" sz="3600" b="0" u="none" strike="noStrike" cap="none" dirty="0">
+              <a:rPr lang="es-419" sz="3600" b="0" u="none" strike="noStrike" cap="none" dirty="0">
                 <a:solidFill>
                   <a:schemeClr val="lt1"/>
                 </a:solidFill>
@@ -15546,10 +15814,10 @@
                 <a:cs typeface="Arial" charset="0"/>
                 <a:sym typeface="Cabin"/>
               </a:rPr>
-              <a:t>() method in dictionaries returns a list of (key, value) </a:t>
-            </a:r>
-            <a:r>
-              <a:rPr lang="en-US" sz="3600" b="0" u="none" strike="noStrike" cap="none" dirty="0">
+              <a:t>() en un diccionario retorna una lista de </a:t>
+            </a:r>
+            <a:r>
+              <a:rPr lang="es-419" sz="3600" b="0" dirty="0">
                 <a:solidFill>
                   <a:srgbClr val="FF7F00"/>
                 </a:solidFill>
@@ -15558,8 +15826,29 @@
                 <a:cs typeface="Arial" charset="0"/>
                 <a:sym typeface="Cabin"/>
               </a:rPr>
-              <a:t>tuples</a:t>
-            </a:r>
+              <a:t>tuplas </a:t>
+            </a:r>
+            <a:r>
+              <a:rPr lang="es-419" sz="3600" b="0" u="none" strike="noStrike" cap="none" dirty="0">
+                <a:solidFill>
+                  <a:schemeClr val="lt1"/>
+                </a:solidFill>
+                <a:latin typeface="Arial" charset="0"/>
+                <a:ea typeface="Arial" charset="0"/>
+                <a:cs typeface="Arial" charset="0"/>
+                <a:sym typeface="Cabin"/>
+              </a:rPr>
+              <a:t>(clave, valor)</a:t>
+            </a:r>
+            <a:endParaRPr lang="es-419" sz="3600" b="0" u="none" strike="noStrike" cap="none" dirty="0">
+              <a:solidFill>
+                <a:srgbClr val="FF7F00"/>
+              </a:solidFill>
+              <a:latin typeface="Arial" charset="0"/>
+              <a:ea typeface="Arial" charset="0"/>
+              <a:cs typeface="Arial" charset="0"/>
+              <a:sym typeface="Cabin"/>
+            </a:endParaRPr>
           </a:p>
         </p:txBody>
       </p:sp>
@@ -15606,7 +15895,7 @@
               <a:buNone/>
             </a:pPr>
             <a:r>
-              <a:rPr lang="en-US" sz="3200" b="1" i="0" u="none" strike="noStrike" cap="none" dirty="0">
+              <a:rPr lang="es-419" sz="3200" b="1" i="0" u="none" strike="noStrike" cap="none" dirty="0">
                 <a:solidFill>
                   <a:schemeClr val="lt1"/>
                 </a:solidFill>
@@ -15618,7 +15907,7 @@
               <a:t>&gt;&gt;&gt; d = </a:t>
             </a:r>
             <a:r>
-              <a:rPr lang="en-US" sz="3200" b="1" i="0" u="none" strike="noStrike" cap="none" dirty="0" err="1">
+              <a:rPr lang="es-419" sz="3200" b="1" i="0" u="none" strike="noStrike" cap="none" dirty="0" err="1">
                 <a:solidFill>
                   <a:schemeClr val="lt1"/>
                 </a:solidFill>
@@ -15630,7 +15919,7 @@
               <a:t>dict</a:t>
             </a:r>
             <a:r>
-              <a:rPr lang="en-US" sz="3200" b="1" i="0" u="none" strike="noStrike" cap="none" dirty="0">
+              <a:rPr lang="es-419" sz="3200" b="1" i="0" u="none" strike="noStrike" cap="none" dirty="0">
                 <a:solidFill>
                   <a:schemeClr val="lt1"/>
                 </a:solidFill>
@@ -15661,7 +15950,7 @@
               <a:buNone/>
             </a:pPr>
             <a:r>
-              <a:rPr lang="en-US" sz="3200" b="1" i="0" u="none" strike="noStrike" cap="none" dirty="0">
+              <a:rPr lang="es-419" sz="3200" b="1" i="0" u="none" strike="noStrike" cap="none" dirty="0">
                 <a:solidFill>
                   <a:schemeClr val="lt1"/>
                 </a:solidFill>
@@ -15673,7 +15962,7 @@
               <a:t>&gt;&gt;&gt; </a:t>
             </a:r>
             <a:r>
-              <a:rPr lang="en-US" sz="3200" b="1" i="0" u="none" strike="noStrike" cap="none" dirty="0">
+              <a:rPr lang="es-419" sz="3200" b="1" i="0" u="none" strike="noStrike" cap="none" dirty="0">
                 <a:solidFill>
                   <a:srgbClr val="00FF00"/>
                 </a:solidFill>
@@ -15685,7 +15974,7 @@
               <a:t>d</a:t>
             </a:r>
             <a:r>
-              <a:rPr lang="en-US" sz="3200" b="1" i="0" u="none" strike="noStrike" cap="none" dirty="0">
+              <a:rPr lang="es-419" sz="3200" b="1" i="0" u="none" strike="noStrike" cap="none" dirty="0">
                 <a:solidFill>
                   <a:srgbClr val="00FFFF"/>
                 </a:solidFill>
@@ -15697,7 +15986,7 @@
               <a:t>['</a:t>
             </a:r>
             <a:r>
-              <a:rPr lang="en-US" sz="3200" b="1" i="0" u="none" strike="noStrike" cap="none" dirty="0" err="1">
+              <a:rPr lang="es-419" sz="3200" b="1" i="0" u="none" strike="noStrike" cap="none" dirty="0" err="1">
                 <a:solidFill>
                   <a:srgbClr val="00FFFF"/>
                 </a:solidFill>
@@ -15709,7 +15998,7 @@
               <a:t>csev</a:t>
             </a:r>
             <a:r>
-              <a:rPr lang="en-US" sz="3200" b="1" i="0" u="none" strike="noStrike" cap="none" dirty="0">
+              <a:rPr lang="es-419" sz="3200" b="1" i="0" u="none" strike="noStrike" cap="none" dirty="0">
                 <a:solidFill>
                   <a:srgbClr val="00FFFF"/>
                 </a:solidFill>
@@ -15721,7 +16010,7 @@
               <a:t>']</a:t>
             </a:r>
             <a:r>
-              <a:rPr lang="en-US" sz="3200" b="1" i="0" u="none" strike="noStrike" cap="none" dirty="0">
+              <a:rPr lang="es-419" sz="3200" b="1" i="0" u="none" strike="noStrike" cap="none" dirty="0">
                 <a:solidFill>
                   <a:schemeClr val="lt1"/>
                 </a:solidFill>
@@ -15752,7 +16041,7 @@
               <a:buNone/>
             </a:pPr>
             <a:r>
-              <a:rPr lang="en-US" sz="3200" b="1" i="0" u="none" strike="noStrike" cap="none" dirty="0">
+              <a:rPr lang="es-419" sz="3200" b="1" i="0" u="none" strike="noStrike" cap="none" dirty="0">
                 <a:solidFill>
                   <a:schemeClr val="lt1"/>
                 </a:solidFill>
@@ -15764,7 +16053,7 @@
               <a:t>&gt;&gt;&gt; </a:t>
             </a:r>
             <a:r>
-              <a:rPr lang="en-US" sz="3200" b="1" i="0" u="none" strike="noStrike" cap="none" dirty="0">
+              <a:rPr lang="es-419" sz="3200" b="1" i="0" u="none" strike="noStrike" cap="none" dirty="0">
                 <a:solidFill>
                   <a:srgbClr val="00FF00"/>
                 </a:solidFill>
@@ -15776,7 +16065,7 @@
               <a:t>d</a:t>
             </a:r>
             <a:r>
-              <a:rPr lang="en-US" sz="3200" b="1" i="0" u="none" strike="noStrike" cap="none" dirty="0">
+              <a:rPr lang="es-419" sz="3200" b="1" i="0" u="none" strike="noStrike" cap="none" dirty="0">
                 <a:solidFill>
                   <a:srgbClr val="00FFFF"/>
                 </a:solidFill>
@@ -15788,7 +16077,7 @@
               <a:t>['</a:t>
             </a:r>
             <a:r>
-              <a:rPr lang="en-US" sz="3200" b="1" i="0" u="none" strike="noStrike" cap="none" dirty="0" err="1">
+              <a:rPr lang="es-419" sz="3200" b="1" i="0" u="none" strike="noStrike" cap="none" dirty="0" err="1">
                 <a:solidFill>
                   <a:srgbClr val="00FFFF"/>
                 </a:solidFill>
@@ -15800,7 +16089,7 @@
               <a:t>cwen</a:t>
             </a:r>
             <a:r>
-              <a:rPr lang="en-US" sz="3200" b="1" i="0" u="none" strike="noStrike" cap="none" dirty="0">
+              <a:rPr lang="es-419" sz="3200" b="1" i="0" u="none" strike="noStrike" cap="none" dirty="0">
                 <a:solidFill>
                   <a:srgbClr val="00FFFF"/>
                 </a:solidFill>
@@ -15812,7 +16101,7 @@
               <a:t>']</a:t>
             </a:r>
             <a:r>
-              <a:rPr lang="en-US" sz="3200" b="1" i="0" u="none" strike="noStrike" cap="none" dirty="0">
+              <a:rPr lang="es-419" sz="3200" b="1" i="0" u="none" strike="noStrike" cap="none" dirty="0">
                 <a:solidFill>
                   <a:schemeClr val="lt1"/>
                 </a:solidFill>
@@ -15843,7 +16132,7 @@
               <a:buNone/>
             </a:pPr>
             <a:r>
-              <a:rPr lang="en-US" sz="3200" b="1" i="0" u="none" strike="noStrike" cap="none" dirty="0">
+              <a:rPr lang="es-419" sz="3200" b="1" i="0" u="none" strike="noStrike" cap="none" dirty="0">
                 <a:solidFill>
                   <a:schemeClr val="lt1"/>
                 </a:solidFill>
@@ -15855,7 +16144,7 @@
               <a:t>&gt;&gt;&gt; </a:t>
             </a:r>
             <a:r>
-              <a:rPr lang="en-US" sz="3200" b="1" i="0" u="none" strike="noStrike" cap="none" dirty="0">
+              <a:rPr lang="es-419" sz="3200" b="1" i="0" u="none" strike="noStrike" cap="none" dirty="0" err="1">
                 <a:solidFill>
                   <a:srgbClr val="FFFF00"/>
                 </a:solidFill>
@@ -15867,7 +16156,7 @@
               <a:t>for</a:t>
             </a:r>
             <a:r>
-              <a:rPr lang="en-US" sz="3200" b="1" i="0" u="none" strike="noStrike" cap="none" dirty="0">
+              <a:rPr lang="es-419" sz="3200" b="1" i="0" u="none" strike="noStrike" cap="none" dirty="0">
                 <a:solidFill>
                   <a:schemeClr val="lt1"/>
                 </a:solidFill>
@@ -15879,7 +16168,7 @@
               <a:t> </a:t>
             </a:r>
             <a:r>
-              <a:rPr lang="en-US" sz="3200" b="1" i="0" u="none" strike="noStrike" cap="none" dirty="0">
+              <a:rPr lang="es-419" sz="3200" b="1" i="0" u="none" strike="noStrike" cap="none" dirty="0">
                 <a:solidFill>
                   <a:srgbClr val="FF7F00"/>
                 </a:solidFill>
@@ -15891,7 +16180,7 @@
               <a:t>(</a:t>
             </a:r>
             <a:r>
-              <a:rPr lang="en-US" sz="3200" b="1" i="0" u="none" strike="noStrike" cap="none" dirty="0" err="1">
+              <a:rPr lang="es-419" sz="3200" b="1" dirty="0" err="1">
                 <a:solidFill>
                   <a:srgbClr val="FF7F00"/>
                 </a:solidFill>
@@ -15900,10 +16189,10 @@
                 <a:cs typeface="Courier New"/>
                 <a:sym typeface="Courier New"/>
               </a:rPr>
-              <a:t>k,v</a:t>
-            </a:r>
-            <a:r>
-              <a:rPr lang="en-US" sz="3200" b="1" i="0" u="none" strike="noStrike" cap="none" dirty="0">
+              <a:t>c</a:t>
+            </a:r>
+            <a:r>
+              <a:rPr lang="es-419" sz="3200" b="1" i="0" u="none" strike="noStrike" cap="none" dirty="0" err="1">
                 <a:solidFill>
                   <a:srgbClr val="FF7F00"/>
                 </a:solidFill>
@@ -15912,10 +16201,22 @@
                 <a:cs typeface="Courier New"/>
                 <a:sym typeface="Courier New"/>
               </a:rPr>
+              <a:t>,v</a:t>
+            </a:r>
+            <a:r>
+              <a:rPr lang="es-419" sz="3200" b="1" i="0" u="none" strike="noStrike" cap="none" dirty="0">
+                <a:solidFill>
+                  <a:srgbClr val="FF7F00"/>
+                </a:solidFill>
+                <a:latin typeface="Courier New"/>
+                <a:ea typeface="Courier New"/>
+                <a:cs typeface="Courier New"/>
+                <a:sym typeface="Courier New"/>
+              </a:rPr>
               <a:t>)</a:t>
             </a:r>
             <a:r>
-              <a:rPr lang="en-US" sz="3200" b="1" i="0" u="none" strike="noStrike" cap="none" dirty="0">
+              <a:rPr lang="es-419" sz="3200" b="1" i="0" u="none" strike="noStrike" cap="none" dirty="0">
                 <a:solidFill>
                   <a:schemeClr val="lt1"/>
                 </a:solidFill>
@@ -15927,7 +16228,7 @@
               <a:t> in </a:t>
             </a:r>
             <a:r>
-              <a:rPr lang="en-US" sz="3200" b="1" i="0" u="none" strike="noStrike" cap="none" dirty="0" err="1">
+              <a:rPr lang="es-419" sz="3200" b="1" i="0" u="none" strike="noStrike" cap="none" dirty="0" err="1">
                 <a:solidFill>
                   <a:srgbClr val="00FF00"/>
                 </a:solidFill>
@@ -15939,7 +16240,7 @@
               <a:t>d</a:t>
             </a:r>
             <a:r>
-              <a:rPr lang="en-US" sz="3200" b="1" i="0" u="none" strike="noStrike" cap="none" dirty="0" err="1">
+              <a:rPr lang="es-419" sz="3200" b="1" i="0" u="none" strike="noStrike" cap="none" dirty="0" err="1">
                 <a:solidFill>
                   <a:srgbClr val="FF00FF"/>
                 </a:solidFill>
@@ -15951,7 +16252,7 @@
               <a:t>.items</a:t>
             </a:r>
             <a:r>
-              <a:rPr lang="en-US" sz="3200" b="1" i="0" u="none" strike="noStrike" cap="none" dirty="0">
+              <a:rPr lang="es-419" sz="3200" b="1" i="0" u="none" strike="noStrike" cap="none" dirty="0">
                 <a:solidFill>
                   <a:schemeClr val="lt1"/>
                 </a:solidFill>
@@ -15971,7 +16272,7 @@
               <a:buSzPct val="25000"/>
             </a:pPr>
             <a:r>
-              <a:rPr lang="en-US" sz="3200" b="1" i="0" u="none" strike="noStrike" cap="none" dirty="0">
+              <a:rPr lang="es-419" sz="3200" b="1" i="0" u="none" strike="noStrike" cap="none" dirty="0">
                 <a:solidFill>
                   <a:schemeClr val="lt1"/>
                 </a:solidFill>
@@ -15983,7 +16284,7 @@
               <a:t>...     </a:t>
             </a:r>
             <a:r>
-              <a:rPr lang="en-US" sz="3200" b="1" i="0" u="none" strike="noStrike" cap="none" dirty="0" smtClean="0">
+              <a:rPr lang="es-419" sz="3200" b="1" i="0" u="none" strike="noStrike" cap="none" dirty="0" err="1">
                 <a:solidFill>
                   <a:srgbClr val="FFFF00"/>
                 </a:solidFill>
@@ -15992,10 +16293,22 @@
                 <a:cs typeface="Courier New"/>
                 <a:sym typeface="Courier New"/>
               </a:rPr>
-              <a:t>print(</a:t>
-            </a:r>
-            <a:r>
-              <a:rPr lang="en-US" sz="3200" b="1" i="0" u="none" strike="noStrike" cap="none" dirty="0" smtClean="0">
+              <a:t>print</a:t>
+            </a:r>
+            <a:r>
+              <a:rPr lang="es-419" sz="3200" b="1" i="0" u="none" strike="noStrike" cap="none" dirty="0">
+                <a:solidFill>
+                  <a:srgbClr val="FFFF00"/>
+                </a:solidFill>
+                <a:latin typeface="Courier New"/>
+                <a:ea typeface="Courier New"/>
+                <a:cs typeface="Courier New"/>
+                <a:sym typeface="Courier New"/>
+              </a:rPr>
+              <a:t>(</a:t>
+            </a:r>
+            <a:r>
+              <a:rPr lang="es-419" sz="3200" b="1" dirty="0">
                 <a:solidFill>
                   <a:srgbClr val="00FF00"/>
                 </a:solidFill>
@@ -16004,10 +16317,10 @@
                 <a:cs typeface="Courier New"/>
                 <a:sym typeface="Courier New"/>
               </a:rPr>
-              <a:t>k</a:t>
-            </a:r>
-            <a:r>
-              <a:rPr lang="en-US" sz="3200" b="1" i="0" u="none" strike="noStrike" cap="none" dirty="0">
+              <a:t>c</a:t>
+            </a:r>
+            <a:r>
+              <a:rPr lang="es-419" sz="3200" b="1" i="0" u="none" strike="noStrike" cap="none" dirty="0">
                 <a:solidFill>
                   <a:schemeClr val="lt1"/>
                 </a:solidFill>
@@ -16019,7 +16332,7 @@
               <a:t>, </a:t>
             </a:r>
             <a:r>
-              <a:rPr lang="en-US" sz="3200" b="1" i="0" u="none" strike="noStrike" cap="none" dirty="0" smtClean="0">
+              <a:rPr lang="es-419" sz="3200" b="1" i="0" u="none" strike="noStrike" cap="none" dirty="0">
                 <a:solidFill>
                   <a:srgbClr val="00FF00"/>
                 </a:solidFill>
@@ -16031,7 +16344,7 @@
               <a:t>v</a:t>
             </a:r>
             <a:r>
-              <a:rPr lang="en-US" sz="3200" b="1" dirty="0" smtClean="0">
+              <a:rPr lang="es-419" sz="3200" b="1" dirty="0">
                 <a:solidFill>
                   <a:srgbClr val="FFFF00"/>
                 </a:solidFill>
@@ -16042,7 +16355,7 @@
               </a:rPr>
               <a:t>)</a:t>
             </a:r>
-            <a:endParaRPr lang="en-US" sz="3200" b="1" i="0" u="none" strike="noStrike" cap="none" dirty="0">
+            <a:endParaRPr lang="es-419" sz="3200" b="1" i="0" u="none" strike="noStrike" cap="none" dirty="0">
               <a:solidFill>
                 <a:srgbClr val="00FF00"/>
               </a:solidFill>
@@ -16071,7 +16384,7 @@
               <a:buNone/>
             </a:pPr>
             <a:r>
-              <a:rPr lang="en-US" sz="3200" b="1" i="0" u="none" strike="noStrike" cap="none" dirty="0">
+              <a:rPr lang="es-419" sz="3200" b="1" i="0" u="none" strike="noStrike" cap="none" dirty="0">
                 <a:solidFill>
                   <a:schemeClr val="lt1"/>
                 </a:solidFill>
@@ -16102,7 +16415,7 @@
               <a:buNone/>
             </a:pPr>
             <a:r>
-              <a:rPr lang="en-US" sz="3200" b="1" i="0" u="none" strike="noStrike" cap="none" dirty="0" err="1">
+              <a:rPr lang="es-419" sz="3200" b="1" i="0" u="none" strike="noStrike" cap="none" dirty="0" err="1">
                 <a:solidFill>
                   <a:schemeClr val="lt1"/>
                 </a:solidFill>
@@ -16114,7 +16427,7 @@
               <a:t>csev</a:t>
             </a:r>
             <a:r>
-              <a:rPr lang="en-US" sz="3200" b="1" i="0" u="none" strike="noStrike" cap="none" dirty="0">
+              <a:rPr lang="es-419" sz="3200" b="1" i="0" u="none" strike="noStrike" cap="none" dirty="0">
                 <a:solidFill>
                   <a:schemeClr val="lt1"/>
                 </a:solidFill>
@@ -16145,7 +16458,7 @@
               <a:buNone/>
             </a:pPr>
             <a:r>
-              <a:rPr lang="en-US" sz="3200" b="1" i="0" u="none" strike="noStrike" cap="none" dirty="0" err="1">
+              <a:rPr lang="es-419" sz="3200" b="1" i="0" u="none" strike="noStrike" cap="none" dirty="0" err="1">
                 <a:solidFill>
                   <a:schemeClr val="lt1"/>
                 </a:solidFill>
@@ -16157,7 +16470,7 @@
               <a:t>cwen</a:t>
             </a:r>
             <a:r>
-              <a:rPr lang="en-US" sz="3200" b="1" i="0" u="none" strike="noStrike" cap="none" dirty="0">
+              <a:rPr lang="es-419" sz="3200" b="1" i="0" u="none" strike="noStrike" cap="none" dirty="0">
                 <a:solidFill>
                   <a:schemeClr val="lt1"/>
                 </a:solidFill>
@@ -16188,7 +16501,7 @@
               <a:buNone/>
             </a:pPr>
             <a:r>
-              <a:rPr lang="en-US" sz="3200" b="1" i="0" u="none" strike="noStrike" cap="none" dirty="0">
+              <a:rPr lang="es-419" sz="3200" b="1" i="0" u="none" strike="noStrike" cap="none" dirty="0">
                 <a:solidFill>
                   <a:schemeClr val="lt1"/>
                 </a:solidFill>
@@ -16200,7 +16513,7 @@
               <a:t>&gt;&gt;&gt; </a:t>
             </a:r>
             <a:r>
-              <a:rPr lang="en-US" sz="3200" b="1" i="0" u="none" strike="noStrike" cap="none" dirty="0" err="1">
+              <a:rPr lang="es-419" sz="3200" b="1" i="0" u="none" strike="noStrike" cap="none" dirty="0" err="1">
                 <a:solidFill>
                   <a:srgbClr val="00FF00"/>
                 </a:solidFill>
@@ -16212,7 +16525,7 @@
               <a:t>tups</a:t>
             </a:r>
             <a:r>
-              <a:rPr lang="en-US" sz="3200" b="1" i="0" u="none" strike="noStrike" cap="none" dirty="0">
+              <a:rPr lang="es-419" sz="3200" b="1" i="0" u="none" strike="noStrike" cap="none" dirty="0">
                 <a:solidFill>
                   <a:schemeClr val="lt1"/>
                 </a:solidFill>
@@ -16224,7 +16537,7 @@
               <a:t> = </a:t>
             </a:r>
             <a:r>
-              <a:rPr lang="en-US" sz="3200" b="1" i="0" u="none" strike="noStrike" cap="none" dirty="0" err="1">
+              <a:rPr lang="es-419" sz="3200" b="1" i="0" u="none" strike="noStrike" cap="none" dirty="0" err="1">
                 <a:solidFill>
                   <a:srgbClr val="00FF00"/>
                 </a:solidFill>
@@ -16236,7 +16549,7 @@
               <a:t>d</a:t>
             </a:r>
             <a:r>
-              <a:rPr lang="en-US" sz="3200" b="1" i="0" u="none" strike="noStrike" cap="none" dirty="0" err="1">
+              <a:rPr lang="es-419" sz="3200" b="1" i="0" u="none" strike="noStrike" cap="none" dirty="0" err="1">
                 <a:solidFill>
                   <a:srgbClr val="FF00FF"/>
                 </a:solidFill>
@@ -16248,7 +16561,7 @@
               <a:t>.items</a:t>
             </a:r>
             <a:r>
-              <a:rPr lang="en-US" sz="3200" b="1" i="0" u="none" strike="noStrike" cap="none" dirty="0">
+              <a:rPr lang="es-419" sz="3200" b="1" i="0" u="none" strike="noStrike" cap="none" dirty="0">
                 <a:solidFill>
                   <a:schemeClr val="lt1"/>
                 </a:solidFill>
@@ -16268,7 +16581,7 @@
               <a:buSzPct val="25000"/>
             </a:pPr>
             <a:r>
-              <a:rPr lang="en-US" sz="3200" b="1" i="0" u="none" strike="noStrike" cap="none" dirty="0">
+              <a:rPr lang="es-419" sz="3200" b="1" i="0" u="none" strike="noStrike" cap="none" dirty="0">
                 <a:solidFill>
                   <a:schemeClr val="lt1"/>
                 </a:solidFill>
@@ -16280,7 +16593,7 @@
               <a:t>&gt;&gt;&gt; </a:t>
             </a:r>
             <a:r>
-              <a:rPr lang="en-US" sz="3200" b="1" i="0" u="none" strike="noStrike" cap="none" dirty="0" smtClean="0">
+              <a:rPr lang="es-419" sz="3200" b="1" i="0" u="none" strike="noStrike" cap="none" dirty="0" err="1">
                 <a:solidFill>
                   <a:srgbClr val="FFFF00"/>
                 </a:solidFill>
@@ -16289,10 +16602,22 @@
                 <a:cs typeface="Courier New"/>
                 <a:sym typeface="Courier New"/>
               </a:rPr>
-              <a:t>print(</a:t>
-            </a:r>
-            <a:r>
-              <a:rPr lang="en-US" sz="3200" b="1" i="0" u="none" strike="noStrike" cap="none" dirty="0" err="1" smtClean="0">
+              <a:t>print</a:t>
+            </a:r>
+            <a:r>
+              <a:rPr lang="es-419" sz="3200" b="1" i="0" u="none" strike="noStrike" cap="none" dirty="0">
+                <a:solidFill>
+                  <a:srgbClr val="FFFF00"/>
+                </a:solidFill>
+                <a:latin typeface="Courier New"/>
+                <a:ea typeface="Courier New"/>
+                <a:cs typeface="Courier New"/>
+                <a:sym typeface="Courier New"/>
+              </a:rPr>
+              <a:t>(</a:t>
+            </a:r>
+            <a:r>
+              <a:rPr lang="es-419" sz="3200" b="1" i="0" u="none" strike="noStrike" cap="none" dirty="0" err="1">
                 <a:solidFill>
                   <a:srgbClr val="00FF00"/>
                 </a:solidFill>
@@ -16304,7 +16629,7 @@
               <a:t>tups</a:t>
             </a:r>
             <a:r>
-              <a:rPr lang="en-US" sz="3200" b="1" dirty="0" smtClean="0">
+              <a:rPr lang="es-419" sz="3200" b="1" dirty="0">
                 <a:solidFill>
                   <a:srgbClr val="FFFF00"/>
                 </a:solidFill>
@@ -16315,7 +16640,7 @@
               </a:rPr>
               <a:t>)</a:t>
             </a:r>
-            <a:endParaRPr lang="en-US" sz="3200" b="1" i="0" u="none" strike="noStrike" cap="none" dirty="0">
+            <a:endParaRPr lang="es-419" sz="3200" b="1" i="0" u="none" strike="noStrike" cap="none" dirty="0">
               <a:solidFill>
                 <a:srgbClr val="00FF00"/>
               </a:solidFill>
@@ -16344,7 +16669,7 @@
               <a:buNone/>
             </a:pPr>
             <a:r>
-              <a:rPr lang="en-US" sz="3200" b="1" i="0" u="none" strike="noStrike" cap="none" dirty="0" err="1" smtClean="0">
+              <a:rPr lang="es-419" sz="3200" b="1" i="0" u="none" strike="noStrike" cap="none" dirty="0" err="1">
                 <a:solidFill>
                   <a:schemeClr val="lt1"/>
                 </a:solidFill>
@@ -16356,7 +16681,7 @@
               <a:t>dict_items</a:t>
             </a:r>
             <a:r>
-              <a:rPr lang="en-US" sz="3200" b="1" i="0" u="none" strike="noStrike" cap="none" dirty="0" smtClean="0">
+              <a:rPr lang="es-419" sz="3200" b="1" i="0" u="none" strike="noStrike" cap="none" dirty="0">
                 <a:solidFill>
                   <a:schemeClr val="lt1"/>
                 </a:solidFill>
@@ -16368,7 +16693,7 @@
               <a:t>([</a:t>
             </a:r>
             <a:r>
-              <a:rPr lang="en-US" sz="3200" b="1" i="0" u="none" strike="noStrike" cap="none" dirty="0" smtClean="0">
+              <a:rPr lang="es-419" sz="3200" b="1" i="0" u="none" strike="noStrike" cap="none" dirty="0">
                 <a:solidFill>
                   <a:srgbClr val="FF7F00"/>
                 </a:solidFill>
@@ -16377,10 +16702,10 @@
                 <a:cs typeface="Courier New"/>
                 <a:sym typeface="Courier New"/>
               </a:rPr>
-              <a:t>(</a:t>
-            </a:r>
-            <a:r>
-              <a:rPr lang="en-US" sz="3200" b="1" i="0" u="none" strike="noStrike" cap="none" dirty="0">
+              <a:t>('</a:t>
+            </a:r>
+            <a:r>
+              <a:rPr lang="es-419" sz="3200" b="1" i="0" u="none" strike="noStrike" cap="none" dirty="0" err="1">
                 <a:solidFill>
                   <a:srgbClr val="FF7F00"/>
                 </a:solidFill>
@@ -16389,10 +16714,10 @@
                 <a:cs typeface="Courier New"/>
                 <a:sym typeface="Courier New"/>
               </a:rPr>
-              <a:t>'</a:t>
-            </a:r>
-            <a:r>
-              <a:rPr lang="en-US" sz="3200" b="1" i="0" u="none" strike="noStrike" cap="none" dirty="0" err="1">
+              <a:t>csev</a:t>
+            </a:r>
+            <a:r>
+              <a:rPr lang="es-419" sz="3200" b="1" i="0" u="none" strike="noStrike" cap="none" dirty="0">
                 <a:solidFill>
                   <a:srgbClr val="FF7F00"/>
                 </a:solidFill>
@@ -16401,10 +16726,22 @@
                 <a:cs typeface="Courier New"/>
                 <a:sym typeface="Courier New"/>
               </a:rPr>
-              <a:t>csev</a:t>
-            </a:r>
-            <a:r>
-              <a:rPr lang="en-US" sz="3200" b="1" i="0" u="none" strike="noStrike" cap="none" dirty="0">
+              <a:t>', 2)</a:t>
+            </a:r>
+            <a:r>
+              <a:rPr lang="es-419" sz="3200" b="1" i="0" u="none" strike="noStrike" cap="none" dirty="0">
+                <a:solidFill>
+                  <a:schemeClr val="lt1"/>
+                </a:solidFill>
+                <a:latin typeface="Courier New"/>
+                <a:ea typeface="Courier New"/>
+                <a:cs typeface="Courier New"/>
+                <a:sym typeface="Courier New"/>
+              </a:rPr>
+              <a:t>, </a:t>
+            </a:r>
+            <a:r>
+              <a:rPr lang="es-419" sz="3200" b="1" i="0" u="none" strike="noStrike" cap="none" dirty="0">
                 <a:solidFill>
                   <a:srgbClr val="FF7F00"/>
                 </a:solidFill>
@@ -16413,22 +16750,10 @@
                 <a:cs typeface="Courier New"/>
                 <a:sym typeface="Courier New"/>
               </a:rPr>
-              <a:t>', 2)</a:t>
-            </a:r>
-            <a:r>
-              <a:rPr lang="en-US" sz="3200" b="1" i="0" u="none" strike="noStrike" cap="none" dirty="0">
-                <a:solidFill>
-                  <a:schemeClr val="lt1"/>
-                </a:solidFill>
-                <a:latin typeface="Courier New"/>
-                <a:ea typeface="Courier New"/>
-                <a:cs typeface="Courier New"/>
-                <a:sym typeface="Courier New"/>
-              </a:rPr>
-              <a:t>, </a:t>
-            </a:r>
-            <a:r>
-              <a:rPr lang="en-US" sz="3200" b="1" i="0" u="none" strike="noStrike" cap="none" dirty="0">
+              <a:t>('</a:t>
+            </a:r>
+            <a:r>
+              <a:rPr lang="es-419" sz="3200" b="1" i="0" u="none" strike="noStrike" cap="none" dirty="0" err="1">
                 <a:solidFill>
                   <a:srgbClr val="FF7F00"/>
                 </a:solidFill>
@@ -16437,10 +16762,10 @@
                 <a:cs typeface="Courier New"/>
                 <a:sym typeface="Courier New"/>
               </a:rPr>
-              <a:t>('</a:t>
-            </a:r>
-            <a:r>
-              <a:rPr lang="en-US" sz="3200" b="1" i="0" u="none" strike="noStrike" cap="none" dirty="0" err="1">
+              <a:t>cwen</a:t>
+            </a:r>
+            <a:r>
+              <a:rPr lang="es-419" sz="3200" b="1" i="0" u="none" strike="noStrike" cap="none" dirty="0">
                 <a:solidFill>
                   <a:srgbClr val="FF7F00"/>
                 </a:solidFill>
@@ -16449,34 +16774,10 @@
                 <a:cs typeface="Courier New"/>
                 <a:sym typeface="Courier New"/>
               </a:rPr>
-              <a:t>cwen</a:t>
-            </a:r>
-            <a:r>
-              <a:rPr lang="en-US" sz="3200" b="1" i="0" u="none" strike="noStrike" cap="none" dirty="0">
-                <a:solidFill>
-                  <a:srgbClr val="FF7F00"/>
-                </a:solidFill>
-                <a:latin typeface="Courier New"/>
-                <a:ea typeface="Courier New"/>
-                <a:cs typeface="Courier New"/>
-                <a:sym typeface="Courier New"/>
-              </a:rPr>
-              <a:t>', 4</a:t>
-            </a:r>
-            <a:r>
-              <a:rPr lang="en-US" sz="3200" b="1" i="0" u="none" strike="noStrike" cap="none" dirty="0" smtClean="0">
-                <a:solidFill>
-                  <a:srgbClr val="FF7F00"/>
-                </a:solidFill>
-                <a:latin typeface="Courier New"/>
-                <a:ea typeface="Courier New"/>
-                <a:cs typeface="Courier New"/>
-                <a:sym typeface="Courier New"/>
-              </a:rPr>
-              <a:t>)</a:t>
-            </a:r>
-            <a:r>
-              <a:rPr lang="en-US" sz="3200" b="1" i="0" u="none" strike="noStrike" cap="none" dirty="0" smtClean="0">
+              <a:t>', 4)</a:t>
+            </a:r>
+            <a:r>
+              <a:rPr lang="es-419" sz="3200" b="1" i="0" u="none" strike="noStrike" cap="none" dirty="0">
                 <a:solidFill>
                   <a:schemeClr val="lt1"/>
                 </a:solidFill>
@@ -16487,15 +16788,6 @@
               </a:rPr>
               <a:t>])</a:t>
             </a:r>
-            <a:endParaRPr lang="en-US" sz="3200" b="1" i="0" u="none" strike="noStrike" cap="none" dirty="0">
-              <a:solidFill>
-                <a:schemeClr val="lt1"/>
-              </a:solidFill>
-              <a:latin typeface="Courier New"/>
-              <a:ea typeface="Courier New"/>
-              <a:cs typeface="Courier New"/>
-              <a:sym typeface="Courier New"/>
-            </a:endParaRPr>
           </a:p>
         </p:txBody>
       </p:sp>
@@ -16567,7 +16859,7 @@
               <a:buNone/>
             </a:pPr>
             <a:r>
-              <a:rPr lang="en-US" sz="7800" u="none" strike="noStrike" cap="none">
+              <a:rPr lang="es-419" sz="7800" u="none" strike="noStrike" cap="none" dirty="0">
                 <a:solidFill>
                   <a:srgbClr val="FFFF00"/>
                 </a:solidFill>
@@ -16576,7 +16868,7 @@
                 <a:cs typeface="Arial" charset="0"/>
                 <a:sym typeface="Cabin"/>
               </a:rPr>
-              <a:t>Tuples are Comparable</a:t>
+              <a:t>Las Tuplas son Comparables</a:t>
             </a:r>
           </a:p>
         </p:txBody>
@@ -16593,7 +16885,7 @@
         </p:nvSpPr>
         <p:spPr>
           <a:xfrm>
-            <a:off x="1155700" y="2420171"/>
+            <a:off x="1162000" y="2654582"/>
             <a:ext cx="13932000" cy="1554163"/>
           </a:xfrm>
           <a:prstGeom prst="rect">
@@ -16627,7 +16919,7 @@
               <a:buNone/>
             </a:pPr>
             <a:r>
-              <a:rPr lang="en-US" sz="3800" b="0" u="none" strike="noStrike" cap="none" dirty="0">
+              <a:rPr lang="es-419" sz="3800" b="0" u="none" strike="noStrike" cap="none" dirty="0">
                 <a:solidFill>
                   <a:schemeClr val="lt1"/>
                 </a:solidFill>
@@ -16636,10 +16928,10 @@
                 <a:cs typeface="Arial" charset="0"/>
                 <a:sym typeface="Cabin"/>
               </a:rPr>
-              <a:t>The comparison </a:t>
-            </a:r>
-            <a:r>
-              <a:rPr lang="en-US" sz="3800" b="0" u="none" strike="noStrike" cap="none" dirty="0">
+              <a:t>Los </a:t>
+            </a:r>
+            <a:r>
+              <a:rPr lang="es-419" sz="3800" b="0" u="none" strike="noStrike" cap="none" dirty="0">
                 <a:solidFill>
                   <a:srgbClr val="00FFFF"/>
                 </a:solidFill>
@@ -16648,10 +16940,10 @@
                 <a:cs typeface="Arial" charset="0"/>
                 <a:sym typeface="Cabin"/>
               </a:rPr>
-              <a:t>operators</a:t>
-            </a:r>
-            <a:r>
-              <a:rPr lang="en-US" sz="3800" b="0" u="none" strike="noStrike" cap="none" dirty="0">
+              <a:t>operadores</a:t>
+            </a:r>
+            <a:r>
+              <a:rPr lang="es-419" sz="3800" b="0" u="none" strike="noStrike" cap="none" dirty="0">
                 <a:solidFill>
                   <a:schemeClr val="lt1"/>
                 </a:solidFill>
@@ -16660,10 +16952,10 @@
                 <a:cs typeface="Arial" charset="0"/>
                 <a:sym typeface="Cabin"/>
               </a:rPr>
-              <a:t> work with </a:t>
-            </a:r>
-            <a:r>
-              <a:rPr lang="en-US" sz="3800" b="0" u="none" strike="noStrike" cap="none" dirty="0">
+              <a:t> de comparación funcionan con </a:t>
+            </a:r>
+            <a:r>
+              <a:rPr lang="es-419" sz="3800" b="0" u="none" strike="noStrike" cap="none" dirty="0">
                 <a:solidFill>
                   <a:srgbClr val="FF7F00"/>
                 </a:solidFill>
@@ -16672,10 +16964,10 @@
                 <a:cs typeface="Arial" charset="0"/>
                 <a:sym typeface="Cabin"/>
               </a:rPr>
-              <a:t>tuples</a:t>
-            </a:r>
-            <a:r>
-              <a:rPr lang="en-US" sz="3800" b="0" u="none" strike="noStrike" cap="none" dirty="0">
+              <a:t>tuplas</a:t>
+            </a:r>
+            <a:r>
+              <a:rPr lang="es-419" sz="3800" b="0" u="none" strike="noStrike" cap="none" dirty="0">
                 <a:solidFill>
                   <a:schemeClr val="lt1"/>
                 </a:solidFill>
@@ -16684,7 +16976,7 @@
                 <a:cs typeface="Arial" charset="0"/>
                 <a:sym typeface="Cabin"/>
               </a:rPr>
-              <a:t> and other sequences. If the first item is equal, Python goes on to the next element,  and so on, until it finds elements that differ.</a:t>
+              <a:t> y otras secuencias. Si el primer elemento es igual, Python revisa el siguiente elemento y así sucesivamente, hasta que encuentra elementos diferentes.</a:t>
             </a:r>
           </a:p>
         </p:txBody>
@@ -16697,7 +16989,7 @@
         </p:nvSpPr>
         <p:spPr>
           <a:xfrm>
-            <a:off x="2852738" y="4453101"/>
+            <a:off x="2852738" y="5079402"/>
             <a:ext cx="11404500" cy="3446462"/>
           </a:xfrm>
           <a:prstGeom prst="rect">
@@ -16732,7 +17024,7 @@
               <a:buNone/>
             </a:pPr>
             <a:r>
-              <a:rPr lang="en-US" sz="2800" b="1" i="0" u="none" strike="noStrike" cap="none" dirty="0">
+              <a:rPr lang="es-419" sz="2800" b="1" i="0" u="none" strike="noStrike" cap="none" dirty="0">
                 <a:solidFill>
                   <a:schemeClr val="lt1"/>
                 </a:solidFill>
@@ -16744,7 +17036,7 @@
               <a:t>&gt;&gt;&gt; </a:t>
             </a:r>
             <a:r>
-              <a:rPr lang="en-US" sz="2800" b="1" i="0" u="none" strike="noStrike" cap="none" dirty="0">
+              <a:rPr lang="es-419" sz="2800" b="1" i="0" u="none" strike="noStrike" cap="none" dirty="0">
                 <a:solidFill>
                   <a:srgbClr val="FF7F00"/>
                 </a:solidFill>
@@ -16756,7 +17048,7 @@
               <a:t>(0, 1, 2) </a:t>
             </a:r>
             <a:r>
-              <a:rPr lang="en-US" sz="2800" b="1" i="0" u="none" strike="noStrike" cap="none" dirty="0">
+              <a:rPr lang="es-419" sz="2800" b="1" i="0" u="none" strike="noStrike" cap="none" dirty="0">
                 <a:solidFill>
                   <a:srgbClr val="00FFFF"/>
                 </a:solidFill>
@@ -16768,7 +17060,7 @@
               <a:t>&lt;</a:t>
             </a:r>
             <a:r>
-              <a:rPr lang="en-US" sz="2800" b="1" i="0" u="none" strike="noStrike" cap="none" dirty="0">
+              <a:rPr lang="es-419" sz="2800" b="1" i="0" u="none" strike="noStrike" cap="none" dirty="0">
                 <a:solidFill>
                   <a:srgbClr val="FF7F00"/>
                 </a:solidFill>
@@ -16799,7 +17091,7 @@
               <a:buNone/>
             </a:pPr>
             <a:r>
-              <a:rPr lang="en-US" sz="2800" b="1" i="0" u="none" strike="noStrike" cap="none" dirty="0">
+              <a:rPr lang="es-419" sz="2800" b="1" i="0" u="none" strike="noStrike" cap="none" dirty="0">
                 <a:solidFill>
                   <a:schemeClr val="lt1"/>
                 </a:solidFill>
@@ -16830,7 +17122,7 @@
               <a:buNone/>
             </a:pPr>
             <a:r>
-              <a:rPr lang="en-US" sz="2800" b="1" i="0" u="none" strike="noStrike" cap="none" dirty="0">
+              <a:rPr lang="es-419" sz="2800" b="1" i="0" u="none" strike="noStrike" cap="none" dirty="0">
                 <a:solidFill>
                   <a:schemeClr val="lt1"/>
                 </a:solidFill>
@@ -16842,7 +17134,7 @@
               <a:t>&gt;&gt;&gt; </a:t>
             </a:r>
             <a:r>
-              <a:rPr lang="en-US" sz="2800" b="1" i="0" u="none" strike="noStrike" cap="none" dirty="0">
+              <a:rPr lang="es-419" sz="2800" b="1" i="0" u="none" strike="noStrike" cap="none" dirty="0">
                 <a:solidFill>
                   <a:srgbClr val="FF7F00"/>
                 </a:solidFill>
@@ -16854,7 +17146,7 @@
               <a:t>(0, 1, 2000000) </a:t>
             </a:r>
             <a:r>
-              <a:rPr lang="en-US" sz="2800" b="1" i="0" u="none" strike="noStrike" cap="none" dirty="0">
+              <a:rPr lang="es-419" sz="2800" b="1" i="0" u="none" strike="noStrike" cap="none" dirty="0">
                 <a:solidFill>
                   <a:srgbClr val="00FFFF"/>
                 </a:solidFill>
@@ -16866,7 +17158,7 @@
               <a:t>&lt;</a:t>
             </a:r>
             <a:r>
-              <a:rPr lang="en-US" sz="2800" b="1" i="0" u="none" strike="noStrike" cap="none" dirty="0">
+              <a:rPr lang="es-419" sz="2800" b="1" i="0" u="none" strike="noStrike" cap="none" dirty="0">
                 <a:solidFill>
                   <a:srgbClr val="FF7F00"/>
                 </a:solidFill>
@@ -16897,7 +17189,7 @@
               <a:buNone/>
             </a:pPr>
             <a:r>
-              <a:rPr lang="en-US" sz="2800" b="1" i="0" u="none" strike="noStrike" cap="none" dirty="0">
+              <a:rPr lang="es-419" sz="2800" b="1" i="0" u="none" strike="noStrike" cap="none" dirty="0">
                 <a:solidFill>
                   <a:schemeClr val="lt1"/>
                 </a:solidFill>
@@ -16928,7 +17220,7 @@
               <a:buNone/>
             </a:pPr>
             <a:r>
-              <a:rPr lang="en-US" sz="2800" b="1" i="0" u="none" strike="noStrike" cap="none" dirty="0">
+              <a:rPr lang="es-419" sz="2800" b="1" i="0" u="none" strike="noStrike" cap="none" dirty="0">
                 <a:solidFill>
                   <a:schemeClr val="lt1"/>
                 </a:solidFill>
@@ -16940,7 +17232,7 @@
               <a:t>&gt;&gt;&gt; </a:t>
             </a:r>
             <a:r>
-              <a:rPr lang="en-US" sz="2800" b="1" i="0" u="none" strike="noStrike" cap="none" dirty="0">
+              <a:rPr lang="es-419" sz="2800" b="1" i="0" u="none" strike="noStrike" cap="none" dirty="0">
                 <a:solidFill>
                   <a:srgbClr val="FF7F00"/>
                 </a:solidFill>
@@ -16952,7 +17244,7 @@
               <a:t>( 'Jones', 'Sally' ) </a:t>
             </a:r>
             <a:r>
-              <a:rPr lang="en-US" sz="2800" b="1" i="0" u="none" strike="noStrike" cap="none" dirty="0">
+              <a:rPr lang="es-419" sz="2800" b="1" i="0" u="none" strike="noStrike" cap="none" dirty="0">
                 <a:solidFill>
                   <a:srgbClr val="00FFFF"/>
                 </a:solidFill>
@@ -16964,7 +17256,7 @@
               <a:t>&lt;</a:t>
             </a:r>
             <a:r>
-              <a:rPr lang="en-US" sz="2800" b="1" i="0" u="none" strike="noStrike" cap="none" dirty="0">
+              <a:rPr lang="es-419" sz="2800" b="1" i="0" u="none" strike="noStrike" cap="none" dirty="0">
                 <a:solidFill>
                   <a:srgbClr val="FF7F00"/>
                 </a:solidFill>
@@ -16995,7 +17287,7 @@
               <a:buNone/>
             </a:pPr>
             <a:r>
-              <a:rPr lang="en-US" sz="2800" b="1" i="0" u="none" strike="noStrike" cap="none" dirty="0">
+              <a:rPr lang="es-419" sz="2800" b="1" i="0" u="none" strike="noStrike" cap="none" dirty="0">
                 <a:solidFill>
                   <a:schemeClr val="lt1"/>
                 </a:solidFill>
@@ -17026,7 +17318,7 @@
               <a:buNone/>
             </a:pPr>
             <a:r>
-              <a:rPr lang="en-US" sz="2800" b="1" i="0" u="none" strike="noStrike" cap="none" dirty="0">
+              <a:rPr lang="es-419" sz="2800" b="1" i="0" u="none" strike="noStrike" cap="none" dirty="0">
                 <a:solidFill>
                   <a:schemeClr val="lt1"/>
                 </a:solidFill>
@@ -17038,7 +17330,7 @@
               <a:t>&gt;&gt;&gt; </a:t>
             </a:r>
             <a:r>
-              <a:rPr lang="en-US" sz="2800" b="1" i="0" u="none" strike="noStrike" cap="none" dirty="0">
+              <a:rPr lang="es-419" sz="2800" b="1" i="0" u="none" strike="noStrike" cap="none" dirty="0">
                 <a:solidFill>
                   <a:srgbClr val="FF7F00"/>
                 </a:solidFill>
@@ -17050,7 +17342,7 @@
               <a:t>( 'Jones', 'Sally') </a:t>
             </a:r>
             <a:r>
-              <a:rPr lang="en-US" sz="2800" b="1" i="0" u="none" strike="noStrike" cap="none" dirty="0">
+              <a:rPr lang="es-419" sz="2800" b="1" i="0" u="none" strike="noStrike" cap="none" dirty="0">
                 <a:solidFill>
                   <a:srgbClr val="00FFFF"/>
                 </a:solidFill>
@@ -17062,7 +17354,7 @@
               <a:t>&gt;</a:t>
             </a:r>
             <a:r>
-              <a:rPr lang="en-US" sz="2800" b="1" i="0" u="none" strike="noStrike" cap="none" dirty="0">
+              <a:rPr lang="es-419" sz="2800" b="1" i="0" u="none" strike="noStrike" cap="none" dirty="0">
                 <a:solidFill>
                   <a:srgbClr val="FF7F00"/>
                 </a:solidFill>
@@ -17093,7 +17385,7 @@
               <a:buNone/>
             </a:pPr>
             <a:r>
-              <a:rPr lang="en-US" sz="2800" b="1" i="0" u="none" strike="noStrike" cap="none" dirty="0">
+              <a:rPr lang="es-419" sz="2800" b="1" i="0" u="none" strike="noStrike" cap="none" dirty="0">
                 <a:solidFill>
                   <a:schemeClr val="lt1"/>
                 </a:solidFill>
